--- a/materiais-complementares/fluxograma projeto.pptx
+++ b/materiais-complementares/fluxograma projeto.pptx
@@ -5,8 +5,12 @@
     <p:sldMasterId id="2147483648" r:id="rId1"/>
   </p:sldMasterIdLst>
   <p:sldIdLst>
-    <p:sldId id="256" r:id="rId2"/>
-    <p:sldId id="257" r:id="rId3"/>
+    <p:sldId id="257" r:id="rId2"/>
+    <p:sldId id="258" r:id="rId3"/>
+    <p:sldId id="259" r:id="rId4"/>
+    <p:sldId id="262" r:id="rId5"/>
+    <p:sldId id="263" r:id="rId6"/>
+    <p:sldId id="261" r:id="rId7"/>
   </p:sldIdLst>
   <p:sldSz cx="12192000" cy="6858000"/>
   <p:notesSz cx="6858000" cy="9144000"/>
@@ -116,7 +120,7 @@
 <file path=ppt/revisionInfo.xml><?xml version="1.0" encoding="utf-8"?>
 <p1510:revInfo xmlns:a="http://schemas.openxmlformats.org/drawingml/2006/main" xmlns:r="http://schemas.openxmlformats.org/officeDocument/2006/relationships" xmlns:p1510="http://schemas.microsoft.com/office/powerpoint/2015/10/main">
   <p1510:revLst>
-    <p1510:client id="{30FA8068-CB00-4672-A466-5E69C074B526}" v="5" dt="2022-03-08T00:56:23.698"/>
+    <p1510:client id="{30FA8068-CB00-4672-A466-5E69C074B526}" v="57" dt="2022-03-20T22:46:20.509"/>
   </p1510:revLst>
 </p1510:revInfo>
 </file>
@@ -125,19 +129,514 @@
 <pc:chgInfo xmlns:a="http://schemas.openxmlformats.org/drawingml/2006/main" xmlns:r="http://schemas.openxmlformats.org/officeDocument/2006/relationships" xmlns:ac="http://schemas.microsoft.com/office/drawing/2013/main/command" xmlns:pc="http://schemas.microsoft.com/office/powerpoint/2013/main/command">
   <pc:docChgLst>
     <pc:chgData name="Jessica dos Santos Paiva" userId="7fb23bec-a373-4816-84ee-47119a63df95" providerId="ADAL" clId="{30FA8068-CB00-4672-A466-5E69C074B526}"/>
-    <pc:docChg chg="custSel addSld modSld">
-      <pc:chgData name="Jessica dos Santos Paiva" userId="7fb23bec-a373-4816-84ee-47119a63df95" providerId="ADAL" clId="{30FA8068-CB00-4672-A466-5E69C074B526}" dt="2022-03-08T00:56:23.698" v="282"/>
+    <pc:docChg chg="undo custSel addSld delSld modSld sldOrd">
+      <pc:chgData name="Jessica dos Santos Paiva" userId="7fb23bec-a373-4816-84ee-47119a63df95" providerId="ADAL" clId="{30FA8068-CB00-4672-A466-5E69C074B526}" dt="2022-03-20T23:27:56.313" v="980" actId="1076"/>
       <pc:docMkLst>
         <pc:docMk/>
       </pc:docMkLst>
-      <pc:sldChg chg="addSp delSp modSp new mod">
-        <pc:chgData name="Jessica dos Santos Paiva" userId="7fb23bec-a373-4816-84ee-47119a63df95" providerId="ADAL" clId="{30FA8068-CB00-4672-A466-5E69C074B526}" dt="2022-03-08T00:56:23.698" v="282"/>
+      <pc:sldChg chg="addSp delSp modSp del mod ord">
+        <pc:chgData name="Jessica dos Santos Paiva" userId="7fb23bec-a373-4816-84ee-47119a63df95" providerId="ADAL" clId="{30FA8068-CB00-4672-A466-5E69C074B526}" dt="2022-03-20T22:44:19.874" v="956" actId="47"/>
+        <pc:sldMkLst>
+          <pc:docMk/>
+          <pc:sldMk cId="1593385027" sldId="256"/>
+        </pc:sldMkLst>
+        <pc:spChg chg="mod">
+          <ac:chgData name="Jessica dos Santos Paiva" userId="7fb23bec-a373-4816-84ee-47119a63df95" providerId="ADAL" clId="{30FA8068-CB00-4672-A466-5E69C074B526}" dt="2022-03-20T22:02:12.548" v="525" actId="1076"/>
+          <ac:spMkLst>
+            <pc:docMk/>
+            <pc:sldMk cId="1593385027" sldId="256"/>
+            <ac:spMk id="4" creationId="{3B2681A8-C0D1-408E-88E4-51A751717B0F}"/>
+          </ac:spMkLst>
+        </pc:spChg>
+        <pc:spChg chg="mod">
+          <ac:chgData name="Jessica dos Santos Paiva" userId="7fb23bec-a373-4816-84ee-47119a63df95" providerId="ADAL" clId="{30FA8068-CB00-4672-A466-5E69C074B526}" dt="2022-03-20T22:01:56.209" v="521" actId="1076"/>
+          <ac:spMkLst>
+            <pc:docMk/>
+            <pc:sldMk cId="1593385027" sldId="256"/>
+            <ac:spMk id="7" creationId="{5E0D8516-C4ED-47FC-A593-8B9E90D816EB}"/>
+          </ac:spMkLst>
+        </pc:spChg>
+        <pc:spChg chg="mod">
+          <ac:chgData name="Jessica dos Santos Paiva" userId="7fb23bec-a373-4816-84ee-47119a63df95" providerId="ADAL" clId="{30FA8068-CB00-4672-A466-5E69C074B526}" dt="2022-03-20T22:01:56.209" v="521" actId="1076"/>
+          <ac:spMkLst>
+            <pc:docMk/>
+            <pc:sldMk cId="1593385027" sldId="256"/>
+            <ac:spMk id="10" creationId="{497BD47B-1D49-4AFF-8702-172DDB66ED0B}"/>
+          </ac:spMkLst>
+        </pc:spChg>
+        <pc:spChg chg="mod">
+          <ac:chgData name="Jessica dos Santos Paiva" userId="7fb23bec-a373-4816-84ee-47119a63df95" providerId="ADAL" clId="{30FA8068-CB00-4672-A466-5E69C074B526}" dt="2022-03-20T22:01:56.209" v="521" actId="1076"/>
+          <ac:spMkLst>
+            <pc:docMk/>
+            <pc:sldMk cId="1593385027" sldId="256"/>
+            <ac:spMk id="20" creationId="{007E262A-6EFB-4DE3-8A56-9198CBD12613}"/>
+          </ac:spMkLst>
+        </pc:spChg>
+        <pc:spChg chg="mod">
+          <ac:chgData name="Jessica dos Santos Paiva" userId="7fb23bec-a373-4816-84ee-47119a63df95" providerId="ADAL" clId="{30FA8068-CB00-4672-A466-5E69C074B526}" dt="2022-03-20T22:01:56.209" v="521" actId="1076"/>
+          <ac:spMkLst>
+            <pc:docMk/>
+            <pc:sldMk cId="1593385027" sldId="256"/>
+            <ac:spMk id="22" creationId="{F74F799D-450D-4612-84C9-48D7536BE34C}"/>
+          </ac:spMkLst>
+        </pc:spChg>
+        <pc:spChg chg="mod">
+          <ac:chgData name="Jessica dos Santos Paiva" userId="7fb23bec-a373-4816-84ee-47119a63df95" providerId="ADAL" clId="{30FA8068-CB00-4672-A466-5E69C074B526}" dt="2022-03-20T22:01:56.209" v="521" actId="1076"/>
+          <ac:spMkLst>
+            <pc:docMk/>
+            <pc:sldMk cId="1593385027" sldId="256"/>
+            <ac:spMk id="23" creationId="{F615921B-E178-43B0-A911-FA2EC98C80DE}"/>
+          </ac:spMkLst>
+        </pc:spChg>
+        <pc:spChg chg="mod">
+          <ac:chgData name="Jessica dos Santos Paiva" userId="7fb23bec-a373-4816-84ee-47119a63df95" providerId="ADAL" clId="{30FA8068-CB00-4672-A466-5E69C074B526}" dt="2022-03-20T22:01:56.209" v="521" actId="1076"/>
+          <ac:spMkLst>
+            <pc:docMk/>
+            <pc:sldMk cId="1593385027" sldId="256"/>
+            <ac:spMk id="27" creationId="{5FF6352D-0DFA-45F6-BFB5-4203EA9DC2FE}"/>
+          </ac:spMkLst>
+        </pc:spChg>
+        <pc:spChg chg="mod">
+          <ac:chgData name="Jessica dos Santos Paiva" userId="7fb23bec-a373-4816-84ee-47119a63df95" providerId="ADAL" clId="{30FA8068-CB00-4672-A466-5E69C074B526}" dt="2022-03-20T22:01:56.209" v="521" actId="1076"/>
+          <ac:spMkLst>
+            <pc:docMk/>
+            <pc:sldMk cId="1593385027" sldId="256"/>
+            <ac:spMk id="29" creationId="{3A1A4728-A167-49F6-912B-690EC1AB87CA}"/>
+          </ac:spMkLst>
+        </pc:spChg>
+        <pc:spChg chg="mod">
+          <ac:chgData name="Jessica dos Santos Paiva" userId="7fb23bec-a373-4816-84ee-47119a63df95" providerId="ADAL" clId="{30FA8068-CB00-4672-A466-5E69C074B526}" dt="2022-03-20T22:01:56.209" v="521" actId="1076"/>
+          <ac:spMkLst>
+            <pc:docMk/>
+            <pc:sldMk cId="1593385027" sldId="256"/>
+            <ac:spMk id="30" creationId="{4E303C8A-A4B0-4F31-B413-16215062EBB2}"/>
+          </ac:spMkLst>
+        </pc:spChg>
+        <pc:spChg chg="mod">
+          <ac:chgData name="Jessica dos Santos Paiva" userId="7fb23bec-a373-4816-84ee-47119a63df95" providerId="ADAL" clId="{30FA8068-CB00-4672-A466-5E69C074B526}" dt="2022-03-20T22:01:56.209" v="521" actId="1076"/>
+          <ac:spMkLst>
+            <pc:docMk/>
+            <pc:sldMk cId="1593385027" sldId="256"/>
+            <ac:spMk id="31" creationId="{1F200F29-093B-45A7-8249-CD19451F53D8}"/>
+          </ac:spMkLst>
+        </pc:spChg>
+        <pc:spChg chg="mod">
+          <ac:chgData name="Jessica dos Santos Paiva" userId="7fb23bec-a373-4816-84ee-47119a63df95" providerId="ADAL" clId="{30FA8068-CB00-4672-A466-5E69C074B526}" dt="2022-03-20T22:01:56.209" v="521" actId="1076"/>
+          <ac:spMkLst>
+            <pc:docMk/>
+            <pc:sldMk cId="1593385027" sldId="256"/>
+            <ac:spMk id="32" creationId="{56DC8E18-2612-440D-93DA-2472A5CA8DBD}"/>
+          </ac:spMkLst>
+        </pc:spChg>
+        <pc:spChg chg="mod">
+          <ac:chgData name="Jessica dos Santos Paiva" userId="7fb23bec-a373-4816-84ee-47119a63df95" providerId="ADAL" clId="{30FA8068-CB00-4672-A466-5E69C074B526}" dt="2022-03-20T22:01:56.209" v="521" actId="1076"/>
+          <ac:spMkLst>
+            <pc:docMk/>
+            <pc:sldMk cId="1593385027" sldId="256"/>
+            <ac:spMk id="33" creationId="{7B82DF1D-3B2A-43E7-A5BF-D3DEE25BAA94}"/>
+          </ac:spMkLst>
+        </pc:spChg>
+        <pc:spChg chg="mod">
+          <ac:chgData name="Jessica dos Santos Paiva" userId="7fb23bec-a373-4816-84ee-47119a63df95" providerId="ADAL" clId="{30FA8068-CB00-4672-A466-5E69C074B526}" dt="2022-03-20T22:01:56.209" v="521" actId="1076"/>
+          <ac:spMkLst>
+            <pc:docMk/>
+            <pc:sldMk cId="1593385027" sldId="256"/>
+            <ac:spMk id="34" creationId="{8A9D6E6C-2F5A-43BC-A78B-16E176DE3DA1}"/>
+          </ac:spMkLst>
+        </pc:spChg>
+        <pc:spChg chg="del mod">
+          <ac:chgData name="Jessica dos Santos Paiva" userId="7fb23bec-a373-4816-84ee-47119a63df95" providerId="ADAL" clId="{30FA8068-CB00-4672-A466-5E69C074B526}" dt="2022-03-20T21:54:02.227" v="446" actId="478"/>
+          <ac:spMkLst>
+            <pc:docMk/>
+            <pc:sldMk cId="1593385027" sldId="256"/>
+            <ac:spMk id="35" creationId="{3D48D874-C083-4738-8911-A863B07AF4D3}"/>
+          </ac:spMkLst>
+        </pc:spChg>
+        <pc:spChg chg="del">
+          <ac:chgData name="Jessica dos Santos Paiva" userId="7fb23bec-a373-4816-84ee-47119a63df95" providerId="ADAL" clId="{30FA8068-CB00-4672-A466-5E69C074B526}" dt="2022-03-20T21:50:23.772" v="386" actId="478"/>
+          <ac:spMkLst>
+            <pc:docMk/>
+            <pc:sldMk cId="1593385027" sldId="256"/>
+            <ac:spMk id="72" creationId="{99913B1A-CEEB-4DEE-B76C-1B629B17B08D}"/>
+          </ac:spMkLst>
+        </pc:spChg>
+        <pc:spChg chg="mod">
+          <ac:chgData name="Jessica dos Santos Paiva" userId="7fb23bec-a373-4816-84ee-47119a63df95" providerId="ADAL" clId="{30FA8068-CB00-4672-A466-5E69C074B526}" dt="2022-03-20T22:01:56.209" v="521" actId="1076"/>
+          <ac:spMkLst>
+            <pc:docMk/>
+            <pc:sldMk cId="1593385027" sldId="256"/>
+            <ac:spMk id="73" creationId="{B2A9BBFE-059B-4686-95EE-3E26DFB47956}"/>
+          </ac:spMkLst>
+        </pc:spChg>
+        <pc:spChg chg="mod">
+          <ac:chgData name="Jessica dos Santos Paiva" userId="7fb23bec-a373-4816-84ee-47119a63df95" providerId="ADAL" clId="{30FA8068-CB00-4672-A466-5E69C074B526}" dt="2022-03-20T22:01:56.209" v="521" actId="1076"/>
+          <ac:spMkLst>
+            <pc:docMk/>
+            <pc:sldMk cId="1593385027" sldId="256"/>
+            <ac:spMk id="75" creationId="{A7ED1051-58E4-4951-B8F1-004BDDCC4690}"/>
+          </ac:spMkLst>
+        </pc:spChg>
+        <pc:spChg chg="mod">
+          <ac:chgData name="Jessica dos Santos Paiva" userId="7fb23bec-a373-4816-84ee-47119a63df95" providerId="ADAL" clId="{30FA8068-CB00-4672-A466-5E69C074B526}" dt="2022-03-20T22:01:56.209" v="521" actId="1076"/>
+          <ac:spMkLst>
+            <pc:docMk/>
+            <pc:sldMk cId="1593385027" sldId="256"/>
+            <ac:spMk id="82" creationId="{651E90D1-3644-4C37-A492-A080829AD418}"/>
+          </ac:spMkLst>
+        </pc:spChg>
+        <pc:spChg chg="add mod">
+          <ac:chgData name="Jessica dos Santos Paiva" userId="7fb23bec-a373-4816-84ee-47119a63df95" providerId="ADAL" clId="{30FA8068-CB00-4672-A466-5E69C074B526}" dt="2022-03-20T22:01:56.209" v="521" actId="1076"/>
+          <ac:spMkLst>
+            <pc:docMk/>
+            <pc:sldMk cId="1593385027" sldId="256"/>
+            <ac:spMk id="83" creationId="{C6A0DE72-9827-454A-95E9-CD993F982908}"/>
+          </ac:spMkLst>
+        </pc:spChg>
+        <pc:spChg chg="add mod">
+          <ac:chgData name="Jessica dos Santos Paiva" userId="7fb23bec-a373-4816-84ee-47119a63df95" providerId="ADAL" clId="{30FA8068-CB00-4672-A466-5E69C074B526}" dt="2022-03-20T22:01:56.209" v="521" actId="1076"/>
+          <ac:spMkLst>
+            <pc:docMk/>
+            <pc:sldMk cId="1593385027" sldId="256"/>
+            <ac:spMk id="84" creationId="{ADF7D842-8D89-4ADC-92CC-A94ABDE72058}"/>
+          </ac:spMkLst>
+        </pc:spChg>
+        <pc:spChg chg="add mod">
+          <ac:chgData name="Jessica dos Santos Paiva" userId="7fb23bec-a373-4816-84ee-47119a63df95" providerId="ADAL" clId="{30FA8068-CB00-4672-A466-5E69C074B526}" dt="2022-03-20T22:01:56.209" v="521" actId="1076"/>
+          <ac:spMkLst>
+            <pc:docMk/>
+            <pc:sldMk cId="1593385027" sldId="256"/>
+            <ac:spMk id="102" creationId="{33822675-EE71-4694-B7A7-293F9FA902C7}"/>
+          </ac:spMkLst>
+        </pc:spChg>
+        <pc:spChg chg="add mod">
+          <ac:chgData name="Jessica dos Santos Paiva" userId="7fb23bec-a373-4816-84ee-47119a63df95" providerId="ADAL" clId="{30FA8068-CB00-4672-A466-5E69C074B526}" dt="2022-03-20T22:01:56.209" v="521" actId="1076"/>
+          <ac:spMkLst>
+            <pc:docMk/>
+            <pc:sldMk cId="1593385027" sldId="256"/>
+            <ac:spMk id="124" creationId="{CF86DD79-4484-47D4-99A9-926C9A908A4B}"/>
+          </ac:spMkLst>
+        </pc:spChg>
+        <pc:spChg chg="add mod">
+          <ac:chgData name="Jessica dos Santos Paiva" userId="7fb23bec-a373-4816-84ee-47119a63df95" providerId="ADAL" clId="{30FA8068-CB00-4672-A466-5E69C074B526}" dt="2022-03-20T22:01:56.209" v="521" actId="1076"/>
+          <ac:spMkLst>
+            <pc:docMk/>
+            <pc:sldMk cId="1593385027" sldId="256"/>
+            <ac:spMk id="129" creationId="{D2DCF628-285B-4316-B6C3-26F630CC3E5F}"/>
+          </ac:spMkLst>
+        </pc:spChg>
+        <pc:cxnChg chg="mod">
+          <ac:chgData name="Jessica dos Santos Paiva" userId="7fb23bec-a373-4816-84ee-47119a63df95" providerId="ADAL" clId="{30FA8068-CB00-4672-A466-5E69C074B526}" dt="2022-03-20T22:02:12.548" v="525" actId="1076"/>
+          <ac:cxnSpMkLst>
+            <pc:docMk/>
+            <pc:sldMk cId="1593385027" sldId="256"/>
+            <ac:cxnSpMk id="6" creationId="{DB944494-DE8B-4888-B2CD-6E1EF0C3E80D}"/>
+          </ac:cxnSpMkLst>
+        </pc:cxnChg>
+        <pc:cxnChg chg="mod">
+          <ac:chgData name="Jessica dos Santos Paiva" userId="7fb23bec-a373-4816-84ee-47119a63df95" providerId="ADAL" clId="{30FA8068-CB00-4672-A466-5E69C074B526}" dt="2022-03-20T22:01:56.209" v="521" actId="1076"/>
+          <ac:cxnSpMkLst>
+            <pc:docMk/>
+            <pc:sldMk cId="1593385027" sldId="256"/>
+            <ac:cxnSpMk id="9" creationId="{D7FEBA6F-6533-4E45-90C1-5B37EABC82B6}"/>
+          </ac:cxnSpMkLst>
+        </pc:cxnChg>
+        <pc:cxnChg chg="mod">
+          <ac:chgData name="Jessica dos Santos Paiva" userId="7fb23bec-a373-4816-84ee-47119a63df95" providerId="ADAL" clId="{30FA8068-CB00-4672-A466-5E69C074B526}" dt="2022-03-20T22:01:56.209" v="521" actId="1076"/>
+          <ac:cxnSpMkLst>
+            <pc:docMk/>
+            <pc:sldMk cId="1593385027" sldId="256"/>
+            <ac:cxnSpMk id="12" creationId="{D6AE3881-4D8A-4A88-956F-AE3DA0A1E56B}"/>
+          </ac:cxnSpMkLst>
+        </pc:cxnChg>
+        <pc:cxnChg chg="mod">
+          <ac:chgData name="Jessica dos Santos Paiva" userId="7fb23bec-a373-4816-84ee-47119a63df95" providerId="ADAL" clId="{30FA8068-CB00-4672-A466-5E69C074B526}" dt="2022-03-20T22:01:56.209" v="521" actId="1076"/>
+          <ac:cxnSpMkLst>
+            <pc:docMk/>
+            <pc:sldMk cId="1593385027" sldId="256"/>
+            <ac:cxnSpMk id="14" creationId="{C644F39C-0F06-4959-B4DD-E80F6840C041}"/>
+          </ac:cxnSpMkLst>
+        </pc:cxnChg>
+        <pc:cxnChg chg="mod">
+          <ac:chgData name="Jessica dos Santos Paiva" userId="7fb23bec-a373-4816-84ee-47119a63df95" providerId="ADAL" clId="{30FA8068-CB00-4672-A466-5E69C074B526}" dt="2022-03-20T22:01:56.209" v="521" actId="1076"/>
+          <ac:cxnSpMkLst>
+            <pc:docMk/>
+            <pc:sldMk cId="1593385027" sldId="256"/>
+            <ac:cxnSpMk id="16" creationId="{187832F4-3465-470C-8289-0CF686DA5AA6}"/>
+          </ac:cxnSpMkLst>
+        </pc:cxnChg>
+        <pc:cxnChg chg="mod">
+          <ac:chgData name="Jessica dos Santos Paiva" userId="7fb23bec-a373-4816-84ee-47119a63df95" providerId="ADAL" clId="{30FA8068-CB00-4672-A466-5E69C074B526}" dt="2022-03-20T22:01:56.209" v="521" actId="1076"/>
+          <ac:cxnSpMkLst>
+            <pc:docMk/>
+            <pc:sldMk cId="1593385027" sldId="256"/>
+            <ac:cxnSpMk id="37" creationId="{2EA213AD-7F46-45F3-BCF3-14E03FE658EC}"/>
+          </ac:cxnSpMkLst>
+        </pc:cxnChg>
+        <pc:cxnChg chg="mod">
+          <ac:chgData name="Jessica dos Santos Paiva" userId="7fb23bec-a373-4816-84ee-47119a63df95" providerId="ADAL" clId="{30FA8068-CB00-4672-A466-5E69C074B526}" dt="2022-03-20T22:01:56.209" v="521" actId="1076"/>
+          <ac:cxnSpMkLst>
+            <pc:docMk/>
+            <pc:sldMk cId="1593385027" sldId="256"/>
+            <ac:cxnSpMk id="39" creationId="{1CD0BAE0-CEE0-4CB0-8BD6-5085A9DDA1CE}"/>
+          </ac:cxnSpMkLst>
+        </pc:cxnChg>
+        <pc:cxnChg chg="mod">
+          <ac:chgData name="Jessica dos Santos Paiva" userId="7fb23bec-a373-4816-84ee-47119a63df95" providerId="ADAL" clId="{30FA8068-CB00-4672-A466-5E69C074B526}" dt="2022-03-20T22:01:56.209" v="521" actId="1076"/>
+          <ac:cxnSpMkLst>
+            <pc:docMk/>
+            <pc:sldMk cId="1593385027" sldId="256"/>
+            <ac:cxnSpMk id="41" creationId="{0FF16C06-EF5E-41F9-8B47-71635C6B108E}"/>
+          </ac:cxnSpMkLst>
+        </pc:cxnChg>
+        <pc:cxnChg chg="mod">
+          <ac:chgData name="Jessica dos Santos Paiva" userId="7fb23bec-a373-4816-84ee-47119a63df95" providerId="ADAL" clId="{30FA8068-CB00-4672-A466-5E69C074B526}" dt="2022-03-20T22:01:56.209" v="521" actId="1076"/>
+          <ac:cxnSpMkLst>
+            <pc:docMk/>
+            <pc:sldMk cId="1593385027" sldId="256"/>
+            <ac:cxnSpMk id="43" creationId="{A46BE432-6C3E-4C10-AD44-BF61A48E975A}"/>
+          </ac:cxnSpMkLst>
+        </pc:cxnChg>
+        <pc:cxnChg chg="mod">
+          <ac:chgData name="Jessica dos Santos Paiva" userId="7fb23bec-a373-4816-84ee-47119a63df95" providerId="ADAL" clId="{30FA8068-CB00-4672-A466-5E69C074B526}" dt="2022-03-20T22:01:56.209" v="521" actId="1076"/>
+          <ac:cxnSpMkLst>
+            <pc:docMk/>
+            <pc:sldMk cId="1593385027" sldId="256"/>
+            <ac:cxnSpMk id="45" creationId="{0D9E055F-C424-49E5-8223-4D83E6D5A7A4}"/>
+          </ac:cxnSpMkLst>
+        </pc:cxnChg>
+        <pc:cxnChg chg="mod">
+          <ac:chgData name="Jessica dos Santos Paiva" userId="7fb23bec-a373-4816-84ee-47119a63df95" providerId="ADAL" clId="{30FA8068-CB00-4672-A466-5E69C074B526}" dt="2022-03-20T22:01:56.209" v="521" actId="1076"/>
+          <ac:cxnSpMkLst>
+            <pc:docMk/>
+            <pc:sldMk cId="1593385027" sldId="256"/>
+            <ac:cxnSpMk id="47" creationId="{C002A50A-A412-4532-935C-8B4D796C2605}"/>
+          </ac:cxnSpMkLst>
+        </pc:cxnChg>
+        <pc:cxnChg chg="del mod">
+          <ac:chgData name="Jessica dos Santos Paiva" userId="7fb23bec-a373-4816-84ee-47119a63df95" providerId="ADAL" clId="{30FA8068-CB00-4672-A466-5E69C074B526}" dt="2022-03-20T21:49:45.553" v="376" actId="478"/>
+          <ac:cxnSpMkLst>
+            <pc:docMk/>
+            <pc:sldMk cId="1593385027" sldId="256"/>
+            <ac:cxnSpMk id="49" creationId="{5409670C-BC44-4422-87FB-846F01E48396}"/>
+          </ac:cxnSpMkLst>
+        </pc:cxnChg>
+        <pc:cxnChg chg="mod">
+          <ac:chgData name="Jessica dos Santos Paiva" userId="7fb23bec-a373-4816-84ee-47119a63df95" providerId="ADAL" clId="{30FA8068-CB00-4672-A466-5E69C074B526}" dt="2022-03-20T22:01:56.209" v="521" actId="1076"/>
+          <ac:cxnSpMkLst>
+            <pc:docMk/>
+            <pc:sldMk cId="1593385027" sldId="256"/>
+            <ac:cxnSpMk id="51" creationId="{60BC7CBF-0996-445A-ACEB-174AEC7865FE}"/>
+          </ac:cxnSpMkLst>
+        </pc:cxnChg>
+        <pc:cxnChg chg="mod">
+          <ac:chgData name="Jessica dos Santos Paiva" userId="7fb23bec-a373-4816-84ee-47119a63df95" providerId="ADAL" clId="{30FA8068-CB00-4672-A466-5E69C074B526}" dt="2022-03-20T22:01:56.209" v="521" actId="1076"/>
+          <ac:cxnSpMkLst>
+            <pc:docMk/>
+            <pc:sldMk cId="1593385027" sldId="256"/>
+            <ac:cxnSpMk id="53" creationId="{BBB3DCCF-594B-4E0F-914B-280B7C2B2768}"/>
+          </ac:cxnSpMkLst>
+        </pc:cxnChg>
+        <pc:cxnChg chg="del mod">
+          <ac:chgData name="Jessica dos Santos Paiva" userId="7fb23bec-a373-4816-84ee-47119a63df95" providerId="ADAL" clId="{30FA8068-CB00-4672-A466-5E69C074B526}" dt="2022-03-20T21:46:43.213" v="323" actId="478"/>
+          <ac:cxnSpMkLst>
+            <pc:docMk/>
+            <pc:sldMk cId="1593385027" sldId="256"/>
+            <ac:cxnSpMk id="55" creationId="{9F57DF54-EB62-4373-A996-59F52D3C8BC6}"/>
+          </ac:cxnSpMkLst>
+        </pc:cxnChg>
+        <pc:cxnChg chg="mod">
+          <ac:chgData name="Jessica dos Santos Paiva" userId="7fb23bec-a373-4816-84ee-47119a63df95" providerId="ADAL" clId="{30FA8068-CB00-4672-A466-5E69C074B526}" dt="2022-03-20T22:01:56.209" v="521" actId="1076"/>
+          <ac:cxnSpMkLst>
+            <pc:docMk/>
+            <pc:sldMk cId="1593385027" sldId="256"/>
+            <ac:cxnSpMk id="57" creationId="{73B935FF-4CA1-4485-874D-F2A7CB880FDF}"/>
+          </ac:cxnSpMkLst>
+        </pc:cxnChg>
+        <pc:cxnChg chg="mod">
+          <ac:chgData name="Jessica dos Santos Paiva" userId="7fb23bec-a373-4816-84ee-47119a63df95" providerId="ADAL" clId="{30FA8068-CB00-4672-A466-5E69C074B526}" dt="2022-03-20T22:01:56.209" v="521" actId="1076"/>
+          <ac:cxnSpMkLst>
+            <pc:docMk/>
+            <pc:sldMk cId="1593385027" sldId="256"/>
+            <ac:cxnSpMk id="60" creationId="{044B4BF9-68DB-429B-9DF0-2BA2447DE689}"/>
+          </ac:cxnSpMkLst>
+        </pc:cxnChg>
+        <pc:cxnChg chg="del mod">
+          <ac:chgData name="Jessica dos Santos Paiva" userId="7fb23bec-a373-4816-84ee-47119a63df95" providerId="ADAL" clId="{30FA8068-CB00-4672-A466-5E69C074B526}" dt="2022-03-20T21:58:03.673" v="489" actId="478"/>
+          <ac:cxnSpMkLst>
+            <pc:docMk/>
+            <pc:sldMk cId="1593385027" sldId="256"/>
+            <ac:cxnSpMk id="64" creationId="{2FC705DE-D0D4-4782-B89C-4AADC3D487F5}"/>
+          </ac:cxnSpMkLst>
+        </pc:cxnChg>
+        <pc:cxnChg chg="del mod">
+          <ac:chgData name="Jessica dos Santos Paiva" userId="7fb23bec-a373-4816-84ee-47119a63df95" providerId="ADAL" clId="{30FA8068-CB00-4672-A466-5E69C074B526}" dt="2022-03-20T22:01:04.674" v="515" actId="478"/>
+          <ac:cxnSpMkLst>
+            <pc:docMk/>
+            <pc:sldMk cId="1593385027" sldId="256"/>
+            <ac:cxnSpMk id="67" creationId="{F6901E7B-573D-406B-9F43-EA507F2D985A}"/>
+          </ac:cxnSpMkLst>
+        </pc:cxnChg>
+        <pc:cxnChg chg="del mod">
+          <ac:chgData name="Jessica dos Santos Paiva" userId="7fb23bec-a373-4816-84ee-47119a63df95" providerId="ADAL" clId="{30FA8068-CB00-4672-A466-5E69C074B526}" dt="2022-03-20T21:56:14.907" v="467" actId="478"/>
+          <ac:cxnSpMkLst>
+            <pc:docMk/>
+            <pc:sldMk cId="1593385027" sldId="256"/>
+            <ac:cxnSpMk id="71" creationId="{FE0D83AD-56AD-4E2A-A2CC-C8F1C16ADA51}"/>
+          </ac:cxnSpMkLst>
+        </pc:cxnChg>
+        <pc:cxnChg chg="add mod">
+          <ac:chgData name="Jessica dos Santos Paiva" userId="7fb23bec-a373-4816-84ee-47119a63df95" providerId="ADAL" clId="{30FA8068-CB00-4672-A466-5E69C074B526}" dt="2022-03-20T22:01:56.209" v="521" actId="1076"/>
+          <ac:cxnSpMkLst>
+            <pc:docMk/>
+            <pc:sldMk cId="1593385027" sldId="256"/>
+            <ac:cxnSpMk id="85" creationId="{15753E90-1EF5-498B-9D21-9783738268F0}"/>
+          </ac:cxnSpMkLst>
+        </pc:cxnChg>
+        <pc:cxnChg chg="add mod">
+          <ac:chgData name="Jessica dos Santos Paiva" userId="7fb23bec-a373-4816-84ee-47119a63df95" providerId="ADAL" clId="{30FA8068-CB00-4672-A466-5E69C074B526}" dt="2022-03-20T22:01:56.209" v="521" actId="1076"/>
+          <ac:cxnSpMkLst>
+            <pc:docMk/>
+            <pc:sldMk cId="1593385027" sldId="256"/>
+            <ac:cxnSpMk id="90" creationId="{1BA7CB63-6D77-4B3B-B885-740007E14CF6}"/>
+          </ac:cxnSpMkLst>
+        </pc:cxnChg>
+        <pc:cxnChg chg="del mod">
+          <ac:chgData name="Jessica dos Santos Paiva" userId="7fb23bec-a373-4816-84ee-47119a63df95" providerId="ADAL" clId="{30FA8068-CB00-4672-A466-5E69C074B526}" dt="2022-03-20T21:51:05.092" v="395" actId="478"/>
+          <ac:cxnSpMkLst>
+            <pc:docMk/>
+            <pc:sldMk cId="1593385027" sldId="256"/>
+            <ac:cxnSpMk id="93" creationId="{20C48391-A88D-47A8-81E4-43E10A8E5512}"/>
+          </ac:cxnSpMkLst>
+        </pc:cxnChg>
+        <pc:cxnChg chg="del">
+          <ac:chgData name="Jessica dos Santos Paiva" userId="7fb23bec-a373-4816-84ee-47119a63df95" providerId="ADAL" clId="{30FA8068-CB00-4672-A466-5E69C074B526}" dt="2022-03-20T21:56:09.822" v="466" actId="478"/>
+          <ac:cxnSpMkLst>
+            <pc:docMk/>
+            <pc:sldMk cId="1593385027" sldId="256"/>
+            <ac:cxnSpMk id="96" creationId="{88F9F8C9-A654-439B-8D98-38990ABADC40}"/>
+          </ac:cxnSpMkLst>
+        </pc:cxnChg>
+        <pc:cxnChg chg="add del mod">
+          <ac:chgData name="Jessica dos Santos Paiva" userId="7fb23bec-a373-4816-84ee-47119a63df95" providerId="ADAL" clId="{30FA8068-CB00-4672-A466-5E69C074B526}" dt="2022-03-20T21:52:42.731" v="433" actId="478"/>
+          <ac:cxnSpMkLst>
+            <pc:docMk/>
+            <pc:sldMk cId="1593385027" sldId="256"/>
+            <ac:cxnSpMk id="101" creationId="{711EB125-D03E-46D4-8B2D-A84EF40FC661}"/>
+          </ac:cxnSpMkLst>
+        </pc:cxnChg>
+        <pc:cxnChg chg="add mod">
+          <ac:chgData name="Jessica dos Santos Paiva" userId="7fb23bec-a373-4816-84ee-47119a63df95" providerId="ADAL" clId="{30FA8068-CB00-4672-A466-5E69C074B526}" dt="2022-03-20T22:01:56.209" v="521" actId="1076"/>
+          <ac:cxnSpMkLst>
+            <pc:docMk/>
+            <pc:sldMk cId="1593385027" sldId="256"/>
+            <ac:cxnSpMk id="103" creationId="{EC6ECF20-0F93-4110-99B0-FC2A20307F65}"/>
+          </ac:cxnSpMkLst>
+        </pc:cxnChg>
+        <pc:cxnChg chg="add del mod">
+          <ac:chgData name="Jessica dos Santos Paiva" userId="7fb23bec-a373-4816-84ee-47119a63df95" providerId="ADAL" clId="{30FA8068-CB00-4672-A466-5E69C074B526}" dt="2022-03-20T21:53:32.289" v="444" actId="478"/>
+          <ac:cxnSpMkLst>
+            <pc:docMk/>
+            <pc:sldMk cId="1593385027" sldId="256"/>
+            <ac:cxnSpMk id="106" creationId="{5C1DBE02-0FF5-4455-887C-F5E2CC67782C}"/>
+          </ac:cxnSpMkLst>
+        </pc:cxnChg>
+        <pc:cxnChg chg="add mod">
+          <ac:chgData name="Jessica dos Santos Paiva" userId="7fb23bec-a373-4816-84ee-47119a63df95" providerId="ADAL" clId="{30FA8068-CB00-4672-A466-5E69C074B526}" dt="2022-03-20T22:01:56.209" v="521" actId="1076"/>
+          <ac:cxnSpMkLst>
+            <pc:docMk/>
+            <pc:sldMk cId="1593385027" sldId="256"/>
+            <ac:cxnSpMk id="112" creationId="{339A6026-A91D-4553-A2E2-9BD0BDD293B8}"/>
+          </ac:cxnSpMkLst>
+        </pc:cxnChg>
+        <pc:cxnChg chg="add mod">
+          <ac:chgData name="Jessica dos Santos Paiva" userId="7fb23bec-a373-4816-84ee-47119a63df95" providerId="ADAL" clId="{30FA8068-CB00-4672-A466-5E69C074B526}" dt="2022-03-20T22:01:56.209" v="521" actId="1076"/>
+          <ac:cxnSpMkLst>
+            <pc:docMk/>
+            <pc:sldMk cId="1593385027" sldId="256"/>
+            <ac:cxnSpMk id="125" creationId="{F2B5AFCC-C210-4962-8A4C-A7A601FFE549}"/>
+          </ac:cxnSpMkLst>
+        </pc:cxnChg>
+        <pc:cxnChg chg="add del mod">
+          <ac:chgData name="Jessica dos Santos Paiva" userId="7fb23bec-a373-4816-84ee-47119a63df95" providerId="ADAL" clId="{30FA8068-CB00-4672-A466-5E69C074B526}" dt="2022-03-20T21:57:06.324" v="482"/>
+          <ac:cxnSpMkLst>
+            <pc:docMk/>
+            <pc:sldMk cId="1593385027" sldId="256"/>
+            <ac:cxnSpMk id="128" creationId="{793F2D31-9AF7-43DB-9467-16BE121B29E6}"/>
+          </ac:cxnSpMkLst>
+        </pc:cxnChg>
+        <pc:cxnChg chg="add mod">
+          <ac:chgData name="Jessica dos Santos Paiva" userId="7fb23bec-a373-4816-84ee-47119a63df95" providerId="ADAL" clId="{30FA8068-CB00-4672-A466-5E69C074B526}" dt="2022-03-20T22:01:56.209" v="521" actId="1076"/>
+          <ac:cxnSpMkLst>
+            <pc:docMk/>
+            <pc:sldMk cId="1593385027" sldId="256"/>
+            <ac:cxnSpMk id="130" creationId="{67A44A76-A19D-472D-9828-8F8FDD672CCB}"/>
+          </ac:cxnSpMkLst>
+        </pc:cxnChg>
+        <pc:cxnChg chg="add del mod">
+          <ac:chgData name="Jessica dos Santos Paiva" userId="7fb23bec-a373-4816-84ee-47119a63df95" providerId="ADAL" clId="{30FA8068-CB00-4672-A466-5E69C074B526}" dt="2022-03-20T21:58:31.094" v="494" actId="11529"/>
+          <ac:cxnSpMkLst>
+            <pc:docMk/>
+            <pc:sldMk cId="1593385027" sldId="256"/>
+            <ac:cxnSpMk id="136" creationId="{E902FF24-46D4-4D66-A712-FB320778DB2D}"/>
+          </ac:cxnSpMkLst>
+        </pc:cxnChg>
+        <pc:cxnChg chg="add mod">
+          <ac:chgData name="Jessica dos Santos Paiva" userId="7fb23bec-a373-4816-84ee-47119a63df95" providerId="ADAL" clId="{30FA8068-CB00-4672-A466-5E69C074B526}" dt="2022-03-20T22:01:56.209" v="521" actId="1076"/>
+          <ac:cxnSpMkLst>
+            <pc:docMk/>
+            <pc:sldMk cId="1593385027" sldId="256"/>
+            <ac:cxnSpMk id="139" creationId="{E745A9F6-F461-48A1-B1B9-532589E9AB8F}"/>
+          </ac:cxnSpMkLst>
+        </pc:cxnChg>
+        <pc:cxnChg chg="add mod">
+          <ac:chgData name="Jessica dos Santos Paiva" userId="7fb23bec-a373-4816-84ee-47119a63df95" providerId="ADAL" clId="{30FA8068-CB00-4672-A466-5E69C074B526}" dt="2022-03-20T22:01:56.209" v="521" actId="1076"/>
+          <ac:cxnSpMkLst>
+            <pc:docMk/>
+            <pc:sldMk cId="1593385027" sldId="256"/>
+            <ac:cxnSpMk id="144" creationId="{788E0DAB-FB4C-411C-A256-9042EF79D58C}"/>
+          </ac:cxnSpMkLst>
+        </pc:cxnChg>
+        <pc:cxnChg chg="add mod">
+          <ac:chgData name="Jessica dos Santos Paiva" userId="7fb23bec-a373-4816-84ee-47119a63df95" providerId="ADAL" clId="{30FA8068-CB00-4672-A466-5E69C074B526}" dt="2022-03-20T22:01:56.209" v="521" actId="1076"/>
+          <ac:cxnSpMkLst>
+            <pc:docMk/>
+            <pc:sldMk cId="1593385027" sldId="256"/>
+            <ac:cxnSpMk id="156" creationId="{E9EEF1C9-969C-473D-BA58-58366FE8F13B}"/>
+          </ac:cxnSpMkLst>
+        </pc:cxnChg>
+        <pc:cxnChg chg="add mod">
+          <ac:chgData name="Jessica dos Santos Paiva" userId="7fb23bec-a373-4816-84ee-47119a63df95" providerId="ADAL" clId="{30FA8068-CB00-4672-A466-5E69C074B526}" dt="2022-03-20T22:01:56.209" v="521" actId="1076"/>
+          <ac:cxnSpMkLst>
+            <pc:docMk/>
+            <pc:sldMk cId="1593385027" sldId="256"/>
+            <ac:cxnSpMk id="159" creationId="{E3CEAD40-ABD8-4013-8858-EFB6A0B389C7}"/>
+          </ac:cxnSpMkLst>
+        </pc:cxnChg>
+        <pc:cxnChg chg="add mod">
+          <ac:chgData name="Jessica dos Santos Paiva" userId="7fb23bec-a373-4816-84ee-47119a63df95" providerId="ADAL" clId="{30FA8068-CB00-4672-A466-5E69C074B526}" dt="2022-03-20T22:01:56.209" v="521" actId="1076"/>
+          <ac:cxnSpMkLst>
+            <pc:docMk/>
+            <pc:sldMk cId="1593385027" sldId="256"/>
+            <ac:cxnSpMk id="162" creationId="{99837BA2-1025-42F8-8BA4-D8152CC53EDC}"/>
+          </ac:cxnSpMkLst>
+        </pc:cxnChg>
+        <pc:cxnChg chg="add mod">
+          <ac:chgData name="Jessica dos Santos Paiva" userId="7fb23bec-a373-4816-84ee-47119a63df95" providerId="ADAL" clId="{30FA8068-CB00-4672-A466-5E69C074B526}" dt="2022-03-20T22:01:56.209" v="521" actId="1076"/>
+          <ac:cxnSpMkLst>
+            <pc:docMk/>
+            <pc:sldMk cId="1593385027" sldId="256"/>
+            <ac:cxnSpMk id="168" creationId="{5BBF8460-F775-4E6F-B4EC-2B55AA660AD5}"/>
+          </ac:cxnSpMkLst>
+        </pc:cxnChg>
+      </pc:sldChg>
+      <pc:sldChg chg="addSp delSp modSp new mod setBg delDesignElem">
+        <pc:chgData name="Jessica dos Santos Paiva" userId="7fb23bec-a373-4816-84ee-47119a63df95" providerId="ADAL" clId="{30FA8068-CB00-4672-A466-5E69C074B526}" dt="2022-03-20T22:40:36.968" v="917" actId="2711"/>
         <pc:sldMkLst>
           <pc:docMk/>
           <pc:sldMk cId="2948623352" sldId="257"/>
         </pc:sldMkLst>
         <pc:spChg chg="mod">
-          <ac:chgData name="Jessica dos Santos Paiva" userId="7fb23bec-a373-4816-84ee-47119a63df95" providerId="ADAL" clId="{30FA8068-CB00-4672-A466-5E69C074B526}" dt="2022-03-08T00:44:03.832" v="10" actId="20577"/>
+          <ac:chgData name="Jessica dos Santos Paiva" userId="7fb23bec-a373-4816-84ee-47119a63df95" providerId="ADAL" clId="{30FA8068-CB00-4672-A466-5E69C074B526}" dt="2022-03-20T22:40:36.968" v="917" actId="2711"/>
           <ac:spMkLst>
             <pc:docMk/>
             <pc:sldMk cId="2948623352" sldId="257"/>
@@ -152,14 +651,1344 @@
             <ac:spMk id="3" creationId="{3E99E9F8-321B-4C96-89AF-DF17E3FDFFD8}"/>
           </ac:spMkLst>
         </pc:spChg>
-        <pc:graphicFrameChg chg="add mod ord modGraphic">
-          <ac:chgData name="Jessica dos Santos Paiva" userId="7fb23bec-a373-4816-84ee-47119a63df95" providerId="ADAL" clId="{30FA8068-CB00-4672-A466-5E69C074B526}" dt="2022-03-08T00:56:23.698" v="282"/>
+        <pc:spChg chg="add del mod">
+          <ac:chgData name="Jessica dos Santos Paiva" userId="7fb23bec-a373-4816-84ee-47119a63df95" providerId="ADAL" clId="{30FA8068-CB00-4672-A466-5E69C074B526}" dt="2022-03-20T22:03:13.978" v="556" actId="478"/>
+          <ac:spMkLst>
+            <pc:docMk/>
+            <pc:sldMk cId="2948623352" sldId="257"/>
+            <ac:spMk id="5" creationId="{7D4ADD0E-B9DA-4454-B907-FB1099990EA4}"/>
+          </ac:spMkLst>
+        </pc:spChg>
+        <pc:spChg chg="add del">
+          <ac:chgData name="Jessica dos Santos Paiva" userId="7fb23bec-a373-4816-84ee-47119a63df95" providerId="ADAL" clId="{30FA8068-CB00-4672-A466-5E69C074B526}" dt="2022-03-20T22:36:37.393" v="894" actId="26606"/>
+          <ac:spMkLst>
+            <pc:docMk/>
+            <pc:sldMk cId="2948623352" sldId="257"/>
+            <ac:spMk id="7" creationId="{787F4F1C-8D3D-4EC1-B72D-A0470A5A08B8}"/>
+          </ac:spMkLst>
+        </pc:spChg>
+        <pc:spChg chg="add del">
+          <ac:chgData name="Jessica dos Santos Paiva" userId="7fb23bec-a373-4816-84ee-47119a63df95" providerId="ADAL" clId="{30FA8068-CB00-4672-A466-5E69C074B526}" dt="2022-03-20T22:36:19.151" v="889" actId="26606"/>
+          <ac:spMkLst>
+            <pc:docMk/>
+            <pc:sldMk cId="2948623352" sldId="257"/>
+            <ac:spMk id="20" creationId="{489B7BFD-8F45-4093-AD9C-91B15B0503D9}"/>
+          </ac:spMkLst>
+        </pc:spChg>
+        <pc:spChg chg="add del">
+          <ac:chgData name="Jessica dos Santos Paiva" userId="7fb23bec-a373-4816-84ee-47119a63df95" providerId="ADAL" clId="{30FA8068-CB00-4672-A466-5E69C074B526}" dt="2022-03-20T22:36:19.151" v="889" actId="26606"/>
+          <ac:spMkLst>
+            <pc:docMk/>
+            <pc:sldMk cId="2948623352" sldId="257"/>
+            <ac:spMk id="26" creationId="{498F8FF6-43B4-494A-AF8F-123A4983EDF7}"/>
+          </ac:spMkLst>
+        </pc:spChg>
+        <pc:spChg chg="add del">
+          <ac:chgData name="Jessica dos Santos Paiva" userId="7fb23bec-a373-4816-84ee-47119a63df95" providerId="ADAL" clId="{30FA8068-CB00-4672-A466-5E69C074B526}" dt="2022-03-20T22:36:19.151" v="889" actId="26606"/>
+          <ac:spMkLst>
+            <pc:docMk/>
+            <pc:sldMk cId="2948623352" sldId="257"/>
+            <ac:spMk id="28" creationId="{2B06059C-C357-4011-82B9-9C0106301384}"/>
+          </ac:spMkLst>
+        </pc:spChg>
+        <pc:spChg chg="add del">
+          <ac:chgData name="Jessica dos Santos Paiva" userId="7fb23bec-a373-4816-84ee-47119a63df95" providerId="ADAL" clId="{30FA8068-CB00-4672-A466-5E69C074B526}" dt="2022-03-20T22:36:19.151" v="889" actId="26606"/>
+          <ac:spMkLst>
+            <pc:docMk/>
+            <pc:sldMk cId="2948623352" sldId="257"/>
+            <ac:spMk id="30" creationId="{5AFEC601-A132-47EE-B0C2-B38ACD9FCE6F}"/>
+          </ac:spMkLst>
+        </pc:spChg>
+        <pc:spChg chg="add del">
+          <ac:chgData name="Jessica dos Santos Paiva" userId="7fb23bec-a373-4816-84ee-47119a63df95" providerId="ADAL" clId="{30FA8068-CB00-4672-A466-5E69C074B526}" dt="2022-03-20T22:36:19.151" v="889" actId="26606"/>
+          <ac:spMkLst>
+            <pc:docMk/>
+            <pc:sldMk cId="2948623352" sldId="257"/>
+            <ac:spMk id="32" creationId="{279CAF82-0ECF-42BE-8F37-F71941E5D410}"/>
+          </ac:spMkLst>
+        </pc:spChg>
+        <pc:spChg chg="add del">
+          <ac:chgData name="Jessica dos Santos Paiva" userId="7fb23bec-a373-4816-84ee-47119a63df95" providerId="ADAL" clId="{30FA8068-CB00-4672-A466-5E69C074B526}" dt="2022-03-20T22:36:19.151" v="889" actId="26606"/>
+          <ac:spMkLst>
+            <pc:docMk/>
+            <pc:sldMk cId="2948623352" sldId="257"/>
+            <ac:spMk id="34" creationId="{218E095B-4870-4AD5-9C41-C16D59523501}"/>
+          </ac:spMkLst>
+        </pc:spChg>
+        <pc:spChg chg="add del">
+          <ac:chgData name="Jessica dos Santos Paiva" userId="7fb23bec-a373-4816-84ee-47119a63df95" providerId="ADAL" clId="{30FA8068-CB00-4672-A466-5E69C074B526}" dt="2022-03-20T22:36:19.151" v="889" actId="26606"/>
+          <ac:spMkLst>
+            <pc:docMk/>
+            <pc:sldMk cId="2948623352" sldId="257"/>
+            <ac:spMk id="43" creationId="{033BC44A-0661-43B4-9C14-FD5963C226AE}"/>
+          </ac:spMkLst>
+        </pc:spChg>
+        <pc:spChg chg="add del">
+          <ac:chgData name="Jessica dos Santos Paiva" userId="7fb23bec-a373-4816-84ee-47119a63df95" providerId="ADAL" clId="{30FA8068-CB00-4672-A466-5E69C074B526}" dt="2022-03-20T22:36:19.151" v="889" actId="26606"/>
+          <ac:spMkLst>
+            <pc:docMk/>
+            <pc:sldMk cId="2948623352" sldId="257"/>
+            <ac:spMk id="45" creationId="{BE8CB2F0-2F5A-4EBD-B214-E0309C31F578}"/>
+          </ac:spMkLst>
+        </pc:spChg>
+        <pc:spChg chg="add del">
+          <ac:chgData name="Jessica dos Santos Paiva" userId="7fb23bec-a373-4816-84ee-47119a63df95" providerId="ADAL" clId="{30FA8068-CB00-4672-A466-5E69C074B526}" dt="2022-03-20T22:36:19.151" v="889" actId="26606"/>
+          <ac:spMkLst>
+            <pc:docMk/>
+            <pc:sldMk cId="2948623352" sldId="257"/>
+            <ac:spMk id="47" creationId="{FFD3887D-244B-4EC4-9208-E304984C5D0F}"/>
+          </ac:spMkLst>
+        </pc:spChg>
+        <pc:spChg chg="add del">
+          <ac:chgData name="Jessica dos Santos Paiva" userId="7fb23bec-a373-4816-84ee-47119a63df95" providerId="ADAL" clId="{30FA8068-CB00-4672-A466-5E69C074B526}" dt="2022-03-20T22:36:19.151" v="889" actId="26606"/>
+          <ac:spMkLst>
+            <pc:docMk/>
+            <pc:sldMk cId="2948623352" sldId="257"/>
+            <ac:spMk id="49" creationId="{97224C31-855E-4593-8A58-5B2B0CC4F537}"/>
+          </ac:spMkLst>
+        </pc:spChg>
+        <pc:spChg chg="add del">
+          <ac:chgData name="Jessica dos Santos Paiva" userId="7fb23bec-a373-4816-84ee-47119a63df95" providerId="ADAL" clId="{30FA8068-CB00-4672-A466-5E69C074B526}" dt="2022-03-20T22:36:31.678" v="891" actId="26606"/>
+          <ac:spMkLst>
+            <pc:docMk/>
+            <pc:sldMk cId="2948623352" sldId="257"/>
+            <ac:spMk id="51" creationId="{489B7BFD-8F45-4093-AD9C-91B15B0503D9}"/>
+          </ac:spMkLst>
+        </pc:spChg>
+        <pc:spChg chg="add del">
+          <ac:chgData name="Jessica dos Santos Paiva" userId="7fb23bec-a373-4816-84ee-47119a63df95" providerId="ADAL" clId="{30FA8068-CB00-4672-A466-5E69C074B526}" dt="2022-03-20T22:36:31.678" v="891" actId="26606"/>
+          <ac:spMkLst>
+            <pc:docMk/>
+            <pc:sldMk cId="2948623352" sldId="257"/>
+            <ac:spMk id="52" creationId="{D9DFE8A5-DCEC-4A43-B613-D62AC8C5734F}"/>
+          </ac:spMkLst>
+        </pc:spChg>
+        <pc:spChg chg="add del">
+          <ac:chgData name="Jessica dos Santos Paiva" userId="7fb23bec-a373-4816-84ee-47119a63df95" providerId="ADAL" clId="{30FA8068-CB00-4672-A466-5E69C074B526}" dt="2022-03-20T22:36:31.678" v="891" actId="26606"/>
+          <ac:spMkLst>
+            <pc:docMk/>
+            <pc:sldMk cId="2948623352" sldId="257"/>
+            <ac:spMk id="53" creationId="{5608F6B8-DDC9-422E-B241-3222341D709C}"/>
+          </ac:spMkLst>
+        </pc:spChg>
+        <pc:spChg chg="add del">
+          <ac:chgData name="Jessica dos Santos Paiva" userId="7fb23bec-a373-4816-84ee-47119a63df95" providerId="ADAL" clId="{30FA8068-CB00-4672-A466-5E69C074B526}" dt="2022-03-20T22:36:31.678" v="891" actId="26606"/>
+          <ac:spMkLst>
+            <pc:docMk/>
+            <pc:sldMk cId="2948623352" sldId="257"/>
+            <ac:spMk id="54" creationId="{26B7664A-BE61-4A65-B937-A31E08B8B9AD}"/>
+          </ac:spMkLst>
+        </pc:spChg>
+        <pc:spChg chg="add del">
+          <ac:chgData name="Jessica dos Santos Paiva" userId="7fb23bec-a373-4816-84ee-47119a63df95" providerId="ADAL" clId="{30FA8068-CB00-4672-A466-5E69C074B526}" dt="2022-03-20T22:36:31.678" v="891" actId="26606"/>
+          <ac:spMkLst>
+            <pc:docMk/>
+            <pc:sldMk cId="2948623352" sldId="257"/>
+            <ac:spMk id="55" creationId="{279CAF82-0ECF-42BE-8F37-F71941E5D410}"/>
+          </ac:spMkLst>
+        </pc:spChg>
+        <pc:spChg chg="add del">
+          <ac:chgData name="Jessica dos Santos Paiva" userId="7fb23bec-a373-4816-84ee-47119a63df95" providerId="ADAL" clId="{30FA8068-CB00-4672-A466-5E69C074B526}" dt="2022-03-20T22:36:31.678" v="891" actId="26606"/>
+          <ac:spMkLst>
+            <pc:docMk/>
+            <pc:sldMk cId="2948623352" sldId="257"/>
+            <ac:spMk id="56" creationId="{14A1FA07-A873-4AB3-8D01-CFEEEA8CA495}"/>
+          </ac:spMkLst>
+        </pc:spChg>
+        <pc:spChg chg="add del">
+          <ac:chgData name="Jessica dos Santos Paiva" userId="7fb23bec-a373-4816-84ee-47119a63df95" providerId="ADAL" clId="{30FA8068-CB00-4672-A466-5E69C074B526}" dt="2022-03-20T22:36:31.678" v="891" actId="26606"/>
+          <ac:spMkLst>
+            <pc:docMk/>
+            <pc:sldMk cId="2948623352" sldId="257"/>
+            <ac:spMk id="57" creationId="{E16C8D8F-10E9-4498-ABDB-0F923F8B6837}"/>
+          </ac:spMkLst>
+        </pc:spChg>
+        <pc:spChg chg="add del">
+          <ac:chgData name="Jessica dos Santos Paiva" userId="7fb23bec-a373-4816-84ee-47119a63df95" providerId="ADAL" clId="{30FA8068-CB00-4672-A466-5E69C074B526}" dt="2022-03-20T22:36:31.678" v="891" actId="26606"/>
+          <ac:spMkLst>
+            <pc:docMk/>
+            <pc:sldMk cId="2948623352" sldId="257"/>
+            <ac:spMk id="58" creationId="{1E5A83E3-8A11-4492-BB6E-F5F2240316FB}"/>
+          </ac:spMkLst>
+        </pc:spChg>
+        <pc:spChg chg="add del">
+          <ac:chgData name="Jessica dos Santos Paiva" userId="7fb23bec-a373-4816-84ee-47119a63df95" providerId="ADAL" clId="{30FA8068-CB00-4672-A466-5E69C074B526}" dt="2022-03-20T22:36:31.678" v="891" actId="26606"/>
+          <ac:spMkLst>
+            <pc:docMk/>
+            <pc:sldMk cId="2948623352" sldId="257"/>
+            <ac:spMk id="59" creationId="{033BC44A-0661-43B4-9C14-FD5963C226AE}"/>
+          </ac:spMkLst>
+        </pc:spChg>
+        <pc:spChg chg="add del">
+          <ac:chgData name="Jessica dos Santos Paiva" userId="7fb23bec-a373-4816-84ee-47119a63df95" providerId="ADAL" clId="{30FA8068-CB00-4672-A466-5E69C074B526}" dt="2022-03-20T22:36:31.678" v="891" actId="26606"/>
+          <ac:spMkLst>
+            <pc:docMk/>
+            <pc:sldMk cId="2948623352" sldId="257"/>
+            <ac:spMk id="60" creationId="{331C48F7-8F88-43DC-B1A6-2967CF5AFFE4}"/>
+          </ac:spMkLst>
+        </pc:spChg>
+        <pc:spChg chg="add del">
+          <ac:chgData name="Jessica dos Santos Paiva" userId="7fb23bec-a373-4816-84ee-47119a63df95" providerId="ADAL" clId="{30FA8068-CB00-4672-A466-5E69C074B526}" dt="2022-03-20T22:36:37.371" v="893" actId="26606"/>
+          <ac:spMkLst>
+            <pc:docMk/>
+            <pc:sldMk cId="2948623352" sldId="257"/>
+            <ac:spMk id="66" creationId="{FB5B0058-AF13-4859-B429-4EDDE2A26F7F}"/>
+          </ac:spMkLst>
+        </pc:spChg>
+        <pc:spChg chg="add del">
+          <ac:chgData name="Jessica dos Santos Paiva" userId="7fb23bec-a373-4816-84ee-47119a63df95" providerId="ADAL" clId="{30FA8068-CB00-4672-A466-5E69C074B526}" dt="2022-03-20T22:36:37.371" v="893" actId="26606"/>
+          <ac:spMkLst>
+            <pc:docMk/>
+            <pc:sldMk cId="2948623352" sldId="257"/>
+            <ac:spMk id="67" creationId="{81BD432D-FAB3-4B5D-BF27-4DA7C75B3238}"/>
+          </ac:spMkLst>
+        </pc:spChg>
+        <pc:spChg chg="add del">
+          <ac:chgData name="Jessica dos Santos Paiva" userId="7fb23bec-a373-4816-84ee-47119a63df95" providerId="ADAL" clId="{30FA8068-CB00-4672-A466-5E69C074B526}" dt="2022-03-20T22:39:14.593" v="911"/>
+          <ac:spMkLst>
+            <pc:docMk/>
+            <pc:sldMk cId="2948623352" sldId="257"/>
+            <ac:spMk id="70" creationId="{FB5B0058-AF13-4859-B429-4EDDE2A26F7F}"/>
+          </ac:spMkLst>
+        </pc:spChg>
+        <pc:grpChg chg="add del">
+          <ac:chgData name="Jessica dos Santos Paiva" userId="7fb23bec-a373-4816-84ee-47119a63df95" providerId="ADAL" clId="{30FA8068-CB00-4672-A466-5E69C074B526}" dt="2022-03-20T22:36:37.393" v="894" actId="26606"/>
+          <ac:grpSpMkLst>
+            <pc:docMk/>
+            <pc:sldMk cId="2948623352" sldId="257"/>
+            <ac:grpSpMk id="9" creationId="{D1E3DD61-64DB-46AD-B249-E273CD86B051}"/>
+          </ac:grpSpMkLst>
+        </pc:grpChg>
+        <pc:grpChg chg="add del">
+          <ac:chgData name="Jessica dos Santos Paiva" userId="7fb23bec-a373-4816-84ee-47119a63df95" providerId="ADAL" clId="{30FA8068-CB00-4672-A466-5E69C074B526}" dt="2022-03-20T22:36:19.151" v="889" actId="26606"/>
+          <ac:grpSpMkLst>
+            <pc:docMk/>
+            <pc:sldMk cId="2948623352" sldId="257"/>
+            <ac:grpSpMk id="22" creationId="{042BC7E5-76DB-4826-8C07-4A49B6353F76}"/>
+          </ac:grpSpMkLst>
+        </pc:grpChg>
+        <pc:grpChg chg="add del">
+          <ac:chgData name="Jessica dos Santos Paiva" userId="7fb23bec-a373-4816-84ee-47119a63df95" providerId="ADAL" clId="{30FA8068-CB00-4672-A466-5E69C074B526}" dt="2022-03-20T22:36:19.151" v="889" actId="26606"/>
+          <ac:grpSpMkLst>
+            <pc:docMk/>
+            <pc:sldMk cId="2948623352" sldId="257"/>
+            <ac:grpSpMk id="36" creationId="{FB9739EB-7F66-433D-841F-AB3CD18700B7}"/>
+          </ac:grpSpMkLst>
+        </pc:grpChg>
+        <pc:grpChg chg="add del">
+          <ac:chgData name="Jessica dos Santos Paiva" userId="7fb23bec-a373-4816-84ee-47119a63df95" providerId="ADAL" clId="{30FA8068-CB00-4672-A466-5E69C074B526}" dt="2022-03-20T22:36:31.678" v="891" actId="26606"/>
+          <ac:grpSpMkLst>
+            <pc:docMk/>
+            <pc:sldMk cId="2948623352" sldId="257"/>
+            <ac:grpSpMk id="61" creationId="{FB9739EB-7F66-433D-841F-AB3CD18700B7}"/>
+          </ac:grpSpMkLst>
+        </pc:grpChg>
+        <pc:graphicFrameChg chg="add del mod ord modGraphic">
+          <ac:chgData name="Jessica dos Santos Paiva" userId="7fb23bec-a373-4816-84ee-47119a63df95" providerId="ADAL" clId="{30FA8068-CB00-4672-A466-5E69C074B526}" dt="2022-03-20T22:02:45.934" v="529" actId="478"/>
           <ac:graphicFrameMkLst>
             <pc:docMk/>
             <pc:sldMk cId="2948623352" sldId="257"/>
             <ac:graphicFrameMk id="4" creationId="{063344C9-0F2A-4734-8C9A-9B818986E3F8}"/>
           </ac:graphicFrameMkLst>
         </pc:graphicFrameChg>
+        <pc:cxnChg chg="add del">
+          <ac:chgData name="Jessica dos Santos Paiva" userId="7fb23bec-a373-4816-84ee-47119a63df95" providerId="ADAL" clId="{30FA8068-CB00-4672-A466-5E69C074B526}" dt="2022-03-20T22:36:37.371" v="893" actId="26606"/>
+          <ac:cxnSpMkLst>
+            <pc:docMk/>
+            <pc:sldMk cId="2948623352" sldId="257"/>
+            <ac:cxnSpMk id="24" creationId="{E6D6B450-4278-45B8-88C7-C061710E3C7E}"/>
+          </ac:cxnSpMkLst>
+        </pc:cxnChg>
+        <pc:cxnChg chg="add del">
+          <ac:chgData name="Jessica dos Santos Paiva" userId="7fb23bec-a373-4816-84ee-47119a63df95" providerId="ADAL" clId="{30FA8068-CB00-4672-A466-5E69C074B526}" dt="2022-03-20T22:36:37.371" v="893" actId="26606"/>
+          <ac:cxnSpMkLst>
+            <pc:docMk/>
+            <pc:sldMk cId="2948623352" sldId="257"/>
+            <ac:cxnSpMk id="68" creationId="{74234A4C-A256-4139-A5F4-27078F0D6796}"/>
+          </ac:cxnSpMkLst>
+        </pc:cxnChg>
+        <pc:cxnChg chg="add del">
+          <ac:chgData name="Jessica dos Santos Paiva" userId="7fb23bec-a373-4816-84ee-47119a63df95" providerId="ADAL" clId="{30FA8068-CB00-4672-A466-5E69C074B526}" dt="2022-03-20T22:39:14.593" v="911"/>
+          <ac:cxnSpMkLst>
+            <pc:docMk/>
+            <pc:sldMk cId="2948623352" sldId="257"/>
+            <ac:cxnSpMk id="71" creationId="{E6D6B450-4278-45B8-88C7-C061710E3C7E}"/>
+          </ac:cxnSpMkLst>
+        </pc:cxnChg>
+        <pc:cxnChg chg="add del">
+          <ac:chgData name="Jessica dos Santos Paiva" userId="7fb23bec-a373-4816-84ee-47119a63df95" providerId="ADAL" clId="{30FA8068-CB00-4672-A466-5E69C074B526}" dt="2022-03-20T22:39:14.593" v="911"/>
+          <ac:cxnSpMkLst>
+            <pc:docMk/>
+            <pc:sldMk cId="2948623352" sldId="257"/>
+            <ac:cxnSpMk id="72" creationId="{EE7CEFB9-5672-4FC6-981B-C8DA3FE08EA2}"/>
+          </ac:cxnSpMkLst>
+        </pc:cxnChg>
+        <pc:cxnChg chg="add del">
+          <ac:chgData name="Jessica dos Santos Paiva" userId="7fb23bec-a373-4816-84ee-47119a63df95" providerId="ADAL" clId="{30FA8068-CB00-4672-A466-5E69C074B526}" dt="2022-03-20T22:39:14.593" v="911"/>
+          <ac:cxnSpMkLst>
+            <pc:docMk/>
+            <pc:sldMk cId="2948623352" sldId="257"/>
+            <ac:cxnSpMk id="73" creationId="{74234A4C-A256-4139-A5F4-27078F0D6796}"/>
+          </ac:cxnSpMkLst>
+        </pc:cxnChg>
+      </pc:sldChg>
+      <pc:sldChg chg="addSp delSp modSp add mod setBg delDesignElem">
+        <pc:chgData name="Jessica dos Santos Paiva" userId="7fb23bec-a373-4816-84ee-47119a63df95" providerId="ADAL" clId="{30FA8068-CB00-4672-A466-5E69C074B526}" dt="2022-03-20T22:40:48.333" v="918" actId="2711"/>
+        <pc:sldMkLst>
+          <pc:docMk/>
+          <pc:sldMk cId="4115758416" sldId="258"/>
+        </pc:sldMkLst>
+        <pc:spChg chg="mod">
+          <ac:chgData name="Jessica dos Santos Paiva" userId="7fb23bec-a373-4816-84ee-47119a63df95" providerId="ADAL" clId="{30FA8068-CB00-4672-A466-5E69C074B526}" dt="2022-03-20T22:37:14.379" v="899" actId="26606"/>
+          <ac:spMkLst>
+            <pc:docMk/>
+            <pc:sldMk cId="4115758416" sldId="258"/>
+            <ac:spMk id="2" creationId="{0CF5941B-7A87-481B-8C6D-ABEB476CA9BC}"/>
+          </ac:spMkLst>
+        </pc:spChg>
+        <pc:spChg chg="add del">
+          <ac:chgData name="Jessica dos Santos Paiva" userId="7fb23bec-a373-4816-84ee-47119a63df95" providerId="ADAL" clId="{30FA8068-CB00-4672-A466-5E69C074B526}" dt="2022-03-20T22:37:14.379" v="899" actId="26606"/>
+          <ac:spMkLst>
+            <pc:docMk/>
+            <pc:sldMk cId="4115758416" sldId="258"/>
+            <ac:spMk id="9" creationId="{A7AE9375-4664-4DB2-922D-2782A6E439AC}"/>
+          </ac:spMkLst>
+        </pc:spChg>
+        <pc:spChg chg="add del">
+          <ac:chgData name="Jessica dos Santos Paiva" userId="7fb23bec-a373-4816-84ee-47119a63df95" providerId="ADAL" clId="{30FA8068-CB00-4672-A466-5E69C074B526}" dt="2022-03-20T22:37:14.379" v="899" actId="26606"/>
+          <ac:spMkLst>
+            <pc:docMk/>
+            <pc:sldMk cId="4115758416" sldId="258"/>
+            <ac:spMk id="13" creationId="{9DD005C1-8C51-42D6-9BEE-B9B83849743D}"/>
+          </ac:spMkLst>
+        </pc:spChg>
+        <pc:spChg chg="add del">
+          <ac:chgData name="Jessica dos Santos Paiva" userId="7fb23bec-a373-4816-84ee-47119a63df95" providerId="ADAL" clId="{30FA8068-CB00-4672-A466-5E69C074B526}" dt="2022-03-20T22:39:14.593" v="911"/>
+          <ac:spMkLst>
+            <pc:docMk/>
+            <pc:sldMk cId="4115758416" sldId="258"/>
+            <ac:spMk id="18" creationId="{A7AE9375-4664-4DB2-922D-2782A6E439AC}"/>
+          </ac:spMkLst>
+        </pc:spChg>
+        <pc:graphicFrameChg chg="mod modGraphic">
+          <ac:chgData name="Jessica dos Santos Paiva" userId="7fb23bec-a373-4816-84ee-47119a63df95" providerId="ADAL" clId="{30FA8068-CB00-4672-A466-5E69C074B526}" dt="2022-03-20T22:40:48.333" v="918" actId="2711"/>
+          <ac:graphicFrameMkLst>
+            <pc:docMk/>
+            <pc:sldMk cId="4115758416" sldId="258"/>
+            <ac:graphicFrameMk id="4" creationId="{063344C9-0F2A-4734-8C9A-9B818986E3F8}"/>
+          </ac:graphicFrameMkLst>
+        </pc:graphicFrameChg>
+        <pc:cxnChg chg="add del">
+          <ac:chgData name="Jessica dos Santos Paiva" userId="7fb23bec-a373-4816-84ee-47119a63df95" providerId="ADAL" clId="{30FA8068-CB00-4672-A466-5E69C074B526}" dt="2022-03-20T22:37:14.379" v="899" actId="26606"/>
+          <ac:cxnSpMkLst>
+            <pc:docMk/>
+            <pc:sldMk cId="4115758416" sldId="258"/>
+            <ac:cxnSpMk id="11" creationId="{EE504C98-6397-41C1-A8D8-2D9C4ED307E0}"/>
+          </ac:cxnSpMkLst>
+        </pc:cxnChg>
+        <pc:cxnChg chg="add del">
+          <ac:chgData name="Jessica dos Santos Paiva" userId="7fb23bec-a373-4816-84ee-47119a63df95" providerId="ADAL" clId="{30FA8068-CB00-4672-A466-5E69C074B526}" dt="2022-03-20T22:39:14.593" v="911"/>
+          <ac:cxnSpMkLst>
+            <pc:docMk/>
+            <pc:sldMk cId="4115758416" sldId="258"/>
+            <ac:cxnSpMk id="20" creationId="{EE504C98-6397-41C1-A8D8-2D9C4ED307E0}"/>
+          </ac:cxnSpMkLst>
+        </pc:cxnChg>
+        <pc:cxnChg chg="add del">
+          <ac:chgData name="Jessica dos Santos Paiva" userId="7fb23bec-a373-4816-84ee-47119a63df95" providerId="ADAL" clId="{30FA8068-CB00-4672-A466-5E69C074B526}" dt="2022-03-20T22:39:14.593" v="911"/>
+          <ac:cxnSpMkLst>
+            <pc:docMk/>
+            <pc:sldMk cId="4115758416" sldId="258"/>
+            <ac:cxnSpMk id="22" creationId="{17C2F6CE-0CF2-4DDD-85F5-96799A328F15}"/>
+          </ac:cxnSpMkLst>
+        </pc:cxnChg>
+      </pc:sldChg>
+      <pc:sldChg chg="addSp delSp modSp add mod setBg delDesignElem">
+        <pc:chgData name="Jessica dos Santos Paiva" userId="7fb23bec-a373-4816-84ee-47119a63df95" providerId="ADAL" clId="{30FA8068-CB00-4672-A466-5E69C074B526}" dt="2022-03-20T22:41:02.068" v="919" actId="2711"/>
+        <pc:sldMkLst>
+          <pc:docMk/>
+          <pc:sldMk cId="2652462052" sldId="259"/>
+        </pc:sldMkLst>
+        <pc:spChg chg="mod">
+          <ac:chgData name="Jessica dos Santos Paiva" userId="7fb23bec-a373-4816-84ee-47119a63df95" providerId="ADAL" clId="{30FA8068-CB00-4672-A466-5E69C074B526}" dt="2022-03-20T22:37:00.302" v="898" actId="26606"/>
+          <ac:spMkLst>
+            <pc:docMk/>
+            <pc:sldMk cId="2652462052" sldId="259"/>
+            <ac:spMk id="2" creationId="{0CF5941B-7A87-481B-8C6D-ABEB476CA9BC}"/>
+          </ac:spMkLst>
+        </pc:spChg>
+        <pc:spChg chg="add del">
+          <ac:chgData name="Jessica dos Santos Paiva" userId="7fb23bec-a373-4816-84ee-47119a63df95" providerId="ADAL" clId="{30FA8068-CB00-4672-A466-5E69C074B526}" dt="2022-03-20T22:37:00.258" v="897" actId="26606"/>
+          <ac:spMkLst>
+            <pc:docMk/>
+            <pc:sldMk cId="2652462052" sldId="259"/>
+            <ac:spMk id="9" creationId="{A7AE9375-4664-4DB2-922D-2782A6E439AC}"/>
+          </ac:spMkLst>
+        </pc:spChg>
+        <pc:spChg chg="add del">
+          <ac:chgData name="Jessica dos Santos Paiva" userId="7fb23bec-a373-4816-84ee-47119a63df95" providerId="ADAL" clId="{30FA8068-CB00-4672-A466-5E69C074B526}" dt="2022-03-20T22:37:00.258" v="897" actId="26606"/>
+          <ac:spMkLst>
+            <pc:docMk/>
+            <pc:sldMk cId="2652462052" sldId="259"/>
+            <ac:spMk id="13" creationId="{9DD005C1-8C51-42D6-9BEE-B9B83849743D}"/>
+          </ac:spMkLst>
+        </pc:spChg>
+        <pc:spChg chg="add del">
+          <ac:chgData name="Jessica dos Santos Paiva" userId="7fb23bec-a373-4816-84ee-47119a63df95" providerId="ADAL" clId="{30FA8068-CB00-4672-A466-5E69C074B526}" dt="2022-03-20T22:39:14.593" v="911"/>
+          <ac:spMkLst>
+            <pc:docMk/>
+            <pc:sldMk cId="2652462052" sldId="259"/>
+            <ac:spMk id="15" creationId="{A7AE9375-4664-4DB2-922D-2782A6E439AC}"/>
+          </ac:spMkLst>
+        </pc:spChg>
+        <pc:graphicFrameChg chg="add del">
+          <ac:chgData name="Jessica dos Santos Paiva" userId="7fb23bec-a373-4816-84ee-47119a63df95" providerId="ADAL" clId="{30FA8068-CB00-4672-A466-5E69C074B526}" dt="2022-03-20T22:06:12.813" v="563"/>
+          <ac:graphicFrameMkLst>
+            <pc:docMk/>
+            <pc:sldMk cId="2652462052" sldId="259"/>
+            <ac:graphicFrameMk id="3" creationId="{36C6CA4F-EF96-4259-B856-F454743597B5}"/>
+          </ac:graphicFrameMkLst>
+        </pc:graphicFrameChg>
+        <pc:graphicFrameChg chg="mod modGraphic">
+          <ac:chgData name="Jessica dos Santos Paiva" userId="7fb23bec-a373-4816-84ee-47119a63df95" providerId="ADAL" clId="{30FA8068-CB00-4672-A466-5E69C074B526}" dt="2022-03-20T22:41:02.068" v="919" actId="2711"/>
+          <ac:graphicFrameMkLst>
+            <pc:docMk/>
+            <pc:sldMk cId="2652462052" sldId="259"/>
+            <ac:graphicFrameMk id="4" creationId="{063344C9-0F2A-4734-8C9A-9B818986E3F8}"/>
+          </ac:graphicFrameMkLst>
+        </pc:graphicFrameChg>
+        <pc:cxnChg chg="add del">
+          <ac:chgData name="Jessica dos Santos Paiva" userId="7fb23bec-a373-4816-84ee-47119a63df95" providerId="ADAL" clId="{30FA8068-CB00-4672-A466-5E69C074B526}" dt="2022-03-20T22:37:00.258" v="897" actId="26606"/>
+          <ac:cxnSpMkLst>
+            <pc:docMk/>
+            <pc:sldMk cId="2652462052" sldId="259"/>
+            <ac:cxnSpMk id="11" creationId="{EE504C98-6397-41C1-A8D8-2D9C4ED307E0}"/>
+          </ac:cxnSpMkLst>
+        </pc:cxnChg>
+        <pc:cxnChg chg="add del">
+          <ac:chgData name="Jessica dos Santos Paiva" userId="7fb23bec-a373-4816-84ee-47119a63df95" providerId="ADAL" clId="{30FA8068-CB00-4672-A466-5E69C074B526}" dt="2022-03-20T22:39:14.593" v="911"/>
+          <ac:cxnSpMkLst>
+            <pc:docMk/>
+            <pc:sldMk cId="2652462052" sldId="259"/>
+            <ac:cxnSpMk id="16" creationId="{EE504C98-6397-41C1-A8D8-2D9C4ED307E0}"/>
+          </ac:cxnSpMkLst>
+        </pc:cxnChg>
+        <pc:cxnChg chg="add del">
+          <ac:chgData name="Jessica dos Santos Paiva" userId="7fb23bec-a373-4816-84ee-47119a63df95" providerId="ADAL" clId="{30FA8068-CB00-4672-A466-5E69C074B526}" dt="2022-03-20T22:39:14.593" v="911"/>
+          <ac:cxnSpMkLst>
+            <pc:docMk/>
+            <pc:sldMk cId="2652462052" sldId="259"/>
+            <ac:cxnSpMk id="17" creationId="{17C2F6CE-0CF2-4DDD-85F5-96799A328F15}"/>
+          </ac:cxnSpMkLst>
+        </pc:cxnChg>
+      </pc:sldChg>
+      <pc:sldChg chg="addSp delSp modSp new del mod">
+        <pc:chgData name="Jessica dos Santos Paiva" userId="7fb23bec-a373-4816-84ee-47119a63df95" providerId="ADAL" clId="{30FA8068-CB00-4672-A466-5E69C074B526}" dt="2022-03-20T22:48:28.640" v="977" actId="47"/>
+        <pc:sldMkLst>
+          <pc:docMk/>
+          <pc:sldMk cId="2731913257" sldId="260"/>
+        </pc:sldMkLst>
+        <pc:spChg chg="add del mod">
+          <ac:chgData name="Jessica dos Santos Paiva" userId="7fb23bec-a373-4816-84ee-47119a63df95" providerId="ADAL" clId="{30FA8068-CB00-4672-A466-5E69C074B526}" dt="2022-03-20T22:11:44.592" v="620"/>
+          <ac:spMkLst>
+            <pc:docMk/>
+            <pc:sldMk cId="2731913257" sldId="260"/>
+            <ac:spMk id="2" creationId="{F349172B-788F-45E8-BA67-EC129A2429FF}"/>
+          </ac:spMkLst>
+        </pc:spChg>
+        <pc:spChg chg="add mod">
+          <ac:chgData name="Jessica dos Santos Paiva" userId="7fb23bec-a373-4816-84ee-47119a63df95" providerId="ADAL" clId="{30FA8068-CB00-4672-A466-5E69C074B526}" dt="2022-03-20T22:31:09.982" v="863" actId="255"/>
+          <ac:spMkLst>
+            <pc:docMk/>
+            <pc:sldMk cId="2731913257" sldId="260"/>
+            <ac:spMk id="3" creationId="{A3BADFEE-E7FE-4869-B59C-9432E181150F}"/>
+          </ac:spMkLst>
+        </pc:spChg>
+        <pc:spChg chg="add mod">
+          <ac:chgData name="Jessica dos Santos Paiva" userId="7fb23bec-a373-4816-84ee-47119a63df95" providerId="ADAL" clId="{30FA8068-CB00-4672-A466-5E69C074B526}" dt="2022-03-20T22:30:34.019" v="860" actId="255"/>
+          <ac:spMkLst>
+            <pc:docMk/>
+            <pc:sldMk cId="2731913257" sldId="260"/>
+            <ac:spMk id="4" creationId="{49B400DA-BD04-4566-A457-CCC9E3131C82}"/>
+          </ac:spMkLst>
+        </pc:spChg>
+        <pc:spChg chg="add mod">
+          <ac:chgData name="Jessica dos Santos Paiva" userId="7fb23bec-a373-4816-84ee-47119a63df95" providerId="ADAL" clId="{30FA8068-CB00-4672-A466-5E69C074B526}" dt="2022-03-20T22:30:34.019" v="860" actId="255"/>
+          <ac:spMkLst>
+            <pc:docMk/>
+            <pc:sldMk cId="2731913257" sldId="260"/>
+            <ac:spMk id="5" creationId="{85D217F3-D5B1-4CBA-AFEE-FDBD56E4D42D}"/>
+          </ac:spMkLst>
+        </pc:spChg>
+        <pc:spChg chg="add mod">
+          <ac:chgData name="Jessica dos Santos Paiva" userId="7fb23bec-a373-4816-84ee-47119a63df95" providerId="ADAL" clId="{30FA8068-CB00-4672-A466-5E69C074B526}" dt="2022-03-20T22:30:34.019" v="860" actId="255"/>
+          <ac:spMkLst>
+            <pc:docMk/>
+            <pc:sldMk cId="2731913257" sldId="260"/>
+            <ac:spMk id="6" creationId="{0F6B891C-6AF8-4F24-9AC0-13DE5B002258}"/>
+          </ac:spMkLst>
+        </pc:spChg>
+        <pc:spChg chg="add mod">
+          <ac:chgData name="Jessica dos Santos Paiva" userId="7fb23bec-a373-4816-84ee-47119a63df95" providerId="ADAL" clId="{30FA8068-CB00-4672-A466-5E69C074B526}" dt="2022-03-20T22:30:34.019" v="860" actId="255"/>
+          <ac:spMkLst>
+            <pc:docMk/>
+            <pc:sldMk cId="2731913257" sldId="260"/>
+            <ac:spMk id="7" creationId="{8EDB6E96-F813-4A8B-B522-AC5E6D3540BB}"/>
+          </ac:spMkLst>
+        </pc:spChg>
+        <pc:spChg chg="add mod">
+          <ac:chgData name="Jessica dos Santos Paiva" userId="7fb23bec-a373-4816-84ee-47119a63df95" providerId="ADAL" clId="{30FA8068-CB00-4672-A466-5E69C074B526}" dt="2022-03-20T22:30:14.745" v="858" actId="255"/>
+          <ac:spMkLst>
+            <pc:docMk/>
+            <pc:sldMk cId="2731913257" sldId="260"/>
+            <ac:spMk id="8" creationId="{D8F2B374-D2F6-421F-9C97-27EEC4C34667}"/>
+          </ac:spMkLst>
+        </pc:spChg>
+        <pc:spChg chg="add mod">
+          <ac:chgData name="Jessica dos Santos Paiva" userId="7fb23bec-a373-4816-84ee-47119a63df95" providerId="ADAL" clId="{30FA8068-CB00-4672-A466-5E69C074B526}" dt="2022-03-20T22:30:34.019" v="860" actId="255"/>
+          <ac:spMkLst>
+            <pc:docMk/>
+            <pc:sldMk cId="2731913257" sldId="260"/>
+            <ac:spMk id="9" creationId="{A58F0F5F-2175-4EF9-8B92-CA47FE9FD405}"/>
+          </ac:spMkLst>
+        </pc:spChg>
+        <pc:spChg chg="add mod">
+          <ac:chgData name="Jessica dos Santos Paiva" userId="7fb23bec-a373-4816-84ee-47119a63df95" providerId="ADAL" clId="{30FA8068-CB00-4672-A466-5E69C074B526}" dt="2022-03-20T22:30:34.019" v="860" actId="255"/>
+          <ac:spMkLst>
+            <pc:docMk/>
+            <pc:sldMk cId="2731913257" sldId="260"/>
+            <ac:spMk id="10" creationId="{F931FE4F-02FE-4FAA-840E-F3D6AC0DE929}"/>
+          </ac:spMkLst>
+        </pc:spChg>
+        <pc:spChg chg="add mod">
+          <ac:chgData name="Jessica dos Santos Paiva" userId="7fb23bec-a373-4816-84ee-47119a63df95" providerId="ADAL" clId="{30FA8068-CB00-4672-A466-5E69C074B526}" dt="2022-03-20T22:30:42.423" v="861" actId="14100"/>
+          <ac:spMkLst>
+            <pc:docMk/>
+            <pc:sldMk cId="2731913257" sldId="260"/>
+            <ac:spMk id="11" creationId="{47B1A1D7-2DFD-46E5-B87C-A1CFF18909C3}"/>
+          </ac:spMkLst>
+        </pc:spChg>
+        <pc:spChg chg="add mod">
+          <ac:chgData name="Jessica dos Santos Paiva" userId="7fb23bec-a373-4816-84ee-47119a63df95" providerId="ADAL" clId="{30FA8068-CB00-4672-A466-5E69C074B526}" dt="2022-03-20T22:40:09.918" v="916" actId="1582"/>
+          <ac:spMkLst>
+            <pc:docMk/>
+            <pc:sldMk cId="2731913257" sldId="260"/>
+            <ac:spMk id="28" creationId="{8E8D8A53-3A3C-4BB0-B061-05F834BDE411}"/>
+          </ac:spMkLst>
+        </pc:spChg>
+        <pc:spChg chg="add mod">
+          <ac:chgData name="Jessica dos Santos Paiva" userId="7fb23bec-a373-4816-84ee-47119a63df95" providerId="ADAL" clId="{30FA8068-CB00-4672-A466-5E69C074B526}" dt="2022-03-20T22:46:02.598" v="961" actId="571"/>
+          <ac:spMkLst>
+            <pc:docMk/>
+            <pc:sldMk cId="2731913257" sldId="260"/>
+            <ac:spMk id="29" creationId="{2F4FBAF0-3093-4E4C-B17E-0B28D323ED1C}"/>
+          </ac:spMkLst>
+        </pc:spChg>
+        <pc:spChg chg="add mod">
+          <ac:chgData name="Jessica dos Santos Paiva" userId="7fb23bec-a373-4816-84ee-47119a63df95" providerId="ADAL" clId="{30FA8068-CB00-4672-A466-5E69C074B526}" dt="2022-03-20T22:46:02.598" v="961" actId="571"/>
+          <ac:spMkLst>
+            <pc:docMk/>
+            <pc:sldMk cId="2731913257" sldId="260"/>
+            <ac:spMk id="30" creationId="{DEBA7656-DCA2-4409-AF92-37A0F3A0498D}"/>
+          </ac:spMkLst>
+        </pc:spChg>
+        <pc:spChg chg="add mod">
+          <ac:chgData name="Jessica dos Santos Paiva" userId="7fb23bec-a373-4816-84ee-47119a63df95" providerId="ADAL" clId="{30FA8068-CB00-4672-A466-5E69C074B526}" dt="2022-03-20T22:46:02.598" v="961" actId="571"/>
+          <ac:spMkLst>
+            <pc:docMk/>
+            <pc:sldMk cId="2731913257" sldId="260"/>
+            <ac:spMk id="31" creationId="{0AF1A7B5-84E6-4BBB-B288-27E56194CF57}"/>
+          </ac:spMkLst>
+        </pc:spChg>
+        <pc:spChg chg="add mod">
+          <ac:chgData name="Jessica dos Santos Paiva" userId="7fb23bec-a373-4816-84ee-47119a63df95" providerId="ADAL" clId="{30FA8068-CB00-4672-A466-5E69C074B526}" dt="2022-03-20T22:46:02.598" v="961" actId="571"/>
+          <ac:spMkLst>
+            <pc:docMk/>
+            <pc:sldMk cId="2731913257" sldId="260"/>
+            <ac:spMk id="32" creationId="{793EA87E-CCC0-4141-BD39-FC28B85A0FC7}"/>
+          </ac:spMkLst>
+        </pc:spChg>
+        <pc:spChg chg="add mod">
+          <ac:chgData name="Jessica dos Santos Paiva" userId="7fb23bec-a373-4816-84ee-47119a63df95" providerId="ADAL" clId="{30FA8068-CB00-4672-A466-5E69C074B526}" dt="2022-03-20T22:46:02.598" v="961" actId="571"/>
+          <ac:spMkLst>
+            <pc:docMk/>
+            <pc:sldMk cId="2731913257" sldId="260"/>
+            <ac:spMk id="33" creationId="{B8AD4D8C-88A5-47AC-8A76-E9F2EA512259}"/>
+          </ac:spMkLst>
+        </pc:spChg>
+        <pc:spChg chg="add mod">
+          <ac:chgData name="Jessica dos Santos Paiva" userId="7fb23bec-a373-4816-84ee-47119a63df95" providerId="ADAL" clId="{30FA8068-CB00-4672-A466-5E69C074B526}" dt="2022-03-20T22:46:02.598" v="961" actId="571"/>
+          <ac:spMkLst>
+            <pc:docMk/>
+            <pc:sldMk cId="2731913257" sldId="260"/>
+            <ac:spMk id="34" creationId="{7C435336-912E-496F-846A-8589E4099FE9}"/>
+          </ac:spMkLst>
+        </pc:spChg>
+        <pc:spChg chg="add mod">
+          <ac:chgData name="Jessica dos Santos Paiva" userId="7fb23bec-a373-4816-84ee-47119a63df95" providerId="ADAL" clId="{30FA8068-CB00-4672-A466-5E69C074B526}" dt="2022-03-20T22:46:02.598" v="961" actId="571"/>
+          <ac:spMkLst>
+            <pc:docMk/>
+            <pc:sldMk cId="2731913257" sldId="260"/>
+            <ac:spMk id="35" creationId="{11355FAC-2CFC-4757-A266-EE62E7FECD84}"/>
+          </ac:spMkLst>
+        </pc:spChg>
+        <pc:spChg chg="add mod">
+          <ac:chgData name="Jessica dos Santos Paiva" userId="7fb23bec-a373-4816-84ee-47119a63df95" providerId="ADAL" clId="{30FA8068-CB00-4672-A466-5E69C074B526}" dt="2022-03-20T22:46:02.598" v="961" actId="571"/>
+          <ac:spMkLst>
+            <pc:docMk/>
+            <pc:sldMk cId="2731913257" sldId="260"/>
+            <ac:spMk id="36" creationId="{67C414B1-1A31-4C2F-B94C-757525D16403}"/>
+          </ac:spMkLst>
+        </pc:spChg>
+        <pc:picChg chg="add mod">
+          <ac:chgData name="Jessica dos Santos Paiva" userId="7fb23bec-a373-4816-84ee-47119a63df95" providerId="ADAL" clId="{30FA8068-CB00-4672-A466-5E69C074B526}" dt="2022-03-20T22:29:34.359" v="851" actId="1076"/>
+          <ac:picMkLst>
+            <pc:docMk/>
+            <pc:sldMk cId="2731913257" sldId="260"/>
+            <ac:picMk id="13" creationId="{3294D23F-27A1-4CCD-8FB5-BFE67A9DED93}"/>
+          </ac:picMkLst>
+        </pc:picChg>
+        <pc:picChg chg="add mod">
+          <ac:chgData name="Jessica dos Santos Paiva" userId="7fb23bec-a373-4816-84ee-47119a63df95" providerId="ADAL" clId="{30FA8068-CB00-4672-A466-5E69C074B526}" dt="2022-03-20T22:29:38.259" v="852" actId="1076"/>
+          <ac:picMkLst>
+            <pc:docMk/>
+            <pc:sldMk cId="2731913257" sldId="260"/>
+            <ac:picMk id="15" creationId="{04B06BCA-21FA-4D17-9511-7AC891597846}"/>
+          </ac:picMkLst>
+        </pc:picChg>
+        <pc:picChg chg="add mod">
+          <ac:chgData name="Jessica dos Santos Paiva" userId="7fb23bec-a373-4816-84ee-47119a63df95" providerId="ADAL" clId="{30FA8068-CB00-4672-A466-5E69C074B526}" dt="2022-03-20T22:29:28.733" v="850" actId="1076"/>
+          <ac:picMkLst>
+            <pc:docMk/>
+            <pc:sldMk cId="2731913257" sldId="260"/>
+            <ac:picMk id="17" creationId="{3174DD43-925B-49C6-A5C7-03A35C7EE879}"/>
+          </ac:picMkLst>
+        </pc:picChg>
+        <pc:picChg chg="add mod">
+          <ac:chgData name="Jessica dos Santos Paiva" userId="7fb23bec-a373-4816-84ee-47119a63df95" providerId="ADAL" clId="{30FA8068-CB00-4672-A466-5E69C074B526}" dt="2022-03-20T22:29:14.619" v="847" actId="1076"/>
+          <ac:picMkLst>
+            <pc:docMk/>
+            <pc:sldMk cId="2731913257" sldId="260"/>
+            <ac:picMk id="19" creationId="{B412C581-3A16-4848-8965-59B18B138A25}"/>
+          </ac:picMkLst>
+        </pc:picChg>
+        <pc:picChg chg="add mod">
+          <ac:chgData name="Jessica dos Santos Paiva" userId="7fb23bec-a373-4816-84ee-47119a63df95" providerId="ADAL" clId="{30FA8068-CB00-4672-A466-5E69C074B526}" dt="2022-03-20T22:28:55.720" v="845" actId="1076"/>
+          <ac:picMkLst>
+            <pc:docMk/>
+            <pc:sldMk cId="2731913257" sldId="260"/>
+            <ac:picMk id="21" creationId="{9D42BD2B-1522-467C-9E3D-A064D0B3D83F}"/>
+          </ac:picMkLst>
+        </pc:picChg>
+        <pc:picChg chg="add mod">
+          <ac:chgData name="Jessica dos Santos Paiva" userId="7fb23bec-a373-4816-84ee-47119a63df95" providerId="ADAL" clId="{30FA8068-CB00-4672-A466-5E69C074B526}" dt="2022-03-20T22:28:52.496" v="844" actId="1076"/>
+          <ac:picMkLst>
+            <pc:docMk/>
+            <pc:sldMk cId="2731913257" sldId="260"/>
+            <ac:picMk id="23" creationId="{C0692706-E2DB-4EF0-AE5B-2B1340706185}"/>
+          </ac:picMkLst>
+        </pc:picChg>
+        <pc:picChg chg="add mod">
+          <ac:chgData name="Jessica dos Santos Paiva" userId="7fb23bec-a373-4816-84ee-47119a63df95" providerId="ADAL" clId="{30FA8068-CB00-4672-A466-5E69C074B526}" dt="2022-03-20T22:28:42.847" v="842" actId="1076"/>
+          <ac:picMkLst>
+            <pc:docMk/>
+            <pc:sldMk cId="2731913257" sldId="260"/>
+            <ac:picMk id="25" creationId="{C32384C5-CDA5-40CB-B1B8-F6C1EA96BCB7}"/>
+          </ac:picMkLst>
+        </pc:picChg>
+        <pc:picChg chg="add mod">
+          <ac:chgData name="Jessica dos Santos Paiva" userId="7fb23bec-a373-4816-84ee-47119a63df95" providerId="ADAL" clId="{30FA8068-CB00-4672-A466-5E69C074B526}" dt="2022-03-20T22:28:46.625" v="843" actId="1076"/>
+          <ac:picMkLst>
+            <pc:docMk/>
+            <pc:sldMk cId="2731913257" sldId="260"/>
+            <ac:picMk id="27" creationId="{89A87516-9085-4C0B-A4CC-23142D9BFF3E}"/>
+          </ac:picMkLst>
+        </pc:picChg>
+        <pc:picChg chg="add mod">
+          <ac:chgData name="Jessica dos Santos Paiva" userId="7fb23bec-a373-4816-84ee-47119a63df95" providerId="ADAL" clId="{30FA8068-CB00-4672-A466-5E69C074B526}" dt="2022-03-20T22:46:02.598" v="961" actId="571"/>
+          <ac:picMkLst>
+            <pc:docMk/>
+            <pc:sldMk cId="2731913257" sldId="260"/>
+            <ac:picMk id="37" creationId="{B63A2C97-5C35-4238-A10B-47CE037A33EE}"/>
+          </ac:picMkLst>
+        </pc:picChg>
+        <pc:picChg chg="add mod">
+          <ac:chgData name="Jessica dos Santos Paiva" userId="7fb23bec-a373-4816-84ee-47119a63df95" providerId="ADAL" clId="{30FA8068-CB00-4672-A466-5E69C074B526}" dt="2022-03-20T22:46:02.598" v="961" actId="571"/>
+          <ac:picMkLst>
+            <pc:docMk/>
+            <pc:sldMk cId="2731913257" sldId="260"/>
+            <ac:picMk id="38" creationId="{134E7256-10A3-410B-95D3-DCAC5B9DCE06}"/>
+          </ac:picMkLst>
+        </pc:picChg>
+        <pc:picChg chg="add mod">
+          <ac:chgData name="Jessica dos Santos Paiva" userId="7fb23bec-a373-4816-84ee-47119a63df95" providerId="ADAL" clId="{30FA8068-CB00-4672-A466-5E69C074B526}" dt="2022-03-20T22:46:02.598" v="961" actId="571"/>
+          <ac:picMkLst>
+            <pc:docMk/>
+            <pc:sldMk cId="2731913257" sldId="260"/>
+            <ac:picMk id="39" creationId="{FC6F44CE-3623-405F-9307-600A29FA4704}"/>
+          </ac:picMkLst>
+        </pc:picChg>
+        <pc:picChg chg="add mod">
+          <ac:chgData name="Jessica dos Santos Paiva" userId="7fb23bec-a373-4816-84ee-47119a63df95" providerId="ADAL" clId="{30FA8068-CB00-4672-A466-5E69C074B526}" dt="2022-03-20T22:46:02.598" v="961" actId="571"/>
+          <ac:picMkLst>
+            <pc:docMk/>
+            <pc:sldMk cId="2731913257" sldId="260"/>
+            <ac:picMk id="40" creationId="{1F2FE9C7-318F-4FF1-BA0D-E24787C68A47}"/>
+          </ac:picMkLst>
+        </pc:picChg>
+        <pc:picChg chg="add mod">
+          <ac:chgData name="Jessica dos Santos Paiva" userId="7fb23bec-a373-4816-84ee-47119a63df95" providerId="ADAL" clId="{30FA8068-CB00-4672-A466-5E69C074B526}" dt="2022-03-20T22:46:02.598" v="961" actId="571"/>
+          <ac:picMkLst>
+            <pc:docMk/>
+            <pc:sldMk cId="2731913257" sldId="260"/>
+            <ac:picMk id="41" creationId="{F6EE6C61-0A5E-4813-9A46-B137573341BD}"/>
+          </ac:picMkLst>
+        </pc:picChg>
+        <pc:picChg chg="add mod">
+          <ac:chgData name="Jessica dos Santos Paiva" userId="7fb23bec-a373-4816-84ee-47119a63df95" providerId="ADAL" clId="{30FA8068-CB00-4672-A466-5E69C074B526}" dt="2022-03-20T22:46:02.598" v="961" actId="571"/>
+          <ac:picMkLst>
+            <pc:docMk/>
+            <pc:sldMk cId="2731913257" sldId="260"/>
+            <ac:picMk id="42" creationId="{11E28A76-0700-4490-9BB6-755997D50EEC}"/>
+          </ac:picMkLst>
+        </pc:picChg>
+        <pc:picChg chg="add mod">
+          <ac:chgData name="Jessica dos Santos Paiva" userId="7fb23bec-a373-4816-84ee-47119a63df95" providerId="ADAL" clId="{30FA8068-CB00-4672-A466-5E69C074B526}" dt="2022-03-20T22:46:02.598" v="961" actId="571"/>
+          <ac:picMkLst>
+            <pc:docMk/>
+            <pc:sldMk cId="2731913257" sldId="260"/>
+            <ac:picMk id="43" creationId="{86F5769F-59BD-481C-8C5C-896345E4FA70}"/>
+          </ac:picMkLst>
+        </pc:picChg>
+        <pc:picChg chg="add mod">
+          <ac:chgData name="Jessica dos Santos Paiva" userId="7fb23bec-a373-4816-84ee-47119a63df95" providerId="ADAL" clId="{30FA8068-CB00-4672-A466-5E69C074B526}" dt="2022-03-20T22:46:02.598" v="961" actId="571"/>
+          <ac:picMkLst>
+            <pc:docMk/>
+            <pc:sldMk cId="2731913257" sldId="260"/>
+            <ac:picMk id="44" creationId="{E6E3BEF8-9A37-4CA5-88B2-0A84892FDEF8}"/>
+          </ac:picMkLst>
+        </pc:picChg>
+      </pc:sldChg>
+      <pc:sldChg chg="addSp delSp modSp new mod setBg addAnim delAnim setClrOvrMap">
+        <pc:chgData name="Jessica dos Santos Paiva" userId="7fb23bec-a373-4816-84ee-47119a63df95" providerId="ADAL" clId="{30FA8068-CB00-4672-A466-5E69C074B526}" dt="2022-03-20T22:34:09.063" v="882" actId="962"/>
+        <pc:sldMkLst>
+          <pc:docMk/>
+          <pc:sldMk cId="1616428028" sldId="261"/>
+        </pc:sldMkLst>
+        <pc:spChg chg="mod">
+          <ac:chgData name="Jessica dos Santos Paiva" userId="7fb23bec-a373-4816-84ee-47119a63df95" providerId="ADAL" clId="{30FA8068-CB00-4672-A466-5E69C074B526}" dt="2022-03-20T22:33:52.281" v="879" actId="26606"/>
+          <ac:spMkLst>
+            <pc:docMk/>
+            <pc:sldMk cId="1616428028" sldId="261"/>
+            <ac:spMk id="2" creationId="{6E4E916F-2A8A-4338-AF18-51B7A0344AB3}"/>
+          </ac:spMkLst>
+        </pc:spChg>
+        <pc:picChg chg="add del mod">
+          <ac:chgData name="Jessica dos Santos Paiva" userId="7fb23bec-a373-4816-84ee-47119a63df95" providerId="ADAL" clId="{30FA8068-CB00-4672-A466-5E69C074B526}" dt="2022-03-20T22:33:06.570" v="877" actId="22"/>
+          <ac:picMkLst>
+            <pc:docMk/>
+            <pc:sldMk cId="1616428028" sldId="261"/>
+            <ac:picMk id="4" creationId="{CD1D1CCA-A482-4808-A738-6E2D7319C31B}"/>
+          </ac:picMkLst>
+        </pc:picChg>
+        <pc:picChg chg="add mod">
+          <ac:chgData name="Jessica dos Santos Paiva" userId="7fb23bec-a373-4816-84ee-47119a63df95" providerId="ADAL" clId="{30FA8068-CB00-4672-A466-5E69C074B526}" dt="2022-03-20T22:34:09.063" v="882" actId="962"/>
+          <ac:picMkLst>
+            <pc:docMk/>
+            <pc:sldMk cId="1616428028" sldId="261"/>
+            <ac:picMk id="6" creationId="{39DA9BDE-279C-4BEA-B1E4-554410EF3C69}"/>
+          </ac:picMkLst>
+        </pc:picChg>
+      </pc:sldChg>
+      <pc:sldChg chg="addSp delSp modSp add mod">
+        <pc:chgData name="Jessica dos Santos Paiva" userId="7fb23bec-a373-4816-84ee-47119a63df95" providerId="ADAL" clId="{30FA8068-CB00-4672-A466-5E69C074B526}" dt="2022-03-20T22:45:20.346" v="957" actId="208"/>
+        <pc:sldMkLst>
+          <pc:docMk/>
+          <pc:sldMk cId="369776320" sldId="262"/>
+        </pc:sldMkLst>
+        <pc:spChg chg="mod">
+          <ac:chgData name="Jessica dos Santos Paiva" userId="7fb23bec-a373-4816-84ee-47119a63df95" providerId="ADAL" clId="{30FA8068-CB00-4672-A466-5E69C074B526}" dt="2022-03-20T22:44:03.671" v="955" actId="2085"/>
+          <ac:spMkLst>
+            <pc:docMk/>
+            <pc:sldMk cId="369776320" sldId="262"/>
+            <ac:spMk id="2" creationId="{0CF5941B-7A87-481B-8C6D-ABEB476CA9BC}"/>
+          </ac:spMkLst>
+        </pc:spChg>
+        <pc:spChg chg="add del mod">
+          <ac:chgData name="Jessica dos Santos Paiva" userId="7fb23bec-a373-4816-84ee-47119a63df95" providerId="ADAL" clId="{30FA8068-CB00-4672-A466-5E69C074B526}" dt="2022-03-20T22:42:48.416" v="950" actId="478"/>
+          <ac:spMkLst>
+            <pc:docMk/>
+            <pc:sldMk cId="369776320" sldId="262"/>
+            <ac:spMk id="5" creationId="{E00E486F-E009-4AB9-8A98-DA4110A02CA8}"/>
+          </ac:spMkLst>
+        </pc:spChg>
+        <pc:spChg chg="add mod">
+          <ac:chgData name="Jessica dos Santos Paiva" userId="7fb23bec-a373-4816-84ee-47119a63df95" providerId="ADAL" clId="{30FA8068-CB00-4672-A466-5E69C074B526}" dt="2022-03-20T22:45:20.346" v="957" actId="208"/>
+          <ac:spMkLst>
+            <pc:docMk/>
+            <pc:sldMk cId="369776320" sldId="262"/>
+            <ac:spMk id="9" creationId="{426C684D-3507-432C-9048-D7A3D5E0BAB7}"/>
+          </ac:spMkLst>
+        </pc:spChg>
+        <pc:spChg chg="add mod">
+          <ac:chgData name="Jessica dos Santos Paiva" userId="7fb23bec-a373-4816-84ee-47119a63df95" providerId="ADAL" clId="{30FA8068-CB00-4672-A466-5E69C074B526}" dt="2022-03-20T22:45:20.346" v="957" actId="208"/>
+          <ac:spMkLst>
+            <pc:docMk/>
+            <pc:sldMk cId="369776320" sldId="262"/>
+            <ac:spMk id="11" creationId="{A93F7188-B27B-4AB2-B928-DF50D89FACFD}"/>
+          </ac:spMkLst>
+        </pc:spChg>
+        <pc:spChg chg="add mod">
+          <ac:chgData name="Jessica dos Santos Paiva" userId="7fb23bec-a373-4816-84ee-47119a63df95" providerId="ADAL" clId="{30FA8068-CB00-4672-A466-5E69C074B526}" dt="2022-03-20T22:45:20.346" v="957" actId="208"/>
+          <ac:spMkLst>
+            <pc:docMk/>
+            <pc:sldMk cId="369776320" sldId="262"/>
+            <ac:spMk id="13" creationId="{DCA15CAB-E33A-4286-AC18-795482DDBBDD}"/>
+          </ac:spMkLst>
+        </pc:spChg>
+        <pc:spChg chg="add mod">
+          <ac:chgData name="Jessica dos Santos Paiva" userId="7fb23bec-a373-4816-84ee-47119a63df95" providerId="ADAL" clId="{30FA8068-CB00-4672-A466-5E69C074B526}" dt="2022-03-20T22:45:20.346" v="957" actId="208"/>
+          <ac:spMkLst>
+            <pc:docMk/>
+            <pc:sldMk cId="369776320" sldId="262"/>
+            <ac:spMk id="20" creationId="{5119574C-2208-4F13-8722-89CEA81743A0}"/>
+          </ac:spMkLst>
+        </pc:spChg>
+        <pc:spChg chg="add mod">
+          <ac:chgData name="Jessica dos Santos Paiva" userId="7fb23bec-a373-4816-84ee-47119a63df95" providerId="ADAL" clId="{30FA8068-CB00-4672-A466-5E69C074B526}" dt="2022-03-20T22:45:20.346" v="957" actId="208"/>
+          <ac:spMkLst>
+            <pc:docMk/>
+            <pc:sldMk cId="369776320" sldId="262"/>
+            <ac:spMk id="21" creationId="{85A7345F-EC67-461D-AFC0-58C132808B9B}"/>
+          </ac:spMkLst>
+        </pc:spChg>
+        <pc:spChg chg="add mod">
+          <ac:chgData name="Jessica dos Santos Paiva" userId="7fb23bec-a373-4816-84ee-47119a63df95" providerId="ADAL" clId="{30FA8068-CB00-4672-A466-5E69C074B526}" dt="2022-03-20T22:45:20.346" v="957" actId="208"/>
+          <ac:spMkLst>
+            <pc:docMk/>
+            <pc:sldMk cId="369776320" sldId="262"/>
+            <ac:spMk id="22" creationId="{4A1DD6C2-467C-4C31-A0B1-9C705CDF30AD}"/>
+          </ac:spMkLst>
+        </pc:spChg>
+        <pc:spChg chg="add mod">
+          <ac:chgData name="Jessica dos Santos Paiva" userId="7fb23bec-a373-4816-84ee-47119a63df95" providerId="ADAL" clId="{30FA8068-CB00-4672-A466-5E69C074B526}" dt="2022-03-20T22:45:20.346" v="957" actId="208"/>
+          <ac:spMkLst>
+            <pc:docMk/>
+            <pc:sldMk cId="369776320" sldId="262"/>
+            <ac:spMk id="23" creationId="{10DAC26A-1355-4397-91D0-34427F40815A}"/>
+          </ac:spMkLst>
+        </pc:spChg>
+        <pc:spChg chg="add mod">
+          <ac:chgData name="Jessica dos Santos Paiva" userId="7fb23bec-a373-4816-84ee-47119a63df95" providerId="ADAL" clId="{30FA8068-CB00-4672-A466-5E69C074B526}" dt="2022-03-20T22:45:20.346" v="957" actId="208"/>
+          <ac:spMkLst>
+            <pc:docMk/>
+            <pc:sldMk cId="369776320" sldId="262"/>
+            <ac:spMk id="24" creationId="{65F12249-EB90-4F39-9AE5-3CE19DD8F20D}"/>
+          </ac:spMkLst>
+        </pc:spChg>
+        <pc:spChg chg="add mod">
+          <ac:chgData name="Jessica dos Santos Paiva" userId="7fb23bec-a373-4816-84ee-47119a63df95" providerId="ADAL" clId="{30FA8068-CB00-4672-A466-5E69C074B526}" dt="2022-03-20T22:45:20.346" v="957" actId="208"/>
+          <ac:spMkLst>
+            <pc:docMk/>
+            <pc:sldMk cId="369776320" sldId="262"/>
+            <ac:spMk id="25" creationId="{13F8761F-CD67-49B6-BFF0-603E6F30B744}"/>
+          </ac:spMkLst>
+        </pc:spChg>
+        <pc:spChg chg="add mod">
+          <ac:chgData name="Jessica dos Santos Paiva" userId="7fb23bec-a373-4816-84ee-47119a63df95" providerId="ADAL" clId="{30FA8068-CB00-4672-A466-5E69C074B526}" dt="2022-03-20T22:45:20.346" v="957" actId="208"/>
+          <ac:spMkLst>
+            <pc:docMk/>
+            <pc:sldMk cId="369776320" sldId="262"/>
+            <ac:spMk id="26" creationId="{CED1CBA5-26E1-41AB-9282-91BE8E59DDE7}"/>
+          </ac:spMkLst>
+        </pc:spChg>
+        <pc:spChg chg="add mod">
+          <ac:chgData name="Jessica dos Santos Paiva" userId="7fb23bec-a373-4816-84ee-47119a63df95" providerId="ADAL" clId="{30FA8068-CB00-4672-A466-5E69C074B526}" dt="2022-03-20T22:45:20.346" v="957" actId="208"/>
+          <ac:spMkLst>
+            <pc:docMk/>
+            <pc:sldMk cId="369776320" sldId="262"/>
+            <ac:spMk id="27" creationId="{318075BA-A0B2-4420-8C06-CB6136909443}"/>
+          </ac:spMkLst>
+        </pc:spChg>
+        <pc:spChg chg="add mod">
+          <ac:chgData name="Jessica dos Santos Paiva" userId="7fb23bec-a373-4816-84ee-47119a63df95" providerId="ADAL" clId="{30FA8068-CB00-4672-A466-5E69C074B526}" dt="2022-03-20T22:45:20.346" v="957" actId="208"/>
+          <ac:spMkLst>
+            <pc:docMk/>
+            <pc:sldMk cId="369776320" sldId="262"/>
+            <ac:spMk id="28" creationId="{04B3F77D-AD70-4760-B9E9-A3A340BE1AE2}"/>
+          </ac:spMkLst>
+        </pc:spChg>
+        <pc:spChg chg="add mod">
+          <ac:chgData name="Jessica dos Santos Paiva" userId="7fb23bec-a373-4816-84ee-47119a63df95" providerId="ADAL" clId="{30FA8068-CB00-4672-A466-5E69C074B526}" dt="2022-03-20T22:45:20.346" v="957" actId="208"/>
+          <ac:spMkLst>
+            <pc:docMk/>
+            <pc:sldMk cId="369776320" sldId="262"/>
+            <ac:spMk id="29" creationId="{C1E1563C-B1D6-47AF-B42A-8C43C9AA86AB}"/>
+          </ac:spMkLst>
+        </pc:spChg>
+        <pc:spChg chg="add mod">
+          <ac:chgData name="Jessica dos Santos Paiva" userId="7fb23bec-a373-4816-84ee-47119a63df95" providerId="ADAL" clId="{30FA8068-CB00-4672-A466-5E69C074B526}" dt="2022-03-20T22:45:20.346" v="957" actId="208"/>
+          <ac:spMkLst>
+            <pc:docMk/>
+            <pc:sldMk cId="369776320" sldId="262"/>
+            <ac:spMk id="40" creationId="{F2F4CE87-A351-4EEF-9D42-97A00BCE9612}"/>
+          </ac:spMkLst>
+        </pc:spChg>
+        <pc:spChg chg="add mod">
+          <ac:chgData name="Jessica dos Santos Paiva" userId="7fb23bec-a373-4816-84ee-47119a63df95" providerId="ADAL" clId="{30FA8068-CB00-4672-A466-5E69C074B526}" dt="2022-03-20T22:45:20.346" v="957" actId="208"/>
+          <ac:spMkLst>
+            <pc:docMk/>
+            <pc:sldMk cId="369776320" sldId="262"/>
+            <ac:spMk id="41" creationId="{6DD810EA-5330-4452-92BE-8683464B82F7}"/>
+          </ac:spMkLst>
+        </pc:spChg>
+        <pc:spChg chg="add mod">
+          <ac:chgData name="Jessica dos Santos Paiva" userId="7fb23bec-a373-4816-84ee-47119a63df95" providerId="ADAL" clId="{30FA8068-CB00-4672-A466-5E69C074B526}" dt="2022-03-20T22:45:20.346" v="957" actId="208"/>
+          <ac:spMkLst>
+            <pc:docMk/>
+            <pc:sldMk cId="369776320" sldId="262"/>
+            <ac:spMk id="42" creationId="{E3DA09CD-6F7F-46FD-87BD-ABFDE8A872A8}"/>
+          </ac:spMkLst>
+        </pc:spChg>
+        <pc:spChg chg="add mod">
+          <ac:chgData name="Jessica dos Santos Paiva" userId="7fb23bec-a373-4816-84ee-47119a63df95" providerId="ADAL" clId="{30FA8068-CB00-4672-A466-5E69C074B526}" dt="2022-03-20T22:45:20.346" v="957" actId="208"/>
+          <ac:spMkLst>
+            <pc:docMk/>
+            <pc:sldMk cId="369776320" sldId="262"/>
+            <ac:spMk id="43" creationId="{C553E34B-3095-405F-95E9-3A2ED35417AB}"/>
+          </ac:spMkLst>
+        </pc:spChg>
+        <pc:spChg chg="add mod">
+          <ac:chgData name="Jessica dos Santos Paiva" userId="7fb23bec-a373-4816-84ee-47119a63df95" providerId="ADAL" clId="{30FA8068-CB00-4672-A466-5E69C074B526}" dt="2022-03-20T22:45:20.346" v="957" actId="208"/>
+          <ac:spMkLst>
+            <pc:docMk/>
+            <pc:sldMk cId="369776320" sldId="262"/>
+            <ac:spMk id="44" creationId="{58077567-126D-4BBE-9DFE-6C06434E8F2F}"/>
+          </ac:spMkLst>
+        </pc:spChg>
+        <pc:spChg chg="add mod">
+          <ac:chgData name="Jessica dos Santos Paiva" userId="7fb23bec-a373-4816-84ee-47119a63df95" providerId="ADAL" clId="{30FA8068-CB00-4672-A466-5E69C074B526}" dt="2022-03-20T22:45:20.346" v="957" actId="208"/>
+          <ac:spMkLst>
+            <pc:docMk/>
+            <pc:sldMk cId="369776320" sldId="262"/>
+            <ac:spMk id="47" creationId="{DEA9D498-5927-40EE-ABBC-73199ADEAF46}"/>
+          </ac:spMkLst>
+        </pc:spChg>
+        <pc:spChg chg="add mod">
+          <ac:chgData name="Jessica dos Santos Paiva" userId="7fb23bec-a373-4816-84ee-47119a63df95" providerId="ADAL" clId="{30FA8068-CB00-4672-A466-5E69C074B526}" dt="2022-03-20T22:45:20.346" v="957" actId="208"/>
+          <ac:spMkLst>
+            <pc:docMk/>
+            <pc:sldMk cId="369776320" sldId="262"/>
+            <ac:spMk id="50" creationId="{C29B20D6-D436-4758-AAEE-2DA601786693}"/>
+          </ac:spMkLst>
+        </pc:spChg>
+        <pc:spChg chg="add mod">
+          <ac:chgData name="Jessica dos Santos Paiva" userId="7fb23bec-a373-4816-84ee-47119a63df95" providerId="ADAL" clId="{30FA8068-CB00-4672-A466-5E69C074B526}" dt="2022-03-20T22:45:20.346" v="957" actId="208"/>
+          <ac:spMkLst>
+            <pc:docMk/>
+            <pc:sldMk cId="369776320" sldId="262"/>
+            <ac:spMk id="52" creationId="{21D055AD-CEFB-4B4D-BCFE-CBA4B8A77AD9}"/>
+          </ac:spMkLst>
+        </pc:spChg>
+        <pc:graphicFrameChg chg="del">
+          <ac:chgData name="Jessica dos Santos Paiva" userId="7fb23bec-a373-4816-84ee-47119a63df95" providerId="ADAL" clId="{30FA8068-CB00-4672-A466-5E69C074B526}" dt="2022-03-20T22:41:36.814" v="921" actId="478"/>
+          <ac:graphicFrameMkLst>
+            <pc:docMk/>
+            <pc:sldMk cId="369776320" sldId="262"/>
+            <ac:graphicFrameMk id="4" creationId="{063344C9-0F2A-4734-8C9A-9B818986E3F8}"/>
+          </ac:graphicFrameMkLst>
+        </pc:graphicFrameChg>
+        <pc:cxnChg chg="add mod">
+          <ac:chgData name="Jessica dos Santos Paiva" userId="7fb23bec-a373-4816-84ee-47119a63df95" providerId="ADAL" clId="{30FA8068-CB00-4672-A466-5E69C074B526}" dt="2022-03-20T22:45:20.346" v="957" actId="208"/>
+          <ac:cxnSpMkLst>
+            <pc:docMk/>
+            <pc:sldMk cId="369776320" sldId="262"/>
+            <ac:cxnSpMk id="10" creationId="{F2C9CABC-A728-4591-87AC-208E67FDBB27}"/>
+          </ac:cxnSpMkLst>
+        </pc:cxnChg>
+        <pc:cxnChg chg="add mod">
+          <ac:chgData name="Jessica dos Santos Paiva" userId="7fb23bec-a373-4816-84ee-47119a63df95" providerId="ADAL" clId="{30FA8068-CB00-4672-A466-5E69C074B526}" dt="2022-03-20T22:45:20.346" v="957" actId="208"/>
+          <ac:cxnSpMkLst>
+            <pc:docMk/>
+            <pc:sldMk cId="369776320" sldId="262"/>
+            <ac:cxnSpMk id="12" creationId="{B922CB3E-9D7E-46D1-875C-E04D0BF2B093}"/>
+          </ac:cxnSpMkLst>
+        </pc:cxnChg>
+        <pc:cxnChg chg="add mod">
+          <ac:chgData name="Jessica dos Santos Paiva" userId="7fb23bec-a373-4816-84ee-47119a63df95" providerId="ADAL" clId="{30FA8068-CB00-4672-A466-5E69C074B526}" dt="2022-03-20T22:45:20.346" v="957" actId="208"/>
+          <ac:cxnSpMkLst>
+            <pc:docMk/>
+            <pc:sldMk cId="369776320" sldId="262"/>
+            <ac:cxnSpMk id="14" creationId="{6CECDACB-0184-4E23-804B-8473C537C956}"/>
+          </ac:cxnSpMkLst>
+        </pc:cxnChg>
+        <pc:cxnChg chg="add mod">
+          <ac:chgData name="Jessica dos Santos Paiva" userId="7fb23bec-a373-4816-84ee-47119a63df95" providerId="ADAL" clId="{30FA8068-CB00-4672-A466-5E69C074B526}" dt="2022-03-20T22:45:20.346" v="957" actId="208"/>
+          <ac:cxnSpMkLst>
+            <pc:docMk/>
+            <pc:sldMk cId="369776320" sldId="262"/>
+            <ac:cxnSpMk id="18" creationId="{A49F8FDF-87CA-4D19-8727-11356383B626}"/>
+          </ac:cxnSpMkLst>
+        </pc:cxnChg>
+        <pc:cxnChg chg="add mod">
+          <ac:chgData name="Jessica dos Santos Paiva" userId="7fb23bec-a373-4816-84ee-47119a63df95" providerId="ADAL" clId="{30FA8068-CB00-4672-A466-5E69C074B526}" dt="2022-03-20T22:45:20.346" v="957" actId="208"/>
+          <ac:cxnSpMkLst>
+            <pc:docMk/>
+            <pc:sldMk cId="369776320" sldId="262"/>
+            <ac:cxnSpMk id="19" creationId="{FA7AA71C-D289-4B63-BCC3-FBF463C4A954}"/>
+          </ac:cxnSpMkLst>
+        </pc:cxnChg>
+        <pc:cxnChg chg="add mod">
+          <ac:chgData name="Jessica dos Santos Paiva" userId="7fb23bec-a373-4816-84ee-47119a63df95" providerId="ADAL" clId="{30FA8068-CB00-4672-A466-5E69C074B526}" dt="2022-03-20T22:45:20.346" v="957" actId="208"/>
+          <ac:cxnSpMkLst>
+            <pc:docMk/>
+            <pc:sldMk cId="369776320" sldId="262"/>
+            <ac:cxnSpMk id="30" creationId="{3A59055E-A472-4AF7-A7A6-001613CE9303}"/>
+          </ac:cxnSpMkLst>
+        </pc:cxnChg>
+        <pc:cxnChg chg="add mod">
+          <ac:chgData name="Jessica dos Santos Paiva" userId="7fb23bec-a373-4816-84ee-47119a63df95" providerId="ADAL" clId="{30FA8068-CB00-4672-A466-5E69C074B526}" dt="2022-03-20T22:45:20.346" v="957" actId="208"/>
+          <ac:cxnSpMkLst>
+            <pc:docMk/>
+            <pc:sldMk cId="369776320" sldId="262"/>
+            <ac:cxnSpMk id="31" creationId="{0DA02C5C-8FF2-40B5-A322-439AC00D0A4D}"/>
+          </ac:cxnSpMkLst>
+        </pc:cxnChg>
+        <pc:cxnChg chg="add mod">
+          <ac:chgData name="Jessica dos Santos Paiva" userId="7fb23bec-a373-4816-84ee-47119a63df95" providerId="ADAL" clId="{30FA8068-CB00-4672-A466-5E69C074B526}" dt="2022-03-20T22:45:20.346" v="957" actId="208"/>
+          <ac:cxnSpMkLst>
+            <pc:docMk/>
+            <pc:sldMk cId="369776320" sldId="262"/>
+            <ac:cxnSpMk id="32" creationId="{2C05D098-BA12-4698-98DE-D090B8D1B453}"/>
+          </ac:cxnSpMkLst>
+        </pc:cxnChg>
+        <pc:cxnChg chg="add mod">
+          <ac:chgData name="Jessica dos Santos Paiva" userId="7fb23bec-a373-4816-84ee-47119a63df95" providerId="ADAL" clId="{30FA8068-CB00-4672-A466-5E69C074B526}" dt="2022-03-20T22:45:20.346" v="957" actId="208"/>
+          <ac:cxnSpMkLst>
+            <pc:docMk/>
+            <pc:sldMk cId="369776320" sldId="262"/>
+            <ac:cxnSpMk id="33" creationId="{9991E05D-87F5-45D1-BC60-A35654784EF7}"/>
+          </ac:cxnSpMkLst>
+        </pc:cxnChg>
+        <pc:cxnChg chg="add mod">
+          <ac:chgData name="Jessica dos Santos Paiva" userId="7fb23bec-a373-4816-84ee-47119a63df95" providerId="ADAL" clId="{30FA8068-CB00-4672-A466-5E69C074B526}" dt="2022-03-20T22:45:20.346" v="957" actId="208"/>
+          <ac:cxnSpMkLst>
+            <pc:docMk/>
+            <pc:sldMk cId="369776320" sldId="262"/>
+            <ac:cxnSpMk id="34" creationId="{DCE56A97-8FFA-4DF8-8BC1-FBB9DF4C763F}"/>
+          </ac:cxnSpMkLst>
+        </pc:cxnChg>
+        <pc:cxnChg chg="add mod">
+          <ac:chgData name="Jessica dos Santos Paiva" userId="7fb23bec-a373-4816-84ee-47119a63df95" providerId="ADAL" clId="{30FA8068-CB00-4672-A466-5E69C074B526}" dt="2022-03-20T22:45:20.346" v="957" actId="208"/>
+          <ac:cxnSpMkLst>
+            <pc:docMk/>
+            <pc:sldMk cId="369776320" sldId="262"/>
+            <ac:cxnSpMk id="35" creationId="{37C9F012-864E-4A96-9A82-8B45C8E6F2F2}"/>
+          </ac:cxnSpMkLst>
+        </pc:cxnChg>
+        <pc:cxnChg chg="add mod">
+          <ac:chgData name="Jessica dos Santos Paiva" userId="7fb23bec-a373-4816-84ee-47119a63df95" providerId="ADAL" clId="{30FA8068-CB00-4672-A466-5E69C074B526}" dt="2022-03-20T22:45:20.346" v="957" actId="208"/>
+          <ac:cxnSpMkLst>
+            <pc:docMk/>
+            <pc:sldMk cId="369776320" sldId="262"/>
+            <ac:cxnSpMk id="36" creationId="{CDFBF67F-EFFE-4117-A943-509E20C0B293}"/>
+          </ac:cxnSpMkLst>
+        </pc:cxnChg>
+        <pc:cxnChg chg="add mod">
+          <ac:chgData name="Jessica dos Santos Paiva" userId="7fb23bec-a373-4816-84ee-47119a63df95" providerId="ADAL" clId="{30FA8068-CB00-4672-A466-5E69C074B526}" dt="2022-03-20T22:45:20.346" v="957" actId="208"/>
+          <ac:cxnSpMkLst>
+            <pc:docMk/>
+            <pc:sldMk cId="369776320" sldId="262"/>
+            <ac:cxnSpMk id="37" creationId="{9D8A1720-EEF2-4C98-9DCB-5498064A5DAC}"/>
+          </ac:cxnSpMkLst>
+        </pc:cxnChg>
+        <pc:cxnChg chg="add mod">
+          <ac:chgData name="Jessica dos Santos Paiva" userId="7fb23bec-a373-4816-84ee-47119a63df95" providerId="ADAL" clId="{30FA8068-CB00-4672-A466-5E69C074B526}" dt="2022-03-20T22:45:20.346" v="957" actId="208"/>
+          <ac:cxnSpMkLst>
+            <pc:docMk/>
+            <pc:sldMk cId="369776320" sldId="262"/>
+            <ac:cxnSpMk id="38" creationId="{8151EBB6-BE75-49DD-8C12-E933BD044BB4}"/>
+          </ac:cxnSpMkLst>
+        </pc:cxnChg>
+        <pc:cxnChg chg="add mod">
+          <ac:chgData name="Jessica dos Santos Paiva" userId="7fb23bec-a373-4816-84ee-47119a63df95" providerId="ADAL" clId="{30FA8068-CB00-4672-A466-5E69C074B526}" dt="2022-03-20T22:45:20.346" v="957" actId="208"/>
+          <ac:cxnSpMkLst>
+            <pc:docMk/>
+            <pc:sldMk cId="369776320" sldId="262"/>
+            <ac:cxnSpMk id="39" creationId="{C2C7BEB9-C78C-40E6-B4B6-C9447DA2D551}"/>
+          </ac:cxnSpMkLst>
+        </pc:cxnChg>
+        <pc:cxnChg chg="add mod">
+          <ac:chgData name="Jessica dos Santos Paiva" userId="7fb23bec-a373-4816-84ee-47119a63df95" providerId="ADAL" clId="{30FA8068-CB00-4672-A466-5E69C074B526}" dt="2022-03-20T22:45:20.346" v="957" actId="208"/>
+          <ac:cxnSpMkLst>
+            <pc:docMk/>
+            <pc:sldMk cId="369776320" sldId="262"/>
+            <ac:cxnSpMk id="45" creationId="{CD30B2F6-FBDE-426E-ABF4-21CCA04199A0}"/>
+          </ac:cxnSpMkLst>
+        </pc:cxnChg>
+        <pc:cxnChg chg="add mod">
+          <ac:chgData name="Jessica dos Santos Paiva" userId="7fb23bec-a373-4816-84ee-47119a63df95" providerId="ADAL" clId="{30FA8068-CB00-4672-A466-5E69C074B526}" dt="2022-03-20T22:45:20.346" v="957" actId="208"/>
+          <ac:cxnSpMkLst>
+            <pc:docMk/>
+            <pc:sldMk cId="369776320" sldId="262"/>
+            <ac:cxnSpMk id="46" creationId="{B55BD023-FB6B-47CE-B77F-9ACEDCE59945}"/>
+          </ac:cxnSpMkLst>
+        </pc:cxnChg>
+        <pc:cxnChg chg="add mod">
+          <ac:chgData name="Jessica dos Santos Paiva" userId="7fb23bec-a373-4816-84ee-47119a63df95" providerId="ADAL" clId="{30FA8068-CB00-4672-A466-5E69C074B526}" dt="2022-03-20T22:45:20.346" v="957" actId="208"/>
+          <ac:cxnSpMkLst>
+            <pc:docMk/>
+            <pc:sldMk cId="369776320" sldId="262"/>
+            <ac:cxnSpMk id="48" creationId="{D48B1B62-9321-48C7-937D-FCB4C1C99170}"/>
+          </ac:cxnSpMkLst>
+        </pc:cxnChg>
+        <pc:cxnChg chg="add mod">
+          <ac:chgData name="Jessica dos Santos Paiva" userId="7fb23bec-a373-4816-84ee-47119a63df95" providerId="ADAL" clId="{30FA8068-CB00-4672-A466-5E69C074B526}" dt="2022-03-20T22:45:20.346" v="957" actId="208"/>
+          <ac:cxnSpMkLst>
+            <pc:docMk/>
+            <pc:sldMk cId="369776320" sldId="262"/>
+            <ac:cxnSpMk id="49" creationId="{1DAB19D5-65F1-465F-ACA6-C08D15B42DB8}"/>
+          </ac:cxnSpMkLst>
+        </pc:cxnChg>
+        <pc:cxnChg chg="add mod">
+          <ac:chgData name="Jessica dos Santos Paiva" userId="7fb23bec-a373-4816-84ee-47119a63df95" providerId="ADAL" clId="{30FA8068-CB00-4672-A466-5E69C074B526}" dt="2022-03-20T22:45:20.346" v="957" actId="208"/>
+          <ac:cxnSpMkLst>
+            <pc:docMk/>
+            <pc:sldMk cId="369776320" sldId="262"/>
+            <ac:cxnSpMk id="51" creationId="{0DB77E31-F3DE-4E81-9645-780E97FB2B6C}"/>
+          </ac:cxnSpMkLst>
+        </pc:cxnChg>
+        <pc:cxnChg chg="add mod">
+          <ac:chgData name="Jessica dos Santos Paiva" userId="7fb23bec-a373-4816-84ee-47119a63df95" providerId="ADAL" clId="{30FA8068-CB00-4672-A466-5E69C074B526}" dt="2022-03-20T22:45:20.346" v="957" actId="208"/>
+          <ac:cxnSpMkLst>
+            <pc:docMk/>
+            <pc:sldMk cId="369776320" sldId="262"/>
+            <ac:cxnSpMk id="53" creationId="{2F483385-495B-4301-9F77-BDC6B8A39F55}"/>
+          </ac:cxnSpMkLst>
+        </pc:cxnChg>
+        <pc:cxnChg chg="add mod">
+          <ac:chgData name="Jessica dos Santos Paiva" userId="7fb23bec-a373-4816-84ee-47119a63df95" providerId="ADAL" clId="{30FA8068-CB00-4672-A466-5E69C074B526}" dt="2022-03-20T22:45:20.346" v="957" actId="208"/>
+          <ac:cxnSpMkLst>
+            <pc:docMk/>
+            <pc:sldMk cId="369776320" sldId="262"/>
+            <ac:cxnSpMk id="54" creationId="{1D2C9425-31D1-46D4-AEE3-1B5FCAFFD639}"/>
+          </ac:cxnSpMkLst>
+        </pc:cxnChg>
+        <pc:cxnChg chg="add mod">
+          <ac:chgData name="Jessica dos Santos Paiva" userId="7fb23bec-a373-4816-84ee-47119a63df95" providerId="ADAL" clId="{30FA8068-CB00-4672-A466-5E69C074B526}" dt="2022-03-20T22:45:20.346" v="957" actId="208"/>
+          <ac:cxnSpMkLst>
+            <pc:docMk/>
+            <pc:sldMk cId="369776320" sldId="262"/>
+            <ac:cxnSpMk id="55" creationId="{B5D40635-B1DB-441F-B592-B468241DE062}"/>
+          </ac:cxnSpMkLst>
+        </pc:cxnChg>
+        <pc:cxnChg chg="add mod">
+          <ac:chgData name="Jessica dos Santos Paiva" userId="7fb23bec-a373-4816-84ee-47119a63df95" providerId="ADAL" clId="{30FA8068-CB00-4672-A466-5E69C074B526}" dt="2022-03-20T22:45:20.346" v="957" actId="208"/>
+          <ac:cxnSpMkLst>
+            <pc:docMk/>
+            <pc:sldMk cId="369776320" sldId="262"/>
+            <ac:cxnSpMk id="56" creationId="{44C0A05C-EE85-488A-A593-714C31FACDC3}"/>
+          </ac:cxnSpMkLst>
+        </pc:cxnChg>
+        <pc:cxnChg chg="add mod">
+          <ac:chgData name="Jessica dos Santos Paiva" userId="7fb23bec-a373-4816-84ee-47119a63df95" providerId="ADAL" clId="{30FA8068-CB00-4672-A466-5E69C074B526}" dt="2022-03-20T22:45:20.346" v="957" actId="208"/>
+          <ac:cxnSpMkLst>
+            <pc:docMk/>
+            <pc:sldMk cId="369776320" sldId="262"/>
+            <ac:cxnSpMk id="57" creationId="{19252DD1-EABE-411A-81F1-80362139CFC6}"/>
+          </ac:cxnSpMkLst>
+        </pc:cxnChg>
+        <pc:cxnChg chg="add mod">
+          <ac:chgData name="Jessica dos Santos Paiva" userId="7fb23bec-a373-4816-84ee-47119a63df95" providerId="ADAL" clId="{30FA8068-CB00-4672-A466-5E69C074B526}" dt="2022-03-20T22:45:20.346" v="957" actId="208"/>
+          <ac:cxnSpMkLst>
+            <pc:docMk/>
+            <pc:sldMk cId="369776320" sldId="262"/>
+            <ac:cxnSpMk id="58" creationId="{287CECAD-5157-4115-8A39-37D970BF8D46}"/>
+          </ac:cxnSpMkLst>
+        </pc:cxnChg>
+        <pc:cxnChg chg="add mod">
+          <ac:chgData name="Jessica dos Santos Paiva" userId="7fb23bec-a373-4816-84ee-47119a63df95" providerId="ADAL" clId="{30FA8068-CB00-4672-A466-5E69C074B526}" dt="2022-03-20T22:45:20.346" v="957" actId="208"/>
+          <ac:cxnSpMkLst>
+            <pc:docMk/>
+            <pc:sldMk cId="369776320" sldId="262"/>
+            <ac:cxnSpMk id="59" creationId="{EB11EC74-30C6-4A9C-ADB2-695012F53946}"/>
+          </ac:cxnSpMkLst>
+        </pc:cxnChg>
+      </pc:sldChg>
+      <pc:sldChg chg="addSp delSp modSp add mod ord">
+        <pc:chgData name="Jessica dos Santos Paiva" userId="7fb23bec-a373-4816-84ee-47119a63df95" providerId="ADAL" clId="{30FA8068-CB00-4672-A466-5E69C074B526}" dt="2022-03-20T23:27:56.313" v="980" actId="1076"/>
+        <pc:sldMkLst>
+          <pc:docMk/>
+          <pc:sldMk cId="2331715668" sldId="263"/>
+        </pc:sldMkLst>
+        <pc:spChg chg="del">
+          <ac:chgData name="Jessica dos Santos Paiva" userId="7fb23bec-a373-4816-84ee-47119a63df95" providerId="ADAL" clId="{30FA8068-CB00-4672-A466-5E69C074B526}" dt="2022-03-20T22:46:18.899" v="963" actId="478"/>
+          <ac:spMkLst>
+            <pc:docMk/>
+            <pc:sldMk cId="2331715668" sldId="263"/>
+            <ac:spMk id="2" creationId="{0CF5941B-7A87-481B-8C6D-ABEB476CA9BC}"/>
+          </ac:spMkLst>
+        </pc:spChg>
+        <pc:spChg chg="add del mod">
+          <ac:chgData name="Jessica dos Santos Paiva" userId="7fb23bec-a373-4816-84ee-47119a63df95" providerId="ADAL" clId="{30FA8068-CB00-4672-A466-5E69C074B526}" dt="2022-03-20T22:47:44.319" v="973" actId="478"/>
+          <ac:spMkLst>
+            <pc:docMk/>
+            <pc:sldMk cId="2331715668" sldId="263"/>
+            <ac:spMk id="5" creationId="{9E1C6BBA-4FE6-4D0E-A0AC-A42080B05BA7}"/>
+          </ac:spMkLst>
+        </pc:spChg>
+        <pc:spChg chg="add del mod">
+          <ac:chgData name="Jessica dos Santos Paiva" userId="7fb23bec-a373-4816-84ee-47119a63df95" providerId="ADAL" clId="{30FA8068-CB00-4672-A466-5E69C074B526}" dt="2022-03-20T22:47:07.527" v="970" actId="478"/>
+          <ac:spMkLst>
+            <pc:docMk/>
+            <pc:sldMk cId="2331715668" sldId="263"/>
+            <ac:spMk id="7" creationId="{DB304EB8-4F3B-4B2D-A57D-96E2AFC7A8D9}"/>
+          </ac:spMkLst>
+        </pc:spChg>
+        <pc:spChg chg="add del mod">
+          <ac:chgData name="Jessica dos Santos Paiva" userId="7fb23bec-a373-4816-84ee-47119a63df95" providerId="ADAL" clId="{30FA8068-CB00-4672-A466-5E69C074B526}" dt="2022-03-20T22:47:34.454" v="971" actId="207"/>
+          <ac:spMkLst>
+            <pc:docMk/>
+            <pc:sldMk cId="2331715668" sldId="263"/>
+            <ac:spMk id="11" creationId="{A07CD95E-2F7C-4D51-94A5-1A5EF5CA0A0A}"/>
+          </ac:spMkLst>
+        </pc:spChg>
+        <pc:spChg chg="add mod">
+          <ac:chgData name="Jessica dos Santos Paiva" userId="7fb23bec-a373-4816-84ee-47119a63df95" providerId="ADAL" clId="{30FA8068-CB00-4672-A466-5E69C074B526}" dt="2022-03-20T22:47:34.454" v="971" actId="207"/>
+          <ac:spMkLst>
+            <pc:docMk/>
+            <pc:sldMk cId="2331715668" sldId="263"/>
+            <ac:spMk id="12" creationId="{D75D0F2D-7086-40C5-AC18-4F29E48EB74C}"/>
+          </ac:spMkLst>
+        </pc:spChg>
+        <pc:spChg chg="add mod">
+          <ac:chgData name="Jessica dos Santos Paiva" userId="7fb23bec-a373-4816-84ee-47119a63df95" providerId="ADAL" clId="{30FA8068-CB00-4672-A466-5E69C074B526}" dt="2022-03-20T22:47:34.454" v="971" actId="207"/>
+          <ac:spMkLst>
+            <pc:docMk/>
+            <pc:sldMk cId="2331715668" sldId="263"/>
+            <ac:spMk id="13" creationId="{0F72ADA4-BDD9-44DB-84A1-63BFA1D6CD42}"/>
+          </ac:spMkLst>
+        </pc:spChg>
+        <pc:spChg chg="add mod">
+          <ac:chgData name="Jessica dos Santos Paiva" userId="7fb23bec-a373-4816-84ee-47119a63df95" providerId="ADAL" clId="{30FA8068-CB00-4672-A466-5E69C074B526}" dt="2022-03-20T22:47:34.454" v="971" actId="207"/>
+          <ac:spMkLst>
+            <pc:docMk/>
+            <pc:sldMk cId="2331715668" sldId="263"/>
+            <ac:spMk id="14" creationId="{7930F06C-C607-4930-BAA4-7750482B801D}"/>
+          </ac:spMkLst>
+        </pc:spChg>
+        <pc:spChg chg="add mod">
+          <ac:chgData name="Jessica dos Santos Paiva" userId="7fb23bec-a373-4816-84ee-47119a63df95" providerId="ADAL" clId="{30FA8068-CB00-4672-A466-5E69C074B526}" dt="2022-03-20T22:47:34.454" v="971" actId="207"/>
+          <ac:spMkLst>
+            <pc:docMk/>
+            <pc:sldMk cId="2331715668" sldId="263"/>
+            <ac:spMk id="18" creationId="{FEF42ED0-D1C5-47E6-8399-E3FB6FA05196}"/>
+          </ac:spMkLst>
+        </pc:spChg>
+        <pc:spChg chg="add mod">
+          <ac:chgData name="Jessica dos Santos Paiva" userId="7fb23bec-a373-4816-84ee-47119a63df95" providerId="ADAL" clId="{30FA8068-CB00-4672-A466-5E69C074B526}" dt="2022-03-20T22:47:34.454" v="971" actId="207"/>
+          <ac:spMkLst>
+            <pc:docMk/>
+            <pc:sldMk cId="2331715668" sldId="263"/>
+            <ac:spMk id="19" creationId="{60D2544D-8E75-41DE-A9F0-685CB4F04550}"/>
+          </ac:spMkLst>
+        </pc:spChg>
+        <pc:spChg chg="add mod">
+          <ac:chgData name="Jessica dos Santos Paiva" userId="7fb23bec-a373-4816-84ee-47119a63df95" providerId="ADAL" clId="{30FA8068-CB00-4672-A466-5E69C074B526}" dt="2022-03-20T22:47:34.454" v="971" actId="207"/>
+          <ac:spMkLst>
+            <pc:docMk/>
+            <pc:sldMk cId="2331715668" sldId="263"/>
+            <ac:spMk id="20" creationId="{FB718286-C437-4892-B8CA-7C45925B2FAA}"/>
+          </ac:spMkLst>
+        </pc:spChg>
+        <pc:spChg chg="add mod">
+          <ac:chgData name="Jessica dos Santos Paiva" userId="7fb23bec-a373-4816-84ee-47119a63df95" providerId="ADAL" clId="{30FA8068-CB00-4672-A466-5E69C074B526}" dt="2022-03-20T22:47:34.454" v="971" actId="207"/>
+          <ac:spMkLst>
+            <pc:docMk/>
+            <pc:sldMk cId="2331715668" sldId="263"/>
+            <ac:spMk id="21" creationId="{C6E1EE7E-6F9E-4F24-847B-1A8C83115D23}"/>
+          </ac:spMkLst>
+        </pc:spChg>
+        <pc:graphicFrameChg chg="del">
+          <ac:chgData name="Jessica dos Santos Paiva" userId="7fb23bec-a373-4816-84ee-47119a63df95" providerId="ADAL" clId="{30FA8068-CB00-4672-A466-5E69C074B526}" dt="2022-03-20T22:46:12.505" v="962" actId="478"/>
+          <ac:graphicFrameMkLst>
+            <pc:docMk/>
+            <pc:sldMk cId="2331715668" sldId="263"/>
+            <ac:graphicFrameMk id="4" creationId="{063344C9-0F2A-4734-8C9A-9B818986E3F8}"/>
+          </ac:graphicFrameMkLst>
+        </pc:graphicFrameChg>
+        <pc:picChg chg="add mod">
+          <ac:chgData name="Jessica dos Santos Paiva" userId="7fb23bec-a373-4816-84ee-47119a63df95" providerId="ADAL" clId="{30FA8068-CB00-4672-A466-5E69C074B526}" dt="2022-03-20T23:27:56.313" v="980" actId="1076"/>
+          <ac:picMkLst>
+            <pc:docMk/>
+            <pc:sldMk cId="2331715668" sldId="263"/>
+            <ac:picMk id="3" creationId="{2447B67A-B495-4F8A-93F9-07C25D6F8B4F}"/>
+          </ac:picMkLst>
+        </pc:picChg>
+        <pc:picChg chg="add mod">
+          <ac:chgData name="Jessica dos Santos Paiva" userId="7fb23bec-a373-4816-84ee-47119a63df95" providerId="ADAL" clId="{30FA8068-CB00-4672-A466-5E69C074B526}" dt="2022-03-20T22:46:40.669" v="965" actId="1076"/>
+          <ac:picMkLst>
+            <pc:docMk/>
+            <pc:sldMk cId="2331715668" sldId="263"/>
+            <ac:picMk id="22" creationId="{1E096C79-D92B-4BC2-9F0C-DB983C0D29F1}"/>
+          </ac:picMkLst>
+        </pc:picChg>
+        <pc:picChg chg="add mod">
+          <ac:chgData name="Jessica dos Santos Paiva" userId="7fb23bec-a373-4816-84ee-47119a63df95" providerId="ADAL" clId="{30FA8068-CB00-4672-A466-5E69C074B526}" dt="2022-03-20T22:46:40.669" v="965" actId="1076"/>
+          <ac:picMkLst>
+            <pc:docMk/>
+            <pc:sldMk cId="2331715668" sldId="263"/>
+            <ac:picMk id="23" creationId="{FC41FEAE-3E51-4397-9788-1183CBCC7587}"/>
+          </ac:picMkLst>
+        </pc:picChg>
+        <pc:picChg chg="add mod">
+          <ac:chgData name="Jessica dos Santos Paiva" userId="7fb23bec-a373-4816-84ee-47119a63df95" providerId="ADAL" clId="{30FA8068-CB00-4672-A466-5E69C074B526}" dt="2022-03-20T22:46:40.669" v="965" actId="1076"/>
+          <ac:picMkLst>
+            <pc:docMk/>
+            <pc:sldMk cId="2331715668" sldId="263"/>
+            <ac:picMk id="24" creationId="{6337247C-81C8-45AC-B7E9-39CEF6539740}"/>
+          </ac:picMkLst>
+        </pc:picChg>
+        <pc:picChg chg="add mod">
+          <ac:chgData name="Jessica dos Santos Paiva" userId="7fb23bec-a373-4816-84ee-47119a63df95" providerId="ADAL" clId="{30FA8068-CB00-4672-A466-5E69C074B526}" dt="2022-03-20T22:46:40.669" v="965" actId="1076"/>
+          <ac:picMkLst>
+            <pc:docMk/>
+            <pc:sldMk cId="2331715668" sldId="263"/>
+            <ac:picMk id="25" creationId="{4898DDEB-46D2-4DA6-9E27-BA4CF1814948}"/>
+          </ac:picMkLst>
+        </pc:picChg>
+        <pc:picChg chg="add mod">
+          <ac:chgData name="Jessica dos Santos Paiva" userId="7fb23bec-a373-4816-84ee-47119a63df95" providerId="ADAL" clId="{30FA8068-CB00-4672-A466-5E69C074B526}" dt="2022-03-20T22:46:40.669" v="965" actId="1076"/>
+          <ac:picMkLst>
+            <pc:docMk/>
+            <pc:sldMk cId="2331715668" sldId="263"/>
+            <ac:picMk id="26" creationId="{2DC2E081-F66F-4651-9704-5E89FA2F5620}"/>
+          </ac:picMkLst>
+        </pc:picChg>
+        <pc:picChg chg="add mod">
+          <ac:chgData name="Jessica dos Santos Paiva" userId="7fb23bec-a373-4816-84ee-47119a63df95" providerId="ADAL" clId="{30FA8068-CB00-4672-A466-5E69C074B526}" dt="2022-03-20T22:46:40.669" v="965" actId="1076"/>
+          <ac:picMkLst>
+            <pc:docMk/>
+            <pc:sldMk cId="2331715668" sldId="263"/>
+            <ac:picMk id="27" creationId="{E4A05538-20AA-4E25-90EE-6929C781E843}"/>
+          </ac:picMkLst>
+        </pc:picChg>
+        <pc:picChg chg="add mod">
+          <ac:chgData name="Jessica dos Santos Paiva" userId="7fb23bec-a373-4816-84ee-47119a63df95" providerId="ADAL" clId="{30FA8068-CB00-4672-A466-5E69C074B526}" dt="2022-03-20T22:48:01.238" v="974" actId="1076"/>
+          <ac:picMkLst>
+            <pc:docMk/>
+            <pc:sldMk cId="2331715668" sldId="263"/>
+            <ac:picMk id="28" creationId="{A3B089B4-FA87-4125-8AF0-8FF9522F22F1}"/>
+          </ac:picMkLst>
+        </pc:picChg>
+        <pc:picChg chg="add mod">
+          <ac:chgData name="Jessica dos Santos Paiva" userId="7fb23bec-a373-4816-84ee-47119a63df95" providerId="ADAL" clId="{30FA8068-CB00-4672-A466-5E69C074B526}" dt="2022-03-20T22:48:12.886" v="976" actId="1076"/>
+          <ac:picMkLst>
+            <pc:docMk/>
+            <pc:sldMk cId="2331715668" sldId="263"/>
+            <ac:picMk id="29" creationId="{DB934B2C-810D-4FAA-B88B-0CF1DECA9CC4}"/>
+          </ac:picMkLst>
+        </pc:picChg>
       </pc:sldChg>
     </pc:docChg>
   </pc:docChgLst>
@@ -315,7 +2144,7 @@
           <a:p>
             <a:fld id="{B1D53C1D-A57C-4A8A-8A30-043BEBA7B76F}" type="datetimeFigureOut">
               <a:rPr lang="en-US" smtClean="0"/>
-              <a:t>3/7/2022</a:t>
+              <a:t>3/20/2022</a:t>
             </a:fld>
             <a:endParaRPr lang="en-US"/>
           </a:p>
@@ -515,7 +2344,7 @@
           <a:p>
             <a:fld id="{B1D53C1D-A57C-4A8A-8A30-043BEBA7B76F}" type="datetimeFigureOut">
               <a:rPr lang="en-US" smtClean="0"/>
-              <a:t>3/7/2022</a:t>
+              <a:t>3/20/2022</a:t>
             </a:fld>
             <a:endParaRPr lang="en-US"/>
           </a:p>
@@ -725,7 +2554,7 @@
           <a:p>
             <a:fld id="{B1D53C1D-A57C-4A8A-8A30-043BEBA7B76F}" type="datetimeFigureOut">
               <a:rPr lang="en-US" smtClean="0"/>
-              <a:t>3/7/2022</a:t>
+              <a:t>3/20/2022</a:t>
             </a:fld>
             <a:endParaRPr lang="en-US"/>
           </a:p>
@@ -925,7 +2754,7 @@
           <a:p>
             <a:fld id="{B1D53C1D-A57C-4A8A-8A30-043BEBA7B76F}" type="datetimeFigureOut">
               <a:rPr lang="en-US" smtClean="0"/>
-              <a:t>3/7/2022</a:t>
+              <a:t>3/20/2022</a:t>
             </a:fld>
             <a:endParaRPr lang="en-US"/>
           </a:p>
@@ -1201,7 +3030,7 @@
           <a:p>
             <a:fld id="{B1D53C1D-A57C-4A8A-8A30-043BEBA7B76F}" type="datetimeFigureOut">
               <a:rPr lang="en-US" smtClean="0"/>
-              <a:t>3/7/2022</a:t>
+              <a:t>3/20/2022</a:t>
             </a:fld>
             <a:endParaRPr lang="en-US"/>
           </a:p>
@@ -1469,7 +3298,7 @@
           <a:p>
             <a:fld id="{B1D53C1D-A57C-4A8A-8A30-043BEBA7B76F}" type="datetimeFigureOut">
               <a:rPr lang="en-US" smtClean="0"/>
-              <a:t>3/7/2022</a:t>
+              <a:t>3/20/2022</a:t>
             </a:fld>
             <a:endParaRPr lang="en-US"/>
           </a:p>
@@ -1884,7 +3713,7 @@
           <a:p>
             <a:fld id="{B1D53C1D-A57C-4A8A-8A30-043BEBA7B76F}" type="datetimeFigureOut">
               <a:rPr lang="en-US" smtClean="0"/>
-              <a:t>3/7/2022</a:t>
+              <a:t>3/20/2022</a:t>
             </a:fld>
             <a:endParaRPr lang="en-US"/>
           </a:p>
@@ -2026,7 +3855,7 @@
           <a:p>
             <a:fld id="{B1D53C1D-A57C-4A8A-8A30-043BEBA7B76F}" type="datetimeFigureOut">
               <a:rPr lang="en-US" smtClean="0"/>
-              <a:t>3/7/2022</a:t>
+              <a:t>3/20/2022</a:t>
             </a:fld>
             <a:endParaRPr lang="en-US"/>
           </a:p>
@@ -2139,7 +3968,7 @@
           <a:p>
             <a:fld id="{B1D53C1D-A57C-4A8A-8A30-043BEBA7B76F}" type="datetimeFigureOut">
               <a:rPr lang="en-US" smtClean="0"/>
-              <a:t>3/7/2022</a:t>
+              <a:t>3/20/2022</a:t>
             </a:fld>
             <a:endParaRPr lang="en-US"/>
           </a:p>
@@ -2452,7 +4281,7 @@
           <a:p>
             <a:fld id="{B1D53C1D-A57C-4A8A-8A30-043BEBA7B76F}" type="datetimeFigureOut">
               <a:rPr lang="en-US" smtClean="0"/>
-              <a:t>3/7/2022</a:t>
+              <a:t>3/20/2022</a:t>
             </a:fld>
             <a:endParaRPr lang="en-US"/>
           </a:p>
@@ -2741,7 +4570,7 @@
           <a:p>
             <a:fld id="{B1D53C1D-A57C-4A8A-8A30-043BEBA7B76F}" type="datetimeFigureOut">
               <a:rPr lang="en-US" smtClean="0"/>
-              <a:t>3/7/2022</a:t>
+              <a:t>3/20/2022</a:t>
             </a:fld>
             <a:endParaRPr lang="en-US"/>
           </a:p>
@@ -2984,7 +4813,7 @@
           <a:p>
             <a:fld id="{B1D53C1D-A57C-4A8A-8A30-043BEBA7B76F}" type="datetimeFigureOut">
               <a:rPr lang="en-US" smtClean="0"/>
-              <a:t>3/7/2022</a:t>
+              <a:t>3/20/2022</a:t>
             </a:fld>
             <a:endParaRPr lang="en-US"/>
           </a:p>
@@ -3387,6 +5216,14 @@
 <file path=ppt/slides/slide1.xml><?xml version="1.0" encoding="utf-8"?>
 <p:sld xmlns:a="http://schemas.openxmlformats.org/drawingml/2006/main" xmlns:r="http://schemas.openxmlformats.org/officeDocument/2006/relationships" xmlns:p="http://schemas.openxmlformats.org/presentationml/2006/main">
   <p:cSld>
+    <p:bg>
+      <p:bgPr>
+        <a:solidFill>
+          <a:schemeClr val="bg1"/>
+        </a:solidFill>
+        <a:effectLst/>
+      </p:bgPr>
+    </p:bg>
     <p:spTree>
       <p:nvGrpSpPr>
         <p:cNvPr id="1" name=""/>
@@ -3403,24 +5240,44 @@
       </p:grpSpPr>
       <p:sp>
         <p:nvSpPr>
-          <p:cNvPr id="4" name="Fluxograma: Terminação 3">
-            <a:extLst>
-              <a:ext uri="{FF2B5EF4-FFF2-40B4-BE49-F238E27FC236}">
-                <a16:creationId xmlns:a16="http://schemas.microsoft.com/office/drawing/2014/main" id="{3B2681A8-C0D1-408E-88E4-51A751717B0F}"/>
-              </a:ext>
-            </a:extLst>
-          </p:cNvPr>
-          <p:cNvSpPr/>
-          <p:nvPr/>
+          <p:cNvPr id="70" name="Rectangle 19">
+            <a:extLst>
+              <a:ext uri="{FF2B5EF4-FFF2-40B4-BE49-F238E27FC236}">
+                <a16:creationId xmlns:a16="http://schemas.microsoft.com/office/drawing/2014/main" id="{FB5B0058-AF13-4859-B429-4EDDE2A26F7F}"/>
+              </a:ext>
+              <a:ext uri="{C183D7F6-B498-43B3-948B-1728B52AA6E4}">
+                <adec:decorative xmlns:adec="http://schemas.microsoft.com/office/drawing/2017/decorative" val="1"/>
+              </a:ext>
+            </a:extLst>
+          </p:cNvPr>
+          <p:cNvSpPr>
+            <a:spLocks noGrp="1" noRot="1" noChangeAspect="1" noMove="1" noResize="1" noEditPoints="1" noAdjustHandles="1" noChangeArrowheads="1" noChangeShapeType="1" noTextEdit="1"/>
+          </p:cNvSpPr>
+          <p:nvPr>
+            <p:extLst>
+              <p:ext uri="{386F3935-93C4-4BCD-93E2-E3B085C9AB24}">
+                <p16:designElem xmlns:p16="http://schemas.microsoft.com/office/powerpoint/2015/main" val="1"/>
+              </p:ext>
+            </p:extLst>
+          </p:nvPr>
         </p:nvSpPr>
         <p:spPr>
           <a:xfrm>
-            <a:off x="172720" y="3144520"/>
-            <a:ext cx="1615440" cy="568960"/>
+            <a:off x="0" y="0"/>
+            <a:ext cx="12192000" cy="6858000"/>
           </a:xfrm>
-          <a:prstGeom prst="flowChartTerminator">
+          <a:prstGeom prst="rect">
             <a:avLst/>
           </a:prstGeom>
+          <a:solidFill>
+            <a:schemeClr val="tx1">
+              <a:lumMod val="95000"/>
+              <a:lumOff val="5000"/>
+            </a:schemeClr>
+          </a:solidFill>
+          <a:ln>
+            <a:noFill/>
+          </a:ln>
         </p:spPr>
         <p:style>
           <a:lnRef idx="2">
@@ -3443,222 +5300,123 @@
           <a:lstStyle/>
           <a:p>
             <a:pPr algn="ctr"/>
+            <a:endParaRPr lang="en-US" dirty="0">
+              <a:solidFill>
+                <a:schemeClr val="tx1"/>
+              </a:solidFill>
+            </a:endParaRPr>
+          </a:p>
+        </p:txBody>
+      </p:sp>
+      <p:sp>
+        <p:nvSpPr>
+          <p:cNvPr id="2" name="Título 1">
+            <a:extLst>
+              <a:ext uri="{FF2B5EF4-FFF2-40B4-BE49-F238E27FC236}">
+                <a16:creationId xmlns:a16="http://schemas.microsoft.com/office/drawing/2014/main" id="{0CF5941B-7A87-481B-8C6D-ABEB476CA9BC}"/>
+              </a:ext>
+            </a:extLst>
+          </p:cNvPr>
+          <p:cNvSpPr>
+            <a:spLocks noGrp="1"/>
+          </p:cNvSpPr>
+          <p:nvPr>
+            <p:ph type="title"/>
+          </p:nvPr>
+        </p:nvSpPr>
+        <p:spPr>
+          <a:xfrm>
+            <a:off x="2628121" y="1932478"/>
+            <a:ext cx="6935759" cy="3134371"/>
+          </a:xfrm>
+        </p:spPr>
+        <p:txBody>
+          <a:bodyPr vert="horz" lIns="91440" tIns="45720" rIns="91440" bIns="45720" rtlCol="0" anchor="ctr">
+            <a:normAutofit/>
+          </a:bodyPr>
+          <a:lstStyle/>
+          <a:p>
+            <a:pPr algn="ctr"/>
             <a:r>
-              <a:rPr lang="pt-BR" dirty="0"/>
-              <a:t>Início </a:t>
+              <a:rPr lang="en-US" sz="6000" kern="1200" dirty="0">
+                <a:solidFill>
+                  <a:schemeClr val="bg1"/>
+                </a:solidFill>
+                <a:latin typeface="Lucida Calligraphy" panose="03010101010101010101" pitchFamily="66" charset="0"/>
+              </a:rPr>
+              <a:t>As </a:t>
             </a:r>
-            <a:endParaRPr lang="en-US" dirty="0"/>
+            <a:r>
+              <a:rPr lang="en-US" sz="6000" kern="1200" dirty="0" err="1">
+                <a:solidFill>
+                  <a:schemeClr val="bg1"/>
+                </a:solidFill>
+                <a:latin typeface="Lucida Calligraphy" panose="03010101010101010101" pitchFamily="66" charset="0"/>
+              </a:rPr>
+              <a:t>Bruxas</a:t>
+            </a:r>
+            <a:r>
+              <a:rPr lang="en-US" sz="6000" kern="1200" dirty="0">
+                <a:solidFill>
+                  <a:schemeClr val="bg1"/>
+                </a:solidFill>
+                <a:latin typeface="Lucida Calligraphy" panose="03010101010101010101" pitchFamily="66" charset="0"/>
+              </a:rPr>
+              <a:t> de </a:t>
+            </a:r>
+            <a:r>
+              <a:rPr lang="en-US" sz="6000" kern="1200" dirty="0" err="1">
+                <a:solidFill>
+                  <a:schemeClr val="bg1"/>
+                </a:solidFill>
+                <a:latin typeface="Lucida Calligraphy" panose="03010101010101010101" pitchFamily="66" charset="0"/>
+              </a:rPr>
+              <a:t>Eastvalley</a:t>
+            </a:r>
+            <a:endParaRPr lang="en-US" sz="6000" kern="1200" dirty="0">
+              <a:solidFill>
+                <a:schemeClr val="bg1"/>
+              </a:solidFill>
+              <a:latin typeface="Lucida Calligraphy" panose="03010101010101010101" pitchFamily="66" charset="0"/>
+            </a:endParaRPr>
           </a:p>
         </p:txBody>
       </p:sp>
       <p:cxnSp>
         <p:nvCxnSpPr>
-          <p:cNvPr id="6" name="Conector de Seta Reta 5">
-            <a:extLst>
-              <a:ext uri="{FF2B5EF4-FFF2-40B4-BE49-F238E27FC236}">
-                <a16:creationId xmlns:a16="http://schemas.microsoft.com/office/drawing/2014/main" id="{DB944494-DE8B-4888-B2CD-6E1EF0C3E80D}"/>
+          <p:cNvPr id="71" name="Straight Connector 21">
+            <a:extLst>
+              <a:ext uri="{FF2B5EF4-FFF2-40B4-BE49-F238E27FC236}">
+                <a16:creationId xmlns:a16="http://schemas.microsoft.com/office/drawing/2014/main" id="{E6D6B450-4278-45B8-88C7-C061710E3C7E}"/>
+              </a:ext>
+              <a:ext uri="{C183D7F6-B498-43B3-948B-1728B52AA6E4}">
+                <adec:decorative xmlns:adec="http://schemas.microsoft.com/office/drawing/2017/decorative" val="1"/>
               </a:ext>
             </a:extLst>
           </p:cNvPr>
           <p:cNvCxnSpPr>
-            <a:stCxn id="4" idx="3"/>
+            <a:cxnSpLocks noGrp="1" noRot="1" noChangeAspect="1" noMove="1" noResize="1" noEditPoints="1" noAdjustHandles="1" noChangeArrowheads="1" noChangeShapeType="1"/>
           </p:cNvCxnSpPr>
-          <p:nvPr/>
+          <p:nvPr>
+            <p:extLst>
+              <p:ext uri="{386F3935-93C4-4BCD-93E2-E3B085C9AB24}">
+                <p16:designElem xmlns:p16="http://schemas.microsoft.com/office/powerpoint/2015/main" val="1"/>
+              </p:ext>
+            </p:extLst>
+          </p:nvPr>
         </p:nvCxnSpPr>
         <p:spPr>
-          <a:xfrm>
-            <a:off x="1788160" y="3429000"/>
-            <a:ext cx="300990" cy="0"/>
+          <a:xfrm flipH="1">
+            <a:off x="0" y="1560911"/>
+            <a:ext cx="3581400" cy="0"/>
           </a:xfrm>
-          <a:prstGeom prst="straightConnector1">
+          <a:prstGeom prst="line">
             <a:avLst/>
           </a:prstGeom>
-          <a:ln>
-            <a:tailEnd type="triangle"/>
-          </a:ln>
-        </p:spPr>
-        <p:style>
-          <a:lnRef idx="1">
-            <a:schemeClr val="accent1"/>
-          </a:lnRef>
-          <a:fillRef idx="0">
-            <a:schemeClr val="accent1"/>
-          </a:fillRef>
-          <a:effectRef idx="0">
-            <a:schemeClr val="accent1"/>
-          </a:effectRef>
-          <a:fontRef idx="minor">
-            <a:schemeClr val="tx1"/>
-          </a:fontRef>
-        </p:style>
-      </p:cxnSp>
-      <p:sp>
-        <p:nvSpPr>
-          <p:cNvPr id="7" name="Fluxograma: Processo 6">
-            <a:extLst>
-              <a:ext uri="{FF2B5EF4-FFF2-40B4-BE49-F238E27FC236}">
-                <a16:creationId xmlns:a16="http://schemas.microsoft.com/office/drawing/2014/main" id="{5E0D8516-C4ED-47FC-A593-8B9E90D816EB}"/>
-              </a:ext>
-            </a:extLst>
-          </p:cNvPr>
-          <p:cNvSpPr/>
-          <p:nvPr/>
-        </p:nvSpPr>
-        <p:spPr>
-          <a:xfrm>
-            <a:off x="2089150" y="3032760"/>
-            <a:ext cx="1555750" cy="792480"/>
-          </a:xfrm>
-          <a:prstGeom prst="flowChartProcess">
-            <a:avLst/>
-          </a:prstGeom>
-        </p:spPr>
-        <p:style>
-          <a:lnRef idx="2">
-            <a:schemeClr val="accent1">
-              <a:shade val="50000"/>
-            </a:schemeClr>
-          </a:lnRef>
-          <a:fillRef idx="1">
-            <a:schemeClr val="accent1"/>
-          </a:fillRef>
-          <a:effectRef idx="0">
-            <a:schemeClr val="accent1"/>
-          </a:effectRef>
-          <a:fontRef idx="minor">
-            <a:schemeClr val="lt1"/>
-          </a:fontRef>
-        </p:style>
-        <p:txBody>
-          <a:bodyPr rtlCol="0" anchor="ctr"/>
-          <a:lstStyle/>
-          <a:p>
-            <a:pPr algn="ctr"/>
-            <a:r>
-              <a:rPr lang="pt-BR" dirty="0"/>
-              <a:t>Breve descrição</a:t>
-            </a:r>
-            <a:endParaRPr lang="en-US" dirty="0"/>
-          </a:p>
-        </p:txBody>
-      </p:sp>
-      <p:cxnSp>
-        <p:nvCxnSpPr>
-          <p:cNvPr id="9" name="Conector de Seta Reta 8">
-            <a:extLst>
-              <a:ext uri="{FF2B5EF4-FFF2-40B4-BE49-F238E27FC236}">
-                <a16:creationId xmlns:a16="http://schemas.microsoft.com/office/drawing/2014/main" id="{D7FEBA6F-6533-4E45-90C1-5B37EABC82B6}"/>
-              </a:ext>
-            </a:extLst>
-          </p:cNvPr>
-          <p:cNvCxnSpPr>
-            <a:stCxn id="7" idx="3"/>
-          </p:cNvCxnSpPr>
-          <p:nvPr/>
-        </p:nvCxnSpPr>
-        <p:spPr>
-          <a:xfrm>
-            <a:off x="3644900" y="3429000"/>
-            <a:ext cx="260350" cy="0"/>
-          </a:xfrm>
-          <a:prstGeom prst="straightConnector1">
-            <a:avLst/>
-          </a:prstGeom>
-          <a:ln>
-            <a:tailEnd type="triangle"/>
-          </a:ln>
-        </p:spPr>
-        <p:style>
-          <a:lnRef idx="1">
-            <a:schemeClr val="accent1"/>
-          </a:lnRef>
-          <a:fillRef idx="0">
-            <a:schemeClr val="accent1"/>
-          </a:fillRef>
-          <a:effectRef idx="0">
-            <a:schemeClr val="accent1"/>
-          </a:effectRef>
-          <a:fontRef idx="minor">
-            <a:schemeClr val="tx1"/>
-          </a:fontRef>
-        </p:style>
-      </p:cxnSp>
-      <p:sp>
-        <p:nvSpPr>
-          <p:cNvPr id="10" name="Fluxograma: Decisão 9">
-            <a:extLst>
-              <a:ext uri="{FF2B5EF4-FFF2-40B4-BE49-F238E27FC236}">
-                <a16:creationId xmlns:a16="http://schemas.microsoft.com/office/drawing/2014/main" id="{497BD47B-1D49-4AFF-8702-172DDB66ED0B}"/>
-              </a:ext>
-            </a:extLst>
-          </p:cNvPr>
-          <p:cNvSpPr/>
-          <p:nvPr/>
-        </p:nvSpPr>
-        <p:spPr>
-          <a:xfrm>
-            <a:off x="3905250" y="2767337"/>
-            <a:ext cx="2025650" cy="1346198"/>
-          </a:xfrm>
-          <a:prstGeom prst="flowChartDecision">
-            <a:avLst/>
-          </a:prstGeom>
-        </p:spPr>
-        <p:style>
-          <a:lnRef idx="2">
-            <a:schemeClr val="accent1">
-              <a:shade val="50000"/>
-            </a:schemeClr>
-          </a:lnRef>
-          <a:fillRef idx="1">
-            <a:schemeClr val="accent1"/>
-          </a:fillRef>
-          <a:effectRef idx="0">
-            <a:schemeClr val="accent1"/>
-          </a:effectRef>
-          <a:fontRef idx="minor">
-            <a:schemeClr val="lt1"/>
-          </a:fontRef>
-        </p:style>
-        <p:txBody>
-          <a:bodyPr rtlCol="0" anchor="ctr"/>
-          <a:lstStyle/>
-          <a:p>
-            <a:pPr algn="ctr"/>
-            <a:r>
-              <a:rPr lang="pt-BR" sz="1200" dirty="0"/>
-              <a:t>Escolha personagem</a:t>
-            </a:r>
-            <a:endParaRPr lang="en-US" sz="1200" dirty="0"/>
-          </a:p>
-        </p:txBody>
-      </p:sp>
-      <p:cxnSp>
-        <p:nvCxnSpPr>
-          <p:cNvPr id="12" name="Conector de Seta Reta 11">
-            <a:extLst>
-              <a:ext uri="{FF2B5EF4-FFF2-40B4-BE49-F238E27FC236}">
-                <a16:creationId xmlns:a16="http://schemas.microsoft.com/office/drawing/2014/main" id="{D6AE3881-4D8A-4A88-956F-AE3DA0A1E56B}"/>
-              </a:ext>
-            </a:extLst>
-          </p:cNvPr>
-          <p:cNvCxnSpPr>
-            <a:cxnSpLocks/>
-            <a:stCxn id="10" idx="0"/>
-            <a:endCxn id="75" idx="2"/>
-          </p:cNvCxnSpPr>
-          <p:nvPr/>
-        </p:nvCxnSpPr>
-        <p:spPr>
-          <a:xfrm flipV="1">
-            <a:off x="4918075" y="2500964"/>
-            <a:ext cx="15876" cy="266373"/>
-          </a:xfrm>
-          <a:prstGeom prst="straightConnector1">
-            <a:avLst/>
-          </a:prstGeom>
-          <a:ln>
-            <a:tailEnd type="triangle"/>
+          <a:ln w="12700">
+            <a:solidFill>
+              <a:schemeClr val="accent2"/>
+            </a:solidFill>
           </a:ln>
         </p:spPr>
         <p:style>
@@ -3678,28 +5436,39 @@
       </p:cxnSp>
       <p:cxnSp>
         <p:nvCxnSpPr>
-          <p:cNvPr id="14" name="Conector de Seta Reta 13">
-            <a:extLst>
-              <a:ext uri="{FF2B5EF4-FFF2-40B4-BE49-F238E27FC236}">
-                <a16:creationId xmlns:a16="http://schemas.microsoft.com/office/drawing/2014/main" id="{C644F39C-0F06-4959-B4DD-E80F6840C041}"/>
+          <p:cNvPr id="72" name="Straight Connector 23">
+            <a:extLst>
+              <a:ext uri="{FF2B5EF4-FFF2-40B4-BE49-F238E27FC236}">
+                <a16:creationId xmlns:a16="http://schemas.microsoft.com/office/drawing/2014/main" id="{EE7CEFB9-5672-4FC6-981B-C8DA3FE08EA2}"/>
+              </a:ext>
+              <a:ext uri="{C183D7F6-B498-43B3-948B-1728B52AA6E4}">
+                <adec:decorative xmlns:adec="http://schemas.microsoft.com/office/drawing/2017/decorative" val="1"/>
               </a:ext>
             </a:extLst>
           </p:cNvPr>
           <p:cNvCxnSpPr>
-            <a:stCxn id="10" idx="3"/>
+            <a:cxnSpLocks noGrp="1" noRot="1" noChangeAspect="1" noMove="1" noResize="1" noEditPoints="1" noAdjustHandles="1" noChangeArrowheads="1" noChangeShapeType="1"/>
           </p:cNvCxnSpPr>
-          <p:nvPr/>
+          <p:nvPr>
+            <p:extLst>
+              <p:ext uri="{386F3935-93C4-4BCD-93E2-E3B085C9AB24}">
+                <p16:designElem xmlns:p16="http://schemas.microsoft.com/office/powerpoint/2015/main" val="1"/>
+              </p:ext>
+            </p:extLst>
+          </p:nvPr>
         </p:nvCxnSpPr>
         <p:spPr>
-          <a:xfrm flipV="1">
-            <a:off x="5930900" y="3429000"/>
-            <a:ext cx="222250" cy="11436"/>
+          <a:xfrm flipH="1">
+            <a:off x="8610600" y="1560911"/>
+            <a:ext cx="3581400" cy="0"/>
           </a:xfrm>
-          <a:prstGeom prst="straightConnector1">
+          <a:prstGeom prst="line">
             <a:avLst/>
           </a:prstGeom>
-          <a:ln>
-            <a:tailEnd type="triangle"/>
+          <a:ln w="12700">
+            <a:solidFill>
+              <a:schemeClr val="accent2"/>
+            </a:solidFill>
           </a:ln>
         </p:spPr>
         <p:style>
@@ -3719,1486 +5488,40 @@
       </p:cxnSp>
       <p:cxnSp>
         <p:nvCxnSpPr>
-          <p:cNvPr id="16" name="Conector de Seta Reta 15">
-            <a:extLst>
-              <a:ext uri="{FF2B5EF4-FFF2-40B4-BE49-F238E27FC236}">
-                <a16:creationId xmlns:a16="http://schemas.microsoft.com/office/drawing/2014/main" id="{187832F4-3465-470C-8289-0CF686DA5AA6}"/>
+          <p:cNvPr id="73" name="Straight Connector 25">
+            <a:extLst>
+              <a:ext uri="{FF2B5EF4-FFF2-40B4-BE49-F238E27FC236}">
+                <a16:creationId xmlns:a16="http://schemas.microsoft.com/office/drawing/2014/main" id="{74234A4C-A256-4139-A5F4-27078F0D6796}"/>
+              </a:ext>
+              <a:ext uri="{C183D7F6-B498-43B3-948B-1728B52AA6E4}">
+                <adec:decorative xmlns:adec="http://schemas.microsoft.com/office/drawing/2017/decorative" val="1"/>
               </a:ext>
             </a:extLst>
           </p:cNvPr>
           <p:cNvCxnSpPr>
-            <a:cxnSpLocks/>
-            <a:stCxn id="10" idx="2"/>
-            <a:endCxn id="73" idx="0"/>
+            <a:cxnSpLocks noGrp="1" noRot="1" noChangeAspect="1" noMove="1" noResize="1" noEditPoints="1" noAdjustHandles="1" noChangeArrowheads="1" noChangeShapeType="1"/>
           </p:cNvCxnSpPr>
-          <p:nvPr/>
-        </p:nvCxnSpPr>
-        <p:spPr>
-          <a:xfrm>
-            <a:off x="4918075" y="4113535"/>
-            <a:ext cx="4505" cy="356230"/>
-          </a:xfrm>
-          <a:prstGeom prst="straightConnector1">
-            <a:avLst/>
-          </a:prstGeom>
-          <a:ln>
-            <a:tailEnd type="triangle"/>
-          </a:ln>
-        </p:spPr>
-        <p:style>
-          <a:lnRef idx="1">
-            <a:schemeClr val="accent1"/>
-          </a:lnRef>
-          <a:fillRef idx="0">
-            <a:schemeClr val="accent1"/>
-          </a:fillRef>
-          <a:effectRef idx="0">
-            <a:schemeClr val="accent1"/>
-          </a:effectRef>
-          <a:fontRef idx="minor">
-            <a:schemeClr val="tx1"/>
-          </a:fontRef>
-        </p:style>
-      </p:cxnSp>
-      <p:sp>
-        <p:nvSpPr>
-          <p:cNvPr id="20" name="Fluxograma: Decisão 19">
-            <a:extLst>
-              <a:ext uri="{FF2B5EF4-FFF2-40B4-BE49-F238E27FC236}">
-                <a16:creationId xmlns:a16="http://schemas.microsoft.com/office/drawing/2014/main" id="{007E262A-6EFB-4DE3-8A56-9198CBD12613}"/>
-              </a:ext>
-            </a:extLst>
-          </p:cNvPr>
-          <p:cNvSpPr/>
-          <p:nvPr/>
-        </p:nvSpPr>
-        <p:spPr>
-          <a:xfrm>
-            <a:off x="8540749" y="3157861"/>
-            <a:ext cx="1523998" cy="565150"/>
-          </a:xfrm>
-          <a:prstGeom prst="flowChartDecision">
-            <a:avLst/>
-          </a:prstGeom>
-        </p:spPr>
-        <p:style>
-          <a:lnRef idx="2">
-            <a:schemeClr val="accent1">
-              <a:shade val="50000"/>
-            </a:schemeClr>
-          </a:lnRef>
-          <a:fillRef idx="1">
-            <a:schemeClr val="accent1"/>
-          </a:fillRef>
-          <a:effectRef idx="0">
-            <a:schemeClr val="accent1"/>
-          </a:effectRef>
-          <a:fontRef idx="minor">
-            <a:schemeClr val="lt1"/>
-          </a:fontRef>
-        </p:style>
-        <p:txBody>
-          <a:bodyPr rtlCol="0" anchor="ctr"/>
-          <a:lstStyle/>
-          <a:p>
-            <a:pPr algn="ctr"/>
-            <a:r>
-              <a:rPr lang="pt-BR" sz="1100" dirty="0"/>
-              <a:t>Qual a aventura?</a:t>
-            </a:r>
-            <a:endParaRPr lang="en-US" sz="1100" dirty="0"/>
-          </a:p>
-        </p:txBody>
-      </p:sp>
-      <p:sp>
-        <p:nvSpPr>
-          <p:cNvPr id="22" name="Fluxograma: Decisão 21">
-            <a:extLst>
-              <a:ext uri="{FF2B5EF4-FFF2-40B4-BE49-F238E27FC236}">
-                <a16:creationId xmlns:a16="http://schemas.microsoft.com/office/drawing/2014/main" id="{F74F799D-450D-4612-84C9-48D7536BE34C}"/>
-              </a:ext>
-            </a:extLst>
-          </p:cNvPr>
-          <p:cNvSpPr/>
-          <p:nvPr/>
-        </p:nvSpPr>
-        <p:spPr>
-          <a:xfrm>
-            <a:off x="4156076" y="5495925"/>
-            <a:ext cx="1523998" cy="565150"/>
-          </a:xfrm>
-          <a:prstGeom prst="flowChartDecision">
-            <a:avLst/>
-          </a:prstGeom>
-        </p:spPr>
-        <p:style>
-          <a:lnRef idx="2">
-            <a:schemeClr val="accent1">
-              <a:shade val="50000"/>
-            </a:schemeClr>
-          </a:lnRef>
-          <a:fillRef idx="1">
-            <a:schemeClr val="accent1"/>
-          </a:fillRef>
-          <a:effectRef idx="0">
-            <a:schemeClr val="accent1"/>
-          </a:effectRef>
-          <a:fontRef idx="minor">
-            <a:schemeClr val="lt1"/>
-          </a:fontRef>
-        </p:style>
-        <p:txBody>
-          <a:bodyPr rtlCol="0" anchor="ctr"/>
-          <a:lstStyle/>
-          <a:p>
-            <a:pPr algn="ctr"/>
-            <a:r>
-              <a:rPr lang="pt-BR" sz="1100" dirty="0"/>
-              <a:t>Qual a aventura?</a:t>
-            </a:r>
-            <a:endParaRPr lang="en-US" sz="1100" dirty="0"/>
-          </a:p>
-        </p:txBody>
-      </p:sp>
-      <p:sp>
-        <p:nvSpPr>
-          <p:cNvPr id="23" name="Fluxograma: Decisão 22">
-            <a:extLst>
-              <a:ext uri="{FF2B5EF4-FFF2-40B4-BE49-F238E27FC236}">
-                <a16:creationId xmlns:a16="http://schemas.microsoft.com/office/drawing/2014/main" id="{F615921B-E178-43B0-A911-FA2EC98C80DE}"/>
-              </a:ext>
-            </a:extLst>
-          </p:cNvPr>
-          <p:cNvSpPr/>
-          <p:nvPr/>
-        </p:nvSpPr>
-        <p:spPr>
-          <a:xfrm>
-            <a:off x="4162428" y="815976"/>
-            <a:ext cx="1523998" cy="565150"/>
-          </a:xfrm>
-          <a:prstGeom prst="flowChartDecision">
-            <a:avLst/>
-          </a:prstGeom>
-        </p:spPr>
-        <p:style>
-          <a:lnRef idx="2">
-            <a:schemeClr val="accent1">
-              <a:shade val="50000"/>
-            </a:schemeClr>
-          </a:lnRef>
-          <a:fillRef idx="1">
-            <a:schemeClr val="accent1"/>
-          </a:fillRef>
-          <a:effectRef idx="0">
-            <a:schemeClr val="accent1"/>
-          </a:effectRef>
-          <a:fontRef idx="minor">
-            <a:schemeClr val="lt1"/>
-          </a:fontRef>
-        </p:style>
-        <p:txBody>
-          <a:bodyPr rtlCol="0" anchor="ctr"/>
-          <a:lstStyle/>
-          <a:p>
-            <a:pPr algn="ctr"/>
-            <a:r>
-              <a:rPr lang="pt-BR" sz="1100" dirty="0"/>
-              <a:t>Qual a aventura?</a:t>
-            </a:r>
-            <a:endParaRPr lang="en-US" sz="1100" dirty="0"/>
-          </a:p>
-        </p:txBody>
-      </p:sp>
-      <p:sp>
-        <p:nvSpPr>
-          <p:cNvPr id="27" name="Fluxograma: Decisão 26">
-            <a:extLst>
-              <a:ext uri="{FF2B5EF4-FFF2-40B4-BE49-F238E27FC236}">
-                <a16:creationId xmlns:a16="http://schemas.microsoft.com/office/drawing/2014/main" id="{5FF6352D-0DFA-45F6-BFB5-4203EA9DC2FE}"/>
-              </a:ext>
-            </a:extLst>
-          </p:cNvPr>
-          <p:cNvSpPr/>
-          <p:nvPr/>
-        </p:nvSpPr>
-        <p:spPr>
-          <a:xfrm>
-            <a:off x="2344739" y="5495925"/>
-            <a:ext cx="1523998" cy="565150"/>
-          </a:xfrm>
-          <a:prstGeom prst="flowChartDecision">
-            <a:avLst/>
-          </a:prstGeom>
-        </p:spPr>
-        <p:style>
-          <a:lnRef idx="2">
-            <a:schemeClr val="accent1">
-              <a:shade val="50000"/>
-            </a:schemeClr>
-          </a:lnRef>
-          <a:fillRef idx="1">
-            <a:schemeClr val="accent1"/>
-          </a:fillRef>
-          <a:effectRef idx="0">
-            <a:schemeClr val="accent1"/>
-          </a:effectRef>
-          <a:fontRef idx="minor">
-            <a:schemeClr val="lt1"/>
-          </a:fontRef>
-        </p:style>
-        <p:txBody>
-          <a:bodyPr rtlCol="0" anchor="ctr"/>
-          <a:lstStyle/>
-          <a:p>
-            <a:pPr algn="ctr"/>
-            <a:r>
-              <a:rPr lang="pt-BR" sz="1100" dirty="0"/>
-              <a:t>Pergunta</a:t>
-            </a:r>
-            <a:endParaRPr lang="en-US" sz="1100" dirty="0"/>
-          </a:p>
-        </p:txBody>
-      </p:sp>
-      <p:sp>
-        <p:nvSpPr>
-          <p:cNvPr id="29" name="Fluxograma: Processo 28">
-            <a:extLst>
-              <a:ext uri="{FF2B5EF4-FFF2-40B4-BE49-F238E27FC236}">
-                <a16:creationId xmlns:a16="http://schemas.microsoft.com/office/drawing/2014/main" id="{3A1A4728-A167-49F6-912B-690EC1AB87CA}"/>
-              </a:ext>
-            </a:extLst>
-          </p:cNvPr>
-          <p:cNvSpPr/>
-          <p:nvPr/>
-        </p:nvSpPr>
-        <p:spPr>
-          <a:xfrm>
-            <a:off x="533402" y="5562600"/>
-            <a:ext cx="1523998" cy="431799"/>
-          </a:xfrm>
-          <a:prstGeom prst="flowChartProcess">
-            <a:avLst/>
-          </a:prstGeom>
-        </p:spPr>
-        <p:style>
-          <a:lnRef idx="2">
-            <a:schemeClr val="accent1">
-              <a:shade val="50000"/>
-            </a:schemeClr>
-          </a:lnRef>
-          <a:fillRef idx="1">
-            <a:schemeClr val="accent1"/>
-          </a:fillRef>
-          <a:effectRef idx="0">
-            <a:schemeClr val="accent1"/>
-          </a:effectRef>
-          <a:fontRef idx="minor">
-            <a:schemeClr val="lt1"/>
-          </a:fontRef>
-        </p:style>
-        <p:txBody>
-          <a:bodyPr rtlCol="0" anchor="ctr"/>
-          <a:lstStyle/>
-          <a:p>
-            <a:pPr algn="ctr"/>
-            <a:r>
-              <a:rPr lang="pt-BR" sz="1100" dirty="0"/>
-              <a:t>Ganha o jogo</a:t>
-            </a:r>
-            <a:endParaRPr lang="en-US" sz="1100" dirty="0"/>
-          </a:p>
-        </p:txBody>
-      </p:sp>
-      <p:sp>
-        <p:nvSpPr>
-          <p:cNvPr id="30" name="Fluxograma: Processo 29">
-            <a:extLst>
-              <a:ext uri="{FF2B5EF4-FFF2-40B4-BE49-F238E27FC236}">
-                <a16:creationId xmlns:a16="http://schemas.microsoft.com/office/drawing/2014/main" id="{4E303C8A-A4B0-4F31-B413-16215062EBB2}"/>
-              </a:ext>
-            </a:extLst>
-          </p:cNvPr>
-          <p:cNvSpPr/>
-          <p:nvPr/>
-        </p:nvSpPr>
-        <p:spPr>
-          <a:xfrm>
-            <a:off x="8540749" y="4668513"/>
-            <a:ext cx="1523998" cy="431799"/>
-          </a:xfrm>
-          <a:prstGeom prst="flowChartProcess">
-            <a:avLst/>
-          </a:prstGeom>
-        </p:spPr>
-        <p:style>
-          <a:lnRef idx="2">
-            <a:schemeClr val="accent1">
-              <a:shade val="50000"/>
-            </a:schemeClr>
-          </a:lnRef>
-          <a:fillRef idx="1">
-            <a:schemeClr val="accent1"/>
-          </a:fillRef>
-          <a:effectRef idx="0">
-            <a:schemeClr val="accent1"/>
-          </a:effectRef>
-          <a:fontRef idx="minor">
-            <a:schemeClr val="lt1"/>
-          </a:fontRef>
-        </p:style>
-        <p:txBody>
-          <a:bodyPr rtlCol="0" anchor="ctr"/>
-          <a:lstStyle/>
-          <a:p>
-            <a:pPr algn="ctr"/>
-            <a:r>
-              <a:rPr lang="pt-BR" sz="1100" dirty="0"/>
-              <a:t>Ganha o jogo</a:t>
-            </a:r>
-            <a:endParaRPr lang="en-US" sz="1100" dirty="0"/>
-          </a:p>
-        </p:txBody>
-      </p:sp>
-      <p:sp>
-        <p:nvSpPr>
-          <p:cNvPr id="31" name="Fluxograma: Processo 30">
-            <a:extLst>
-              <a:ext uri="{FF2B5EF4-FFF2-40B4-BE49-F238E27FC236}">
-                <a16:creationId xmlns:a16="http://schemas.microsoft.com/office/drawing/2014/main" id="{1F200F29-093B-45A7-8249-CD19451F53D8}"/>
-              </a:ext>
-            </a:extLst>
-          </p:cNvPr>
-          <p:cNvSpPr/>
-          <p:nvPr/>
-        </p:nvSpPr>
-        <p:spPr>
-          <a:xfrm>
-            <a:off x="4156076" y="6337301"/>
-            <a:ext cx="1523998" cy="431799"/>
-          </a:xfrm>
-          <a:prstGeom prst="flowChartProcess">
-            <a:avLst/>
-          </a:prstGeom>
-        </p:spPr>
-        <p:style>
-          <a:lnRef idx="2">
-            <a:schemeClr val="accent1">
-              <a:shade val="50000"/>
-            </a:schemeClr>
-          </a:lnRef>
-          <a:fillRef idx="1">
-            <a:schemeClr val="accent1"/>
-          </a:fillRef>
-          <a:effectRef idx="0">
-            <a:schemeClr val="accent1"/>
-          </a:effectRef>
-          <a:fontRef idx="minor">
-            <a:schemeClr val="lt1"/>
-          </a:fontRef>
-        </p:style>
-        <p:txBody>
-          <a:bodyPr rtlCol="0" anchor="ctr"/>
-          <a:lstStyle/>
-          <a:p>
-            <a:pPr algn="ctr"/>
-            <a:r>
-              <a:rPr lang="pt-BR" sz="1100" dirty="0"/>
-              <a:t>Perde o jogo</a:t>
-            </a:r>
-            <a:endParaRPr lang="en-US" sz="1100" dirty="0"/>
-          </a:p>
-        </p:txBody>
-      </p:sp>
-      <p:sp>
-        <p:nvSpPr>
-          <p:cNvPr id="32" name="Fluxograma: Decisão 31">
-            <a:extLst>
-              <a:ext uri="{FF2B5EF4-FFF2-40B4-BE49-F238E27FC236}">
-                <a16:creationId xmlns:a16="http://schemas.microsoft.com/office/drawing/2014/main" id="{56DC8E18-2612-440D-93DA-2472A5CA8DBD}"/>
-              </a:ext>
-            </a:extLst>
-          </p:cNvPr>
-          <p:cNvSpPr/>
-          <p:nvPr/>
-        </p:nvSpPr>
-        <p:spPr>
-          <a:xfrm>
-            <a:off x="8540749" y="3913187"/>
-            <a:ext cx="1523998" cy="565150"/>
-          </a:xfrm>
-          <a:prstGeom prst="flowChartDecision">
-            <a:avLst/>
-          </a:prstGeom>
-        </p:spPr>
-        <p:style>
-          <a:lnRef idx="2">
-            <a:schemeClr val="accent1">
-              <a:shade val="50000"/>
-            </a:schemeClr>
-          </a:lnRef>
-          <a:fillRef idx="1">
-            <a:schemeClr val="accent1"/>
-          </a:fillRef>
-          <a:effectRef idx="0">
-            <a:schemeClr val="accent1"/>
-          </a:effectRef>
-          <a:fontRef idx="minor">
-            <a:schemeClr val="lt1"/>
-          </a:fontRef>
-        </p:style>
-        <p:txBody>
-          <a:bodyPr rtlCol="0" anchor="ctr"/>
-          <a:lstStyle/>
-          <a:p>
-            <a:pPr algn="ctr"/>
-            <a:r>
-              <a:rPr lang="pt-BR" sz="1100" dirty="0"/>
-              <a:t>Pergunta</a:t>
-            </a:r>
-            <a:endParaRPr lang="en-US" sz="1100" dirty="0"/>
-          </a:p>
-        </p:txBody>
-      </p:sp>
-      <p:sp>
-        <p:nvSpPr>
-          <p:cNvPr id="33" name="Fluxograma: Processo 32">
-            <a:extLst>
-              <a:ext uri="{FF2B5EF4-FFF2-40B4-BE49-F238E27FC236}">
-                <a16:creationId xmlns:a16="http://schemas.microsoft.com/office/drawing/2014/main" id="{7B82DF1D-3B2A-43E7-A5BF-D3DEE25BAA94}"/>
-              </a:ext>
-            </a:extLst>
-          </p:cNvPr>
-          <p:cNvSpPr/>
-          <p:nvPr/>
-        </p:nvSpPr>
-        <p:spPr>
-          <a:xfrm>
-            <a:off x="4156076" y="155575"/>
-            <a:ext cx="1523998" cy="431799"/>
-          </a:xfrm>
-          <a:prstGeom prst="flowChartProcess">
-            <a:avLst/>
-          </a:prstGeom>
-        </p:spPr>
-        <p:style>
-          <a:lnRef idx="2">
-            <a:schemeClr val="accent1">
-              <a:shade val="50000"/>
-            </a:schemeClr>
-          </a:lnRef>
-          <a:fillRef idx="1">
-            <a:schemeClr val="accent1"/>
-          </a:fillRef>
-          <a:effectRef idx="0">
-            <a:schemeClr val="accent1"/>
-          </a:effectRef>
-          <a:fontRef idx="minor">
-            <a:schemeClr val="lt1"/>
-          </a:fontRef>
-        </p:style>
-        <p:txBody>
-          <a:bodyPr rtlCol="0" anchor="ctr"/>
-          <a:lstStyle/>
-          <a:p>
-            <a:pPr algn="ctr"/>
-            <a:r>
-              <a:rPr lang="pt-BR" sz="1100" dirty="0"/>
-              <a:t>Perde o jogo</a:t>
-            </a:r>
-            <a:endParaRPr lang="en-US" sz="1100" dirty="0"/>
-          </a:p>
-        </p:txBody>
-      </p:sp>
-      <p:sp>
-        <p:nvSpPr>
-          <p:cNvPr id="34" name="Fluxograma: Decisão 33">
-            <a:extLst>
-              <a:ext uri="{FF2B5EF4-FFF2-40B4-BE49-F238E27FC236}">
-                <a16:creationId xmlns:a16="http://schemas.microsoft.com/office/drawing/2014/main" id="{8A9D6E6C-2F5A-43BC-A78B-16E176DE3DA1}"/>
-              </a:ext>
-            </a:extLst>
-          </p:cNvPr>
-          <p:cNvSpPr/>
-          <p:nvPr/>
-        </p:nvSpPr>
-        <p:spPr>
-          <a:xfrm>
-            <a:off x="6254753" y="1842153"/>
-            <a:ext cx="1523998" cy="565150"/>
-          </a:xfrm>
-          <a:prstGeom prst="flowChartDecision">
-            <a:avLst/>
-          </a:prstGeom>
-        </p:spPr>
-        <p:style>
-          <a:lnRef idx="2">
-            <a:schemeClr val="accent1">
-              <a:shade val="50000"/>
-            </a:schemeClr>
-          </a:lnRef>
-          <a:fillRef idx="1">
-            <a:schemeClr val="accent1"/>
-          </a:fillRef>
-          <a:effectRef idx="0">
-            <a:schemeClr val="accent1"/>
-          </a:effectRef>
-          <a:fontRef idx="minor">
-            <a:schemeClr val="lt1"/>
-          </a:fontRef>
-        </p:style>
-        <p:txBody>
-          <a:bodyPr rtlCol="0" anchor="ctr"/>
-          <a:lstStyle/>
-          <a:p>
-            <a:pPr algn="ctr"/>
-            <a:r>
-              <a:rPr lang="pt-BR" sz="1100" dirty="0"/>
-              <a:t>Pergunta</a:t>
-            </a:r>
-            <a:endParaRPr lang="en-US" sz="1100" dirty="0"/>
-          </a:p>
-        </p:txBody>
-      </p:sp>
-      <p:sp>
-        <p:nvSpPr>
-          <p:cNvPr id="35" name="Fluxograma: Processo 34">
-            <a:extLst>
-              <a:ext uri="{FF2B5EF4-FFF2-40B4-BE49-F238E27FC236}">
-                <a16:creationId xmlns:a16="http://schemas.microsoft.com/office/drawing/2014/main" id="{3D48D874-C083-4738-8911-A863B07AF4D3}"/>
-              </a:ext>
-            </a:extLst>
-          </p:cNvPr>
-          <p:cNvSpPr/>
-          <p:nvPr/>
-        </p:nvSpPr>
-        <p:spPr>
-          <a:xfrm>
-            <a:off x="8115302" y="1908828"/>
-            <a:ext cx="1523998" cy="431799"/>
-          </a:xfrm>
-          <a:prstGeom prst="flowChartProcess">
-            <a:avLst/>
-          </a:prstGeom>
-        </p:spPr>
-        <p:style>
-          <a:lnRef idx="2">
-            <a:schemeClr val="accent1">
-              <a:shade val="50000"/>
-            </a:schemeClr>
-          </a:lnRef>
-          <a:fillRef idx="1">
-            <a:schemeClr val="accent1"/>
-          </a:fillRef>
-          <a:effectRef idx="0">
-            <a:schemeClr val="accent1"/>
-          </a:effectRef>
-          <a:fontRef idx="minor">
-            <a:schemeClr val="lt1"/>
-          </a:fontRef>
-        </p:style>
-        <p:txBody>
-          <a:bodyPr rtlCol="0" anchor="ctr"/>
-          <a:lstStyle/>
-          <a:p>
-            <a:pPr algn="ctr"/>
-            <a:r>
-              <a:rPr lang="pt-BR" sz="1100" dirty="0"/>
-              <a:t>Ganha o jogo</a:t>
-            </a:r>
-            <a:endParaRPr lang="en-US" sz="1100" dirty="0"/>
-          </a:p>
-        </p:txBody>
-      </p:sp>
-      <p:cxnSp>
-        <p:nvCxnSpPr>
-          <p:cNvPr id="37" name="Conector de Seta Reta 36">
-            <a:extLst>
-              <a:ext uri="{FF2B5EF4-FFF2-40B4-BE49-F238E27FC236}">
-                <a16:creationId xmlns:a16="http://schemas.microsoft.com/office/drawing/2014/main" id="{2EA213AD-7F46-45F3-BCF3-14E03FE658EC}"/>
-              </a:ext>
-            </a:extLst>
-          </p:cNvPr>
-          <p:cNvCxnSpPr>
-            <a:cxnSpLocks/>
-            <a:endCxn id="22" idx="0"/>
-          </p:cNvCxnSpPr>
-          <p:nvPr/>
-        </p:nvCxnSpPr>
-        <p:spPr>
-          <a:xfrm>
-            <a:off x="4918075" y="5283199"/>
-            <a:ext cx="0" cy="212726"/>
-          </a:xfrm>
-          <a:prstGeom prst="straightConnector1">
-            <a:avLst/>
-          </a:prstGeom>
-          <a:ln>
-            <a:tailEnd type="triangle"/>
-          </a:ln>
-        </p:spPr>
-        <p:style>
-          <a:lnRef idx="1">
-            <a:schemeClr val="accent1"/>
-          </a:lnRef>
-          <a:fillRef idx="0">
-            <a:schemeClr val="accent1"/>
-          </a:fillRef>
-          <a:effectRef idx="0">
-            <a:schemeClr val="accent1"/>
-          </a:effectRef>
-          <a:fontRef idx="minor">
-            <a:schemeClr val="tx1"/>
-          </a:fontRef>
-        </p:style>
-      </p:cxnSp>
-      <p:cxnSp>
-        <p:nvCxnSpPr>
-          <p:cNvPr id="39" name="Conector de Seta Reta 38">
-            <a:extLst>
-              <a:ext uri="{FF2B5EF4-FFF2-40B4-BE49-F238E27FC236}">
-                <a16:creationId xmlns:a16="http://schemas.microsoft.com/office/drawing/2014/main" id="{1CD0BAE0-CEE0-4CB0-8BD6-5085A9DDA1CE}"/>
-              </a:ext>
-            </a:extLst>
-          </p:cNvPr>
-          <p:cNvCxnSpPr>
-            <a:stCxn id="22" idx="2"/>
-            <a:endCxn id="31" idx="0"/>
-          </p:cNvCxnSpPr>
-          <p:nvPr/>
-        </p:nvCxnSpPr>
-        <p:spPr>
-          <a:xfrm>
-            <a:off x="4918075" y="6061075"/>
-            <a:ext cx="0" cy="276226"/>
-          </a:xfrm>
-          <a:prstGeom prst="straightConnector1">
-            <a:avLst/>
-          </a:prstGeom>
-          <a:ln>
-            <a:tailEnd type="triangle"/>
-          </a:ln>
-        </p:spPr>
-        <p:style>
-          <a:lnRef idx="1">
-            <a:schemeClr val="accent1"/>
-          </a:lnRef>
-          <a:fillRef idx="0">
-            <a:schemeClr val="accent1"/>
-          </a:fillRef>
-          <a:effectRef idx="0">
-            <a:schemeClr val="accent1"/>
-          </a:effectRef>
-          <a:fontRef idx="minor">
-            <a:schemeClr val="tx1"/>
-          </a:fontRef>
-        </p:style>
-      </p:cxnSp>
-      <p:cxnSp>
-        <p:nvCxnSpPr>
-          <p:cNvPr id="41" name="Conector de Seta Reta 40">
-            <a:extLst>
-              <a:ext uri="{FF2B5EF4-FFF2-40B4-BE49-F238E27FC236}">
-                <a16:creationId xmlns:a16="http://schemas.microsoft.com/office/drawing/2014/main" id="{0FF16C06-EF5E-41F9-8B47-71635C6B108E}"/>
-              </a:ext>
-            </a:extLst>
-          </p:cNvPr>
-          <p:cNvCxnSpPr>
-            <a:stCxn id="22" idx="1"/>
-            <a:endCxn id="27" idx="3"/>
-          </p:cNvCxnSpPr>
-          <p:nvPr/>
+          <p:nvPr>
+            <p:extLst>
+              <p:ext uri="{386F3935-93C4-4BCD-93E2-E3B085C9AB24}">
+                <p16:designElem xmlns:p16="http://schemas.microsoft.com/office/powerpoint/2015/main" val="1"/>
+              </p:ext>
+            </p:extLst>
+          </p:nvPr>
         </p:nvCxnSpPr>
         <p:spPr>
           <a:xfrm flipH="1">
-            <a:off x="3868737" y="5778500"/>
-            <a:ext cx="287339" cy="0"/>
-          </a:xfrm>
-          <a:prstGeom prst="straightConnector1">
-            <a:avLst/>
-          </a:prstGeom>
-          <a:ln>
-            <a:tailEnd type="triangle"/>
-          </a:ln>
-        </p:spPr>
-        <p:style>
-          <a:lnRef idx="1">
-            <a:schemeClr val="accent1"/>
-          </a:lnRef>
-          <a:fillRef idx="0">
-            <a:schemeClr val="accent1"/>
-          </a:fillRef>
-          <a:effectRef idx="0">
-            <a:schemeClr val="accent1"/>
-          </a:effectRef>
-          <a:fontRef idx="minor">
-            <a:schemeClr val="tx1"/>
-          </a:fontRef>
-        </p:style>
-      </p:cxnSp>
-      <p:cxnSp>
-        <p:nvCxnSpPr>
-          <p:cNvPr id="43" name="Conector de Seta Reta 42">
-            <a:extLst>
-              <a:ext uri="{FF2B5EF4-FFF2-40B4-BE49-F238E27FC236}">
-                <a16:creationId xmlns:a16="http://schemas.microsoft.com/office/drawing/2014/main" id="{A46BE432-6C3E-4C10-AD44-BF61A48E975A}"/>
-              </a:ext>
-            </a:extLst>
-          </p:cNvPr>
-          <p:cNvCxnSpPr>
-            <a:stCxn id="27" idx="1"/>
-            <a:endCxn id="29" idx="3"/>
-          </p:cNvCxnSpPr>
-          <p:nvPr/>
-        </p:nvCxnSpPr>
-        <p:spPr>
-          <a:xfrm flipH="1">
-            <a:off x="2057400" y="5778500"/>
-            <a:ext cx="287339" cy="0"/>
-          </a:xfrm>
-          <a:prstGeom prst="straightConnector1">
-            <a:avLst/>
-          </a:prstGeom>
-          <a:ln>
-            <a:tailEnd type="triangle"/>
-          </a:ln>
-        </p:spPr>
-        <p:style>
-          <a:lnRef idx="1">
-            <a:schemeClr val="accent1"/>
-          </a:lnRef>
-          <a:fillRef idx="0">
-            <a:schemeClr val="accent1"/>
-          </a:fillRef>
-          <a:effectRef idx="0">
-            <a:schemeClr val="accent1"/>
-          </a:effectRef>
-          <a:fontRef idx="minor">
-            <a:schemeClr val="tx1"/>
-          </a:fontRef>
-        </p:style>
-      </p:cxnSp>
-      <p:cxnSp>
-        <p:nvCxnSpPr>
-          <p:cNvPr id="45" name="Conector: Angulado 44">
-            <a:extLst>
-              <a:ext uri="{FF2B5EF4-FFF2-40B4-BE49-F238E27FC236}">
-                <a16:creationId xmlns:a16="http://schemas.microsoft.com/office/drawing/2014/main" id="{0D9E055F-C424-49E5-8223-4D83E6D5A7A4}"/>
-              </a:ext>
-            </a:extLst>
-          </p:cNvPr>
-          <p:cNvCxnSpPr>
-            <a:stCxn id="27" idx="2"/>
-            <a:endCxn id="31" idx="1"/>
-          </p:cNvCxnSpPr>
-          <p:nvPr/>
-        </p:nvCxnSpPr>
-        <p:spPr>
-          <a:xfrm rot="16200000" flipH="1">
-            <a:off x="3385344" y="5782469"/>
-            <a:ext cx="492126" cy="1049338"/>
-          </a:xfrm>
-          <a:prstGeom prst="bentConnector2">
-            <a:avLst/>
-          </a:prstGeom>
-          <a:ln>
-            <a:tailEnd type="triangle"/>
-          </a:ln>
-        </p:spPr>
-        <p:style>
-          <a:lnRef idx="1">
-            <a:schemeClr val="accent1"/>
-          </a:lnRef>
-          <a:fillRef idx="0">
-            <a:schemeClr val="accent1"/>
-          </a:fillRef>
-          <a:effectRef idx="0">
-            <a:schemeClr val="accent1"/>
-          </a:effectRef>
-          <a:fontRef idx="minor">
-            <a:schemeClr val="tx1"/>
-          </a:fontRef>
-        </p:style>
-      </p:cxnSp>
-      <p:cxnSp>
-        <p:nvCxnSpPr>
-          <p:cNvPr id="47" name="Conector de Seta Reta 46">
-            <a:extLst>
-              <a:ext uri="{FF2B5EF4-FFF2-40B4-BE49-F238E27FC236}">
-                <a16:creationId xmlns:a16="http://schemas.microsoft.com/office/drawing/2014/main" id="{C002A50A-A412-4532-935C-8B4D796C2605}"/>
-              </a:ext>
-            </a:extLst>
-          </p:cNvPr>
-          <p:cNvCxnSpPr>
-            <a:cxnSpLocks/>
-            <a:stCxn id="82" idx="3"/>
-            <a:endCxn id="20" idx="1"/>
-          </p:cNvCxnSpPr>
-          <p:nvPr/>
-        </p:nvCxnSpPr>
-        <p:spPr>
-          <a:xfrm>
-            <a:off x="7737476" y="3440436"/>
-            <a:ext cx="803273" cy="0"/>
-          </a:xfrm>
-          <a:prstGeom prst="straightConnector1">
-            <a:avLst/>
-          </a:prstGeom>
-          <a:ln>
-            <a:tailEnd type="triangle"/>
-          </a:ln>
-        </p:spPr>
-        <p:style>
-          <a:lnRef idx="1">
-            <a:schemeClr val="accent1"/>
-          </a:lnRef>
-          <a:fillRef idx="0">
-            <a:schemeClr val="accent1"/>
-          </a:fillRef>
-          <a:effectRef idx="0">
-            <a:schemeClr val="accent1"/>
-          </a:effectRef>
-          <a:fontRef idx="minor">
-            <a:schemeClr val="tx1"/>
-          </a:fontRef>
-        </p:style>
-      </p:cxnSp>
-      <p:cxnSp>
-        <p:nvCxnSpPr>
-          <p:cNvPr id="49" name="Conector de Seta Reta 48">
-            <a:extLst>
-              <a:ext uri="{FF2B5EF4-FFF2-40B4-BE49-F238E27FC236}">
-                <a16:creationId xmlns:a16="http://schemas.microsoft.com/office/drawing/2014/main" id="{5409670C-BC44-4422-87FB-846F01E48396}"/>
-              </a:ext>
-            </a:extLst>
-          </p:cNvPr>
-          <p:cNvCxnSpPr>
-            <a:stCxn id="32" idx="2"/>
-            <a:endCxn id="30" idx="0"/>
-          </p:cNvCxnSpPr>
-          <p:nvPr/>
-        </p:nvCxnSpPr>
-        <p:spPr>
-          <a:xfrm>
-            <a:off x="9302748" y="4478337"/>
-            <a:ext cx="0" cy="190176"/>
-          </a:xfrm>
-          <a:prstGeom prst="straightConnector1">
-            <a:avLst/>
-          </a:prstGeom>
-          <a:ln>
-            <a:tailEnd type="triangle"/>
-          </a:ln>
-        </p:spPr>
-        <p:style>
-          <a:lnRef idx="1">
-            <a:schemeClr val="accent1"/>
-          </a:lnRef>
-          <a:fillRef idx="0">
-            <a:schemeClr val="accent1"/>
-          </a:fillRef>
-          <a:effectRef idx="0">
-            <a:schemeClr val="accent1"/>
-          </a:effectRef>
-          <a:fontRef idx="minor">
-            <a:schemeClr val="tx1"/>
-          </a:fontRef>
-        </p:style>
-      </p:cxnSp>
-      <p:cxnSp>
-        <p:nvCxnSpPr>
-          <p:cNvPr id="51" name="Conector de Seta Reta 50">
-            <a:extLst>
-              <a:ext uri="{FF2B5EF4-FFF2-40B4-BE49-F238E27FC236}">
-                <a16:creationId xmlns:a16="http://schemas.microsoft.com/office/drawing/2014/main" id="{60BC7CBF-0996-445A-ACEB-174AEC7865FE}"/>
-              </a:ext>
-            </a:extLst>
-          </p:cNvPr>
-          <p:cNvCxnSpPr>
-            <a:stCxn id="20" idx="2"/>
-            <a:endCxn id="32" idx="0"/>
-          </p:cNvCxnSpPr>
-          <p:nvPr/>
-        </p:nvCxnSpPr>
-        <p:spPr>
-          <a:xfrm>
-            <a:off x="9302748" y="3723011"/>
-            <a:ext cx="0" cy="190176"/>
-          </a:xfrm>
-          <a:prstGeom prst="straightConnector1">
-            <a:avLst/>
-          </a:prstGeom>
-          <a:ln>
-            <a:tailEnd type="triangle"/>
-          </a:ln>
-        </p:spPr>
-        <p:style>
-          <a:lnRef idx="1">
-            <a:schemeClr val="accent1"/>
-          </a:lnRef>
-          <a:fillRef idx="0">
-            <a:schemeClr val="accent1"/>
-          </a:fillRef>
-          <a:effectRef idx="0">
-            <a:schemeClr val="accent1"/>
-          </a:effectRef>
-          <a:fontRef idx="minor">
-            <a:schemeClr val="tx1"/>
-          </a:fontRef>
-        </p:style>
-      </p:cxnSp>
-      <p:cxnSp>
-        <p:nvCxnSpPr>
-          <p:cNvPr id="53" name="Conector: Angulado 52">
-            <a:extLst>
-              <a:ext uri="{FF2B5EF4-FFF2-40B4-BE49-F238E27FC236}">
-                <a16:creationId xmlns:a16="http://schemas.microsoft.com/office/drawing/2014/main" id="{BBB3DCCF-594B-4E0F-914B-280B7C2B2768}"/>
-              </a:ext>
-            </a:extLst>
-          </p:cNvPr>
-          <p:cNvCxnSpPr>
-            <a:stCxn id="20" idx="3"/>
-            <a:endCxn id="31" idx="3"/>
-          </p:cNvCxnSpPr>
-          <p:nvPr/>
-        </p:nvCxnSpPr>
-        <p:spPr>
-          <a:xfrm flipH="1">
-            <a:off x="5680074" y="3440436"/>
-            <a:ext cx="4384673" cy="3112765"/>
-          </a:xfrm>
-          <a:prstGeom prst="bentConnector3">
-            <a:avLst>
-              <a:gd name="adj1" fmla="val -5214"/>
-            </a:avLst>
-          </a:prstGeom>
-          <a:ln>
-            <a:tailEnd type="triangle"/>
-          </a:ln>
-        </p:spPr>
-        <p:style>
-          <a:lnRef idx="1">
-            <a:schemeClr val="accent1"/>
-          </a:lnRef>
-          <a:fillRef idx="0">
-            <a:schemeClr val="accent1"/>
-          </a:fillRef>
-          <a:effectRef idx="0">
-            <a:schemeClr val="accent1"/>
-          </a:effectRef>
-          <a:fontRef idx="minor">
-            <a:schemeClr val="tx1"/>
-          </a:fontRef>
-        </p:style>
-      </p:cxnSp>
-      <p:cxnSp>
-        <p:nvCxnSpPr>
-          <p:cNvPr id="55" name="Conector de Seta Reta 54">
-            <a:extLst>
-              <a:ext uri="{FF2B5EF4-FFF2-40B4-BE49-F238E27FC236}">
-                <a16:creationId xmlns:a16="http://schemas.microsoft.com/office/drawing/2014/main" id="{9F57DF54-EB62-4373-A996-59F52D3C8BC6}"/>
-              </a:ext>
-            </a:extLst>
-          </p:cNvPr>
-          <p:cNvCxnSpPr>
-            <a:cxnSpLocks/>
-            <a:stCxn id="75" idx="3"/>
-            <a:endCxn id="34" idx="1"/>
-          </p:cNvCxnSpPr>
-          <p:nvPr/>
-        </p:nvCxnSpPr>
-        <p:spPr>
-          <a:xfrm>
-            <a:off x="5711826" y="2104724"/>
-            <a:ext cx="542927" cy="20004"/>
-          </a:xfrm>
-          <a:prstGeom prst="straightConnector1">
-            <a:avLst/>
-          </a:prstGeom>
-          <a:ln>
-            <a:tailEnd type="triangle"/>
-          </a:ln>
-        </p:spPr>
-        <p:style>
-          <a:lnRef idx="1">
-            <a:schemeClr val="accent1"/>
-          </a:lnRef>
-          <a:fillRef idx="0">
-            <a:schemeClr val="accent1"/>
-          </a:fillRef>
-          <a:effectRef idx="0">
-            <a:schemeClr val="accent1"/>
-          </a:effectRef>
-          <a:fontRef idx="minor">
-            <a:schemeClr val="tx1"/>
-          </a:fontRef>
-        </p:style>
-      </p:cxnSp>
-      <p:cxnSp>
-        <p:nvCxnSpPr>
-          <p:cNvPr id="57" name="Conector de Seta Reta 56">
-            <a:extLst>
-              <a:ext uri="{FF2B5EF4-FFF2-40B4-BE49-F238E27FC236}">
-                <a16:creationId xmlns:a16="http://schemas.microsoft.com/office/drawing/2014/main" id="{73B935FF-4CA1-4485-874D-F2A7CB880FDF}"/>
-              </a:ext>
-            </a:extLst>
-          </p:cNvPr>
-          <p:cNvCxnSpPr>
-            <a:stCxn id="34" idx="3"/>
-            <a:endCxn id="35" idx="1"/>
-          </p:cNvCxnSpPr>
-          <p:nvPr/>
-        </p:nvCxnSpPr>
-        <p:spPr>
-          <a:xfrm>
-            <a:off x="7778751" y="2124728"/>
-            <a:ext cx="336551" cy="0"/>
-          </a:xfrm>
-          <a:prstGeom prst="straightConnector1">
-            <a:avLst/>
-          </a:prstGeom>
-          <a:ln>
-            <a:tailEnd type="triangle"/>
-          </a:ln>
-        </p:spPr>
-        <p:style>
-          <a:lnRef idx="1">
-            <a:schemeClr val="accent1"/>
-          </a:lnRef>
-          <a:fillRef idx="0">
-            <a:schemeClr val="accent1"/>
-          </a:fillRef>
-          <a:effectRef idx="0">
-            <a:schemeClr val="accent1"/>
-          </a:effectRef>
-          <a:fontRef idx="minor">
-            <a:schemeClr val="tx1"/>
-          </a:fontRef>
-        </p:style>
-      </p:cxnSp>
-      <p:cxnSp>
-        <p:nvCxnSpPr>
-          <p:cNvPr id="60" name="Conector de Seta Reta 59">
-            <a:extLst>
-              <a:ext uri="{FF2B5EF4-FFF2-40B4-BE49-F238E27FC236}">
-                <a16:creationId xmlns:a16="http://schemas.microsoft.com/office/drawing/2014/main" id="{044B4BF9-68DB-429B-9DF0-2BA2447DE689}"/>
-              </a:ext>
-            </a:extLst>
-          </p:cNvPr>
-          <p:cNvCxnSpPr>
-            <a:cxnSpLocks/>
-            <a:stCxn id="75" idx="0"/>
-            <a:endCxn id="23" idx="2"/>
-          </p:cNvCxnSpPr>
-          <p:nvPr/>
-        </p:nvCxnSpPr>
-        <p:spPr>
-          <a:xfrm flipH="1" flipV="1">
-            <a:off x="4924427" y="1381126"/>
-            <a:ext cx="9524" cy="327358"/>
-          </a:xfrm>
-          <a:prstGeom prst="straightConnector1">
-            <a:avLst/>
-          </a:prstGeom>
-          <a:ln>
-            <a:tailEnd type="triangle"/>
-          </a:ln>
-        </p:spPr>
-        <p:style>
-          <a:lnRef idx="1">
-            <a:schemeClr val="accent1"/>
-          </a:lnRef>
-          <a:fillRef idx="0">
-            <a:schemeClr val="accent1"/>
-          </a:fillRef>
-          <a:effectRef idx="0">
-            <a:schemeClr val="accent1"/>
-          </a:effectRef>
-          <a:fontRef idx="minor">
-            <a:schemeClr val="tx1"/>
-          </a:fontRef>
-        </p:style>
-      </p:cxnSp>
-      <p:cxnSp>
-        <p:nvCxnSpPr>
-          <p:cNvPr id="64" name="Conector de Seta Reta 63">
-            <a:extLst>
-              <a:ext uri="{FF2B5EF4-FFF2-40B4-BE49-F238E27FC236}">
-                <a16:creationId xmlns:a16="http://schemas.microsoft.com/office/drawing/2014/main" id="{2FC705DE-D0D4-4782-B89C-4AADC3D487F5}"/>
-              </a:ext>
-            </a:extLst>
-          </p:cNvPr>
-          <p:cNvCxnSpPr>
-            <a:stCxn id="23" idx="0"/>
-            <a:endCxn id="33" idx="2"/>
-          </p:cNvCxnSpPr>
-          <p:nvPr/>
-        </p:nvCxnSpPr>
-        <p:spPr>
-          <a:xfrm flipH="1" flipV="1">
-            <a:off x="4918075" y="587374"/>
-            <a:ext cx="6352" cy="228602"/>
-          </a:xfrm>
-          <a:prstGeom prst="straightConnector1">
-            <a:avLst/>
-          </a:prstGeom>
-          <a:ln>
-            <a:tailEnd type="triangle"/>
-          </a:ln>
-        </p:spPr>
-        <p:style>
-          <a:lnRef idx="1">
-            <a:schemeClr val="accent1"/>
-          </a:lnRef>
-          <a:fillRef idx="0">
-            <a:schemeClr val="accent1"/>
-          </a:fillRef>
-          <a:effectRef idx="0">
-            <a:schemeClr val="accent1"/>
-          </a:effectRef>
-          <a:fontRef idx="minor">
-            <a:schemeClr val="tx1"/>
-          </a:fontRef>
-        </p:style>
-      </p:cxnSp>
-      <p:cxnSp>
-        <p:nvCxnSpPr>
-          <p:cNvPr id="67" name="Conector: Angulado 66">
-            <a:extLst>
-              <a:ext uri="{FF2B5EF4-FFF2-40B4-BE49-F238E27FC236}">
-                <a16:creationId xmlns:a16="http://schemas.microsoft.com/office/drawing/2014/main" id="{F6901E7B-573D-406B-9F43-EA507F2D985A}"/>
-              </a:ext>
-            </a:extLst>
-          </p:cNvPr>
-          <p:cNvCxnSpPr>
-            <a:cxnSpLocks/>
-            <a:stCxn id="23" idx="3"/>
-            <a:endCxn id="34" idx="0"/>
-          </p:cNvCxnSpPr>
-          <p:nvPr/>
-        </p:nvCxnSpPr>
-        <p:spPr>
-          <a:xfrm>
-            <a:off x="5686426" y="1098551"/>
-            <a:ext cx="1330326" cy="743602"/>
-          </a:xfrm>
-          <a:prstGeom prst="bentConnector2">
-            <a:avLst/>
-          </a:prstGeom>
-          <a:ln>
-            <a:tailEnd type="triangle"/>
-          </a:ln>
-        </p:spPr>
-        <p:style>
-          <a:lnRef idx="1">
-            <a:schemeClr val="accent1"/>
-          </a:lnRef>
-          <a:fillRef idx="0">
-            <a:schemeClr val="accent1"/>
-          </a:fillRef>
-          <a:effectRef idx="0">
-            <a:schemeClr val="accent1"/>
-          </a:effectRef>
-          <a:fontRef idx="minor">
-            <a:schemeClr val="tx1"/>
-          </a:fontRef>
-        </p:style>
-      </p:cxnSp>
-      <p:cxnSp>
-        <p:nvCxnSpPr>
-          <p:cNvPr id="71" name="Conector reto 70">
-            <a:extLst>
-              <a:ext uri="{FF2B5EF4-FFF2-40B4-BE49-F238E27FC236}">
-                <a16:creationId xmlns:a16="http://schemas.microsoft.com/office/drawing/2014/main" id="{FE0D83AD-56AD-4E2A-A2CC-C8F1C16ADA51}"/>
-              </a:ext>
-            </a:extLst>
-          </p:cNvPr>
-          <p:cNvCxnSpPr>
-            <a:stCxn id="32" idx="3"/>
-          </p:cNvCxnSpPr>
-          <p:nvPr/>
-        </p:nvCxnSpPr>
-        <p:spPr>
-          <a:xfrm>
-            <a:off x="10064747" y="4195762"/>
-            <a:ext cx="238202" cy="0"/>
+            <a:off x="3048" y="5286237"/>
+            <a:ext cx="12188952" cy="0"/>
           </a:xfrm>
           <a:prstGeom prst="line">
             <a:avLst/>
           </a:prstGeom>
-        </p:spPr>
-        <p:style>
-          <a:lnRef idx="1">
-            <a:schemeClr val="accent1"/>
-          </a:lnRef>
-          <a:fillRef idx="0">
-            <a:schemeClr val="accent1"/>
-          </a:fillRef>
-          <a:effectRef idx="0">
-            <a:schemeClr val="accent1"/>
-          </a:effectRef>
-          <a:fontRef idx="minor">
-            <a:schemeClr val="tx1"/>
-          </a:fontRef>
-        </p:style>
-      </p:cxnSp>
-      <p:sp>
-        <p:nvSpPr>
-          <p:cNvPr id="72" name="Fluxograma: Processo 71">
-            <a:extLst>
-              <a:ext uri="{FF2B5EF4-FFF2-40B4-BE49-F238E27FC236}">
-                <a16:creationId xmlns:a16="http://schemas.microsoft.com/office/drawing/2014/main" id="{99913B1A-CEEB-4DEE-B76C-1B629B17B08D}"/>
-              </a:ext>
-            </a:extLst>
-          </p:cNvPr>
-          <p:cNvSpPr/>
-          <p:nvPr/>
-        </p:nvSpPr>
-        <p:spPr>
-          <a:xfrm>
-            <a:off x="7778751" y="6009008"/>
-            <a:ext cx="45719" cy="45719"/>
-          </a:xfrm>
-          <a:prstGeom prst="flowChartProcess">
-            <a:avLst/>
-          </a:prstGeom>
-        </p:spPr>
-        <p:style>
-          <a:lnRef idx="2">
-            <a:schemeClr val="accent1">
-              <a:shade val="50000"/>
-            </a:schemeClr>
-          </a:lnRef>
-          <a:fillRef idx="1">
-            <a:schemeClr val="accent1"/>
-          </a:fillRef>
-          <a:effectRef idx="0">
-            <a:schemeClr val="accent1"/>
-          </a:effectRef>
-          <a:fontRef idx="minor">
-            <a:schemeClr val="lt1"/>
-          </a:fontRef>
-        </p:style>
-        <p:txBody>
-          <a:bodyPr rtlCol="0" anchor="ctr"/>
-          <a:lstStyle/>
-          <a:p>
-            <a:pPr algn="ctr"/>
-            <a:endParaRPr lang="en-US"/>
-          </a:p>
-        </p:txBody>
-      </p:sp>
-      <p:sp>
-        <p:nvSpPr>
-          <p:cNvPr id="73" name="Fluxograma: Processo 72">
-            <a:extLst>
-              <a:ext uri="{FF2B5EF4-FFF2-40B4-BE49-F238E27FC236}">
-                <a16:creationId xmlns:a16="http://schemas.microsoft.com/office/drawing/2014/main" id="{B2A9BBFE-059B-4686-95EE-3E26DFB47956}"/>
-              </a:ext>
-            </a:extLst>
-          </p:cNvPr>
-          <p:cNvSpPr/>
-          <p:nvPr/>
-        </p:nvSpPr>
-        <p:spPr>
-          <a:xfrm>
-            <a:off x="4144705" y="4469765"/>
-            <a:ext cx="1555750" cy="792480"/>
-          </a:xfrm>
-          <a:prstGeom prst="flowChartProcess">
-            <a:avLst/>
-          </a:prstGeom>
-        </p:spPr>
-        <p:style>
-          <a:lnRef idx="2">
-            <a:schemeClr val="accent1">
-              <a:shade val="50000"/>
-            </a:schemeClr>
-          </a:lnRef>
-          <a:fillRef idx="1">
-            <a:schemeClr val="accent1"/>
-          </a:fillRef>
-          <a:effectRef idx="0">
-            <a:schemeClr val="accent1"/>
-          </a:effectRef>
-          <a:fontRef idx="minor">
-            <a:schemeClr val="lt1"/>
-          </a:fontRef>
-        </p:style>
-        <p:txBody>
-          <a:bodyPr rtlCol="0" anchor="ctr"/>
-          <a:lstStyle/>
-          <a:p>
-            <a:pPr algn="ctr"/>
-            <a:r>
-              <a:rPr lang="pt-BR" dirty="0"/>
-              <a:t>Personagem 3</a:t>
-            </a:r>
-            <a:endParaRPr lang="en-US" dirty="0"/>
-          </a:p>
-        </p:txBody>
-      </p:sp>
-      <p:sp>
-        <p:nvSpPr>
-          <p:cNvPr id="75" name="Fluxograma: Processo 74">
-            <a:extLst>
-              <a:ext uri="{FF2B5EF4-FFF2-40B4-BE49-F238E27FC236}">
-                <a16:creationId xmlns:a16="http://schemas.microsoft.com/office/drawing/2014/main" id="{A7ED1051-58E4-4951-B8F1-004BDDCC4690}"/>
-              </a:ext>
-            </a:extLst>
-          </p:cNvPr>
-          <p:cNvSpPr/>
-          <p:nvPr/>
-        </p:nvSpPr>
-        <p:spPr>
-          <a:xfrm>
-            <a:off x="4156076" y="1708484"/>
-            <a:ext cx="1555750" cy="792480"/>
-          </a:xfrm>
-          <a:prstGeom prst="flowChartProcess">
-            <a:avLst/>
-          </a:prstGeom>
-        </p:spPr>
-        <p:style>
-          <a:lnRef idx="2">
-            <a:schemeClr val="accent1">
-              <a:shade val="50000"/>
-            </a:schemeClr>
-          </a:lnRef>
-          <a:fillRef idx="1">
-            <a:schemeClr val="accent1"/>
-          </a:fillRef>
-          <a:effectRef idx="0">
-            <a:schemeClr val="accent1"/>
-          </a:effectRef>
-          <a:fontRef idx="minor">
-            <a:schemeClr val="lt1"/>
-          </a:fontRef>
-        </p:style>
-        <p:txBody>
-          <a:bodyPr rtlCol="0" anchor="ctr"/>
-          <a:lstStyle/>
-          <a:p>
-            <a:pPr algn="ctr"/>
-            <a:r>
-              <a:rPr lang="pt-BR" dirty="0"/>
-              <a:t>Personagem 1</a:t>
-            </a:r>
-            <a:endParaRPr lang="en-US" dirty="0"/>
-          </a:p>
-        </p:txBody>
-      </p:sp>
-      <p:sp>
-        <p:nvSpPr>
-          <p:cNvPr id="82" name="Fluxograma: Processo 81">
-            <a:extLst>
-              <a:ext uri="{FF2B5EF4-FFF2-40B4-BE49-F238E27FC236}">
-                <a16:creationId xmlns:a16="http://schemas.microsoft.com/office/drawing/2014/main" id="{651E90D1-3644-4C37-A492-A080829AD418}"/>
-              </a:ext>
-            </a:extLst>
-          </p:cNvPr>
-          <p:cNvSpPr/>
-          <p:nvPr/>
-        </p:nvSpPr>
-        <p:spPr>
-          <a:xfrm>
-            <a:off x="6181726" y="3044196"/>
-            <a:ext cx="1555750" cy="792480"/>
-          </a:xfrm>
-          <a:prstGeom prst="flowChartProcess">
-            <a:avLst/>
-          </a:prstGeom>
-        </p:spPr>
-        <p:style>
-          <a:lnRef idx="2">
-            <a:schemeClr val="accent1">
-              <a:shade val="50000"/>
-            </a:schemeClr>
-          </a:lnRef>
-          <a:fillRef idx="1">
-            <a:schemeClr val="accent1"/>
-          </a:fillRef>
-          <a:effectRef idx="0">
-            <a:schemeClr val="accent1"/>
-          </a:effectRef>
-          <a:fontRef idx="minor">
-            <a:schemeClr val="lt1"/>
-          </a:fontRef>
-        </p:style>
-        <p:txBody>
-          <a:bodyPr rtlCol="0" anchor="ctr"/>
-          <a:lstStyle/>
-          <a:p>
-            <a:pPr algn="ctr"/>
-            <a:r>
-              <a:rPr lang="pt-BR" dirty="0"/>
-              <a:t>Personagem 2</a:t>
-            </a:r>
-            <a:endParaRPr lang="en-US" dirty="0"/>
-          </a:p>
-        </p:txBody>
-      </p:sp>
-      <p:cxnSp>
-        <p:nvCxnSpPr>
-          <p:cNvPr id="93" name="Conector: Angulado 92">
-            <a:extLst>
-              <a:ext uri="{FF2B5EF4-FFF2-40B4-BE49-F238E27FC236}">
-                <a16:creationId xmlns:a16="http://schemas.microsoft.com/office/drawing/2014/main" id="{20C48391-A88D-47A8-81E4-43E10A8E5512}"/>
-              </a:ext>
-            </a:extLst>
-          </p:cNvPr>
-          <p:cNvCxnSpPr>
-            <a:cxnSpLocks/>
-            <a:stCxn id="34" idx="2"/>
-          </p:cNvCxnSpPr>
-          <p:nvPr/>
-        </p:nvCxnSpPr>
-        <p:spPr>
-          <a:xfrm rot="16200000" flipH="1">
-            <a:off x="8464588" y="959466"/>
-            <a:ext cx="390525" cy="3286197"/>
-          </a:xfrm>
-          <a:prstGeom prst="bentConnector2">
-            <a:avLst/>
-          </a:prstGeom>
-        </p:spPr>
-        <p:style>
-          <a:lnRef idx="1">
-            <a:schemeClr val="accent1"/>
-          </a:lnRef>
-          <a:fillRef idx="0">
-            <a:schemeClr val="accent1"/>
-          </a:fillRef>
-          <a:effectRef idx="0">
-            <a:schemeClr val="accent1"/>
-          </a:effectRef>
-          <a:fontRef idx="minor">
-            <a:schemeClr val="tx1"/>
-          </a:fontRef>
-        </p:style>
-      </p:cxnSp>
-      <p:cxnSp>
-        <p:nvCxnSpPr>
-          <p:cNvPr id="96" name="Conector reto 95">
-            <a:extLst>
-              <a:ext uri="{FF2B5EF4-FFF2-40B4-BE49-F238E27FC236}">
-                <a16:creationId xmlns:a16="http://schemas.microsoft.com/office/drawing/2014/main" id="{88F9F8C9-A654-439B-8D98-38990ABADC40}"/>
-              </a:ext>
-            </a:extLst>
-          </p:cNvPr>
-          <p:cNvCxnSpPr>
-            <a:cxnSpLocks/>
-          </p:cNvCxnSpPr>
-          <p:nvPr/>
-        </p:nvCxnSpPr>
-        <p:spPr>
-          <a:xfrm flipV="1">
-            <a:off x="10298642" y="2767337"/>
-            <a:ext cx="0" cy="673099"/>
-          </a:xfrm>
-          <a:prstGeom prst="line">
-            <a:avLst/>
-          </a:prstGeom>
+          <a:ln w="12700">
+            <a:solidFill>
+              <a:schemeClr val="accent2"/>
+            </a:solidFill>
+          </a:ln>
         </p:spPr>
         <p:style>
           <a:lnRef idx="1">
@@ -5218,7 +5541,7 @@
     </p:spTree>
     <p:extLst>
       <p:ext uri="{BB962C8B-B14F-4D97-AF65-F5344CB8AC3E}">
-        <p14:creationId xmlns:p14="http://schemas.microsoft.com/office/powerpoint/2010/main" val="1593385027"/>
+        <p14:creationId xmlns:p14="http://schemas.microsoft.com/office/powerpoint/2010/main" val="2948623352"/>
       </p:ext>
     </p:extLst>
   </p:cSld>
@@ -5231,6 +5554,14 @@
 <file path=ppt/slides/slide2.xml><?xml version="1.0" encoding="utf-8"?>
 <p:sld xmlns:a="http://schemas.openxmlformats.org/drawingml/2006/main" xmlns:r="http://schemas.openxmlformats.org/officeDocument/2006/relationships" xmlns:p="http://schemas.openxmlformats.org/presentationml/2006/main">
   <p:cSld>
+    <p:bg>
+      <p:bgPr>
+        <a:solidFill>
+          <a:schemeClr val="bg1"/>
+        </a:solidFill>
+        <a:effectLst/>
+      </p:bgPr>
+    </p:bg>
     <p:spTree>
       <p:nvGrpSpPr>
         <p:cNvPr id="1" name=""/>
@@ -5247,6 +5578,76 @@
       </p:grpSpPr>
       <p:sp>
         <p:nvSpPr>
+          <p:cNvPr id="18" name="Rectangle 17">
+            <a:extLst>
+              <a:ext uri="{FF2B5EF4-FFF2-40B4-BE49-F238E27FC236}">
+                <a16:creationId xmlns:a16="http://schemas.microsoft.com/office/drawing/2014/main" id="{A7AE9375-4664-4DB2-922D-2782A6E439AC}"/>
+              </a:ext>
+              <a:ext uri="{C183D7F6-B498-43B3-948B-1728B52AA6E4}">
+                <adec:decorative xmlns:adec="http://schemas.microsoft.com/office/drawing/2017/decorative" val="1"/>
+              </a:ext>
+            </a:extLst>
+          </p:cNvPr>
+          <p:cNvSpPr>
+            <a:spLocks noGrp="1" noRot="1" noChangeAspect="1" noMove="1" noResize="1" noEditPoints="1" noAdjustHandles="1" noChangeArrowheads="1" noChangeShapeType="1" noTextEdit="1"/>
+          </p:cNvSpPr>
+          <p:nvPr>
+            <p:extLst>
+              <p:ext uri="{386F3935-93C4-4BCD-93E2-E3B085C9AB24}">
+                <p16:designElem xmlns:p16="http://schemas.microsoft.com/office/powerpoint/2015/main" val="1"/>
+              </p:ext>
+            </p:extLst>
+          </p:nvPr>
+        </p:nvSpPr>
+        <p:spPr>
+          <a:xfrm>
+            <a:off x="0" y="0"/>
+            <a:ext cx="12192000" cy="6858000"/>
+          </a:xfrm>
+          <a:prstGeom prst="rect">
+            <a:avLst/>
+          </a:prstGeom>
+          <a:solidFill>
+            <a:schemeClr val="tx1">
+              <a:lumMod val="95000"/>
+              <a:lumOff val="5000"/>
+            </a:schemeClr>
+          </a:solidFill>
+          <a:ln>
+            <a:noFill/>
+          </a:ln>
+        </p:spPr>
+        <p:style>
+          <a:lnRef idx="2">
+            <a:schemeClr val="accent1">
+              <a:shade val="50000"/>
+            </a:schemeClr>
+          </a:lnRef>
+          <a:fillRef idx="1">
+            <a:schemeClr val="accent1"/>
+          </a:fillRef>
+          <a:effectRef idx="0">
+            <a:schemeClr val="accent1"/>
+          </a:effectRef>
+          <a:fontRef idx="minor">
+            <a:schemeClr val="lt1"/>
+          </a:fontRef>
+        </p:style>
+        <p:txBody>
+          <a:bodyPr rtlCol="0" anchor="ctr"/>
+          <a:lstStyle/>
+          <a:p>
+            <a:pPr algn="ctr"/>
+            <a:endParaRPr lang="en-US" dirty="0">
+              <a:solidFill>
+                <a:schemeClr val="tx1"/>
+              </a:solidFill>
+            </a:endParaRPr>
+          </a:p>
+        </p:txBody>
+      </p:sp>
+      <p:sp>
+        <p:nvSpPr>
           <p:cNvPr id="2" name="Título 1">
             <a:extLst>
               <a:ext uri="{FF2B5EF4-FFF2-40B4-BE49-F238E27FC236}">
@@ -5261,19 +5662,140 @@
             <p:ph type="title"/>
           </p:nvPr>
         </p:nvSpPr>
-        <p:spPr/>
+        <p:spPr>
+          <a:xfrm>
+            <a:off x="838199" y="388308"/>
+            <a:ext cx="7188989" cy="1021424"/>
+          </a:xfrm>
+        </p:spPr>
         <p:txBody>
-          <a:bodyPr/>
+          <a:bodyPr anchor="b">
+            <a:normAutofit/>
+          </a:bodyPr>
           <a:lstStyle/>
           <a:p>
             <a:r>
-              <a:rPr lang="pt-BR" dirty="0"/>
-              <a:t>Cronograma</a:t>
+              <a:rPr lang="pt-BR" sz="4000">
+                <a:solidFill>
+                  <a:schemeClr val="bg1"/>
+                </a:solidFill>
+                <a:latin typeface="Lucida Calligraphy" panose="03010101010101010101" pitchFamily="66" charset="0"/>
+              </a:rPr>
+              <a:t>Cronograma Ideal</a:t>
             </a:r>
-            <a:endParaRPr lang="en-US" dirty="0"/>
+            <a:endParaRPr lang="en-US" sz="4000">
+              <a:solidFill>
+                <a:schemeClr val="bg1"/>
+              </a:solidFill>
+              <a:latin typeface="Lucida Calligraphy" panose="03010101010101010101" pitchFamily="66" charset="0"/>
+            </a:endParaRPr>
           </a:p>
         </p:txBody>
       </p:sp>
+      <p:cxnSp>
+        <p:nvCxnSpPr>
+          <p:cNvPr id="20" name="Straight Connector 19">
+            <a:extLst>
+              <a:ext uri="{FF2B5EF4-FFF2-40B4-BE49-F238E27FC236}">
+                <a16:creationId xmlns:a16="http://schemas.microsoft.com/office/drawing/2014/main" id="{EE504C98-6397-41C1-A8D8-2D9C4ED307E0}"/>
+              </a:ext>
+              <a:ext uri="{C183D7F6-B498-43B3-948B-1728B52AA6E4}">
+                <adec:decorative xmlns:adec="http://schemas.microsoft.com/office/drawing/2017/decorative" val="1"/>
+              </a:ext>
+            </a:extLst>
+          </p:cNvPr>
+          <p:cNvCxnSpPr>
+            <a:cxnSpLocks noGrp="1" noRot="1" noChangeAspect="1" noMove="1" noResize="1" noEditPoints="1" noAdjustHandles="1" noChangeArrowheads="1" noChangeShapeType="1"/>
+          </p:cNvCxnSpPr>
+          <p:nvPr>
+            <p:extLst>
+              <p:ext uri="{386F3935-93C4-4BCD-93E2-E3B085C9AB24}">
+                <p16:designElem xmlns:p16="http://schemas.microsoft.com/office/powerpoint/2015/main" val="1"/>
+              </p:ext>
+            </p:extLst>
+          </p:nvPr>
+        </p:nvCxnSpPr>
+        <p:spPr>
+          <a:xfrm flipH="1">
+            <a:off x="0" y="1440584"/>
+            <a:ext cx="8027189" cy="0"/>
+          </a:xfrm>
+          <a:prstGeom prst="line">
+            <a:avLst/>
+          </a:prstGeom>
+          <a:ln w="12700">
+            <a:solidFill>
+              <a:schemeClr val="accent2"/>
+            </a:solidFill>
+          </a:ln>
+        </p:spPr>
+        <p:style>
+          <a:lnRef idx="1">
+            <a:schemeClr val="accent1"/>
+          </a:lnRef>
+          <a:fillRef idx="0">
+            <a:schemeClr val="accent1"/>
+          </a:fillRef>
+          <a:effectRef idx="0">
+            <a:schemeClr val="accent1"/>
+          </a:effectRef>
+          <a:fontRef idx="minor">
+            <a:schemeClr val="tx1"/>
+          </a:fontRef>
+        </p:style>
+      </p:cxnSp>
+      <p:cxnSp>
+        <p:nvCxnSpPr>
+          <p:cNvPr id="22" name="Straight Connector 21">
+            <a:extLst>
+              <a:ext uri="{FF2B5EF4-FFF2-40B4-BE49-F238E27FC236}">
+                <a16:creationId xmlns:a16="http://schemas.microsoft.com/office/drawing/2014/main" id="{17C2F6CE-0CF2-4DDD-85F5-96799A328F15}"/>
+              </a:ext>
+              <a:ext uri="{C183D7F6-B498-43B3-948B-1728B52AA6E4}">
+                <adec:decorative xmlns:adec="http://schemas.microsoft.com/office/drawing/2017/decorative" val="1"/>
+              </a:ext>
+            </a:extLst>
+          </p:cNvPr>
+          <p:cNvCxnSpPr>
+            <a:cxnSpLocks noGrp="1" noRot="1" noChangeAspect="1" noMove="1" noResize="1" noEditPoints="1" noAdjustHandles="1" noChangeArrowheads="1" noChangeShapeType="1"/>
+          </p:cNvCxnSpPr>
+          <p:nvPr>
+            <p:extLst>
+              <p:ext uri="{386F3935-93C4-4BCD-93E2-E3B085C9AB24}">
+                <p16:designElem xmlns:p16="http://schemas.microsoft.com/office/powerpoint/2015/main" val="1"/>
+              </p:ext>
+            </p:extLst>
+          </p:nvPr>
+        </p:nvCxnSpPr>
+        <p:spPr>
+          <a:xfrm flipH="1">
+            <a:off x="4164811" y="6267491"/>
+            <a:ext cx="8027189" cy="0"/>
+          </a:xfrm>
+          <a:prstGeom prst="line">
+            <a:avLst/>
+          </a:prstGeom>
+          <a:ln w="12700">
+            <a:solidFill>
+              <a:schemeClr val="accent2"/>
+            </a:solidFill>
+          </a:ln>
+        </p:spPr>
+        <p:style>
+          <a:lnRef idx="1">
+            <a:schemeClr val="accent1"/>
+          </a:lnRef>
+          <a:fillRef idx="0">
+            <a:schemeClr val="accent1"/>
+          </a:fillRef>
+          <a:effectRef idx="0">
+            <a:schemeClr val="accent1"/>
+          </a:effectRef>
+          <a:fontRef idx="minor">
+            <a:schemeClr val="tx1"/>
+          </a:fontRef>
+        </p:style>
+      </p:cxnSp>
       <p:graphicFrame>
         <p:nvGraphicFramePr>
           <p:cNvPr id="4" name="Tabela 4">
@@ -5290,65 +5812,65 @@
             <p:ph idx="1"/>
             <p:extLst>
               <p:ext uri="{D42A27DB-BD31-4B8C-83A1-F6EECF244321}">
-                <p14:modId xmlns:p14="http://schemas.microsoft.com/office/powerpoint/2010/main" val="2683303493"/>
+                <p14:modId xmlns:p14="http://schemas.microsoft.com/office/powerpoint/2010/main" val="1944718962"/>
               </p:ext>
             </p:extLst>
           </p:nvPr>
         </p:nvGraphicFramePr>
         <p:xfrm>
-          <a:off x="838196" y="1825624"/>
-          <a:ext cx="10515603" cy="3151717"/>
+          <a:off x="1392238" y="2827715"/>
+          <a:ext cx="9407527" cy="2017186"/>
         </p:xfrm>
         <a:graphic>
           <a:graphicData uri="http://schemas.openxmlformats.org/drawingml/2006/table">
             <a:tbl>
               <a:tblPr firstRow="1" bandRow="1">
-                <a:tableStyleId>{5C22544A-7EE6-4342-B048-85BDC9FD1C3A}</a:tableStyleId>
+                <a:tableStyleId>{21E4AEA4-8DFA-4A89-87EB-49C32662AFE0}</a:tableStyleId>
               </a:tblPr>
               <a:tblGrid>
-                <a:gridCol w="1502229">
+                <a:gridCol w="1340504">
                   <a:extLst>
                     <a:ext uri="{9D8B030D-6E8A-4147-A177-3AD203B41FA5}">
                       <a16:colId xmlns:a16="http://schemas.microsoft.com/office/drawing/2014/main" val="2876432669"/>
                     </a:ext>
                   </a:extLst>
                 </a:gridCol>
-                <a:gridCol w="1502229">
+                <a:gridCol w="1658889">
                   <a:extLst>
                     <a:ext uri="{9D8B030D-6E8A-4147-A177-3AD203B41FA5}">
                       <a16:colId xmlns:a16="http://schemas.microsoft.com/office/drawing/2014/main" val="3877638633"/>
                     </a:ext>
                   </a:extLst>
                 </a:gridCol>
-                <a:gridCol w="1502229">
+                <a:gridCol w="1559694">
                   <a:extLst>
                     <a:ext uri="{9D8B030D-6E8A-4147-A177-3AD203B41FA5}">
                       <a16:colId xmlns:a16="http://schemas.microsoft.com/office/drawing/2014/main" val="3736139493"/>
                     </a:ext>
                   </a:extLst>
                 </a:gridCol>
-                <a:gridCol w="1502229">
+                <a:gridCol w="1250909">
                   <a:extLst>
                     <a:ext uri="{9D8B030D-6E8A-4147-A177-3AD203B41FA5}">
                       <a16:colId xmlns:a16="http://schemas.microsoft.com/office/drawing/2014/main" val="3347977125"/>
                     </a:ext>
                   </a:extLst>
                 </a:gridCol>
-                <a:gridCol w="1502229">
+                <a:gridCol w="1050917">
                   <a:extLst>
                     <a:ext uri="{9D8B030D-6E8A-4147-A177-3AD203B41FA5}">
                       <a16:colId xmlns:a16="http://schemas.microsoft.com/office/drawing/2014/main" val="3522363219"/>
                     </a:ext>
                   </a:extLst>
                 </a:gridCol>
-                <a:gridCol w="1502229">
+                <a:gridCol w="1273307">
                   <a:extLst>
                     <a:ext uri="{9D8B030D-6E8A-4147-A177-3AD203B41FA5}">
                       <a16:colId xmlns:a16="http://schemas.microsoft.com/office/drawing/2014/main" val="1168670067"/>
                     </a:ext>
                   </a:extLst>
                 </a:gridCol>
-                <a:gridCol w="1502229">
+                <a:gridCol w="1273307">
                   <a:extLst>
                     <a:ext uri="{9D8B030D-6E8A-4147-A177-3AD203B41FA5}">
                       <a16:colId xmlns:a16="http://schemas.microsoft.com/office/drawing/2014/main" val="3368584858"/>
@@ -5356,7 +5878,7 @@
                   </a:extLst>
                 </a:gridCol>
               </a:tblGrid>
-              <a:tr h="431801">
+              <a:tr h="385688">
                 <a:tc>
                   <a:txBody>
                     <a:bodyPr/>
@@ -5364,13 +5886,17 @@
                     <a:p>
                       <a:pPr algn="ctr"/>
                       <a:r>
-                        <a:rPr lang="pt-BR" dirty="0"/>
+                        <a:rPr lang="pt-BR" sz="1700">
+                          <a:latin typeface="Century Gothic" panose="020B0502020202020204" pitchFamily="34" charset="0"/>
+                        </a:rPr>
                         <a:t>Domingo </a:t>
                       </a:r>
-                      <a:endParaRPr lang="en-US" dirty="0"/>
+                      <a:endParaRPr lang="en-US" sz="1700">
+                        <a:latin typeface="Century Gothic" panose="020B0502020202020204" pitchFamily="34" charset="0"/>
+                      </a:endParaRPr>
                     </a:p>
                   </a:txBody>
-                  <a:tcPr/>
+                  <a:tcPr marL="87718" marR="87718" marT="43859" marB="43859"/>
                 </a:tc>
                 <a:tc>
                   <a:txBody>
@@ -5379,13 +5905,17 @@
                     <a:p>
                       <a:pPr algn="ctr"/>
                       <a:r>
-                        <a:rPr lang="pt-BR" dirty="0"/>
+                        <a:rPr lang="pt-BR" sz="1700">
+                          <a:latin typeface="Century Gothic" panose="020B0502020202020204" pitchFamily="34" charset="0"/>
+                        </a:rPr>
                         <a:t>Segunda</a:t>
                       </a:r>
-                      <a:endParaRPr lang="en-US" dirty="0"/>
+                      <a:endParaRPr lang="en-US" sz="1700">
+                        <a:latin typeface="Century Gothic" panose="020B0502020202020204" pitchFamily="34" charset="0"/>
+                      </a:endParaRPr>
                     </a:p>
                   </a:txBody>
-                  <a:tcPr/>
+                  <a:tcPr marL="87718" marR="87718" marT="43859" marB="43859"/>
                 </a:tc>
                 <a:tc>
                   <a:txBody>
@@ -5394,13 +5924,17 @@
                     <a:p>
                       <a:pPr algn="ctr"/>
                       <a:r>
-                        <a:rPr lang="pt-BR" dirty="0"/>
+                        <a:rPr lang="pt-BR" sz="1700">
+                          <a:latin typeface="Century Gothic" panose="020B0502020202020204" pitchFamily="34" charset="0"/>
+                        </a:rPr>
                         <a:t>Terça</a:t>
                       </a:r>
-                      <a:endParaRPr lang="en-US" dirty="0"/>
+                      <a:endParaRPr lang="en-US" sz="1700">
+                        <a:latin typeface="Century Gothic" panose="020B0502020202020204" pitchFamily="34" charset="0"/>
+                      </a:endParaRPr>
                     </a:p>
                   </a:txBody>
-                  <a:tcPr/>
+                  <a:tcPr marL="87718" marR="87718" marT="43859" marB="43859"/>
                 </a:tc>
                 <a:tc>
                   <a:txBody>
@@ -5409,13 +5943,17 @@
                     <a:p>
                       <a:pPr algn="ctr"/>
                       <a:r>
-                        <a:rPr lang="pt-BR" dirty="0"/>
+                        <a:rPr lang="pt-BR" sz="1700">
+                          <a:latin typeface="Century Gothic" panose="020B0502020202020204" pitchFamily="34" charset="0"/>
+                        </a:rPr>
                         <a:t>Quarta</a:t>
                       </a:r>
-                      <a:endParaRPr lang="en-US" dirty="0"/>
+                      <a:endParaRPr lang="en-US" sz="1700">
+                        <a:latin typeface="Century Gothic" panose="020B0502020202020204" pitchFamily="34" charset="0"/>
+                      </a:endParaRPr>
                     </a:p>
                   </a:txBody>
-                  <a:tcPr/>
+                  <a:tcPr marL="87718" marR="87718" marT="43859" marB="43859"/>
                 </a:tc>
                 <a:tc>
                   <a:txBody>
@@ -5424,13 +5962,17 @@
                     <a:p>
                       <a:pPr algn="ctr"/>
                       <a:r>
-                        <a:rPr lang="pt-BR" dirty="0"/>
+                        <a:rPr lang="pt-BR" sz="1700">
+                          <a:latin typeface="Century Gothic" panose="020B0502020202020204" pitchFamily="34" charset="0"/>
+                        </a:rPr>
                         <a:t>Quinta</a:t>
                       </a:r>
-                      <a:endParaRPr lang="en-US" dirty="0"/>
+                      <a:endParaRPr lang="en-US" sz="1700">
+                        <a:latin typeface="Century Gothic" panose="020B0502020202020204" pitchFamily="34" charset="0"/>
+                      </a:endParaRPr>
                     </a:p>
                   </a:txBody>
-                  <a:tcPr/>
+                  <a:tcPr marL="87718" marR="87718" marT="43859" marB="43859"/>
                 </a:tc>
                 <a:tc>
                   <a:txBody>
@@ -5439,13 +5981,17 @@
                     <a:p>
                       <a:pPr algn="ctr"/>
                       <a:r>
-                        <a:rPr lang="pt-BR" dirty="0"/>
+                        <a:rPr lang="pt-BR" sz="1700">
+                          <a:latin typeface="Century Gothic" panose="020B0502020202020204" pitchFamily="34" charset="0"/>
+                        </a:rPr>
                         <a:t>Sexta </a:t>
                       </a:r>
-                      <a:endParaRPr lang="en-US" dirty="0"/>
+                      <a:endParaRPr lang="en-US" sz="1700">
+                        <a:latin typeface="Century Gothic" panose="020B0502020202020204" pitchFamily="34" charset="0"/>
+                      </a:endParaRPr>
                     </a:p>
                   </a:txBody>
-                  <a:tcPr/>
+                  <a:tcPr marL="87718" marR="87718" marT="43859" marB="43859"/>
                 </a:tc>
                 <a:tc>
                   <a:txBody>
@@ -5454,13 +6000,17 @@
                     <a:p>
                       <a:pPr algn="ctr"/>
                       <a:r>
-                        <a:rPr lang="pt-BR" dirty="0"/>
+                        <a:rPr lang="pt-BR" sz="1700">
+                          <a:latin typeface="Century Gothic" panose="020B0502020202020204" pitchFamily="34" charset="0"/>
+                        </a:rPr>
                         <a:t>Sábado </a:t>
                       </a:r>
-                      <a:endParaRPr lang="en-US" dirty="0"/>
+                      <a:endParaRPr lang="en-US" sz="1700">
+                        <a:latin typeface="Century Gothic" panose="020B0502020202020204" pitchFamily="34" charset="0"/>
+                      </a:endParaRPr>
                     </a:p>
                   </a:txBody>
-                  <a:tcPr/>
+                  <a:tcPr marL="87718" marR="87718" marT="43859" marB="43859"/>
                 </a:tc>
                 <a:extLst>
                   <a:ext uri="{0D108BD9-81ED-4DB2-BD59-A6C34878D82A}">
@@ -5468,16 +6018,18 @@
                   </a:ext>
                 </a:extLst>
               </a:tr>
-              <a:tr h="1359958">
+              <a:tr h="815749">
                 <a:tc>
                   <a:txBody>
                     <a:bodyPr/>
                     <a:lstStyle/>
                     <a:p>
-                      <a:endParaRPr lang="en-US" dirty="0"/>
+                      <a:endParaRPr lang="en-US" sz="1500">
+                        <a:latin typeface="Century Gothic" panose="020B0502020202020204" pitchFamily="34" charset="0"/>
+                      </a:endParaRPr>
                     </a:p>
                   </a:txBody>
-                  <a:tcPr/>
+                  <a:tcPr marL="87718" marR="87718" marT="43859" marB="43859"/>
                 </a:tc>
                 <a:tc>
                   <a:txBody>
@@ -5485,13 +6037,17 @@
                     <a:lstStyle/>
                     <a:p>
                       <a:r>
-                        <a:rPr lang="pt-BR" dirty="0"/>
+                        <a:rPr lang="pt-BR" sz="1500">
+                          <a:latin typeface="Century Gothic" panose="020B0502020202020204" pitchFamily="34" charset="0"/>
+                        </a:rPr>
                         <a:t>Planejamento </a:t>
                       </a:r>
-                      <a:endParaRPr lang="en-US" dirty="0"/>
+                      <a:endParaRPr lang="en-US" sz="1500">
+                        <a:latin typeface="Century Gothic" panose="020B0502020202020204" pitchFamily="34" charset="0"/>
+                      </a:endParaRPr>
                     </a:p>
                   </a:txBody>
-                  <a:tcPr/>
+                  <a:tcPr marL="87718" marR="87718" marT="43859" marB="43859"/>
                 </a:tc>
                 <a:tc>
                   <a:txBody>
@@ -5499,13 +6055,17 @@
                     <a:lstStyle/>
                     <a:p>
                       <a:r>
-                        <a:rPr lang="pt-BR" dirty="0"/>
+                        <a:rPr lang="pt-BR" sz="1500">
+                          <a:latin typeface="Century Gothic" panose="020B0502020202020204" pitchFamily="34" charset="0"/>
+                        </a:rPr>
                         <a:t>Roteiro e personagens </a:t>
                       </a:r>
-                      <a:endParaRPr lang="en-US" dirty="0"/>
+                      <a:endParaRPr lang="en-US" sz="1500">
+                        <a:latin typeface="Century Gothic" panose="020B0502020202020204" pitchFamily="34" charset="0"/>
+                      </a:endParaRPr>
                     </a:p>
                   </a:txBody>
-                  <a:tcPr/>
+                  <a:tcPr marL="87718" marR="87718" marT="43859" marB="43859"/>
                 </a:tc>
                 <a:tc>
                   <a:txBody>
@@ -5513,13 +6073,17 @@
                     <a:lstStyle/>
                     <a:p>
                       <a:r>
-                        <a:rPr lang="pt-BR" dirty="0"/>
+                        <a:rPr lang="pt-BR" sz="1500">
+                          <a:latin typeface="Century Gothic" panose="020B0502020202020204" pitchFamily="34" charset="0"/>
+                        </a:rPr>
                         <a:t>Código HTML</a:t>
                       </a:r>
-                      <a:endParaRPr lang="en-US" dirty="0"/>
+                      <a:endParaRPr lang="en-US" sz="1500">
+                        <a:latin typeface="Century Gothic" panose="020B0502020202020204" pitchFamily="34" charset="0"/>
+                      </a:endParaRPr>
                     </a:p>
                   </a:txBody>
-                  <a:tcPr/>
+                  <a:tcPr marL="87718" marR="87718" marT="43859" marB="43859"/>
                 </a:tc>
                 <a:tc>
                   <a:txBody>
@@ -5544,16 +6108,22 @@
                         <a:defRPr/>
                       </a:pPr>
                       <a:r>
-                        <a:rPr lang="pt-BR" dirty="0"/>
+                        <a:rPr lang="pt-BR" sz="1500">
+                          <a:latin typeface="Century Gothic" panose="020B0502020202020204" pitchFamily="34" charset="0"/>
+                        </a:rPr>
                         <a:t>Código HTML</a:t>
                       </a:r>
-                      <a:endParaRPr lang="en-US" dirty="0"/>
+                      <a:endParaRPr lang="en-US" sz="1500">
+                        <a:latin typeface="Century Gothic" panose="020B0502020202020204" pitchFamily="34" charset="0"/>
+                      </a:endParaRPr>
                     </a:p>
                     <a:p>
-                      <a:endParaRPr lang="en-US" dirty="0"/>
+                      <a:endParaRPr lang="en-US" sz="1500">
+                        <a:latin typeface="Century Gothic" panose="020B0502020202020204" pitchFamily="34" charset="0"/>
+                      </a:endParaRPr>
                     </a:p>
                   </a:txBody>
-                  <a:tcPr/>
+                  <a:tcPr marL="87718" marR="87718" marT="43859" marB="43859"/>
                 </a:tc>
                 <a:tc>
                   <a:txBody>
@@ -5561,13 +6131,17 @@
                     <a:lstStyle/>
                     <a:p>
                       <a:r>
-                        <a:rPr lang="pt-BR" dirty="0" err="1"/>
+                        <a:rPr lang="pt-BR" sz="1500">
+                          <a:latin typeface="Century Gothic" panose="020B0502020202020204" pitchFamily="34" charset="0"/>
+                        </a:rPr>
                         <a:t>JavaScript</a:t>
                       </a:r>
-                      <a:endParaRPr lang="en-US" dirty="0"/>
+                      <a:endParaRPr lang="en-US" sz="1500">
+                        <a:latin typeface="Century Gothic" panose="020B0502020202020204" pitchFamily="34" charset="0"/>
+                      </a:endParaRPr>
                     </a:p>
                   </a:txBody>
-                  <a:tcPr/>
+                  <a:tcPr marL="87718" marR="87718" marT="43859" marB="43859"/>
                 </a:tc>
                 <a:tc>
                   <a:txBody>
@@ -5592,16 +6166,22 @@
                         <a:defRPr/>
                       </a:pPr>
                       <a:r>
-                        <a:rPr lang="pt-BR" dirty="0" err="1"/>
+                        <a:rPr lang="pt-BR" sz="1500">
+                          <a:latin typeface="Century Gothic" panose="020B0502020202020204" pitchFamily="34" charset="0"/>
+                        </a:rPr>
                         <a:t>JavaScript</a:t>
                       </a:r>
-                      <a:endParaRPr lang="en-US" dirty="0"/>
+                      <a:endParaRPr lang="en-US" sz="1500">
+                        <a:latin typeface="Century Gothic" panose="020B0502020202020204" pitchFamily="34" charset="0"/>
+                      </a:endParaRPr>
                     </a:p>
                     <a:p>
-                      <a:endParaRPr lang="en-US" dirty="0"/>
+                      <a:endParaRPr lang="en-US" sz="1500">
+                        <a:latin typeface="Century Gothic" panose="020B0502020202020204" pitchFamily="34" charset="0"/>
+                      </a:endParaRPr>
                     </a:p>
                   </a:txBody>
-                  <a:tcPr/>
+                  <a:tcPr marL="87718" marR="87718" marT="43859" marB="43859"/>
                 </a:tc>
                 <a:extLst>
                   <a:ext uri="{0D108BD9-81ED-4DB2-BD59-A6C34878D82A}">
@@ -5609,16 +6189,18 @@
                   </a:ext>
                 </a:extLst>
               </a:tr>
-              <a:tr h="1359958">
+              <a:tr h="815749">
                 <a:tc>
                   <a:txBody>
                     <a:bodyPr/>
                     <a:lstStyle/>
                     <a:p>
-                      <a:endParaRPr lang="en-US"/>
+                      <a:endParaRPr lang="en-US" sz="1500">
+                        <a:latin typeface="Century Gothic" panose="020B0502020202020204" pitchFamily="34" charset="0"/>
+                      </a:endParaRPr>
                     </a:p>
                   </a:txBody>
-                  <a:tcPr/>
+                  <a:tcPr marL="87718" marR="87718" marT="43859" marB="43859"/>
                 </a:tc>
                 <a:tc>
                   <a:txBody>
@@ -5626,13 +6208,17 @@
                     <a:lstStyle/>
                     <a:p>
                       <a:r>
-                        <a:rPr lang="pt-BR" dirty="0" err="1"/>
+                        <a:rPr lang="pt-BR" sz="1500" dirty="0" err="1">
+                          <a:latin typeface="Century Gothic" panose="020B0502020202020204" pitchFamily="34" charset="0"/>
+                        </a:rPr>
                         <a:t>JavaScript</a:t>
                       </a:r>
-                      <a:endParaRPr lang="en-US" dirty="0"/>
+                      <a:endParaRPr lang="en-US" sz="1500" dirty="0">
+                        <a:latin typeface="Century Gothic" panose="020B0502020202020204" pitchFamily="34" charset="0"/>
+                      </a:endParaRPr>
                     </a:p>
                   </a:txBody>
-                  <a:tcPr/>
+                  <a:tcPr marL="87718" marR="87718" marT="43859" marB="43859"/>
                 </a:tc>
                 <a:tc>
                   <a:txBody>
@@ -5657,16 +6243,22 @@
                         <a:defRPr/>
                       </a:pPr>
                       <a:r>
-                        <a:rPr lang="pt-BR" dirty="0"/>
+                        <a:rPr lang="pt-BR" sz="1500">
+                          <a:latin typeface="Century Gothic" panose="020B0502020202020204" pitchFamily="34" charset="0"/>
+                        </a:rPr>
                         <a:t>Estilização com CSS</a:t>
                       </a:r>
-                      <a:endParaRPr lang="en-US" dirty="0"/>
+                      <a:endParaRPr lang="en-US" sz="1500">
+                        <a:latin typeface="Century Gothic" panose="020B0502020202020204" pitchFamily="34" charset="0"/>
+                      </a:endParaRPr>
                     </a:p>
                     <a:p>
-                      <a:endParaRPr lang="en-US" dirty="0"/>
+                      <a:endParaRPr lang="en-US" sz="1500">
+                        <a:latin typeface="Century Gothic" panose="020B0502020202020204" pitchFamily="34" charset="0"/>
+                      </a:endParaRPr>
                     </a:p>
                   </a:txBody>
-                  <a:tcPr/>
+                  <a:tcPr marL="87718" marR="87718" marT="43859" marB="43859"/>
                 </a:tc>
                 <a:tc>
                   <a:txBody>
@@ -5691,16 +6283,22 @@
                         <a:defRPr/>
                       </a:pPr>
                       <a:r>
-                        <a:rPr lang="pt-BR" dirty="0"/>
+                        <a:rPr lang="pt-BR" sz="1500">
+                          <a:latin typeface="Century Gothic" panose="020B0502020202020204" pitchFamily="34" charset="0"/>
+                        </a:rPr>
                         <a:t>Estilização com CSS</a:t>
                       </a:r>
-                      <a:endParaRPr lang="en-US" dirty="0"/>
+                      <a:endParaRPr lang="en-US" sz="1500">
+                        <a:latin typeface="Century Gothic" panose="020B0502020202020204" pitchFamily="34" charset="0"/>
+                      </a:endParaRPr>
                     </a:p>
                     <a:p>
-                      <a:endParaRPr lang="en-US" dirty="0"/>
+                      <a:endParaRPr lang="en-US" sz="1500">
+                        <a:latin typeface="Century Gothic" panose="020B0502020202020204" pitchFamily="34" charset="0"/>
+                      </a:endParaRPr>
                     </a:p>
                   </a:txBody>
-                  <a:tcPr/>
+                  <a:tcPr marL="87718" marR="87718" marT="43859" marB="43859"/>
                 </a:tc>
                 <a:tc>
                   <a:txBody>
@@ -5708,21 +6306,17 @@
                     <a:lstStyle/>
                     <a:p>
                       <a:r>
-                        <a:rPr lang="pt-BR" dirty="0"/>
-                        <a:t>Editar perfil </a:t>
+                        <a:rPr lang="pt-BR" sz="1500">
+                          <a:latin typeface="Century Gothic" panose="020B0502020202020204" pitchFamily="34" charset="0"/>
+                        </a:rPr>
+                        <a:t>Editar perfil linkedin </a:t>
                       </a:r>
-                      <a:r>
-                        <a:rPr lang="pt-BR" dirty="0" err="1"/>
-                        <a:t>linkedin</a:t>
-                      </a:r>
-                      <a:r>
-                        <a:rPr lang="pt-BR" dirty="0"/>
-                        <a:t> </a:t>
-                      </a:r>
-                      <a:endParaRPr lang="en-US" dirty="0"/>
+                      <a:endParaRPr lang="en-US" sz="1500">
+                        <a:latin typeface="Century Gothic" panose="020B0502020202020204" pitchFamily="34" charset="0"/>
+                      </a:endParaRPr>
                     </a:p>
                   </a:txBody>
-                  <a:tcPr/>
+                  <a:tcPr marL="87718" marR="87718" marT="43859" marB="43859"/>
                 </a:tc>
                 <a:tc>
                   <a:txBody>
@@ -5730,13 +6324,17 @@
                     <a:lstStyle/>
                     <a:p>
                       <a:r>
-                        <a:rPr lang="pt-BR" dirty="0"/>
+                        <a:rPr lang="pt-BR" sz="1500">
+                          <a:latin typeface="Century Gothic" panose="020B0502020202020204" pitchFamily="34" charset="0"/>
+                        </a:rPr>
                         <a:t>Ajustes finais</a:t>
                       </a:r>
-                      <a:endParaRPr lang="en-US" dirty="0"/>
+                      <a:endParaRPr lang="en-US" sz="1500">
+                        <a:latin typeface="Century Gothic" panose="020B0502020202020204" pitchFamily="34" charset="0"/>
+                      </a:endParaRPr>
                     </a:p>
                   </a:txBody>
-                  <a:tcPr/>
+                  <a:tcPr marL="87718" marR="87718" marT="43859" marB="43859"/>
                 </a:tc>
                 <a:tc>
                   <a:txBody>
@@ -5744,13 +6342,17 @@
                     <a:lstStyle/>
                     <a:p>
                       <a:r>
-                        <a:rPr lang="pt-BR" dirty="0"/>
+                        <a:rPr lang="pt-BR" sz="1500" dirty="0">
+                          <a:latin typeface="Century Gothic" panose="020B0502020202020204" pitchFamily="34" charset="0"/>
+                        </a:rPr>
                         <a:t>Ajustes finais</a:t>
                       </a:r>
-                      <a:endParaRPr lang="en-US" dirty="0"/>
+                      <a:endParaRPr lang="en-US" sz="1500" dirty="0">
+                        <a:latin typeface="Century Gothic" panose="020B0502020202020204" pitchFamily="34" charset="0"/>
+                      </a:endParaRPr>
                     </a:p>
                   </a:txBody>
-                  <a:tcPr/>
+                  <a:tcPr marL="87718" marR="87718" marT="43859" marB="43859"/>
                 </a:tc>
                 <a:extLst>
                   <a:ext uri="{0D108BD9-81ED-4DB2-BD59-A6C34878D82A}">
@@ -5765,13 +6367,4792 @@
     </p:spTree>
     <p:extLst>
       <p:ext uri="{BB962C8B-B14F-4D97-AF65-F5344CB8AC3E}">
-        <p14:creationId xmlns:p14="http://schemas.microsoft.com/office/powerpoint/2010/main" val="2948623352"/>
+        <p14:creationId xmlns:p14="http://schemas.microsoft.com/office/powerpoint/2010/main" val="4115758416"/>
       </p:ext>
     </p:extLst>
   </p:cSld>
   <p:clrMapOvr>
     <a:masterClrMapping/>
   </p:clrMapOvr>
+</p:sld>
+</file>
+
+<file path=ppt/slides/slide3.xml><?xml version="1.0" encoding="utf-8"?>
+<p:sld xmlns:a="http://schemas.openxmlformats.org/drawingml/2006/main" xmlns:r="http://schemas.openxmlformats.org/officeDocument/2006/relationships" xmlns:p="http://schemas.openxmlformats.org/presentationml/2006/main">
+  <p:cSld>
+    <p:bg>
+      <p:bgPr>
+        <a:solidFill>
+          <a:schemeClr val="bg1"/>
+        </a:solidFill>
+        <a:effectLst/>
+      </p:bgPr>
+    </p:bg>
+    <p:spTree>
+      <p:nvGrpSpPr>
+        <p:cNvPr id="1" name=""/>
+        <p:cNvGrpSpPr/>
+        <p:nvPr/>
+      </p:nvGrpSpPr>
+      <p:grpSpPr>
+        <a:xfrm>
+          <a:off x="0" y="0"/>
+          <a:ext cx="0" cy="0"/>
+          <a:chOff x="0" y="0"/>
+          <a:chExt cx="0" cy="0"/>
+        </a:xfrm>
+      </p:grpSpPr>
+      <p:sp>
+        <p:nvSpPr>
+          <p:cNvPr id="15" name="Rectangle 8">
+            <a:extLst>
+              <a:ext uri="{FF2B5EF4-FFF2-40B4-BE49-F238E27FC236}">
+                <a16:creationId xmlns:a16="http://schemas.microsoft.com/office/drawing/2014/main" id="{A7AE9375-4664-4DB2-922D-2782A6E439AC}"/>
+              </a:ext>
+              <a:ext uri="{C183D7F6-B498-43B3-948B-1728B52AA6E4}">
+                <adec:decorative xmlns:adec="http://schemas.microsoft.com/office/drawing/2017/decorative" val="1"/>
+              </a:ext>
+            </a:extLst>
+          </p:cNvPr>
+          <p:cNvSpPr>
+            <a:spLocks noGrp="1" noRot="1" noChangeAspect="1" noMove="1" noResize="1" noEditPoints="1" noAdjustHandles="1" noChangeArrowheads="1" noChangeShapeType="1" noTextEdit="1"/>
+          </p:cNvSpPr>
+          <p:nvPr>
+            <p:extLst>
+              <p:ext uri="{386F3935-93C4-4BCD-93E2-E3B085C9AB24}">
+                <p16:designElem xmlns:p16="http://schemas.microsoft.com/office/powerpoint/2015/main" val="1"/>
+              </p:ext>
+            </p:extLst>
+          </p:nvPr>
+        </p:nvSpPr>
+        <p:spPr>
+          <a:xfrm>
+            <a:off x="0" y="0"/>
+            <a:ext cx="12192000" cy="6858000"/>
+          </a:xfrm>
+          <a:prstGeom prst="rect">
+            <a:avLst/>
+          </a:prstGeom>
+          <a:solidFill>
+            <a:schemeClr val="tx1">
+              <a:lumMod val="95000"/>
+              <a:lumOff val="5000"/>
+            </a:schemeClr>
+          </a:solidFill>
+          <a:ln>
+            <a:noFill/>
+          </a:ln>
+        </p:spPr>
+        <p:style>
+          <a:lnRef idx="2">
+            <a:schemeClr val="accent1">
+              <a:shade val="50000"/>
+            </a:schemeClr>
+          </a:lnRef>
+          <a:fillRef idx="1">
+            <a:schemeClr val="accent1"/>
+          </a:fillRef>
+          <a:effectRef idx="0">
+            <a:schemeClr val="accent1"/>
+          </a:effectRef>
+          <a:fontRef idx="minor">
+            <a:schemeClr val="lt1"/>
+          </a:fontRef>
+        </p:style>
+        <p:txBody>
+          <a:bodyPr rtlCol="0" anchor="ctr"/>
+          <a:lstStyle/>
+          <a:p>
+            <a:pPr algn="ctr"/>
+            <a:endParaRPr lang="en-US" dirty="0">
+              <a:solidFill>
+                <a:schemeClr val="tx1"/>
+              </a:solidFill>
+            </a:endParaRPr>
+          </a:p>
+        </p:txBody>
+      </p:sp>
+      <p:sp>
+        <p:nvSpPr>
+          <p:cNvPr id="2" name="Título 1">
+            <a:extLst>
+              <a:ext uri="{FF2B5EF4-FFF2-40B4-BE49-F238E27FC236}">
+                <a16:creationId xmlns:a16="http://schemas.microsoft.com/office/drawing/2014/main" id="{0CF5941B-7A87-481B-8C6D-ABEB476CA9BC}"/>
+              </a:ext>
+            </a:extLst>
+          </p:cNvPr>
+          <p:cNvSpPr>
+            <a:spLocks noGrp="1"/>
+          </p:cNvSpPr>
+          <p:nvPr>
+            <p:ph type="title"/>
+          </p:nvPr>
+        </p:nvSpPr>
+        <p:spPr>
+          <a:xfrm>
+            <a:off x="838199" y="388308"/>
+            <a:ext cx="7188989" cy="1021424"/>
+          </a:xfrm>
+        </p:spPr>
+        <p:txBody>
+          <a:bodyPr anchor="b">
+            <a:normAutofit/>
+          </a:bodyPr>
+          <a:lstStyle/>
+          <a:p>
+            <a:r>
+              <a:rPr lang="pt-BR" sz="4000">
+                <a:solidFill>
+                  <a:schemeClr val="bg1"/>
+                </a:solidFill>
+                <a:latin typeface="Lucida Calligraphy" panose="03010101010101010101" pitchFamily="66" charset="0"/>
+              </a:rPr>
+              <a:t>Cronograma Real</a:t>
+            </a:r>
+            <a:endParaRPr lang="en-US" sz="4000">
+              <a:solidFill>
+                <a:schemeClr val="bg1"/>
+              </a:solidFill>
+              <a:latin typeface="Lucida Calligraphy" panose="03010101010101010101" pitchFamily="66" charset="0"/>
+            </a:endParaRPr>
+          </a:p>
+        </p:txBody>
+      </p:sp>
+      <p:cxnSp>
+        <p:nvCxnSpPr>
+          <p:cNvPr id="16" name="Straight Connector 10">
+            <a:extLst>
+              <a:ext uri="{FF2B5EF4-FFF2-40B4-BE49-F238E27FC236}">
+                <a16:creationId xmlns:a16="http://schemas.microsoft.com/office/drawing/2014/main" id="{EE504C98-6397-41C1-A8D8-2D9C4ED307E0}"/>
+              </a:ext>
+              <a:ext uri="{C183D7F6-B498-43B3-948B-1728B52AA6E4}">
+                <adec:decorative xmlns:adec="http://schemas.microsoft.com/office/drawing/2017/decorative" val="1"/>
+              </a:ext>
+            </a:extLst>
+          </p:cNvPr>
+          <p:cNvCxnSpPr>
+            <a:cxnSpLocks noGrp="1" noRot="1" noChangeAspect="1" noMove="1" noResize="1" noEditPoints="1" noAdjustHandles="1" noChangeArrowheads="1" noChangeShapeType="1"/>
+          </p:cNvCxnSpPr>
+          <p:nvPr>
+            <p:extLst>
+              <p:ext uri="{386F3935-93C4-4BCD-93E2-E3B085C9AB24}">
+                <p16:designElem xmlns:p16="http://schemas.microsoft.com/office/powerpoint/2015/main" val="1"/>
+              </p:ext>
+            </p:extLst>
+          </p:nvPr>
+        </p:nvCxnSpPr>
+        <p:spPr>
+          <a:xfrm flipH="1">
+            <a:off x="0" y="1440584"/>
+            <a:ext cx="8027189" cy="0"/>
+          </a:xfrm>
+          <a:prstGeom prst="line">
+            <a:avLst/>
+          </a:prstGeom>
+          <a:ln w="12700">
+            <a:solidFill>
+              <a:schemeClr val="accent2"/>
+            </a:solidFill>
+          </a:ln>
+        </p:spPr>
+        <p:style>
+          <a:lnRef idx="1">
+            <a:schemeClr val="accent1"/>
+          </a:lnRef>
+          <a:fillRef idx="0">
+            <a:schemeClr val="accent1"/>
+          </a:fillRef>
+          <a:effectRef idx="0">
+            <a:schemeClr val="accent1"/>
+          </a:effectRef>
+          <a:fontRef idx="minor">
+            <a:schemeClr val="tx1"/>
+          </a:fontRef>
+        </p:style>
+      </p:cxnSp>
+      <p:cxnSp>
+        <p:nvCxnSpPr>
+          <p:cNvPr id="17" name="Straight Connector 12">
+            <a:extLst>
+              <a:ext uri="{FF2B5EF4-FFF2-40B4-BE49-F238E27FC236}">
+                <a16:creationId xmlns:a16="http://schemas.microsoft.com/office/drawing/2014/main" id="{17C2F6CE-0CF2-4DDD-85F5-96799A328F15}"/>
+              </a:ext>
+              <a:ext uri="{C183D7F6-B498-43B3-948B-1728B52AA6E4}">
+                <adec:decorative xmlns:adec="http://schemas.microsoft.com/office/drawing/2017/decorative" val="1"/>
+              </a:ext>
+            </a:extLst>
+          </p:cNvPr>
+          <p:cNvCxnSpPr>
+            <a:cxnSpLocks noGrp="1" noRot="1" noChangeAspect="1" noMove="1" noResize="1" noEditPoints="1" noAdjustHandles="1" noChangeArrowheads="1" noChangeShapeType="1"/>
+          </p:cNvCxnSpPr>
+          <p:nvPr>
+            <p:extLst>
+              <p:ext uri="{386F3935-93C4-4BCD-93E2-E3B085C9AB24}">
+                <p16:designElem xmlns:p16="http://schemas.microsoft.com/office/powerpoint/2015/main" val="1"/>
+              </p:ext>
+            </p:extLst>
+          </p:nvPr>
+        </p:nvCxnSpPr>
+        <p:spPr>
+          <a:xfrm flipH="1">
+            <a:off x="4164811" y="6267491"/>
+            <a:ext cx="8027189" cy="0"/>
+          </a:xfrm>
+          <a:prstGeom prst="line">
+            <a:avLst/>
+          </a:prstGeom>
+          <a:ln w="12700">
+            <a:solidFill>
+              <a:schemeClr val="accent2"/>
+            </a:solidFill>
+          </a:ln>
+        </p:spPr>
+        <p:style>
+          <a:lnRef idx="1">
+            <a:schemeClr val="accent1"/>
+          </a:lnRef>
+          <a:fillRef idx="0">
+            <a:schemeClr val="accent1"/>
+          </a:fillRef>
+          <a:effectRef idx="0">
+            <a:schemeClr val="accent1"/>
+          </a:effectRef>
+          <a:fontRef idx="minor">
+            <a:schemeClr val="tx1"/>
+          </a:fontRef>
+        </p:style>
+      </p:cxnSp>
+      <p:graphicFrame>
+        <p:nvGraphicFramePr>
+          <p:cNvPr id="4" name="Tabela 4">
+            <a:extLst>
+              <a:ext uri="{FF2B5EF4-FFF2-40B4-BE49-F238E27FC236}">
+                <a16:creationId xmlns:a16="http://schemas.microsoft.com/office/drawing/2014/main" id="{063344C9-0F2A-4734-8C9A-9B818986E3F8}"/>
+              </a:ext>
+            </a:extLst>
+          </p:cNvPr>
+          <p:cNvGraphicFramePr>
+            <a:graphicFrameLocks noGrp="1"/>
+          </p:cNvGraphicFramePr>
+          <p:nvPr>
+            <p:ph idx="1"/>
+            <p:extLst>
+              <p:ext uri="{D42A27DB-BD31-4B8C-83A1-F6EECF244321}">
+                <p14:modId xmlns:p14="http://schemas.microsoft.com/office/powerpoint/2010/main" val="1558763861"/>
+              </p:ext>
+            </p:extLst>
+          </p:nvPr>
+        </p:nvGraphicFramePr>
+        <p:xfrm>
+          <a:off x="1392238" y="2792415"/>
+          <a:ext cx="9407529" cy="2087787"/>
+        </p:xfrm>
+        <a:graphic>
+          <a:graphicData uri="http://schemas.openxmlformats.org/drawingml/2006/table">
+            <a:tbl>
+              <a:tblPr firstRow="1" bandRow="1">
+                <a:tableStyleId>{21E4AEA4-8DFA-4A89-87EB-49C32662AFE0}</a:tableStyleId>
+              </a:tblPr>
+              <a:tblGrid>
+                <a:gridCol w="1300151">
+                  <a:extLst>
+                    <a:ext uri="{9D8B030D-6E8A-4147-A177-3AD203B41FA5}">
+                      <a16:colId xmlns:a16="http://schemas.microsoft.com/office/drawing/2014/main" val="2876432669"/>
+                    </a:ext>
+                  </a:extLst>
+                </a:gridCol>
+                <a:gridCol w="1619884">
+                  <a:extLst>
+                    <a:ext uri="{9D8B030D-6E8A-4147-A177-3AD203B41FA5}">
+                      <a16:colId xmlns:a16="http://schemas.microsoft.com/office/drawing/2014/main" val="3877638633"/>
+                    </a:ext>
+                  </a:extLst>
+                </a:gridCol>
+                <a:gridCol w="1522638">
+                  <a:extLst>
+                    <a:ext uri="{9D8B030D-6E8A-4147-A177-3AD203B41FA5}">
+                      <a16:colId xmlns:a16="http://schemas.microsoft.com/office/drawing/2014/main" val="3736139493"/>
+                    </a:ext>
+                  </a:extLst>
+                </a:gridCol>
+                <a:gridCol w="1241214">
+                  <a:extLst>
+                    <a:ext uri="{9D8B030D-6E8A-4147-A177-3AD203B41FA5}">
+                      <a16:colId xmlns:a16="http://schemas.microsoft.com/office/drawing/2014/main" val="3347977125"/>
+                    </a:ext>
+                  </a:extLst>
+                </a:gridCol>
+                <a:gridCol w="1241214">
+                  <a:extLst>
+                    <a:ext uri="{9D8B030D-6E8A-4147-A177-3AD203B41FA5}">
+                      <a16:colId xmlns:a16="http://schemas.microsoft.com/office/drawing/2014/main" val="3522363219"/>
+                    </a:ext>
+                  </a:extLst>
+                </a:gridCol>
+                <a:gridCol w="1241214">
+                  <a:extLst>
+                    <a:ext uri="{9D8B030D-6E8A-4147-A177-3AD203B41FA5}">
+                      <a16:colId xmlns:a16="http://schemas.microsoft.com/office/drawing/2014/main" val="1168670067"/>
+                    </a:ext>
+                  </a:extLst>
+                </a:gridCol>
+                <a:gridCol w="1241214">
+                  <a:extLst>
+                    <a:ext uri="{9D8B030D-6E8A-4147-A177-3AD203B41FA5}">
+                      <a16:colId xmlns:a16="http://schemas.microsoft.com/office/drawing/2014/main" val="3368584858"/>
+                    </a:ext>
+                  </a:extLst>
+                </a:gridCol>
+              </a:tblGrid>
+              <a:tr h="373425">
+                <a:tc>
+                  <a:txBody>
+                    <a:bodyPr/>
+                    <a:lstStyle/>
+                    <a:p>
+                      <a:pPr algn="ctr"/>
+                      <a:r>
+                        <a:rPr lang="pt-BR" sz="1700">
+                          <a:latin typeface="Century Gothic" panose="020B0502020202020204" pitchFamily="34" charset="0"/>
+                        </a:rPr>
+                        <a:t>Domingo </a:t>
+                      </a:r>
+                      <a:endParaRPr lang="en-US" sz="1700">
+                        <a:latin typeface="Century Gothic" panose="020B0502020202020204" pitchFamily="34" charset="0"/>
+                      </a:endParaRPr>
+                    </a:p>
+                  </a:txBody>
+                  <a:tcPr marL="84869" marR="84869" marT="42435" marB="42435" anchor="ctr"/>
+                </a:tc>
+                <a:tc>
+                  <a:txBody>
+                    <a:bodyPr/>
+                    <a:lstStyle/>
+                    <a:p>
+                      <a:pPr algn="ctr"/>
+                      <a:r>
+                        <a:rPr lang="pt-BR" sz="1700">
+                          <a:latin typeface="Century Gothic" panose="020B0502020202020204" pitchFamily="34" charset="0"/>
+                        </a:rPr>
+                        <a:t>Segunda</a:t>
+                      </a:r>
+                      <a:endParaRPr lang="en-US" sz="1700">
+                        <a:latin typeface="Century Gothic" panose="020B0502020202020204" pitchFamily="34" charset="0"/>
+                      </a:endParaRPr>
+                    </a:p>
+                  </a:txBody>
+                  <a:tcPr marL="84869" marR="84869" marT="42435" marB="42435" anchor="ctr"/>
+                </a:tc>
+                <a:tc>
+                  <a:txBody>
+                    <a:bodyPr/>
+                    <a:lstStyle/>
+                    <a:p>
+                      <a:pPr algn="ctr"/>
+                      <a:r>
+                        <a:rPr lang="pt-BR" sz="1700">
+                          <a:latin typeface="Century Gothic" panose="020B0502020202020204" pitchFamily="34" charset="0"/>
+                        </a:rPr>
+                        <a:t>Terça</a:t>
+                      </a:r>
+                      <a:endParaRPr lang="en-US" sz="1700">
+                        <a:latin typeface="Century Gothic" panose="020B0502020202020204" pitchFamily="34" charset="0"/>
+                      </a:endParaRPr>
+                    </a:p>
+                  </a:txBody>
+                  <a:tcPr marL="84869" marR="84869" marT="42435" marB="42435" anchor="ctr"/>
+                </a:tc>
+                <a:tc>
+                  <a:txBody>
+                    <a:bodyPr/>
+                    <a:lstStyle/>
+                    <a:p>
+                      <a:pPr algn="ctr"/>
+                      <a:r>
+                        <a:rPr lang="pt-BR" sz="1700">
+                          <a:latin typeface="Century Gothic" panose="020B0502020202020204" pitchFamily="34" charset="0"/>
+                        </a:rPr>
+                        <a:t>Quarta</a:t>
+                      </a:r>
+                      <a:endParaRPr lang="en-US" sz="1700">
+                        <a:latin typeface="Century Gothic" panose="020B0502020202020204" pitchFamily="34" charset="0"/>
+                      </a:endParaRPr>
+                    </a:p>
+                  </a:txBody>
+                  <a:tcPr marL="84869" marR="84869" marT="42435" marB="42435" anchor="ctr"/>
+                </a:tc>
+                <a:tc>
+                  <a:txBody>
+                    <a:bodyPr/>
+                    <a:lstStyle/>
+                    <a:p>
+                      <a:pPr algn="ctr"/>
+                      <a:r>
+                        <a:rPr lang="pt-BR" sz="1700">
+                          <a:latin typeface="Century Gothic" panose="020B0502020202020204" pitchFamily="34" charset="0"/>
+                        </a:rPr>
+                        <a:t>Quinta</a:t>
+                      </a:r>
+                      <a:endParaRPr lang="en-US" sz="1700">
+                        <a:latin typeface="Century Gothic" panose="020B0502020202020204" pitchFamily="34" charset="0"/>
+                      </a:endParaRPr>
+                    </a:p>
+                  </a:txBody>
+                  <a:tcPr marL="84869" marR="84869" marT="42435" marB="42435" anchor="ctr"/>
+                </a:tc>
+                <a:tc>
+                  <a:txBody>
+                    <a:bodyPr/>
+                    <a:lstStyle/>
+                    <a:p>
+                      <a:pPr algn="ctr"/>
+                      <a:r>
+                        <a:rPr lang="pt-BR" sz="1700">
+                          <a:latin typeface="Century Gothic" panose="020B0502020202020204" pitchFamily="34" charset="0"/>
+                        </a:rPr>
+                        <a:t>Sexta </a:t>
+                      </a:r>
+                      <a:endParaRPr lang="en-US" sz="1700">
+                        <a:latin typeface="Century Gothic" panose="020B0502020202020204" pitchFamily="34" charset="0"/>
+                      </a:endParaRPr>
+                    </a:p>
+                  </a:txBody>
+                  <a:tcPr marL="84869" marR="84869" marT="42435" marB="42435" anchor="ctr"/>
+                </a:tc>
+                <a:tc>
+                  <a:txBody>
+                    <a:bodyPr/>
+                    <a:lstStyle/>
+                    <a:p>
+                      <a:pPr algn="ctr"/>
+                      <a:r>
+                        <a:rPr lang="pt-BR" sz="1700">
+                          <a:latin typeface="Century Gothic" panose="020B0502020202020204" pitchFamily="34" charset="0"/>
+                        </a:rPr>
+                        <a:t>Sábado </a:t>
+                      </a:r>
+                      <a:endParaRPr lang="en-US" sz="1700">
+                        <a:latin typeface="Century Gothic" panose="020B0502020202020204" pitchFamily="34" charset="0"/>
+                      </a:endParaRPr>
+                    </a:p>
+                  </a:txBody>
+                  <a:tcPr marL="84869" marR="84869" marT="42435" marB="42435" anchor="ctr"/>
+                </a:tc>
+                <a:extLst>
+                  <a:ext uri="{0D108BD9-81ED-4DB2-BD59-A6C34878D82A}">
+                    <a16:rowId xmlns:a16="http://schemas.microsoft.com/office/drawing/2014/main" val="1853681842"/>
+                  </a:ext>
+                </a:extLst>
+              </a:tr>
+              <a:tr h="571454">
+                <a:tc>
+                  <a:txBody>
+                    <a:bodyPr/>
+                    <a:lstStyle/>
+                    <a:p>
+                      <a:pPr algn="ctr"/>
+                      <a:endParaRPr lang="en-US" sz="1500">
+                        <a:latin typeface="Century Gothic" panose="020B0502020202020204" pitchFamily="34" charset="0"/>
+                      </a:endParaRPr>
+                    </a:p>
+                  </a:txBody>
+                  <a:tcPr marL="84869" marR="84869" marT="42435" marB="42435" anchor="ctr"/>
+                </a:tc>
+                <a:tc>
+                  <a:txBody>
+                    <a:bodyPr/>
+                    <a:lstStyle/>
+                    <a:p>
+                      <a:pPr algn="ctr"/>
+                      <a:r>
+                        <a:rPr lang="pt-BR" sz="1500">
+                          <a:latin typeface="Century Gothic" panose="020B0502020202020204" pitchFamily="34" charset="0"/>
+                        </a:rPr>
+                        <a:t>Planejamento </a:t>
+                      </a:r>
+                      <a:endParaRPr lang="en-US" sz="1500">
+                        <a:latin typeface="Century Gothic" panose="020B0502020202020204" pitchFamily="34" charset="0"/>
+                      </a:endParaRPr>
+                    </a:p>
+                  </a:txBody>
+                  <a:tcPr marL="84869" marR="84869" marT="42435" marB="42435" anchor="ctr"/>
+                </a:tc>
+                <a:tc>
+                  <a:txBody>
+                    <a:bodyPr/>
+                    <a:lstStyle/>
+                    <a:p>
+                      <a:pPr algn="ctr"/>
+                      <a:r>
+                        <a:rPr lang="pt-BR" sz="1500">
+                          <a:latin typeface="Century Gothic" panose="020B0502020202020204" pitchFamily="34" charset="0"/>
+                        </a:rPr>
+                        <a:t>Roteiro e personagens </a:t>
+                      </a:r>
+                      <a:endParaRPr lang="en-US" sz="1500">
+                        <a:latin typeface="Century Gothic" panose="020B0502020202020204" pitchFamily="34" charset="0"/>
+                      </a:endParaRPr>
+                    </a:p>
+                  </a:txBody>
+                  <a:tcPr marL="84869" marR="84869" marT="42435" marB="42435" anchor="ctr"/>
+                </a:tc>
+                <a:tc>
+                  <a:txBody>
+                    <a:bodyPr/>
+                    <a:lstStyle/>
+                    <a:p>
+                      <a:pPr algn="ctr"/>
+                      <a:r>
+                        <a:rPr lang="pt-BR" sz="1500">
+                          <a:latin typeface="Century Gothic" panose="020B0502020202020204" pitchFamily="34" charset="0"/>
+                        </a:rPr>
+                        <a:t>Código HTML</a:t>
+                      </a:r>
+                      <a:endParaRPr lang="en-US" sz="1500">
+                        <a:latin typeface="Century Gothic" panose="020B0502020202020204" pitchFamily="34" charset="0"/>
+                      </a:endParaRPr>
+                    </a:p>
+                  </a:txBody>
+                  <a:tcPr marL="84869" marR="84869" marT="42435" marB="42435" anchor="ctr"/>
+                </a:tc>
+                <a:tc>
+                  <a:txBody>
+                    <a:bodyPr/>
+                    <a:lstStyle/>
+                    <a:p>
+                      <a:pPr marL="0" marR="0" lvl="0" indent="0" algn="ctr" defTabSz="914400" rtl="0" eaLnBrk="1" fontAlgn="auto" latinLnBrk="0" hangingPunct="1">
+                        <a:lnSpc>
+                          <a:spcPct val="100000"/>
+                        </a:lnSpc>
+                        <a:spcBef>
+                          <a:spcPts val="0"/>
+                        </a:spcBef>
+                        <a:spcAft>
+                          <a:spcPts val="0"/>
+                        </a:spcAft>
+                        <a:buClrTx/>
+                        <a:buSzTx/>
+                        <a:buFontTx/>
+                        <a:buNone/>
+                        <a:tabLst/>
+                        <a:defRPr/>
+                      </a:pPr>
+                      <a:r>
+                        <a:rPr lang="pt-BR" sz="1500">
+                          <a:latin typeface="Century Gothic" panose="020B0502020202020204" pitchFamily="34" charset="0"/>
+                        </a:rPr>
+                        <a:t>Código HTML</a:t>
+                      </a:r>
+                      <a:endParaRPr lang="en-US" sz="1500">
+                        <a:latin typeface="Century Gothic" panose="020B0502020202020204" pitchFamily="34" charset="0"/>
+                      </a:endParaRPr>
+                    </a:p>
+                  </a:txBody>
+                  <a:tcPr marL="84869" marR="84869" marT="42435" marB="42435" anchor="ctr"/>
+                </a:tc>
+                <a:tc>
+                  <a:txBody>
+                    <a:bodyPr/>
+                    <a:lstStyle/>
+                    <a:p>
+                      <a:pPr algn="ctr"/>
+                      <a:r>
+                        <a:rPr lang="pt-BR" sz="1500">
+                          <a:latin typeface="Century Gothic" panose="020B0502020202020204" pitchFamily="34" charset="0"/>
+                        </a:rPr>
+                        <a:t>JavaScript</a:t>
+                      </a:r>
+                      <a:endParaRPr lang="en-US" sz="1500">
+                        <a:latin typeface="Century Gothic" panose="020B0502020202020204" pitchFamily="34" charset="0"/>
+                      </a:endParaRPr>
+                    </a:p>
+                  </a:txBody>
+                  <a:tcPr marL="84869" marR="84869" marT="42435" marB="42435" anchor="ctr"/>
+                </a:tc>
+                <a:tc>
+                  <a:txBody>
+                    <a:bodyPr/>
+                    <a:lstStyle/>
+                    <a:p>
+                      <a:pPr marL="0" marR="0" lvl="0" indent="0" algn="ctr" defTabSz="914400" rtl="0" eaLnBrk="1" fontAlgn="auto" latinLnBrk="0" hangingPunct="1">
+                        <a:lnSpc>
+                          <a:spcPct val="100000"/>
+                        </a:lnSpc>
+                        <a:spcBef>
+                          <a:spcPts val="0"/>
+                        </a:spcBef>
+                        <a:spcAft>
+                          <a:spcPts val="0"/>
+                        </a:spcAft>
+                        <a:buClrTx/>
+                        <a:buSzTx/>
+                        <a:buFontTx/>
+                        <a:buNone/>
+                        <a:tabLst/>
+                        <a:defRPr/>
+                      </a:pPr>
+                      <a:r>
+                        <a:rPr lang="pt-BR" sz="1500">
+                          <a:latin typeface="Century Gothic" panose="020B0502020202020204" pitchFamily="34" charset="0"/>
+                        </a:rPr>
+                        <a:t>JavaScript</a:t>
+                      </a:r>
+                      <a:endParaRPr lang="en-US" sz="1500">
+                        <a:latin typeface="Century Gothic" panose="020B0502020202020204" pitchFamily="34" charset="0"/>
+                      </a:endParaRPr>
+                    </a:p>
+                  </a:txBody>
+                  <a:tcPr marL="84869" marR="84869" marT="42435" marB="42435" anchor="ctr"/>
+                </a:tc>
+                <a:extLst>
+                  <a:ext uri="{0D108BD9-81ED-4DB2-BD59-A6C34878D82A}">
+                    <a16:rowId xmlns:a16="http://schemas.microsoft.com/office/drawing/2014/main" val="2482334906"/>
+                  </a:ext>
+                </a:extLst>
+              </a:tr>
+              <a:tr h="571454">
+                <a:tc>
+                  <a:txBody>
+                    <a:bodyPr/>
+                    <a:lstStyle/>
+                    <a:p>
+                      <a:pPr algn="ctr"/>
+                      <a:endParaRPr lang="en-US" sz="1500">
+                        <a:latin typeface="Century Gothic" panose="020B0502020202020204" pitchFamily="34" charset="0"/>
+                      </a:endParaRPr>
+                    </a:p>
+                  </a:txBody>
+                  <a:tcPr marL="84869" marR="84869" marT="42435" marB="42435" anchor="ctr"/>
+                </a:tc>
+                <a:tc>
+                  <a:txBody>
+                    <a:bodyPr/>
+                    <a:lstStyle/>
+                    <a:p>
+                      <a:pPr algn="ctr"/>
+                      <a:r>
+                        <a:rPr lang="pt-BR" sz="1500">
+                          <a:latin typeface="Century Gothic" panose="020B0502020202020204" pitchFamily="34" charset="0"/>
+                        </a:rPr>
+                        <a:t>JavaScript</a:t>
+                      </a:r>
+                      <a:endParaRPr lang="en-US" sz="1500">
+                        <a:latin typeface="Century Gothic" panose="020B0502020202020204" pitchFamily="34" charset="0"/>
+                      </a:endParaRPr>
+                    </a:p>
+                  </a:txBody>
+                  <a:tcPr marL="84869" marR="84869" marT="42435" marB="42435" anchor="ctr"/>
+                </a:tc>
+                <a:tc>
+                  <a:txBody>
+                    <a:bodyPr/>
+                    <a:lstStyle/>
+                    <a:p>
+                      <a:pPr algn="ctr"/>
+                      <a:r>
+                        <a:rPr lang="pt-BR" sz="1500">
+                          <a:latin typeface="Century Gothic" panose="020B0502020202020204" pitchFamily="34" charset="0"/>
+                        </a:rPr>
+                        <a:t>JavaScript</a:t>
+                      </a:r>
+                      <a:endParaRPr lang="en-US" sz="1500">
+                        <a:latin typeface="Century Gothic" panose="020B0502020202020204" pitchFamily="34" charset="0"/>
+                      </a:endParaRPr>
+                    </a:p>
+                  </a:txBody>
+                  <a:tcPr marL="84869" marR="84869" marT="42435" marB="42435" anchor="ctr"/>
+                </a:tc>
+                <a:tc>
+                  <a:txBody>
+                    <a:bodyPr/>
+                    <a:lstStyle/>
+                    <a:p>
+                      <a:pPr algn="ctr"/>
+                      <a:r>
+                        <a:rPr lang="pt-BR" sz="1500">
+                          <a:latin typeface="Century Gothic" panose="020B0502020202020204" pitchFamily="34" charset="0"/>
+                        </a:rPr>
+                        <a:t>JavaScript</a:t>
+                      </a:r>
+                      <a:endParaRPr lang="en-US" sz="1500">
+                        <a:latin typeface="Century Gothic" panose="020B0502020202020204" pitchFamily="34" charset="0"/>
+                      </a:endParaRPr>
+                    </a:p>
+                  </a:txBody>
+                  <a:tcPr marL="84869" marR="84869" marT="42435" marB="42435" anchor="ctr"/>
+                </a:tc>
+                <a:tc>
+                  <a:txBody>
+                    <a:bodyPr/>
+                    <a:lstStyle/>
+                    <a:p>
+                      <a:pPr algn="ctr"/>
+                      <a:r>
+                        <a:rPr lang="pt-BR" sz="1500">
+                          <a:latin typeface="Century Gothic" panose="020B0502020202020204" pitchFamily="34" charset="0"/>
+                        </a:rPr>
+                        <a:t>JavaScript</a:t>
+                      </a:r>
+                      <a:endParaRPr lang="en-US" sz="1500">
+                        <a:latin typeface="Century Gothic" panose="020B0502020202020204" pitchFamily="34" charset="0"/>
+                      </a:endParaRPr>
+                    </a:p>
+                  </a:txBody>
+                  <a:tcPr marL="84869" marR="84869" marT="42435" marB="42435" anchor="ctr"/>
+                </a:tc>
+                <a:tc>
+                  <a:txBody>
+                    <a:bodyPr/>
+                    <a:lstStyle/>
+                    <a:p>
+                      <a:pPr marL="0" marR="0" lvl="0" indent="0" algn="ctr" defTabSz="914400" rtl="0" eaLnBrk="1" fontAlgn="auto" latinLnBrk="0" hangingPunct="1">
+                        <a:lnSpc>
+                          <a:spcPct val="100000"/>
+                        </a:lnSpc>
+                        <a:spcBef>
+                          <a:spcPts val="0"/>
+                        </a:spcBef>
+                        <a:spcAft>
+                          <a:spcPts val="0"/>
+                        </a:spcAft>
+                        <a:buClrTx/>
+                        <a:buSzTx/>
+                        <a:buFontTx/>
+                        <a:buNone/>
+                        <a:tabLst/>
+                        <a:defRPr/>
+                      </a:pPr>
+                      <a:r>
+                        <a:rPr lang="pt-BR" sz="1500">
+                          <a:latin typeface="Century Gothic" panose="020B0502020202020204" pitchFamily="34" charset="0"/>
+                        </a:rPr>
+                        <a:t>Estilização com CSS</a:t>
+                      </a:r>
+                      <a:endParaRPr lang="en-US" sz="1500">
+                        <a:latin typeface="Century Gothic" panose="020B0502020202020204" pitchFamily="34" charset="0"/>
+                      </a:endParaRPr>
+                    </a:p>
+                  </a:txBody>
+                  <a:tcPr marL="84869" marR="84869" marT="42435" marB="42435" anchor="ctr"/>
+                </a:tc>
+                <a:tc>
+                  <a:txBody>
+                    <a:bodyPr/>
+                    <a:lstStyle/>
+                    <a:p>
+                      <a:pPr marL="0" marR="0" lvl="0" indent="0" algn="ctr" defTabSz="914400" rtl="0" eaLnBrk="1" fontAlgn="auto" latinLnBrk="0" hangingPunct="1">
+                        <a:lnSpc>
+                          <a:spcPct val="100000"/>
+                        </a:lnSpc>
+                        <a:spcBef>
+                          <a:spcPts val="0"/>
+                        </a:spcBef>
+                        <a:spcAft>
+                          <a:spcPts val="0"/>
+                        </a:spcAft>
+                        <a:buClrTx/>
+                        <a:buSzTx/>
+                        <a:buFontTx/>
+                        <a:buNone/>
+                        <a:tabLst/>
+                        <a:defRPr/>
+                      </a:pPr>
+                      <a:r>
+                        <a:rPr lang="pt-BR" sz="1500">
+                          <a:latin typeface="Century Gothic" panose="020B0502020202020204" pitchFamily="34" charset="0"/>
+                        </a:rPr>
+                        <a:t>Estilização com CSS</a:t>
+                      </a:r>
+                      <a:endParaRPr lang="en-US" sz="1500">
+                        <a:latin typeface="Century Gothic" panose="020B0502020202020204" pitchFamily="34" charset="0"/>
+                      </a:endParaRPr>
+                    </a:p>
+                  </a:txBody>
+                  <a:tcPr marL="84869" marR="84869" marT="42435" marB="42435" anchor="ctr"/>
+                </a:tc>
+                <a:extLst>
+                  <a:ext uri="{0D108BD9-81ED-4DB2-BD59-A6C34878D82A}">
+                    <a16:rowId xmlns:a16="http://schemas.microsoft.com/office/drawing/2014/main" val="2058378802"/>
+                  </a:ext>
+                </a:extLst>
+              </a:tr>
+              <a:tr h="571454">
+                <a:tc>
+                  <a:txBody>
+                    <a:bodyPr/>
+                    <a:lstStyle/>
+                    <a:p>
+                      <a:pPr marL="0" marR="0" lvl="0" indent="0" algn="ctr" defTabSz="914400" rtl="0" eaLnBrk="1" fontAlgn="auto" latinLnBrk="0" hangingPunct="1">
+                        <a:lnSpc>
+                          <a:spcPct val="100000"/>
+                        </a:lnSpc>
+                        <a:spcBef>
+                          <a:spcPts val="0"/>
+                        </a:spcBef>
+                        <a:spcAft>
+                          <a:spcPts val="0"/>
+                        </a:spcAft>
+                        <a:buClrTx/>
+                        <a:buSzTx/>
+                        <a:buFontTx/>
+                        <a:buNone/>
+                        <a:tabLst/>
+                        <a:defRPr/>
+                      </a:pPr>
+                      <a:r>
+                        <a:rPr lang="pt-BR" sz="1500">
+                          <a:latin typeface="Century Gothic" panose="020B0502020202020204" pitchFamily="34" charset="0"/>
+                        </a:rPr>
+                        <a:t>Estilização com CSS</a:t>
+                      </a:r>
+                      <a:endParaRPr lang="en-US" sz="1500">
+                        <a:latin typeface="Century Gothic" panose="020B0502020202020204" pitchFamily="34" charset="0"/>
+                      </a:endParaRPr>
+                    </a:p>
+                  </a:txBody>
+                  <a:tcPr marL="84869" marR="84869" marT="42435" marB="42435" anchor="ctr"/>
+                </a:tc>
+                <a:tc>
+                  <a:txBody>
+                    <a:bodyPr/>
+                    <a:lstStyle/>
+                    <a:p>
+                      <a:pPr algn="ctr"/>
+                      <a:r>
+                        <a:rPr lang="pt-BR" sz="1500" dirty="0" err="1">
+                          <a:latin typeface="Century Gothic" panose="020B0502020202020204" pitchFamily="34" charset="0"/>
+                        </a:rPr>
+                        <a:t>Linkedin</a:t>
+                      </a:r>
+                      <a:r>
+                        <a:rPr lang="pt-BR" sz="1500" dirty="0">
+                          <a:latin typeface="Century Gothic" panose="020B0502020202020204" pitchFamily="34" charset="0"/>
+                        </a:rPr>
+                        <a:t> e perfil </a:t>
+                      </a:r>
+                      <a:r>
+                        <a:rPr lang="pt-BR" sz="1500" dirty="0" err="1">
+                          <a:latin typeface="Century Gothic" panose="020B0502020202020204" pitchFamily="34" charset="0"/>
+                        </a:rPr>
+                        <a:t>Github</a:t>
+                      </a:r>
+                      <a:endParaRPr lang="en-US" sz="1500" dirty="0">
+                        <a:latin typeface="Century Gothic" panose="020B0502020202020204" pitchFamily="34" charset="0"/>
+                      </a:endParaRPr>
+                    </a:p>
+                  </a:txBody>
+                  <a:tcPr marL="84869" marR="84869" marT="42435" marB="42435" anchor="ctr"/>
+                </a:tc>
+                <a:tc>
+                  <a:txBody>
+                    <a:bodyPr/>
+                    <a:lstStyle/>
+                    <a:p>
+                      <a:pPr algn="ctr"/>
+                      <a:endParaRPr lang="en-US" sz="1500">
+                        <a:latin typeface="Century Gothic" panose="020B0502020202020204" pitchFamily="34" charset="0"/>
+                      </a:endParaRPr>
+                    </a:p>
+                  </a:txBody>
+                  <a:tcPr marL="84869" marR="84869" marT="42435" marB="42435" anchor="ctr"/>
+                </a:tc>
+                <a:tc>
+                  <a:txBody>
+                    <a:bodyPr/>
+                    <a:lstStyle/>
+                    <a:p>
+                      <a:pPr algn="ctr"/>
+                      <a:endParaRPr lang="en-US" sz="1500">
+                        <a:latin typeface="Century Gothic" panose="020B0502020202020204" pitchFamily="34" charset="0"/>
+                      </a:endParaRPr>
+                    </a:p>
+                  </a:txBody>
+                  <a:tcPr marL="84869" marR="84869" marT="42435" marB="42435" anchor="ctr"/>
+                </a:tc>
+                <a:tc>
+                  <a:txBody>
+                    <a:bodyPr/>
+                    <a:lstStyle/>
+                    <a:p>
+                      <a:pPr algn="ctr"/>
+                      <a:endParaRPr lang="en-US" sz="1500">
+                        <a:latin typeface="Century Gothic" panose="020B0502020202020204" pitchFamily="34" charset="0"/>
+                      </a:endParaRPr>
+                    </a:p>
+                  </a:txBody>
+                  <a:tcPr marL="84869" marR="84869" marT="42435" marB="42435" anchor="ctr"/>
+                </a:tc>
+                <a:tc>
+                  <a:txBody>
+                    <a:bodyPr/>
+                    <a:lstStyle/>
+                    <a:p>
+                      <a:pPr algn="ctr"/>
+                      <a:endParaRPr lang="en-US" sz="1500">
+                        <a:latin typeface="Century Gothic" panose="020B0502020202020204" pitchFamily="34" charset="0"/>
+                      </a:endParaRPr>
+                    </a:p>
+                  </a:txBody>
+                  <a:tcPr marL="84869" marR="84869" marT="42435" marB="42435" anchor="ctr"/>
+                </a:tc>
+                <a:tc>
+                  <a:txBody>
+                    <a:bodyPr/>
+                    <a:lstStyle/>
+                    <a:p>
+                      <a:pPr algn="ctr"/>
+                      <a:endParaRPr lang="en-US" sz="1500" dirty="0">
+                        <a:latin typeface="Century Gothic" panose="020B0502020202020204" pitchFamily="34" charset="0"/>
+                      </a:endParaRPr>
+                    </a:p>
+                  </a:txBody>
+                  <a:tcPr marL="84869" marR="84869" marT="42435" marB="42435" anchor="ctr"/>
+                </a:tc>
+                <a:extLst>
+                  <a:ext uri="{0D108BD9-81ED-4DB2-BD59-A6C34878D82A}">
+                    <a16:rowId xmlns:a16="http://schemas.microsoft.com/office/drawing/2014/main" val="3023854246"/>
+                  </a:ext>
+                </a:extLst>
+              </a:tr>
+            </a:tbl>
+          </a:graphicData>
+        </a:graphic>
+      </p:graphicFrame>
+    </p:spTree>
+    <p:extLst>
+      <p:ext uri="{BB962C8B-B14F-4D97-AF65-F5344CB8AC3E}">
+        <p14:creationId xmlns:p14="http://schemas.microsoft.com/office/powerpoint/2010/main" val="2652462052"/>
+      </p:ext>
+    </p:extLst>
+  </p:cSld>
+  <p:clrMapOvr>
+    <a:masterClrMapping/>
+  </p:clrMapOvr>
+</p:sld>
+</file>
+
+<file path=ppt/slides/slide4.xml><?xml version="1.0" encoding="utf-8"?>
+<p:sld xmlns:a="http://schemas.openxmlformats.org/drawingml/2006/main" xmlns:r="http://schemas.openxmlformats.org/officeDocument/2006/relationships" xmlns:p="http://schemas.openxmlformats.org/presentationml/2006/main">
+  <p:cSld>
+    <p:bg>
+      <p:bgPr>
+        <a:solidFill>
+          <a:schemeClr val="bg1"/>
+        </a:solidFill>
+        <a:effectLst/>
+      </p:bgPr>
+    </p:bg>
+    <p:spTree>
+      <p:nvGrpSpPr>
+        <p:cNvPr id="1" name=""/>
+        <p:cNvGrpSpPr/>
+        <p:nvPr/>
+      </p:nvGrpSpPr>
+      <p:grpSpPr>
+        <a:xfrm>
+          <a:off x="0" y="0"/>
+          <a:ext cx="0" cy="0"/>
+          <a:chOff x="0" y="0"/>
+          <a:chExt cx="0" cy="0"/>
+        </a:xfrm>
+      </p:grpSpPr>
+      <p:sp>
+        <p:nvSpPr>
+          <p:cNvPr id="15" name="Rectangle 8">
+            <a:extLst>
+              <a:ext uri="{FF2B5EF4-FFF2-40B4-BE49-F238E27FC236}">
+                <a16:creationId xmlns:a16="http://schemas.microsoft.com/office/drawing/2014/main" id="{A7AE9375-4664-4DB2-922D-2782A6E439AC}"/>
+              </a:ext>
+              <a:ext uri="{C183D7F6-B498-43B3-948B-1728B52AA6E4}">
+                <adec:decorative xmlns:adec="http://schemas.microsoft.com/office/drawing/2017/decorative" val="1"/>
+              </a:ext>
+            </a:extLst>
+          </p:cNvPr>
+          <p:cNvSpPr>
+            <a:spLocks noGrp="1" noRot="1" noChangeAspect="1" noMove="1" noResize="1" noEditPoints="1" noAdjustHandles="1" noChangeArrowheads="1" noChangeShapeType="1" noTextEdit="1"/>
+          </p:cNvSpPr>
+          <p:nvPr>
+            <p:extLst>
+              <p:ext uri="{386F3935-93C4-4BCD-93E2-E3B085C9AB24}">
+                <p16:designElem xmlns:p16="http://schemas.microsoft.com/office/powerpoint/2015/main" val="1"/>
+              </p:ext>
+            </p:extLst>
+          </p:nvPr>
+        </p:nvSpPr>
+        <p:spPr>
+          <a:xfrm>
+            <a:off x="0" y="0"/>
+            <a:ext cx="12192000" cy="6858000"/>
+          </a:xfrm>
+          <a:prstGeom prst="rect">
+            <a:avLst/>
+          </a:prstGeom>
+          <a:solidFill>
+            <a:schemeClr val="tx1">
+              <a:lumMod val="95000"/>
+              <a:lumOff val="5000"/>
+            </a:schemeClr>
+          </a:solidFill>
+          <a:ln>
+            <a:noFill/>
+          </a:ln>
+        </p:spPr>
+        <p:style>
+          <a:lnRef idx="2">
+            <a:schemeClr val="accent1">
+              <a:shade val="50000"/>
+            </a:schemeClr>
+          </a:lnRef>
+          <a:fillRef idx="1">
+            <a:schemeClr val="accent1"/>
+          </a:fillRef>
+          <a:effectRef idx="0">
+            <a:schemeClr val="accent1"/>
+          </a:effectRef>
+          <a:fontRef idx="minor">
+            <a:schemeClr val="lt1"/>
+          </a:fontRef>
+        </p:style>
+        <p:txBody>
+          <a:bodyPr rtlCol="0" anchor="ctr"/>
+          <a:lstStyle/>
+          <a:p>
+            <a:pPr algn="ctr"/>
+            <a:endParaRPr lang="en-US" dirty="0">
+              <a:solidFill>
+                <a:schemeClr val="tx1"/>
+              </a:solidFill>
+            </a:endParaRPr>
+          </a:p>
+        </p:txBody>
+      </p:sp>
+      <p:sp>
+        <p:nvSpPr>
+          <p:cNvPr id="2" name="Título 1">
+            <a:extLst>
+              <a:ext uri="{FF2B5EF4-FFF2-40B4-BE49-F238E27FC236}">
+                <a16:creationId xmlns:a16="http://schemas.microsoft.com/office/drawing/2014/main" id="{0CF5941B-7A87-481B-8C6D-ABEB476CA9BC}"/>
+              </a:ext>
+            </a:extLst>
+          </p:cNvPr>
+          <p:cNvSpPr>
+            <a:spLocks noGrp="1"/>
+          </p:cNvSpPr>
+          <p:nvPr>
+            <p:ph type="title"/>
+          </p:nvPr>
+        </p:nvSpPr>
+        <p:spPr>
+          <a:xfrm>
+            <a:off x="617409" y="155563"/>
+            <a:ext cx="7188989" cy="1021424"/>
+          </a:xfrm>
+          <a:noFill/>
+          <a:ln>
+            <a:noFill/>
+          </a:ln>
+        </p:spPr>
+        <p:txBody>
+          <a:bodyPr anchor="b">
+            <a:normAutofit/>
+          </a:bodyPr>
+          <a:lstStyle/>
+          <a:p>
+            <a:r>
+              <a:rPr lang="pt-BR" sz="3600" dirty="0">
+                <a:solidFill>
+                  <a:schemeClr val="bg1"/>
+                </a:solidFill>
+                <a:latin typeface="Lucida Calligraphy" panose="03010101010101010101" pitchFamily="66" charset="0"/>
+              </a:rPr>
+              <a:t>Fluxograma</a:t>
+            </a:r>
+            <a:endParaRPr lang="en-US" sz="3600" dirty="0">
+              <a:solidFill>
+                <a:schemeClr val="bg1"/>
+              </a:solidFill>
+              <a:latin typeface="Lucida Calligraphy" panose="03010101010101010101" pitchFamily="66" charset="0"/>
+            </a:endParaRPr>
+          </a:p>
+        </p:txBody>
+      </p:sp>
+      <p:cxnSp>
+        <p:nvCxnSpPr>
+          <p:cNvPr id="16" name="Straight Connector 10">
+            <a:extLst>
+              <a:ext uri="{FF2B5EF4-FFF2-40B4-BE49-F238E27FC236}">
+                <a16:creationId xmlns:a16="http://schemas.microsoft.com/office/drawing/2014/main" id="{EE504C98-6397-41C1-A8D8-2D9C4ED307E0}"/>
+              </a:ext>
+              <a:ext uri="{C183D7F6-B498-43B3-948B-1728B52AA6E4}">
+                <adec:decorative xmlns:adec="http://schemas.microsoft.com/office/drawing/2017/decorative" val="1"/>
+              </a:ext>
+            </a:extLst>
+          </p:cNvPr>
+          <p:cNvCxnSpPr>
+            <a:cxnSpLocks noGrp="1" noRot="1" noChangeAspect="1" noMove="1" noResize="1" noEditPoints="1" noAdjustHandles="1" noChangeArrowheads="1" noChangeShapeType="1"/>
+          </p:cNvCxnSpPr>
+          <p:nvPr>
+            <p:extLst>
+              <p:ext uri="{386F3935-93C4-4BCD-93E2-E3B085C9AB24}">
+                <p16:designElem xmlns:p16="http://schemas.microsoft.com/office/powerpoint/2015/main" val="1"/>
+              </p:ext>
+            </p:extLst>
+          </p:nvPr>
+        </p:nvCxnSpPr>
+        <p:spPr>
+          <a:xfrm flipH="1">
+            <a:off x="0" y="1440584"/>
+            <a:ext cx="8027189" cy="0"/>
+          </a:xfrm>
+          <a:prstGeom prst="line">
+            <a:avLst/>
+          </a:prstGeom>
+          <a:ln w="12700">
+            <a:solidFill>
+              <a:schemeClr val="accent2"/>
+            </a:solidFill>
+          </a:ln>
+        </p:spPr>
+        <p:style>
+          <a:lnRef idx="1">
+            <a:schemeClr val="accent1"/>
+          </a:lnRef>
+          <a:fillRef idx="0">
+            <a:schemeClr val="accent1"/>
+          </a:fillRef>
+          <a:effectRef idx="0">
+            <a:schemeClr val="accent1"/>
+          </a:effectRef>
+          <a:fontRef idx="minor">
+            <a:schemeClr val="tx1"/>
+          </a:fontRef>
+        </p:style>
+      </p:cxnSp>
+      <p:cxnSp>
+        <p:nvCxnSpPr>
+          <p:cNvPr id="17" name="Straight Connector 12">
+            <a:extLst>
+              <a:ext uri="{FF2B5EF4-FFF2-40B4-BE49-F238E27FC236}">
+                <a16:creationId xmlns:a16="http://schemas.microsoft.com/office/drawing/2014/main" id="{17C2F6CE-0CF2-4DDD-85F5-96799A328F15}"/>
+              </a:ext>
+              <a:ext uri="{C183D7F6-B498-43B3-948B-1728B52AA6E4}">
+                <adec:decorative xmlns:adec="http://schemas.microsoft.com/office/drawing/2017/decorative" val="1"/>
+              </a:ext>
+            </a:extLst>
+          </p:cNvPr>
+          <p:cNvCxnSpPr>
+            <a:cxnSpLocks noGrp="1" noRot="1" noChangeAspect="1" noMove="1" noResize="1" noEditPoints="1" noAdjustHandles="1" noChangeArrowheads="1" noChangeShapeType="1"/>
+          </p:cNvCxnSpPr>
+          <p:nvPr>
+            <p:extLst>
+              <p:ext uri="{386F3935-93C4-4BCD-93E2-E3B085C9AB24}">
+                <p16:designElem xmlns:p16="http://schemas.microsoft.com/office/powerpoint/2015/main" val="1"/>
+              </p:ext>
+            </p:extLst>
+          </p:nvPr>
+        </p:nvCxnSpPr>
+        <p:spPr>
+          <a:xfrm flipH="1">
+            <a:off x="4164811" y="6267491"/>
+            <a:ext cx="8027189" cy="0"/>
+          </a:xfrm>
+          <a:prstGeom prst="line">
+            <a:avLst/>
+          </a:prstGeom>
+          <a:ln w="12700">
+            <a:solidFill>
+              <a:schemeClr val="accent2"/>
+            </a:solidFill>
+          </a:ln>
+        </p:spPr>
+        <p:style>
+          <a:lnRef idx="1">
+            <a:schemeClr val="accent1"/>
+          </a:lnRef>
+          <a:fillRef idx="0">
+            <a:schemeClr val="accent1"/>
+          </a:fillRef>
+          <a:effectRef idx="0">
+            <a:schemeClr val="accent1"/>
+          </a:effectRef>
+          <a:fontRef idx="minor">
+            <a:schemeClr val="tx1"/>
+          </a:fontRef>
+        </p:style>
+      </p:cxnSp>
+      <p:sp>
+        <p:nvSpPr>
+          <p:cNvPr id="9" name="Fluxograma: Terminação 8">
+            <a:extLst>
+              <a:ext uri="{FF2B5EF4-FFF2-40B4-BE49-F238E27FC236}">
+                <a16:creationId xmlns:a16="http://schemas.microsoft.com/office/drawing/2014/main" id="{426C684D-3507-432C-9048-D7A3D5E0BAB7}"/>
+              </a:ext>
+            </a:extLst>
+          </p:cNvPr>
+          <p:cNvSpPr/>
+          <p:nvPr/>
+        </p:nvSpPr>
+        <p:spPr>
+          <a:xfrm>
+            <a:off x="475484" y="3335815"/>
+            <a:ext cx="1323976" cy="431799"/>
+          </a:xfrm>
+          <a:prstGeom prst="flowChartTerminator">
+            <a:avLst/>
+          </a:prstGeom>
+          <a:solidFill>
+            <a:schemeClr val="accent2">
+              <a:lumMod val="75000"/>
+            </a:schemeClr>
+          </a:solidFill>
+          <a:ln>
+            <a:solidFill>
+              <a:schemeClr val="bg1"/>
+            </a:solidFill>
+          </a:ln>
+        </p:spPr>
+        <p:style>
+          <a:lnRef idx="2">
+            <a:schemeClr val="accent1">
+              <a:shade val="50000"/>
+            </a:schemeClr>
+          </a:lnRef>
+          <a:fillRef idx="1">
+            <a:schemeClr val="accent1"/>
+          </a:fillRef>
+          <a:effectRef idx="0">
+            <a:schemeClr val="accent1"/>
+          </a:effectRef>
+          <a:fontRef idx="minor">
+            <a:schemeClr val="lt1"/>
+          </a:fontRef>
+        </p:style>
+        <p:txBody>
+          <a:bodyPr rtlCol="0" anchor="ctr"/>
+          <a:lstStyle/>
+          <a:p>
+            <a:pPr algn="ctr"/>
+            <a:r>
+              <a:rPr lang="pt-BR" dirty="0"/>
+              <a:t>Início </a:t>
+            </a:r>
+            <a:endParaRPr lang="en-US" dirty="0"/>
+          </a:p>
+        </p:txBody>
+      </p:sp>
+      <p:cxnSp>
+        <p:nvCxnSpPr>
+          <p:cNvPr id="10" name="Conector de Seta Reta 9">
+            <a:extLst>
+              <a:ext uri="{FF2B5EF4-FFF2-40B4-BE49-F238E27FC236}">
+                <a16:creationId xmlns:a16="http://schemas.microsoft.com/office/drawing/2014/main" id="{F2C9CABC-A728-4591-87AC-208E67FDBB27}"/>
+              </a:ext>
+            </a:extLst>
+          </p:cNvPr>
+          <p:cNvCxnSpPr>
+            <a:cxnSpLocks/>
+            <a:stCxn id="9" idx="3"/>
+            <a:endCxn id="11" idx="1"/>
+          </p:cNvCxnSpPr>
+          <p:nvPr/>
+        </p:nvCxnSpPr>
+        <p:spPr>
+          <a:xfrm>
+            <a:off x="1799460" y="3551715"/>
+            <a:ext cx="445655" cy="0"/>
+          </a:xfrm>
+          <a:prstGeom prst="straightConnector1">
+            <a:avLst/>
+          </a:prstGeom>
+          <a:ln>
+            <a:solidFill>
+              <a:schemeClr val="bg1"/>
+            </a:solidFill>
+            <a:tailEnd type="triangle"/>
+          </a:ln>
+        </p:spPr>
+        <p:style>
+          <a:lnRef idx="1">
+            <a:schemeClr val="accent1"/>
+          </a:lnRef>
+          <a:fillRef idx="0">
+            <a:schemeClr val="accent1"/>
+          </a:fillRef>
+          <a:effectRef idx="0">
+            <a:schemeClr val="accent1"/>
+          </a:effectRef>
+          <a:fontRef idx="minor">
+            <a:schemeClr val="tx1"/>
+          </a:fontRef>
+        </p:style>
+      </p:cxnSp>
+      <p:sp>
+        <p:nvSpPr>
+          <p:cNvPr id="11" name="Fluxograma: Processo 10">
+            <a:extLst>
+              <a:ext uri="{FF2B5EF4-FFF2-40B4-BE49-F238E27FC236}">
+                <a16:creationId xmlns:a16="http://schemas.microsoft.com/office/drawing/2014/main" id="{A93F7188-B27B-4AB2-B928-DF50D89FACFD}"/>
+              </a:ext>
+            </a:extLst>
+          </p:cNvPr>
+          <p:cNvSpPr/>
+          <p:nvPr/>
+        </p:nvSpPr>
+        <p:spPr>
+          <a:xfrm>
+            <a:off x="2245115" y="3218025"/>
+            <a:ext cx="1323976" cy="667379"/>
+          </a:xfrm>
+          <a:prstGeom prst="flowChartProcess">
+            <a:avLst/>
+          </a:prstGeom>
+          <a:solidFill>
+            <a:schemeClr val="accent2">
+              <a:lumMod val="75000"/>
+            </a:schemeClr>
+          </a:solidFill>
+          <a:ln>
+            <a:solidFill>
+              <a:schemeClr val="bg1"/>
+            </a:solidFill>
+          </a:ln>
+        </p:spPr>
+        <p:style>
+          <a:lnRef idx="2">
+            <a:schemeClr val="accent1">
+              <a:shade val="50000"/>
+            </a:schemeClr>
+          </a:lnRef>
+          <a:fillRef idx="1">
+            <a:schemeClr val="accent1"/>
+          </a:fillRef>
+          <a:effectRef idx="0">
+            <a:schemeClr val="accent1"/>
+          </a:effectRef>
+          <a:fontRef idx="minor">
+            <a:schemeClr val="lt1"/>
+          </a:fontRef>
+        </p:style>
+        <p:txBody>
+          <a:bodyPr rtlCol="0" anchor="ctr"/>
+          <a:lstStyle/>
+          <a:p>
+            <a:pPr algn="ctr"/>
+            <a:r>
+              <a:rPr lang="pt-BR" dirty="0"/>
+              <a:t>Breve descrição</a:t>
+            </a:r>
+            <a:endParaRPr lang="en-US" dirty="0"/>
+          </a:p>
+        </p:txBody>
+      </p:sp>
+      <p:cxnSp>
+        <p:nvCxnSpPr>
+          <p:cNvPr id="12" name="Conector de Seta Reta 11">
+            <a:extLst>
+              <a:ext uri="{FF2B5EF4-FFF2-40B4-BE49-F238E27FC236}">
+                <a16:creationId xmlns:a16="http://schemas.microsoft.com/office/drawing/2014/main" id="{B922CB3E-9D7E-46D1-875C-E04D0BF2B093}"/>
+              </a:ext>
+            </a:extLst>
+          </p:cNvPr>
+          <p:cNvCxnSpPr>
+            <a:cxnSpLocks/>
+            <a:stCxn id="11" idx="3"/>
+            <a:endCxn id="13" idx="1"/>
+          </p:cNvCxnSpPr>
+          <p:nvPr/>
+        </p:nvCxnSpPr>
+        <p:spPr>
+          <a:xfrm>
+            <a:off x="3569091" y="3551715"/>
+            <a:ext cx="280455" cy="0"/>
+          </a:xfrm>
+          <a:prstGeom prst="straightConnector1">
+            <a:avLst/>
+          </a:prstGeom>
+          <a:ln>
+            <a:solidFill>
+              <a:schemeClr val="bg1"/>
+            </a:solidFill>
+            <a:tailEnd type="triangle"/>
+          </a:ln>
+        </p:spPr>
+        <p:style>
+          <a:lnRef idx="1">
+            <a:schemeClr val="accent1"/>
+          </a:lnRef>
+          <a:fillRef idx="0">
+            <a:schemeClr val="accent1"/>
+          </a:fillRef>
+          <a:effectRef idx="0">
+            <a:schemeClr val="accent1"/>
+          </a:effectRef>
+          <a:fontRef idx="minor">
+            <a:schemeClr val="tx1"/>
+          </a:fontRef>
+        </p:style>
+      </p:cxnSp>
+      <p:sp>
+        <p:nvSpPr>
+          <p:cNvPr id="13" name="Fluxograma: Decisão 12">
+            <a:extLst>
+              <a:ext uri="{FF2B5EF4-FFF2-40B4-BE49-F238E27FC236}">
+                <a16:creationId xmlns:a16="http://schemas.microsoft.com/office/drawing/2014/main" id="{DCA15CAB-E33A-4286-AC18-795482DDBBDD}"/>
+              </a:ext>
+            </a:extLst>
+          </p:cNvPr>
+          <p:cNvSpPr/>
+          <p:nvPr/>
+        </p:nvSpPr>
+        <p:spPr>
+          <a:xfrm>
+            <a:off x="3849546" y="2906714"/>
+            <a:ext cx="2092325" cy="1290002"/>
+          </a:xfrm>
+          <a:prstGeom prst="flowChartDecision">
+            <a:avLst/>
+          </a:prstGeom>
+          <a:solidFill>
+            <a:schemeClr val="accent2">
+              <a:lumMod val="75000"/>
+            </a:schemeClr>
+          </a:solidFill>
+          <a:ln>
+            <a:solidFill>
+              <a:schemeClr val="bg1"/>
+            </a:solidFill>
+          </a:ln>
+        </p:spPr>
+        <p:style>
+          <a:lnRef idx="2">
+            <a:schemeClr val="accent1">
+              <a:shade val="50000"/>
+            </a:schemeClr>
+          </a:lnRef>
+          <a:fillRef idx="1">
+            <a:schemeClr val="accent1"/>
+          </a:fillRef>
+          <a:effectRef idx="0">
+            <a:schemeClr val="accent1"/>
+          </a:effectRef>
+          <a:fontRef idx="minor">
+            <a:schemeClr val="lt1"/>
+          </a:fontRef>
+        </p:style>
+        <p:txBody>
+          <a:bodyPr rtlCol="0" anchor="ctr"/>
+          <a:lstStyle/>
+          <a:p>
+            <a:pPr algn="ctr"/>
+            <a:r>
+              <a:rPr lang="pt-BR" sz="1200" dirty="0"/>
+              <a:t>Escolha personagem</a:t>
+            </a:r>
+            <a:endParaRPr lang="en-US" sz="1200" dirty="0"/>
+          </a:p>
+        </p:txBody>
+      </p:sp>
+      <p:cxnSp>
+        <p:nvCxnSpPr>
+          <p:cNvPr id="14" name="Conector de Seta Reta 13">
+            <a:extLst>
+              <a:ext uri="{FF2B5EF4-FFF2-40B4-BE49-F238E27FC236}">
+                <a16:creationId xmlns:a16="http://schemas.microsoft.com/office/drawing/2014/main" id="{6CECDACB-0184-4E23-804B-8473C537C956}"/>
+              </a:ext>
+            </a:extLst>
+          </p:cNvPr>
+          <p:cNvCxnSpPr>
+            <a:cxnSpLocks/>
+            <a:stCxn id="13" idx="0"/>
+            <a:endCxn id="41" idx="2"/>
+          </p:cNvCxnSpPr>
+          <p:nvPr/>
+        </p:nvCxnSpPr>
+        <p:spPr>
+          <a:xfrm flipH="1" flipV="1">
+            <a:off x="4894117" y="2673034"/>
+            <a:ext cx="1592" cy="233680"/>
+          </a:xfrm>
+          <a:prstGeom prst="straightConnector1">
+            <a:avLst/>
+          </a:prstGeom>
+          <a:ln>
+            <a:solidFill>
+              <a:schemeClr val="bg1"/>
+            </a:solidFill>
+            <a:tailEnd type="triangle"/>
+          </a:ln>
+        </p:spPr>
+        <p:style>
+          <a:lnRef idx="1">
+            <a:schemeClr val="accent1"/>
+          </a:lnRef>
+          <a:fillRef idx="0">
+            <a:schemeClr val="accent1"/>
+          </a:fillRef>
+          <a:effectRef idx="0">
+            <a:schemeClr val="accent1"/>
+          </a:effectRef>
+          <a:fontRef idx="minor">
+            <a:schemeClr val="tx1"/>
+          </a:fontRef>
+        </p:style>
+      </p:cxnSp>
+      <p:cxnSp>
+        <p:nvCxnSpPr>
+          <p:cNvPr id="18" name="Conector de Seta Reta 17">
+            <a:extLst>
+              <a:ext uri="{FF2B5EF4-FFF2-40B4-BE49-F238E27FC236}">
+                <a16:creationId xmlns:a16="http://schemas.microsoft.com/office/drawing/2014/main" id="{A49F8FDF-87CA-4D19-8727-11356383B626}"/>
+              </a:ext>
+            </a:extLst>
+          </p:cNvPr>
+          <p:cNvCxnSpPr>
+            <a:cxnSpLocks/>
+            <a:stCxn id="13" idx="3"/>
+            <a:endCxn id="42" idx="1"/>
+          </p:cNvCxnSpPr>
+          <p:nvPr/>
+        </p:nvCxnSpPr>
+        <p:spPr>
+          <a:xfrm>
+            <a:off x="5941871" y="3551715"/>
+            <a:ext cx="331261" cy="0"/>
+          </a:xfrm>
+          <a:prstGeom prst="straightConnector1">
+            <a:avLst/>
+          </a:prstGeom>
+          <a:ln>
+            <a:solidFill>
+              <a:schemeClr val="bg1"/>
+            </a:solidFill>
+            <a:tailEnd type="triangle"/>
+          </a:ln>
+        </p:spPr>
+        <p:style>
+          <a:lnRef idx="1">
+            <a:schemeClr val="accent1"/>
+          </a:lnRef>
+          <a:fillRef idx="0">
+            <a:schemeClr val="accent1"/>
+          </a:fillRef>
+          <a:effectRef idx="0">
+            <a:schemeClr val="accent1"/>
+          </a:effectRef>
+          <a:fontRef idx="minor">
+            <a:schemeClr val="tx1"/>
+          </a:fontRef>
+        </p:style>
+      </p:cxnSp>
+      <p:cxnSp>
+        <p:nvCxnSpPr>
+          <p:cNvPr id="19" name="Conector de Seta Reta 18">
+            <a:extLst>
+              <a:ext uri="{FF2B5EF4-FFF2-40B4-BE49-F238E27FC236}">
+                <a16:creationId xmlns:a16="http://schemas.microsoft.com/office/drawing/2014/main" id="{FA7AA71C-D289-4B63-BCC3-FBF463C4A954}"/>
+              </a:ext>
+            </a:extLst>
+          </p:cNvPr>
+          <p:cNvCxnSpPr>
+            <a:cxnSpLocks/>
+            <a:stCxn id="13" idx="2"/>
+            <a:endCxn id="40" idx="0"/>
+          </p:cNvCxnSpPr>
+          <p:nvPr/>
+        </p:nvCxnSpPr>
+        <p:spPr>
+          <a:xfrm flipH="1">
+            <a:off x="4894117" y="4196716"/>
+            <a:ext cx="1592" cy="276226"/>
+          </a:xfrm>
+          <a:prstGeom prst="straightConnector1">
+            <a:avLst/>
+          </a:prstGeom>
+          <a:ln>
+            <a:solidFill>
+              <a:schemeClr val="bg1"/>
+            </a:solidFill>
+            <a:tailEnd type="triangle"/>
+          </a:ln>
+        </p:spPr>
+        <p:style>
+          <a:lnRef idx="1">
+            <a:schemeClr val="accent1"/>
+          </a:lnRef>
+          <a:fillRef idx="0">
+            <a:schemeClr val="accent1"/>
+          </a:fillRef>
+          <a:effectRef idx="0">
+            <a:schemeClr val="accent1"/>
+          </a:effectRef>
+          <a:fontRef idx="minor">
+            <a:schemeClr val="tx1"/>
+          </a:fontRef>
+        </p:style>
+      </p:cxnSp>
+      <p:sp>
+        <p:nvSpPr>
+          <p:cNvPr id="20" name="Fluxograma: Decisão 19">
+            <a:extLst>
+              <a:ext uri="{FF2B5EF4-FFF2-40B4-BE49-F238E27FC236}">
+                <a16:creationId xmlns:a16="http://schemas.microsoft.com/office/drawing/2014/main" id="{5119574C-2208-4F13-8722-89CEA81743A0}"/>
+              </a:ext>
+            </a:extLst>
+          </p:cNvPr>
+          <p:cNvSpPr/>
+          <p:nvPr/>
+        </p:nvSpPr>
+        <p:spPr>
+          <a:xfrm>
+            <a:off x="8150078" y="3269140"/>
+            <a:ext cx="1523998" cy="565150"/>
+          </a:xfrm>
+          <a:prstGeom prst="flowChartDecision">
+            <a:avLst/>
+          </a:prstGeom>
+          <a:solidFill>
+            <a:schemeClr val="accent2">
+              <a:lumMod val="75000"/>
+            </a:schemeClr>
+          </a:solidFill>
+          <a:ln>
+            <a:solidFill>
+              <a:schemeClr val="bg1"/>
+            </a:solidFill>
+          </a:ln>
+        </p:spPr>
+        <p:style>
+          <a:lnRef idx="2">
+            <a:schemeClr val="accent1">
+              <a:shade val="50000"/>
+            </a:schemeClr>
+          </a:lnRef>
+          <a:fillRef idx="1">
+            <a:schemeClr val="accent1"/>
+          </a:fillRef>
+          <a:effectRef idx="0">
+            <a:schemeClr val="accent1"/>
+          </a:effectRef>
+          <a:fontRef idx="minor">
+            <a:schemeClr val="lt1"/>
+          </a:fontRef>
+        </p:style>
+        <p:txBody>
+          <a:bodyPr rtlCol="0" anchor="ctr"/>
+          <a:lstStyle/>
+          <a:p>
+            <a:pPr algn="ctr"/>
+            <a:r>
+              <a:rPr lang="pt-BR" sz="1100" dirty="0"/>
+              <a:t>Pergunta 1</a:t>
+            </a:r>
+            <a:endParaRPr lang="en-US" sz="1100" dirty="0"/>
+          </a:p>
+        </p:txBody>
+      </p:sp>
+      <p:sp>
+        <p:nvSpPr>
+          <p:cNvPr id="21" name="Fluxograma: Decisão 20">
+            <a:extLst>
+              <a:ext uri="{FF2B5EF4-FFF2-40B4-BE49-F238E27FC236}">
+                <a16:creationId xmlns:a16="http://schemas.microsoft.com/office/drawing/2014/main" id="{85A7345F-EC67-461D-AFC0-58C132808B9B}"/>
+              </a:ext>
+            </a:extLst>
+          </p:cNvPr>
+          <p:cNvSpPr/>
+          <p:nvPr/>
+        </p:nvSpPr>
+        <p:spPr>
+          <a:xfrm>
+            <a:off x="4211904" y="5427364"/>
+            <a:ext cx="1523998" cy="565150"/>
+          </a:xfrm>
+          <a:prstGeom prst="flowChartDecision">
+            <a:avLst/>
+          </a:prstGeom>
+          <a:solidFill>
+            <a:schemeClr val="accent2">
+              <a:lumMod val="75000"/>
+            </a:schemeClr>
+          </a:solidFill>
+          <a:ln>
+            <a:solidFill>
+              <a:schemeClr val="bg1"/>
+            </a:solidFill>
+          </a:ln>
+        </p:spPr>
+        <p:style>
+          <a:lnRef idx="2">
+            <a:schemeClr val="accent1">
+              <a:shade val="50000"/>
+            </a:schemeClr>
+          </a:lnRef>
+          <a:fillRef idx="1">
+            <a:schemeClr val="accent1"/>
+          </a:fillRef>
+          <a:effectRef idx="0">
+            <a:schemeClr val="accent1"/>
+          </a:effectRef>
+          <a:fontRef idx="minor">
+            <a:schemeClr val="lt1"/>
+          </a:fontRef>
+        </p:style>
+        <p:txBody>
+          <a:bodyPr rtlCol="0" anchor="ctr"/>
+          <a:lstStyle/>
+          <a:p>
+            <a:pPr algn="ctr"/>
+            <a:r>
+              <a:rPr lang="pt-BR" sz="1100" dirty="0"/>
+              <a:t>Pergunta 2</a:t>
+            </a:r>
+            <a:endParaRPr lang="en-US" sz="1100" dirty="0"/>
+          </a:p>
+        </p:txBody>
+      </p:sp>
+      <p:sp>
+        <p:nvSpPr>
+          <p:cNvPr id="22" name="Fluxograma: Decisão 21">
+            <a:extLst>
+              <a:ext uri="{FF2B5EF4-FFF2-40B4-BE49-F238E27FC236}">
+                <a16:creationId xmlns:a16="http://schemas.microsoft.com/office/drawing/2014/main" id="{4A1DD6C2-467C-4C31-A0B1-9C705CDF30AD}"/>
+              </a:ext>
+            </a:extLst>
+          </p:cNvPr>
+          <p:cNvSpPr/>
+          <p:nvPr/>
+        </p:nvSpPr>
+        <p:spPr>
+          <a:xfrm>
+            <a:off x="4132118" y="1140002"/>
+            <a:ext cx="1523998" cy="565150"/>
+          </a:xfrm>
+          <a:prstGeom prst="flowChartDecision">
+            <a:avLst/>
+          </a:prstGeom>
+          <a:solidFill>
+            <a:schemeClr val="accent2">
+              <a:lumMod val="75000"/>
+            </a:schemeClr>
+          </a:solidFill>
+          <a:ln>
+            <a:solidFill>
+              <a:schemeClr val="bg1"/>
+            </a:solidFill>
+          </a:ln>
+        </p:spPr>
+        <p:style>
+          <a:lnRef idx="2">
+            <a:schemeClr val="accent1">
+              <a:shade val="50000"/>
+            </a:schemeClr>
+          </a:lnRef>
+          <a:fillRef idx="1">
+            <a:schemeClr val="accent1"/>
+          </a:fillRef>
+          <a:effectRef idx="0">
+            <a:schemeClr val="accent1"/>
+          </a:effectRef>
+          <a:fontRef idx="minor">
+            <a:schemeClr val="lt1"/>
+          </a:fontRef>
+        </p:style>
+        <p:txBody>
+          <a:bodyPr rtlCol="0" anchor="ctr"/>
+          <a:lstStyle/>
+          <a:p>
+            <a:pPr algn="ctr"/>
+            <a:r>
+              <a:rPr lang="pt-BR" sz="1100" dirty="0"/>
+              <a:t>Pergunta 1</a:t>
+            </a:r>
+            <a:endParaRPr lang="en-US" sz="1100" dirty="0"/>
+          </a:p>
+        </p:txBody>
+      </p:sp>
+      <p:sp>
+        <p:nvSpPr>
+          <p:cNvPr id="23" name="Fluxograma: Decisão 22">
+            <a:extLst>
+              <a:ext uri="{FF2B5EF4-FFF2-40B4-BE49-F238E27FC236}">
+                <a16:creationId xmlns:a16="http://schemas.microsoft.com/office/drawing/2014/main" id="{10DAC26A-1355-4397-91D0-34427F40815A}"/>
+              </a:ext>
+            </a:extLst>
+          </p:cNvPr>
+          <p:cNvSpPr/>
+          <p:nvPr/>
+        </p:nvSpPr>
+        <p:spPr>
+          <a:xfrm>
+            <a:off x="2506526" y="5434022"/>
+            <a:ext cx="1523998" cy="565150"/>
+          </a:xfrm>
+          <a:prstGeom prst="flowChartDecision">
+            <a:avLst/>
+          </a:prstGeom>
+          <a:solidFill>
+            <a:schemeClr val="accent2">
+              <a:lumMod val="75000"/>
+            </a:schemeClr>
+          </a:solidFill>
+          <a:ln>
+            <a:solidFill>
+              <a:schemeClr val="bg1"/>
+            </a:solidFill>
+          </a:ln>
+        </p:spPr>
+        <p:style>
+          <a:lnRef idx="2">
+            <a:schemeClr val="accent1">
+              <a:shade val="50000"/>
+            </a:schemeClr>
+          </a:lnRef>
+          <a:fillRef idx="1">
+            <a:schemeClr val="accent1"/>
+          </a:fillRef>
+          <a:effectRef idx="0">
+            <a:schemeClr val="accent1"/>
+          </a:effectRef>
+          <a:fontRef idx="minor">
+            <a:schemeClr val="lt1"/>
+          </a:fontRef>
+        </p:style>
+        <p:txBody>
+          <a:bodyPr rtlCol="0" anchor="ctr"/>
+          <a:lstStyle/>
+          <a:p>
+            <a:pPr algn="ctr"/>
+            <a:r>
+              <a:rPr lang="pt-BR" sz="1100" dirty="0"/>
+              <a:t>Pergunta 3</a:t>
+            </a:r>
+            <a:endParaRPr lang="en-US" sz="1100" dirty="0"/>
+          </a:p>
+        </p:txBody>
+      </p:sp>
+      <p:sp>
+        <p:nvSpPr>
+          <p:cNvPr id="24" name="Fluxograma: Processo 23">
+            <a:extLst>
+              <a:ext uri="{FF2B5EF4-FFF2-40B4-BE49-F238E27FC236}">
+                <a16:creationId xmlns:a16="http://schemas.microsoft.com/office/drawing/2014/main" id="{65F12249-EB90-4F39-9AE5-3CE19DD8F20D}"/>
+              </a:ext>
+            </a:extLst>
+          </p:cNvPr>
+          <p:cNvSpPr/>
+          <p:nvPr/>
+        </p:nvSpPr>
+        <p:spPr>
+          <a:xfrm>
+            <a:off x="749955" y="5499389"/>
+            <a:ext cx="1523998" cy="431799"/>
+          </a:xfrm>
+          <a:prstGeom prst="flowChartProcess">
+            <a:avLst/>
+          </a:prstGeom>
+          <a:solidFill>
+            <a:schemeClr val="accent2">
+              <a:lumMod val="75000"/>
+            </a:schemeClr>
+          </a:solidFill>
+          <a:ln>
+            <a:solidFill>
+              <a:schemeClr val="bg1"/>
+            </a:solidFill>
+          </a:ln>
+        </p:spPr>
+        <p:style>
+          <a:lnRef idx="2">
+            <a:schemeClr val="accent1">
+              <a:shade val="50000"/>
+            </a:schemeClr>
+          </a:lnRef>
+          <a:fillRef idx="1">
+            <a:schemeClr val="accent1"/>
+          </a:fillRef>
+          <a:effectRef idx="0">
+            <a:schemeClr val="accent1"/>
+          </a:effectRef>
+          <a:fontRef idx="minor">
+            <a:schemeClr val="lt1"/>
+          </a:fontRef>
+        </p:style>
+        <p:txBody>
+          <a:bodyPr rtlCol="0" anchor="ctr"/>
+          <a:lstStyle/>
+          <a:p>
+            <a:pPr algn="ctr"/>
+            <a:r>
+              <a:rPr lang="pt-BR" sz="1100" dirty="0"/>
+              <a:t>Ganha o jogo</a:t>
+            </a:r>
+            <a:endParaRPr lang="en-US" sz="1100" dirty="0"/>
+          </a:p>
+        </p:txBody>
+      </p:sp>
+      <p:sp>
+        <p:nvSpPr>
+          <p:cNvPr id="25" name="Fluxograma: Processo 24">
+            <a:extLst>
+              <a:ext uri="{FF2B5EF4-FFF2-40B4-BE49-F238E27FC236}">
+                <a16:creationId xmlns:a16="http://schemas.microsoft.com/office/drawing/2014/main" id="{13F8761F-CD67-49B6-BFF0-603E6F30B744}"/>
+              </a:ext>
+            </a:extLst>
+          </p:cNvPr>
+          <p:cNvSpPr/>
+          <p:nvPr/>
+        </p:nvSpPr>
+        <p:spPr>
+          <a:xfrm>
+            <a:off x="8150078" y="5633451"/>
+            <a:ext cx="1523998" cy="431799"/>
+          </a:xfrm>
+          <a:prstGeom prst="flowChartProcess">
+            <a:avLst/>
+          </a:prstGeom>
+          <a:solidFill>
+            <a:schemeClr val="accent2">
+              <a:lumMod val="75000"/>
+            </a:schemeClr>
+          </a:solidFill>
+          <a:ln>
+            <a:solidFill>
+              <a:schemeClr val="bg1"/>
+            </a:solidFill>
+          </a:ln>
+        </p:spPr>
+        <p:style>
+          <a:lnRef idx="2">
+            <a:schemeClr val="accent1">
+              <a:shade val="50000"/>
+            </a:schemeClr>
+          </a:lnRef>
+          <a:fillRef idx="1">
+            <a:schemeClr val="accent1"/>
+          </a:fillRef>
+          <a:effectRef idx="0">
+            <a:schemeClr val="accent1"/>
+          </a:effectRef>
+          <a:fontRef idx="minor">
+            <a:schemeClr val="lt1"/>
+          </a:fontRef>
+        </p:style>
+        <p:txBody>
+          <a:bodyPr rtlCol="0" anchor="ctr"/>
+          <a:lstStyle/>
+          <a:p>
+            <a:pPr algn="ctr"/>
+            <a:r>
+              <a:rPr lang="pt-BR" sz="1100" dirty="0"/>
+              <a:t>Ganha o jogo</a:t>
+            </a:r>
+            <a:endParaRPr lang="en-US" sz="1100" dirty="0"/>
+          </a:p>
+        </p:txBody>
+      </p:sp>
+      <p:sp>
+        <p:nvSpPr>
+          <p:cNvPr id="26" name="Fluxograma: Processo 25">
+            <a:extLst>
+              <a:ext uri="{FF2B5EF4-FFF2-40B4-BE49-F238E27FC236}">
+                <a16:creationId xmlns:a16="http://schemas.microsoft.com/office/drawing/2014/main" id="{CED1CBA5-26E1-41AB-9282-91BE8E59DDE7}"/>
+              </a:ext>
+            </a:extLst>
+          </p:cNvPr>
+          <p:cNvSpPr/>
+          <p:nvPr/>
+        </p:nvSpPr>
+        <p:spPr>
+          <a:xfrm>
+            <a:off x="4211904" y="6221131"/>
+            <a:ext cx="1523998" cy="431799"/>
+          </a:xfrm>
+          <a:prstGeom prst="flowChartProcess">
+            <a:avLst/>
+          </a:prstGeom>
+          <a:solidFill>
+            <a:schemeClr val="accent2">
+              <a:lumMod val="75000"/>
+            </a:schemeClr>
+          </a:solidFill>
+          <a:ln>
+            <a:solidFill>
+              <a:schemeClr val="bg1"/>
+            </a:solidFill>
+          </a:ln>
+        </p:spPr>
+        <p:style>
+          <a:lnRef idx="2">
+            <a:schemeClr val="accent1">
+              <a:shade val="50000"/>
+            </a:schemeClr>
+          </a:lnRef>
+          <a:fillRef idx="1">
+            <a:schemeClr val="accent1"/>
+          </a:fillRef>
+          <a:effectRef idx="0">
+            <a:schemeClr val="accent1"/>
+          </a:effectRef>
+          <a:fontRef idx="minor">
+            <a:schemeClr val="lt1"/>
+          </a:fontRef>
+        </p:style>
+        <p:txBody>
+          <a:bodyPr rtlCol="0" anchor="ctr"/>
+          <a:lstStyle/>
+          <a:p>
+            <a:pPr algn="ctr"/>
+            <a:r>
+              <a:rPr lang="pt-BR" sz="1100" dirty="0"/>
+              <a:t>Perde o jogo</a:t>
+            </a:r>
+            <a:endParaRPr lang="en-US" sz="1100" dirty="0"/>
+          </a:p>
+        </p:txBody>
+      </p:sp>
+      <p:sp>
+        <p:nvSpPr>
+          <p:cNvPr id="27" name="Fluxograma: Decisão 26">
+            <a:extLst>
+              <a:ext uri="{FF2B5EF4-FFF2-40B4-BE49-F238E27FC236}">
+                <a16:creationId xmlns:a16="http://schemas.microsoft.com/office/drawing/2014/main" id="{318075BA-A0B2-4420-8C06-CB6136909443}"/>
+              </a:ext>
+            </a:extLst>
+          </p:cNvPr>
+          <p:cNvSpPr/>
+          <p:nvPr/>
+        </p:nvSpPr>
+        <p:spPr>
+          <a:xfrm>
+            <a:off x="8150078" y="4046214"/>
+            <a:ext cx="1523998" cy="565150"/>
+          </a:xfrm>
+          <a:prstGeom prst="flowChartDecision">
+            <a:avLst/>
+          </a:prstGeom>
+          <a:solidFill>
+            <a:schemeClr val="accent2">
+              <a:lumMod val="75000"/>
+            </a:schemeClr>
+          </a:solidFill>
+          <a:ln>
+            <a:solidFill>
+              <a:schemeClr val="bg1"/>
+            </a:solidFill>
+          </a:ln>
+        </p:spPr>
+        <p:style>
+          <a:lnRef idx="2">
+            <a:schemeClr val="accent1">
+              <a:shade val="50000"/>
+            </a:schemeClr>
+          </a:lnRef>
+          <a:fillRef idx="1">
+            <a:schemeClr val="accent1"/>
+          </a:fillRef>
+          <a:effectRef idx="0">
+            <a:schemeClr val="accent1"/>
+          </a:effectRef>
+          <a:fontRef idx="minor">
+            <a:schemeClr val="lt1"/>
+          </a:fontRef>
+        </p:style>
+        <p:txBody>
+          <a:bodyPr rtlCol="0" anchor="ctr"/>
+          <a:lstStyle/>
+          <a:p>
+            <a:pPr algn="ctr"/>
+            <a:r>
+              <a:rPr lang="pt-BR" sz="1100" dirty="0"/>
+              <a:t>Pergunta 2</a:t>
+            </a:r>
+            <a:endParaRPr lang="en-US" sz="1100" dirty="0"/>
+          </a:p>
+        </p:txBody>
+      </p:sp>
+      <p:sp>
+        <p:nvSpPr>
+          <p:cNvPr id="28" name="Fluxograma: Processo 27">
+            <a:extLst>
+              <a:ext uri="{FF2B5EF4-FFF2-40B4-BE49-F238E27FC236}">
+                <a16:creationId xmlns:a16="http://schemas.microsoft.com/office/drawing/2014/main" id="{04B3F77D-AD70-4760-B9E9-A3A340BE1AE2}"/>
+              </a:ext>
+            </a:extLst>
+          </p:cNvPr>
+          <p:cNvSpPr/>
+          <p:nvPr/>
+        </p:nvSpPr>
+        <p:spPr>
+          <a:xfrm>
+            <a:off x="5941871" y="319061"/>
+            <a:ext cx="1523998" cy="431799"/>
+          </a:xfrm>
+          <a:prstGeom prst="flowChartProcess">
+            <a:avLst/>
+          </a:prstGeom>
+          <a:solidFill>
+            <a:schemeClr val="accent2">
+              <a:lumMod val="75000"/>
+            </a:schemeClr>
+          </a:solidFill>
+          <a:ln>
+            <a:solidFill>
+              <a:schemeClr val="bg1"/>
+            </a:solidFill>
+          </a:ln>
+        </p:spPr>
+        <p:style>
+          <a:lnRef idx="2">
+            <a:schemeClr val="accent1">
+              <a:shade val="50000"/>
+            </a:schemeClr>
+          </a:lnRef>
+          <a:fillRef idx="1">
+            <a:schemeClr val="accent1"/>
+          </a:fillRef>
+          <a:effectRef idx="0">
+            <a:schemeClr val="accent1"/>
+          </a:effectRef>
+          <a:fontRef idx="minor">
+            <a:schemeClr val="lt1"/>
+          </a:fontRef>
+        </p:style>
+        <p:txBody>
+          <a:bodyPr rtlCol="0" anchor="ctr"/>
+          <a:lstStyle/>
+          <a:p>
+            <a:pPr algn="ctr"/>
+            <a:r>
+              <a:rPr lang="pt-BR" sz="1100" dirty="0"/>
+              <a:t>Perde o jogo</a:t>
+            </a:r>
+            <a:endParaRPr lang="en-US" sz="1100" dirty="0"/>
+          </a:p>
+        </p:txBody>
+      </p:sp>
+      <p:sp>
+        <p:nvSpPr>
+          <p:cNvPr id="29" name="Fluxograma: Decisão 28">
+            <a:extLst>
+              <a:ext uri="{FF2B5EF4-FFF2-40B4-BE49-F238E27FC236}">
+                <a16:creationId xmlns:a16="http://schemas.microsoft.com/office/drawing/2014/main" id="{C1E1563C-B1D6-47AF-B42A-8C43C9AA86AB}"/>
+              </a:ext>
+            </a:extLst>
+          </p:cNvPr>
+          <p:cNvSpPr/>
+          <p:nvPr/>
+        </p:nvSpPr>
+        <p:spPr>
+          <a:xfrm>
+            <a:off x="6246142" y="1137743"/>
+            <a:ext cx="1523998" cy="565150"/>
+          </a:xfrm>
+          <a:prstGeom prst="flowChartDecision">
+            <a:avLst/>
+          </a:prstGeom>
+          <a:solidFill>
+            <a:schemeClr val="accent2">
+              <a:lumMod val="75000"/>
+            </a:schemeClr>
+          </a:solidFill>
+          <a:ln>
+            <a:solidFill>
+              <a:schemeClr val="bg1"/>
+            </a:solidFill>
+          </a:ln>
+        </p:spPr>
+        <p:style>
+          <a:lnRef idx="2">
+            <a:schemeClr val="accent1">
+              <a:shade val="50000"/>
+            </a:schemeClr>
+          </a:lnRef>
+          <a:fillRef idx="1">
+            <a:schemeClr val="accent1"/>
+          </a:fillRef>
+          <a:effectRef idx="0">
+            <a:schemeClr val="accent1"/>
+          </a:effectRef>
+          <a:fontRef idx="minor">
+            <a:schemeClr val="lt1"/>
+          </a:fontRef>
+        </p:style>
+        <p:txBody>
+          <a:bodyPr rtlCol="0" anchor="ctr"/>
+          <a:lstStyle/>
+          <a:p>
+            <a:pPr algn="ctr"/>
+            <a:r>
+              <a:rPr lang="pt-BR" sz="1100" dirty="0"/>
+              <a:t>Pergunta 2</a:t>
+            </a:r>
+            <a:endParaRPr lang="en-US" sz="1100" dirty="0"/>
+          </a:p>
+        </p:txBody>
+      </p:sp>
+      <p:cxnSp>
+        <p:nvCxnSpPr>
+          <p:cNvPr id="30" name="Conector de Seta Reta 29">
+            <a:extLst>
+              <a:ext uri="{FF2B5EF4-FFF2-40B4-BE49-F238E27FC236}">
+                <a16:creationId xmlns:a16="http://schemas.microsoft.com/office/drawing/2014/main" id="{3A59055E-A472-4AF7-A7A6-001613CE9303}"/>
+              </a:ext>
+            </a:extLst>
+          </p:cNvPr>
+          <p:cNvCxnSpPr>
+            <a:cxnSpLocks/>
+            <a:endCxn id="21" idx="0"/>
+          </p:cNvCxnSpPr>
+          <p:nvPr/>
+        </p:nvCxnSpPr>
+        <p:spPr>
+          <a:xfrm>
+            <a:off x="4973903" y="5214638"/>
+            <a:ext cx="0" cy="212726"/>
+          </a:xfrm>
+          <a:prstGeom prst="straightConnector1">
+            <a:avLst/>
+          </a:prstGeom>
+          <a:ln>
+            <a:solidFill>
+              <a:schemeClr val="bg1"/>
+            </a:solidFill>
+            <a:tailEnd type="triangle"/>
+          </a:ln>
+        </p:spPr>
+        <p:style>
+          <a:lnRef idx="1">
+            <a:schemeClr val="accent1"/>
+          </a:lnRef>
+          <a:fillRef idx="0">
+            <a:schemeClr val="accent1"/>
+          </a:fillRef>
+          <a:effectRef idx="0">
+            <a:schemeClr val="accent1"/>
+          </a:effectRef>
+          <a:fontRef idx="minor">
+            <a:schemeClr val="tx1"/>
+          </a:fontRef>
+        </p:style>
+      </p:cxnSp>
+      <p:cxnSp>
+        <p:nvCxnSpPr>
+          <p:cNvPr id="31" name="Conector de Seta Reta 30">
+            <a:extLst>
+              <a:ext uri="{FF2B5EF4-FFF2-40B4-BE49-F238E27FC236}">
+                <a16:creationId xmlns:a16="http://schemas.microsoft.com/office/drawing/2014/main" id="{0DA02C5C-8FF2-40B5-A322-439AC00D0A4D}"/>
+              </a:ext>
+            </a:extLst>
+          </p:cNvPr>
+          <p:cNvCxnSpPr>
+            <a:stCxn id="21" idx="2"/>
+            <a:endCxn id="26" idx="0"/>
+          </p:cNvCxnSpPr>
+          <p:nvPr/>
+        </p:nvCxnSpPr>
+        <p:spPr>
+          <a:xfrm>
+            <a:off x="4973903" y="5992514"/>
+            <a:ext cx="0" cy="228617"/>
+          </a:xfrm>
+          <a:prstGeom prst="straightConnector1">
+            <a:avLst/>
+          </a:prstGeom>
+          <a:ln>
+            <a:solidFill>
+              <a:schemeClr val="bg1"/>
+            </a:solidFill>
+            <a:tailEnd type="triangle"/>
+          </a:ln>
+        </p:spPr>
+        <p:style>
+          <a:lnRef idx="1">
+            <a:schemeClr val="accent1"/>
+          </a:lnRef>
+          <a:fillRef idx="0">
+            <a:schemeClr val="accent1"/>
+          </a:fillRef>
+          <a:effectRef idx="0">
+            <a:schemeClr val="accent1"/>
+          </a:effectRef>
+          <a:fontRef idx="minor">
+            <a:schemeClr val="tx1"/>
+          </a:fontRef>
+        </p:style>
+      </p:cxnSp>
+      <p:cxnSp>
+        <p:nvCxnSpPr>
+          <p:cNvPr id="32" name="Conector de Seta Reta 31">
+            <a:extLst>
+              <a:ext uri="{FF2B5EF4-FFF2-40B4-BE49-F238E27FC236}">
+                <a16:creationId xmlns:a16="http://schemas.microsoft.com/office/drawing/2014/main" id="{2C05D098-BA12-4698-98DE-D090B8D1B453}"/>
+              </a:ext>
+            </a:extLst>
+          </p:cNvPr>
+          <p:cNvCxnSpPr>
+            <a:stCxn id="21" idx="1"/>
+            <a:endCxn id="23" idx="3"/>
+          </p:cNvCxnSpPr>
+          <p:nvPr/>
+        </p:nvCxnSpPr>
+        <p:spPr>
+          <a:xfrm flipH="1">
+            <a:off x="4030524" y="5709939"/>
+            <a:ext cx="181380" cy="6658"/>
+          </a:xfrm>
+          <a:prstGeom prst="straightConnector1">
+            <a:avLst/>
+          </a:prstGeom>
+          <a:ln>
+            <a:solidFill>
+              <a:schemeClr val="bg1"/>
+            </a:solidFill>
+            <a:tailEnd type="triangle"/>
+          </a:ln>
+        </p:spPr>
+        <p:style>
+          <a:lnRef idx="1">
+            <a:schemeClr val="accent1"/>
+          </a:lnRef>
+          <a:fillRef idx="0">
+            <a:schemeClr val="accent1"/>
+          </a:fillRef>
+          <a:effectRef idx="0">
+            <a:schemeClr val="accent1"/>
+          </a:effectRef>
+          <a:fontRef idx="minor">
+            <a:schemeClr val="tx1"/>
+          </a:fontRef>
+        </p:style>
+      </p:cxnSp>
+      <p:cxnSp>
+        <p:nvCxnSpPr>
+          <p:cNvPr id="33" name="Conector de Seta Reta 32">
+            <a:extLst>
+              <a:ext uri="{FF2B5EF4-FFF2-40B4-BE49-F238E27FC236}">
+                <a16:creationId xmlns:a16="http://schemas.microsoft.com/office/drawing/2014/main" id="{9991E05D-87F5-45D1-BC60-A35654784EF7}"/>
+              </a:ext>
+            </a:extLst>
+          </p:cNvPr>
+          <p:cNvCxnSpPr>
+            <a:stCxn id="23" idx="1"/>
+            <a:endCxn id="24" idx="3"/>
+          </p:cNvCxnSpPr>
+          <p:nvPr/>
+        </p:nvCxnSpPr>
+        <p:spPr>
+          <a:xfrm flipH="1" flipV="1">
+            <a:off x="2273953" y="5715289"/>
+            <a:ext cx="232573" cy="1308"/>
+          </a:xfrm>
+          <a:prstGeom prst="straightConnector1">
+            <a:avLst/>
+          </a:prstGeom>
+          <a:ln>
+            <a:solidFill>
+              <a:schemeClr val="bg1"/>
+            </a:solidFill>
+            <a:tailEnd type="triangle"/>
+          </a:ln>
+        </p:spPr>
+        <p:style>
+          <a:lnRef idx="1">
+            <a:schemeClr val="accent1"/>
+          </a:lnRef>
+          <a:fillRef idx="0">
+            <a:schemeClr val="accent1"/>
+          </a:fillRef>
+          <a:effectRef idx="0">
+            <a:schemeClr val="accent1"/>
+          </a:effectRef>
+          <a:fontRef idx="minor">
+            <a:schemeClr val="tx1"/>
+          </a:fontRef>
+        </p:style>
+      </p:cxnSp>
+      <p:cxnSp>
+        <p:nvCxnSpPr>
+          <p:cNvPr id="34" name="Conector: Angulado 33">
+            <a:extLst>
+              <a:ext uri="{FF2B5EF4-FFF2-40B4-BE49-F238E27FC236}">
+                <a16:creationId xmlns:a16="http://schemas.microsoft.com/office/drawing/2014/main" id="{DCE56A97-8FFA-4DF8-8BC1-FBB9DF4C763F}"/>
+              </a:ext>
+            </a:extLst>
+          </p:cNvPr>
+          <p:cNvCxnSpPr>
+            <a:stCxn id="23" idx="2"/>
+            <a:endCxn id="26" idx="1"/>
+          </p:cNvCxnSpPr>
+          <p:nvPr/>
+        </p:nvCxnSpPr>
+        <p:spPr>
+          <a:xfrm rot="16200000" flipH="1">
+            <a:off x="3521285" y="5746411"/>
+            <a:ext cx="437859" cy="943379"/>
+          </a:xfrm>
+          <a:prstGeom prst="bentConnector2">
+            <a:avLst/>
+          </a:prstGeom>
+          <a:ln>
+            <a:solidFill>
+              <a:schemeClr val="bg1"/>
+            </a:solidFill>
+            <a:tailEnd type="triangle"/>
+          </a:ln>
+        </p:spPr>
+        <p:style>
+          <a:lnRef idx="1">
+            <a:schemeClr val="accent1"/>
+          </a:lnRef>
+          <a:fillRef idx="0">
+            <a:schemeClr val="accent1"/>
+          </a:fillRef>
+          <a:effectRef idx="0">
+            <a:schemeClr val="accent1"/>
+          </a:effectRef>
+          <a:fontRef idx="minor">
+            <a:schemeClr val="tx1"/>
+          </a:fontRef>
+        </p:style>
+      </p:cxnSp>
+      <p:cxnSp>
+        <p:nvCxnSpPr>
+          <p:cNvPr id="35" name="Conector de Seta Reta 34">
+            <a:extLst>
+              <a:ext uri="{FF2B5EF4-FFF2-40B4-BE49-F238E27FC236}">
+                <a16:creationId xmlns:a16="http://schemas.microsoft.com/office/drawing/2014/main" id="{37C9F012-864E-4A96-9A82-8B45C8E6F2F2}"/>
+              </a:ext>
+            </a:extLst>
+          </p:cNvPr>
+          <p:cNvCxnSpPr>
+            <a:cxnSpLocks/>
+            <a:stCxn id="42" idx="3"/>
+            <a:endCxn id="20" idx="1"/>
+          </p:cNvCxnSpPr>
+          <p:nvPr/>
+        </p:nvCxnSpPr>
+        <p:spPr>
+          <a:xfrm>
+            <a:off x="7828882" y="3551715"/>
+            <a:ext cx="321196" cy="0"/>
+          </a:xfrm>
+          <a:prstGeom prst="straightConnector1">
+            <a:avLst/>
+          </a:prstGeom>
+          <a:ln>
+            <a:solidFill>
+              <a:schemeClr val="bg1"/>
+            </a:solidFill>
+            <a:tailEnd type="triangle"/>
+          </a:ln>
+        </p:spPr>
+        <p:style>
+          <a:lnRef idx="1">
+            <a:schemeClr val="accent1"/>
+          </a:lnRef>
+          <a:fillRef idx="0">
+            <a:schemeClr val="accent1"/>
+          </a:fillRef>
+          <a:effectRef idx="0">
+            <a:schemeClr val="accent1"/>
+          </a:effectRef>
+          <a:fontRef idx="minor">
+            <a:schemeClr val="tx1"/>
+          </a:fontRef>
+        </p:style>
+      </p:cxnSp>
+      <p:cxnSp>
+        <p:nvCxnSpPr>
+          <p:cNvPr id="36" name="Conector de Seta Reta 35">
+            <a:extLst>
+              <a:ext uri="{FF2B5EF4-FFF2-40B4-BE49-F238E27FC236}">
+                <a16:creationId xmlns:a16="http://schemas.microsoft.com/office/drawing/2014/main" id="{CDFBF67F-EFFE-4117-A943-509E20C0B293}"/>
+              </a:ext>
+            </a:extLst>
+          </p:cNvPr>
+          <p:cNvCxnSpPr>
+            <a:stCxn id="20" idx="2"/>
+            <a:endCxn id="27" idx="0"/>
+          </p:cNvCxnSpPr>
+          <p:nvPr/>
+        </p:nvCxnSpPr>
+        <p:spPr>
+          <a:xfrm>
+            <a:off x="8912077" y="3834290"/>
+            <a:ext cx="0" cy="211924"/>
+          </a:xfrm>
+          <a:prstGeom prst="straightConnector1">
+            <a:avLst/>
+          </a:prstGeom>
+          <a:ln>
+            <a:solidFill>
+              <a:schemeClr val="bg1"/>
+            </a:solidFill>
+            <a:tailEnd type="triangle"/>
+          </a:ln>
+        </p:spPr>
+        <p:style>
+          <a:lnRef idx="1">
+            <a:schemeClr val="accent1"/>
+          </a:lnRef>
+          <a:fillRef idx="0">
+            <a:schemeClr val="accent1"/>
+          </a:fillRef>
+          <a:effectRef idx="0">
+            <a:schemeClr val="accent1"/>
+          </a:effectRef>
+          <a:fontRef idx="minor">
+            <a:schemeClr val="tx1"/>
+          </a:fontRef>
+        </p:style>
+      </p:cxnSp>
+      <p:cxnSp>
+        <p:nvCxnSpPr>
+          <p:cNvPr id="37" name="Conector: Angulado 36">
+            <a:extLst>
+              <a:ext uri="{FF2B5EF4-FFF2-40B4-BE49-F238E27FC236}">
+                <a16:creationId xmlns:a16="http://schemas.microsoft.com/office/drawing/2014/main" id="{9D8A1720-EEF2-4C98-9DCB-5498064A5DAC}"/>
+              </a:ext>
+            </a:extLst>
+          </p:cNvPr>
+          <p:cNvCxnSpPr>
+            <a:cxnSpLocks/>
+            <a:stCxn id="47" idx="3"/>
+            <a:endCxn id="26" idx="3"/>
+          </p:cNvCxnSpPr>
+          <p:nvPr/>
+        </p:nvCxnSpPr>
+        <p:spPr>
+          <a:xfrm flipH="1">
+            <a:off x="5735902" y="4875531"/>
+            <a:ext cx="1815300" cy="1561500"/>
+          </a:xfrm>
+          <a:prstGeom prst="bentConnector3">
+            <a:avLst>
+              <a:gd name="adj1" fmla="val -12593"/>
+            </a:avLst>
+          </a:prstGeom>
+          <a:ln>
+            <a:solidFill>
+              <a:schemeClr val="bg1"/>
+            </a:solidFill>
+            <a:tailEnd type="triangle"/>
+          </a:ln>
+        </p:spPr>
+        <p:style>
+          <a:lnRef idx="1">
+            <a:schemeClr val="accent1"/>
+          </a:lnRef>
+          <a:fillRef idx="0">
+            <a:schemeClr val="accent1"/>
+          </a:fillRef>
+          <a:effectRef idx="0">
+            <a:schemeClr val="accent1"/>
+          </a:effectRef>
+          <a:fontRef idx="minor">
+            <a:schemeClr val="tx1"/>
+          </a:fontRef>
+        </p:style>
+      </p:cxnSp>
+      <p:cxnSp>
+        <p:nvCxnSpPr>
+          <p:cNvPr id="38" name="Conector de Seta Reta 37">
+            <a:extLst>
+              <a:ext uri="{FF2B5EF4-FFF2-40B4-BE49-F238E27FC236}">
+                <a16:creationId xmlns:a16="http://schemas.microsoft.com/office/drawing/2014/main" id="{8151EBB6-BE75-49DD-8C12-E933BD044BB4}"/>
+              </a:ext>
+            </a:extLst>
+          </p:cNvPr>
+          <p:cNvCxnSpPr>
+            <a:cxnSpLocks/>
+            <a:stCxn id="29" idx="3"/>
+            <a:endCxn id="43" idx="1"/>
+          </p:cNvCxnSpPr>
+          <p:nvPr/>
+        </p:nvCxnSpPr>
+        <p:spPr>
+          <a:xfrm>
+            <a:off x="7770140" y="1420318"/>
+            <a:ext cx="219340" cy="0"/>
+          </a:xfrm>
+          <a:prstGeom prst="straightConnector1">
+            <a:avLst/>
+          </a:prstGeom>
+          <a:ln>
+            <a:solidFill>
+              <a:schemeClr val="bg1"/>
+            </a:solidFill>
+            <a:tailEnd type="triangle"/>
+          </a:ln>
+        </p:spPr>
+        <p:style>
+          <a:lnRef idx="1">
+            <a:schemeClr val="accent1"/>
+          </a:lnRef>
+          <a:fillRef idx="0">
+            <a:schemeClr val="accent1"/>
+          </a:fillRef>
+          <a:effectRef idx="0">
+            <a:schemeClr val="accent1"/>
+          </a:effectRef>
+          <a:fontRef idx="minor">
+            <a:schemeClr val="tx1"/>
+          </a:fontRef>
+        </p:style>
+      </p:cxnSp>
+      <p:cxnSp>
+        <p:nvCxnSpPr>
+          <p:cNvPr id="39" name="Conector de Seta Reta 38">
+            <a:extLst>
+              <a:ext uri="{FF2B5EF4-FFF2-40B4-BE49-F238E27FC236}">
+                <a16:creationId xmlns:a16="http://schemas.microsoft.com/office/drawing/2014/main" id="{C2C7BEB9-C78C-40E6-B4B6-C9447DA2D551}"/>
+              </a:ext>
+            </a:extLst>
+          </p:cNvPr>
+          <p:cNvCxnSpPr>
+            <a:cxnSpLocks/>
+            <a:stCxn id="41" idx="0"/>
+            <a:endCxn id="22" idx="2"/>
+          </p:cNvCxnSpPr>
+          <p:nvPr/>
+        </p:nvCxnSpPr>
+        <p:spPr>
+          <a:xfrm flipV="1">
+            <a:off x="4894117" y="1705152"/>
+            <a:ext cx="0" cy="175402"/>
+          </a:xfrm>
+          <a:prstGeom prst="straightConnector1">
+            <a:avLst/>
+          </a:prstGeom>
+          <a:ln>
+            <a:solidFill>
+              <a:schemeClr val="bg1"/>
+            </a:solidFill>
+            <a:tailEnd type="triangle"/>
+          </a:ln>
+        </p:spPr>
+        <p:style>
+          <a:lnRef idx="1">
+            <a:schemeClr val="accent1"/>
+          </a:lnRef>
+          <a:fillRef idx="0">
+            <a:schemeClr val="accent1"/>
+          </a:fillRef>
+          <a:effectRef idx="0">
+            <a:schemeClr val="accent1"/>
+          </a:effectRef>
+          <a:fontRef idx="minor">
+            <a:schemeClr val="tx1"/>
+          </a:fontRef>
+        </p:style>
+      </p:cxnSp>
+      <p:sp>
+        <p:nvSpPr>
+          <p:cNvPr id="40" name="Fluxograma: Processo 39">
+            <a:extLst>
+              <a:ext uri="{FF2B5EF4-FFF2-40B4-BE49-F238E27FC236}">
+                <a16:creationId xmlns:a16="http://schemas.microsoft.com/office/drawing/2014/main" id="{F2F4CE87-A351-4EEF-9D42-97A00BCE9612}"/>
+              </a:ext>
+            </a:extLst>
+          </p:cNvPr>
+          <p:cNvSpPr/>
+          <p:nvPr/>
+        </p:nvSpPr>
+        <p:spPr>
+          <a:xfrm>
+            <a:off x="4116242" y="4472942"/>
+            <a:ext cx="1555750" cy="792480"/>
+          </a:xfrm>
+          <a:prstGeom prst="flowChartProcess">
+            <a:avLst/>
+          </a:prstGeom>
+          <a:solidFill>
+            <a:schemeClr val="accent2">
+              <a:lumMod val="75000"/>
+            </a:schemeClr>
+          </a:solidFill>
+          <a:ln>
+            <a:solidFill>
+              <a:schemeClr val="bg1"/>
+            </a:solidFill>
+          </a:ln>
+        </p:spPr>
+        <p:style>
+          <a:lnRef idx="2">
+            <a:schemeClr val="accent1">
+              <a:shade val="50000"/>
+            </a:schemeClr>
+          </a:lnRef>
+          <a:fillRef idx="1">
+            <a:schemeClr val="accent1"/>
+          </a:fillRef>
+          <a:effectRef idx="0">
+            <a:schemeClr val="accent1"/>
+          </a:effectRef>
+          <a:fontRef idx="minor">
+            <a:schemeClr val="lt1"/>
+          </a:fontRef>
+        </p:style>
+        <p:txBody>
+          <a:bodyPr rtlCol="0" anchor="ctr"/>
+          <a:lstStyle/>
+          <a:p>
+            <a:pPr algn="ctr"/>
+            <a:r>
+              <a:rPr lang="pt-BR" dirty="0"/>
+              <a:t>Personagem 3</a:t>
+            </a:r>
+            <a:endParaRPr lang="en-US" dirty="0"/>
+          </a:p>
+        </p:txBody>
+      </p:sp>
+      <p:sp>
+        <p:nvSpPr>
+          <p:cNvPr id="41" name="Fluxograma: Processo 40">
+            <a:extLst>
+              <a:ext uri="{FF2B5EF4-FFF2-40B4-BE49-F238E27FC236}">
+                <a16:creationId xmlns:a16="http://schemas.microsoft.com/office/drawing/2014/main" id="{6DD810EA-5330-4452-92BE-8683464B82F7}"/>
+              </a:ext>
+            </a:extLst>
+          </p:cNvPr>
+          <p:cNvSpPr/>
+          <p:nvPr/>
+        </p:nvSpPr>
+        <p:spPr>
+          <a:xfrm>
+            <a:off x="4116242" y="1880554"/>
+            <a:ext cx="1555750" cy="792480"/>
+          </a:xfrm>
+          <a:prstGeom prst="flowChartProcess">
+            <a:avLst/>
+          </a:prstGeom>
+          <a:solidFill>
+            <a:schemeClr val="accent2">
+              <a:lumMod val="75000"/>
+            </a:schemeClr>
+          </a:solidFill>
+          <a:ln>
+            <a:solidFill>
+              <a:schemeClr val="bg1"/>
+            </a:solidFill>
+          </a:ln>
+        </p:spPr>
+        <p:style>
+          <a:lnRef idx="2">
+            <a:schemeClr val="accent1">
+              <a:shade val="50000"/>
+            </a:schemeClr>
+          </a:lnRef>
+          <a:fillRef idx="1">
+            <a:schemeClr val="accent1"/>
+          </a:fillRef>
+          <a:effectRef idx="0">
+            <a:schemeClr val="accent1"/>
+          </a:effectRef>
+          <a:fontRef idx="minor">
+            <a:schemeClr val="lt1"/>
+          </a:fontRef>
+        </p:style>
+        <p:txBody>
+          <a:bodyPr rtlCol="0" anchor="ctr"/>
+          <a:lstStyle/>
+          <a:p>
+            <a:pPr algn="ctr"/>
+            <a:r>
+              <a:rPr lang="pt-BR" dirty="0"/>
+              <a:t>Personagem 1</a:t>
+            </a:r>
+            <a:endParaRPr lang="en-US" dirty="0"/>
+          </a:p>
+        </p:txBody>
+      </p:sp>
+      <p:sp>
+        <p:nvSpPr>
+          <p:cNvPr id="42" name="Fluxograma: Processo 41">
+            <a:extLst>
+              <a:ext uri="{FF2B5EF4-FFF2-40B4-BE49-F238E27FC236}">
+                <a16:creationId xmlns:a16="http://schemas.microsoft.com/office/drawing/2014/main" id="{E3DA09CD-6F7F-46FD-87BD-ABFDE8A872A8}"/>
+              </a:ext>
+            </a:extLst>
+          </p:cNvPr>
+          <p:cNvSpPr/>
+          <p:nvPr/>
+        </p:nvSpPr>
+        <p:spPr>
+          <a:xfrm>
+            <a:off x="6273132" y="3155475"/>
+            <a:ext cx="1555750" cy="792480"/>
+          </a:xfrm>
+          <a:prstGeom prst="flowChartProcess">
+            <a:avLst/>
+          </a:prstGeom>
+          <a:solidFill>
+            <a:schemeClr val="accent2">
+              <a:lumMod val="75000"/>
+            </a:schemeClr>
+          </a:solidFill>
+          <a:ln>
+            <a:solidFill>
+              <a:schemeClr val="bg1"/>
+            </a:solidFill>
+          </a:ln>
+        </p:spPr>
+        <p:style>
+          <a:lnRef idx="2">
+            <a:schemeClr val="accent1">
+              <a:shade val="50000"/>
+            </a:schemeClr>
+          </a:lnRef>
+          <a:fillRef idx="1">
+            <a:schemeClr val="accent1"/>
+          </a:fillRef>
+          <a:effectRef idx="0">
+            <a:schemeClr val="accent1"/>
+          </a:effectRef>
+          <a:fontRef idx="minor">
+            <a:schemeClr val="lt1"/>
+          </a:fontRef>
+        </p:style>
+        <p:txBody>
+          <a:bodyPr rtlCol="0" anchor="ctr"/>
+          <a:lstStyle/>
+          <a:p>
+            <a:pPr algn="ctr"/>
+            <a:r>
+              <a:rPr lang="pt-BR" dirty="0"/>
+              <a:t>Personagem 2</a:t>
+            </a:r>
+            <a:endParaRPr lang="en-US" dirty="0"/>
+          </a:p>
+        </p:txBody>
+      </p:sp>
+      <p:sp>
+        <p:nvSpPr>
+          <p:cNvPr id="43" name="Fluxograma: Decisão 42">
+            <a:extLst>
+              <a:ext uri="{FF2B5EF4-FFF2-40B4-BE49-F238E27FC236}">
+                <a16:creationId xmlns:a16="http://schemas.microsoft.com/office/drawing/2014/main" id="{C553E34B-3095-405F-95E9-3A2ED35417AB}"/>
+              </a:ext>
+            </a:extLst>
+          </p:cNvPr>
+          <p:cNvSpPr/>
+          <p:nvPr/>
+        </p:nvSpPr>
+        <p:spPr>
+          <a:xfrm>
+            <a:off x="7989480" y="1137743"/>
+            <a:ext cx="1523998" cy="565150"/>
+          </a:xfrm>
+          <a:prstGeom prst="flowChartDecision">
+            <a:avLst/>
+          </a:prstGeom>
+          <a:solidFill>
+            <a:schemeClr val="accent2">
+              <a:lumMod val="75000"/>
+            </a:schemeClr>
+          </a:solidFill>
+          <a:ln>
+            <a:solidFill>
+              <a:schemeClr val="bg1"/>
+            </a:solidFill>
+          </a:ln>
+        </p:spPr>
+        <p:style>
+          <a:lnRef idx="2">
+            <a:schemeClr val="accent1">
+              <a:shade val="50000"/>
+            </a:schemeClr>
+          </a:lnRef>
+          <a:fillRef idx="1">
+            <a:schemeClr val="accent1"/>
+          </a:fillRef>
+          <a:effectRef idx="0">
+            <a:schemeClr val="accent1"/>
+          </a:effectRef>
+          <a:fontRef idx="minor">
+            <a:schemeClr val="lt1"/>
+          </a:fontRef>
+        </p:style>
+        <p:txBody>
+          <a:bodyPr rtlCol="0" anchor="ctr"/>
+          <a:lstStyle/>
+          <a:p>
+            <a:pPr algn="ctr"/>
+            <a:r>
+              <a:rPr lang="pt-BR" sz="1100" dirty="0"/>
+              <a:t>Pergunta 3</a:t>
+            </a:r>
+            <a:endParaRPr lang="en-US" sz="1100" dirty="0"/>
+          </a:p>
+        </p:txBody>
+      </p:sp>
+      <p:sp>
+        <p:nvSpPr>
+          <p:cNvPr id="44" name="Fluxograma: Decisão 43">
+            <a:extLst>
+              <a:ext uri="{FF2B5EF4-FFF2-40B4-BE49-F238E27FC236}">
+                <a16:creationId xmlns:a16="http://schemas.microsoft.com/office/drawing/2014/main" id="{58077567-126D-4BBE-9DFE-6C06434E8F2F}"/>
+              </a:ext>
+            </a:extLst>
+          </p:cNvPr>
+          <p:cNvSpPr/>
+          <p:nvPr/>
+        </p:nvSpPr>
+        <p:spPr>
+          <a:xfrm>
+            <a:off x="8150078" y="4800177"/>
+            <a:ext cx="1523998" cy="565150"/>
+          </a:xfrm>
+          <a:prstGeom prst="flowChartDecision">
+            <a:avLst/>
+          </a:prstGeom>
+          <a:solidFill>
+            <a:schemeClr val="accent2">
+              <a:lumMod val="75000"/>
+            </a:schemeClr>
+          </a:solidFill>
+          <a:ln>
+            <a:solidFill>
+              <a:schemeClr val="bg1"/>
+            </a:solidFill>
+          </a:ln>
+        </p:spPr>
+        <p:style>
+          <a:lnRef idx="2">
+            <a:schemeClr val="accent1">
+              <a:shade val="50000"/>
+            </a:schemeClr>
+          </a:lnRef>
+          <a:fillRef idx="1">
+            <a:schemeClr val="accent1"/>
+          </a:fillRef>
+          <a:effectRef idx="0">
+            <a:schemeClr val="accent1"/>
+          </a:effectRef>
+          <a:fontRef idx="minor">
+            <a:schemeClr val="lt1"/>
+          </a:fontRef>
+        </p:style>
+        <p:txBody>
+          <a:bodyPr rtlCol="0" anchor="ctr"/>
+          <a:lstStyle/>
+          <a:p>
+            <a:pPr algn="ctr"/>
+            <a:r>
+              <a:rPr lang="pt-BR" sz="1100" dirty="0"/>
+              <a:t>Pergunta 3</a:t>
+            </a:r>
+            <a:endParaRPr lang="en-US" sz="1100" dirty="0"/>
+          </a:p>
+        </p:txBody>
+      </p:sp>
+      <p:cxnSp>
+        <p:nvCxnSpPr>
+          <p:cNvPr id="45" name="Conector de Seta Reta 44">
+            <a:extLst>
+              <a:ext uri="{FF2B5EF4-FFF2-40B4-BE49-F238E27FC236}">
+                <a16:creationId xmlns:a16="http://schemas.microsoft.com/office/drawing/2014/main" id="{CD30B2F6-FBDE-426E-ABF4-21CCA04199A0}"/>
+              </a:ext>
+            </a:extLst>
+          </p:cNvPr>
+          <p:cNvCxnSpPr>
+            <a:cxnSpLocks/>
+            <a:stCxn id="27" idx="2"/>
+            <a:endCxn id="44" idx="0"/>
+          </p:cNvCxnSpPr>
+          <p:nvPr/>
+        </p:nvCxnSpPr>
+        <p:spPr>
+          <a:xfrm>
+            <a:off x="8912077" y="4611364"/>
+            <a:ext cx="0" cy="188813"/>
+          </a:xfrm>
+          <a:prstGeom prst="straightConnector1">
+            <a:avLst/>
+          </a:prstGeom>
+          <a:ln>
+            <a:solidFill>
+              <a:schemeClr val="bg1"/>
+            </a:solidFill>
+            <a:tailEnd type="triangle"/>
+          </a:ln>
+        </p:spPr>
+        <p:style>
+          <a:lnRef idx="1">
+            <a:schemeClr val="accent1"/>
+          </a:lnRef>
+          <a:fillRef idx="0">
+            <a:schemeClr val="accent1"/>
+          </a:fillRef>
+          <a:effectRef idx="0">
+            <a:schemeClr val="accent1"/>
+          </a:effectRef>
+          <a:fontRef idx="minor">
+            <a:schemeClr val="tx1"/>
+          </a:fontRef>
+        </p:style>
+      </p:cxnSp>
+      <p:cxnSp>
+        <p:nvCxnSpPr>
+          <p:cNvPr id="46" name="Conector de Seta Reta 45">
+            <a:extLst>
+              <a:ext uri="{FF2B5EF4-FFF2-40B4-BE49-F238E27FC236}">
+                <a16:creationId xmlns:a16="http://schemas.microsoft.com/office/drawing/2014/main" id="{B55BD023-FB6B-47CE-B77F-9ACEDCE59945}"/>
+              </a:ext>
+            </a:extLst>
+          </p:cNvPr>
+          <p:cNvCxnSpPr>
+            <a:cxnSpLocks/>
+            <a:stCxn id="44" idx="2"/>
+            <a:endCxn id="25" idx="0"/>
+          </p:cNvCxnSpPr>
+          <p:nvPr/>
+        </p:nvCxnSpPr>
+        <p:spPr>
+          <a:xfrm>
+            <a:off x="8912077" y="5365327"/>
+            <a:ext cx="0" cy="268124"/>
+          </a:xfrm>
+          <a:prstGeom prst="straightConnector1">
+            <a:avLst/>
+          </a:prstGeom>
+          <a:ln>
+            <a:solidFill>
+              <a:schemeClr val="bg1"/>
+            </a:solidFill>
+            <a:tailEnd type="triangle"/>
+          </a:ln>
+        </p:spPr>
+        <p:style>
+          <a:lnRef idx="1">
+            <a:schemeClr val="accent1"/>
+          </a:lnRef>
+          <a:fillRef idx="0">
+            <a:schemeClr val="accent1"/>
+          </a:fillRef>
+          <a:effectRef idx="0">
+            <a:schemeClr val="accent1"/>
+          </a:effectRef>
+          <a:fontRef idx="minor">
+            <a:schemeClr val="tx1"/>
+          </a:fontRef>
+        </p:style>
+      </p:cxnSp>
+      <p:sp>
+        <p:nvSpPr>
+          <p:cNvPr id="47" name="Fluxograma: Decisão 46">
+            <a:extLst>
+              <a:ext uri="{FF2B5EF4-FFF2-40B4-BE49-F238E27FC236}">
+                <a16:creationId xmlns:a16="http://schemas.microsoft.com/office/drawing/2014/main" id="{DEA9D498-5927-40EE-ABBC-73199ADEAF46}"/>
+              </a:ext>
+            </a:extLst>
+          </p:cNvPr>
+          <p:cNvSpPr/>
+          <p:nvPr/>
+        </p:nvSpPr>
+        <p:spPr>
+          <a:xfrm>
+            <a:off x="6027204" y="4592956"/>
+            <a:ext cx="1523998" cy="565150"/>
+          </a:xfrm>
+          <a:prstGeom prst="flowChartDecision">
+            <a:avLst/>
+          </a:prstGeom>
+          <a:solidFill>
+            <a:schemeClr val="accent2">
+              <a:lumMod val="75000"/>
+            </a:schemeClr>
+          </a:solidFill>
+          <a:ln>
+            <a:solidFill>
+              <a:schemeClr val="bg1"/>
+            </a:solidFill>
+          </a:ln>
+        </p:spPr>
+        <p:style>
+          <a:lnRef idx="2">
+            <a:schemeClr val="accent1">
+              <a:shade val="50000"/>
+            </a:schemeClr>
+          </a:lnRef>
+          <a:fillRef idx="1">
+            <a:schemeClr val="accent1"/>
+          </a:fillRef>
+          <a:effectRef idx="0">
+            <a:schemeClr val="accent1"/>
+          </a:effectRef>
+          <a:fontRef idx="minor">
+            <a:schemeClr val="lt1"/>
+          </a:fontRef>
+        </p:style>
+        <p:txBody>
+          <a:bodyPr rtlCol="0" anchor="ctr"/>
+          <a:lstStyle/>
+          <a:p>
+            <a:pPr algn="ctr"/>
+            <a:r>
+              <a:rPr lang="pt-BR" sz="1100" dirty="0"/>
+              <a:t>Pergunta 1</a:t>
+            </a:r>
+            <a:endParaRPr lang="en-US" sz="1100" dirty="0"/>
+          </a:p>
+        </p:txBody>
+      </p:sp>
+      <p:cxnSp>
+        <p:nvCxnSpPr>
+          <p:cNvPr id="48" name="Conector de Seta Reta 47">
+            <a:extLst>
+              <a:ext uri="{FF2B5EF4-FFF2-40B4-BE49-F238E27FC236}">
+                <a16:creationId xmlns:a16="http://schemas.microsoft.com/office/drawing/2014/main" id="{D48B1B62-9321-48C7-937D-FCB4C1C99170}"/>
+              </a:ext>
+            </a:extLst>
+          </p:cNvPr>
+          <p:cNvCxnSpPr>
+            <a:cxnSpLocks/>
+            <a:stCxn id="40" idx="3"/>
+            <a:endCxn id="47" idx="1"/>
+          </p:cNvCxnSpPr>
+          <p:nvPr/>
+        </p:nvCxnSpPr>
+        <p:spPr>
+          <a:xfrm>
+            <a:off x="5671992" y="4869182"/>
+            <a:ext cx="355212" cy="6349"/>
+          </a:xfrm>
+          <a:prstGeom prst="straightConnector1">
+            <a:avLst/>
+          </a:prstGeom>
+          <a:ln>
+            <a:solidFill>
+              <a:schemeClr val="bg1"/>
+            </a:solidFill>
+            <a:tailEnd type="triangle"/>
+          </a:ln>
+        </p:spPr>
+        <p:style>
+          <a:lnRef idx="1">
+            <a:schemeClr val="accent1"/>
+          </a:lnRef>
+          <a:fillRef idx="0">
+            <a:schemeClr val="accent1"/>
+          </a:fillRef>
+          <a:effectRef idx="0">
+            <a:schemeClr val="accent1"/>
+          </a:effectRef>
+          <a:fontRef idx="minor">
+            <a:schemeClr val="tx1"/>
+          </a:fontRef>
+        </p:style>
+      </p:cxnSp>
+      <p:cxnSp>
+        <p:nvCxnSpPr>
+          <p:cNvPr id="49" name="Conector: Angulado 48">
+            <a:extLst>
+              <a:ext uri="{FF2B5EF4-FFF2-40B4-BE49-F238E27FC236}">
+                <a16:creationId xmlns:a16="http://schemas.microsoft.com/office/drawing/2014/main" id="{1DAB19D5-65F1-465F-ACA6-C08D15B42DB8}"/>
+              </a:ext>
+            </a:extLst>
+          </p:cNvPr>
+          <p:cNvCxnSpPr>
+            <a:cxnSpLocks/>
+            <a:stCxn id="47" idx="2"/>
+            <a:endCxn id="21" idx="3"/>
+          </p:cNvCxnSpPr>
+          <p:nvPr/>
+        </p:nvCxnSpPr>
+        <p:spPr>
+          <a:xfrm rot="5400000">
+            <a:off x="5986637" y="4907372"/>
+            <a:ext cx="551833" cy="1053301"/>
+          </a:xfrm>
+          <a:prstGeom prst="bentConnector2">
+            <a:avLst/>
+          </a:prstGeom>
+          <a:ln>
+            <a:solidFill>
+              <a:schemeClr val="bg1"/>
+            </a:solidFill>
+            <a:tailEnd type="triangle"/>
+          </a:ln>
+        </p:spPr>
+        <p:style>
+          <a:lnRef idx="1">
+            <a:schemeClr val="accent1"/>
+          </a:lnRef>
+          <a:fillRef idx="0">
+            <a:schemeClr val="accent1"/>
+          </a:fillRef>
+          <a:effectRef idx="0">
+            <a:schemeClr val="accent1"/>
+          </a:effectRef>
+          <a:fontRef idx="minor">
+            <a:schemeClr val="tx1"/>
+          </a:fontRef>
+        </p:style>
+      </p:cxnSp>
+      <p:sp>
+        <p:nvSpPr>
+          <p:cNvPr id="50" name="Fluxograma: Processo 49">
+            <a:extLst>
+              <a:ext uri="{FF2B5EF4-FFF2-40B4-BE49-F238E27FC236}">
+                <a16:creationId xmlns:a16="http://schemas.microsoft.com/office/drawing/2014/main" id="{C29B20D6-D436-4758-AAEE-2DA601786693}"/>
+              </a:ext>
+            </a:extLst>
+          </p:cNvPr>
+          <p:cNvSpPr/>
+          <p:nvPr/>
+        </p:nvSpPr>
+        <p:spPr>
+          <a:xfrm>
+            <a:off x="9732818" y="1204418"/>
+            <a:ext cx="1523998" cy="431799"/>
+          </a:xfrm>
+          <a:prstGeom prst="flowChartProcess">
+            <a:avLst/>
+          </a:prstGeom>
+          <a:solidFill>
+            <a:schemeClr val="accent2">
+              <a:lumMod val="75000"/>
+            </a:schemeClr>
+          </a:solidFill>
+          <a:ln>
+            <a:solidFill>
+              <a:schemeClr val="bg1"/>
+            </a:solidFill>
+          </a:ln>
+        </p:spPr>
+        <p:style>
+          <a:lnRef idx="2">
+            <a:schemeClr val="accent1">
+              <a:shade val="50000"/>
+            </a:schemeClr>
+          </a:lnRef>
+          <a:fillRef idx="1">
+            <a:schemeClr val="accent1"/>
+          </a:fillRef>
+          <a:effectRef idx="0">
+            <a:schemeClr val="accent1"/>
+          </a:effectRef>
+          <a:fontRef idx="minor">
+            <a:schemeClr val="lt1"/>
+          </a:fontRef>
+        </p:style>
+        <p:txBody>
+          <a:bodyPr rtlCol="0" anchor="ctr"/>
+          <a:lstStyle/>
+          <a:p>
+            <a:pPr algn="ctr"/>
+            <a:r>
+              <a:rPr lang="pt-BR" sz="1100" dirty="0"/>
+              <a:t>Ganha o jogo</a:t>
+            </a:r>
+            <a:endParaRPr lang="en-US" sz="1100" dirty="0"/>
+          </a:p>
+        </p:txBody>
+      </p:sp>
+      <p:cxnSp>
+        <p:nvCxnSpPr>
+          <p:cNvPr id="51" name="Conector de Seta Reta 50">
+            <a:extLst>
+              <a:ext uri="{FF2B5EF4-FFF2-40B4-BE49-F238E27FC236}">
+                <a16:creationId xmlns:a16="http://schemas.microsoft.com/office/drawing/2014/main" id="{0DB77E31-F3DE-4E81-9645-780E97FB2B6C}"/>
+              </a:ext>
+            </a:extLst>
+          </p:cNvPr>
+          <p:cNvCxnSpPr>
+            <a:cxnSpLocks/>
+            <a:stCxn id="43" idx="3"/>
+            <a:endCxn id="50" idx="1"/>
+          </p:cNvCxnSpPr>
+          <p:nvPr/>
+        </p:nvCxnSpPr>
+        <p:spPr>
+          <a:xfrm>
+            <a:off x="9513478" y="1420318"/>
+            <a:ext cx="219340" cy="0"/>
+          </a:xfrm>
+          <a:prstGeom prst="straightConnector1">
+            <a:avLst/>
+          </a:prstGeom>
+          <a:ln>
+            <a:solidFill>
+              <a:schemeClr val="bg1"/>
+            </a:solidFill>
+            <a:tailEnd type="triangle"/>
+          </a:ln>
+        </p:spPr>
+        <p:style>
+          <a:lnRef idx="1">
+            <a:schemeClr val="accent1"/>
+          </a:lnRef>
+          <a:fillRef idx="0">
+            <a:schemeClr val="accent1"/>
+          </a:fillRef>
+          <a:effectRef idx="0">
+            <a:schemeClr val="accent1"/>
+          </a:effectRef>
+          <a:fontRef idx="minor">
+            <a:schemeClr val="tx1"/>
+          </a:fontRef>
+        </p:style>
+      </p:cxnSp>
+      <p:sp>
+        <p:nvSpPr>
+          <p:cNvPr id="52" name="Fluxograma: Processo 51">
+            <a:extLst>
+              <a:ext uri="{FF2B5EF4-FFF2-40B4-BE49-F238E27FC236}">
+                <a16:creationId xmlns:a16="http://schemas.microsoft.com/office/drawing/2014/main" id="{21D055AD-CEFB-4B4D-BCFE-CBA4B8A77AD9}"/>
+              </a:ext>
+            </a:extLst>
+          </p:cNvPr>
+          <p:cNvSpPr/>
+          <p:nvPr/>
+        </p:nvSpPr>
+        <p:spPr>
+          <a:xfrm>
+            <a:off x="10107879" y="4112889"/>
+            <a:ext cx="1523998" cy="431799"/>
+          </a:xfrm>
+          <a:prstGeom prst="flowChartProcess">
+            <a:avLst/>
+          </a:prstGeom>
+          <a:solidFill>
+            <a:schemeClr val="accent2">
+              <a:lumMod val="75000"/>
+            </a:schemeClr>
+          </a:solidFill>
+          <a:ln>
+            <a:solidFill>
+              <a:schemeClr val="bg1"/>
+            </a:solidFill>
+          </a:ln>
+        </p:spPr>
+        <p:style>
+          <a:lnRef idx="2">
+            <a:schemeClr val="accent1">
+              <a:shade val="50000"/>
+            </a:schemeClr>
+          </a:lnRef>
+          <a:fillRef idx="1">
+            <a:schemeClr val="accent1"/>
+          </a:fillRef>
+          <a:effectRef idx="0">
+            <a:schemeClr val="accent1"/>
+          </a:effectRef>
+          <a:fontRef idx="minor">
+            <a:schemeClr val="lt1"/>
+          </a:fontRef>
+        </p:style>
+        <p:txBody>
+          <a:bodyPr rtlCol="0" anchor="ctr"/>
+          <a:lstStyle/>
+          <a:p>
+            <a:pPr algn="ctr"/>
+            <a:r>
+              <a:rPr lang="pt-BR" sz="1100" dirty="0"/>
+              <a:t>Perde o jogo</a:t>
+            </a:r>
+            <a:endParaRPr lang="en-US" sz="1100" dirty="0"/>
+          </a:p>
+        </p:txBody>
+      </p:sp>
+      <p:cxnSp>
+        <p:nvCxnSpPr>
+          <p:cNvPr id="53" name="Conector de Seta Reta 52">
+            <a:extLst>
+              <a:ext uri="{FF2B5EF4-FFF2-40B4-BE49-F238E27FC236}">
+                <a16:creationId xmlns:a16="http://schemas.microsoft.com/office/drawing/2014/main" id="{2F483385-495B-4301-9F77-BDC6B8A39F55}"/>
+              </a:ext>
+            </a:extLst>
+          </p:cNvPr>
+          <p:cNvCxnSpPr>
+            <a:cxnSpLocks/>
+            <a:stCxn id="27" idx="3"/>
+            <a:endCxn id="52" idx="1"/>
+          </p:cNvCxnSpPr>
+          <p:nvPr/>
+        </p:nvCxnSpPr>
+        <p:spPr>
+          <a:xfrm>
+            <a:off x="9674076" y="4328789"/>
+            <a:ext cx="433803" cy="0"/>
+          </a:xfrm>
+          <a:prstGeom prst="straightConnector1">
+            <a:avLst/>
+          </a:prstGeom>
+          <a:ln>
+            <a:solidFill>
+              <a:schemeClr val="bg1"/>
+            </a:solidFill>
+            <a:tailEnd type="triangle"/>
+          </a:ln>
+        </p:spPr>
+        <p:style>
+          <a:lnRef idx="1">
+            <a:schemeClr val="accent1"/>
+          </a:lnRef>
+          <a:fillRef idx="0">
+            <a:schemeClr val="accent1"/>
+          </a:fillRef>
+          <a:effectRef idx="0">
+            <a:schemeClr val="accent1"/>
+          </a:effectRef>
+          <a:fontRef idx="minor">
+            <a:schemeClr val="tx1"/>
+          </a:fontRef>
+        </p:style>
+      </p:cxnSp>
+      <p:cxnSp>
+        <p:nvCxnSpPr>
+          <p:cNvPr id="54" name="Conector: Angulado 53">
+            <a:extLst>
+              <a:ext uri="{FF2B5EF4-FFF2-40B4-BE49-F238E27FC236}">
+                <a16:creationId xmlns:a16="http://schemas.microsoft.com/office/drawing/2014/main" id="{1D2C9425-31D1-46D4-AEE3-1B5FCAFFD639}"/>
+              </a:ext>
+            </a:extLst>
+          </p:cNvPr>
+          <p:cNvCxnSpPr>
+            <a:cxnSpLocks/>
+            <a:stCxn id="22" idx="0"/>
+            <a:endCxn id="28" idx="1"/>
+          </p:cNvCxnSpPr>
+          <p:nvPr/>
+        </p:nvCxnSpPr>
+        <p:spPr>
+          <a:xfrm rot="5400000" flipH="1" flipV="1">
+            <a:off x="5115474" y="313605"/>
+            <a:ext cx="605041" cy="1047754"/>
+          </a:xfrm>
+          <a:prstGeom prst="bentConnector2">
+            <a:avLst/>
+          </a:prstGeom>
+          <a:ln>
+            <a:solidFill>
+              <a:schemeClr val="bg1"/>
+            </a:solidFill>
+            <a:tailEnd type="triangle"/>
+          </a:ln>
+        </p:spPr>
+        <p:style>
+          <a:lnRef idx="1">
+            <a:schemeClr val="accent1"/>
+          </a:lnRef>
+          <a:fillRef idx="0">
+            <a:schemeClr val="accent1"/>
+          </a:fillRef>
+          <a:effectRef idx="0">
+            <a:schemeClr val="accent1"/>
+          </a:effectRef>
+          <a:fontRef idx="minor">
+            <a:schemeClr val="tx1"/>
+          </a:fontRef>
+        </p:style>
+      </p:cxnSp>
+      <p:cxnSp>
+        <p:nvCxnSpPr>
+          <p:cNvPr id="55" name="Conector: Angulado 54">
+            <a:extLst>
+              <a:ext uri="{FF2B5EF4-FFF2-40B4-BE49-F238E27FC236}">
+                <a16:creationId xmlns:a16="http://schemas.microsoft.com/office/drawing/2014/main" id="{B5D40635-B1DB-441F-B592-B468241DE062}"/>
+              </a:ext>
+            </a:extLst>
+          </p:cNvPr>
+          <p:cNvCxnSpPr>
+            <a:cxnSpLocks/>
+            <a:stCxn id="29" idx="0"/>
+            <a:endCxn id="28" idx="2"/>
+          </p:cNvCxnSpPr>
+          <p:nvPr/>
+        </p:nvCxnSpPr>
+        <p:spPr>
+          <a:xfrm rot="16200000" flipV="1">
+            <a:off x="6662565" y="792166"/>
+            <a:ext cx="386883" cy="304271"/>
+          </a:xfrm>
+          <a:prstGeom prst="bentConnector3">
+            <a:avLst>
+              <a:gd name="adj1" fmla="val 50000"/>
+            </a:avLst>
+          </a:prstGeom>
+          <a:ln>
+            <a:solidFill>
+              <a:schemeClr val="bg1"/>
+            </a:solidFill>
+            <a:tailEnd type="triangle"/>
+          </a:ln>
+        </p:spPr>
+        <p:style>
+          <a:lnRef idx="1">
+            <a:schemeClr val="accent1"/>
+          </a:lnRef>
+          <a:fillRef idx="0">
+            <a:schemeClr val="accent1"/>
+          </a:fillRef>
+          <a:effectRef idx="0">
+            <a:schemeClr val="accent1"/>
+          </a:effectRef>
+          <a:fontRef idx="minor">
+            <a:schemeClr val="tx1"/>
+          </a:fontRef>
+        </p:style>
+      </p:cxnSp>
+      <p:cxnSp>
+        <p:nvCxnSpPr>
+          <p:cNvPr id="56" name="Conector: Angulado 55">
+            <a:extLst>
+              <a:ext uri="{FF2B5EF4-FFF2-40B4-BE49-F238E27FC236}">
+                <a16:creationId xmlns:a16="http://schemas.microsoft.com/office/drawing/2014/main" id="{44C0A05C-EE85-488A-A593-714C31FACDC3}"/>
+              </a:ext>
+            </a:extLst>
+          </p:cNvPr>
+          <p:cNvCxnSpPr>
+            <a:cxnSpLocks/>
+            <a:stCxn id="43" idx="0"/>
+            <a:endCxn id="28" idx="3"/>
+          </p:cNvCxnSpPr>
+          <p:nvPr/>
+        </p:nvCxnSpPr>
+        <p:spPr>
+          <a:xfrm rot="16200000" flipV="1">
+            <a:off x="7807283" y="193547"/>
+            <a:ext cx="602782" cy="1285610"/>
+          </a:xfrm>
+          <a:prstGeom prst="bentConnector2">
+            <a:avLst/>
+          </a:prstGeom>
+          <a:ln>
+            <a:solidFill>
+              <a:schemeClr val="bg1"/>
+            </a:solidFill>
+            <a:tailEnd type="triangle"/>
+          </a:ln>
+        </p:spPr>
+        <p:style>
+          <a:lnRef idx="1">
+            <a:schemeClr val="accent1"/>
+          </a:lnRef>
+          <a:fillRef idx="0">
+            <a:schemeClr val="accent1"/>
+          </a:fillRef>
+          <a:effectRef idx="0">
+            <a:schemeClr val="accent1"/>
+          </a:effectRef>
+          <a:fontRef idx="minor">
+            <a:schemeClr val="tx1"/>
+          </a:fontRef>
+        </p:style>
+      </p:cxnSp>
+      <p:cxnSp>
+        <p:nvCxnSpPr>
+          <p:cNvPr id="57" name="Conector: Angulado 56">
+            <a:extLst>
+              <a:ext uri="{FF2B5EF4-FFF2-40B4-BE49-F238E27FC236}">
+                <a16:creationId xmlns:a16="http://schemas.microsoft.com/office/drawing/2014/main" id="{19252DD1-EABE-411A-81F1-80362139CFC6}"/>
+              </a:ext>
+            </a:extLst>
+          </p:cNvPr>
+          <p:cNvCxnSpPr>
+            <a:cxnSpLocks/>
+            <a:stCxn id="20" idx="3"/>
+            <a:endCxn id="52" idx="0"/>
+          </p:cNvCxnSpPr>
+          <p:nvPr/>
+        </p:nvCxnSpPr>
+        <p:spPr>
+          <a:xfrm>
+            <a:off x="9674076" y="3551715"/>
+            <a:ext cx="1195802" cy="561174"/>
+          </a:xfrm>
+          <a:prstGeom prst="bentConnector2">
+            <a:avLst/>
+          </a:prstGeom>
+          <a:ln>
+            <a:solidFill>
+              <a:schemeClr val="bg1"/>
+            </a:solidFill>
+            <a:tailEnd type="triangle"/>
+          </a:ln>
+        </p:spPr>
+        <p:style>
+          <a:lnRef idx="1">
+            <a:schemeClr val="accent1"/>
+          </a:lnRef>
+          <a:fillRef idx="0">
+            <a:schemeClr val="accent1"/>
+          </a:fillRef>
+          <a:effectRef idx="0">
+            <a:schemeClr val="accent1"/>
+          </a:effectRef>
+          <a:fontRef idx="minor">
+            <a:schemeClr val="tx1"/>
+          </a:fontRef>
+        </p:style>
+      </p:cxnSp>
+      <p:cxnSp>
+        <p:nvCxnSpPr>
+          <p:cNvPr id="58" name="Conector: Angulado 57">
+            <a:extLst>
+              <a:ext uri="{FF2B5EF4-FFF2-40B4-BE49-F238E27FC236}">
+                <a16:creationId xmlns:a16="http://schemas.microsoft.com/office/drawing/2014/main" id="{287CECAD-5157-4115-8A39-37D970BF8D46}"/>
+              </a:ext>
+            </a:extLst>
+          </p:cNvPr>
+          <p:cNvCxnSpPr>
+            <a:cxnSpLocks/>
+            <a:stCxn id="44" idx="3"/>
+            <a:endCxn id="52" idx="2"/>
+          </p:cNvCxnSpPr>
+          <p:nvPr/>
+        </p:nvCxnSpPr>
+        <p:spPr>
+          <a:xfrm flipV="1">
+            <a:off x="9674076" y="4544688"/>
+            <a:ext cx="1195802" cy="538064"/>
+          </a:xfrm>
+          <a:prstGeom prst="bentConnector2">
+            <a:avLst/>
+          </a:prstGeom>
+          <a:ln>
+            <a:solidFill>
+              <a:schemeClr val="bg1"/>
+            </a:solidFill>
+            <a:tailEnd type="triangle"/>
+          </a:ln>
+        </p:spPr>
+        <p:style>
+          <a:lnRef idx="1">
+            <a:schemeClr val="accent1"/>
+          </a:lnRef>
+          <a:fillRef idx="0">
+            <a:schemeClr val="accent1"/>
+          </a:fillRef>
+          <a:effectRef idx="0">
+            <a:schemeClr val="accent1"/>
+          </a:effectRef>
+          <a:fontRef idx="minor">
+            <a:schemeClr val="tx1"/>
+          </a:fontRef>
+        </p:style>
+      </p:cxnSp>
+      <p:cxnSp>
+        <p:nvCxnSpPr>
+          <p:cNvPr id="59" name="Conector de Seta Reta 58">
+            <a:extLst>
+              <a:ext uri="{FF2B5EF4-FFF2-40B4-BE49-F238E27FC236}">
+                <a16:creationId xmlns:a16="http://schemas.microsoft.com/office/drawing/2014/main" id="{EB11EC74-30C6-4A9C-ADB2-695012F53946}"/>
+              </a:ext>
+            </a:extLst>
+          </p:cNvPr>
+          <p:cNvCxnSpPr>
+            <a:cxnSpLocks/>
+            <a:stCxn id="22" idx="3"/>
+            <a:endCxn id="29" idx="1"/>
+          </p:cNvCxnSpPr>
+          <p:nvPr/>
+        </p:nvCxnSpPr>
+        <p:spPr>
+          <a:xfrm flipV="1">
+            <a:off x="5656116" y="1420318"/>
+            <a:ext cx="590026" cy="2259"/>
+          </a:xfrm>
+          <a:prstGeom prst="straightConnector1">
+            <a:avLst/>
+          </a:prstGeom>
+          <a:ln>
+            <a:solidFill>
+              <a:schemeClr val="bg1"/>
+            </a:solidFill>
+            <a:tailEnd type="triangle"/>
+          </a:ln>
+        </p:spPr>
+        <p:style>
+          <a:lnRef idx="1">
+            <a:schemeClr val="accent1"/>
+          </a:lnRef>
+          <a:fillRef idx="0">
+            <a:schemeClr val="accent1"/>
+          </a:fillRef>
+          <a:effectRef idx="0">
+            <a:schemeClr val="accent1"/>
+          </a:effectRef>
+          <a:fontRef idx="minor">
+            <a:schemeClr val="tx1"/>
+          </a:fontRef>
+        </p:style>
+      </p:cxnSp>
+    </p:spTree>
+    <p:extLst>
+      <p:ext uri="{BB962C8B-B14F-4D97-AF65-F5344CB8AC3E}">
+        <p14:creationId xmlns:p14="http://schemas.microsoft.com/office/powerpoint/2010/main" val="369776320"/>
+      </p:ext>
+    </p:extLst>
+  </p:cSld>
+  <p:clrMapOvr>
+    <a:masterClrMapping/>
+  </p:clrMapOvr>
+</p:sld>
+</file>
+
+<file path=ppt/slides/slide5.xml><?xml version="1.0" encoding="utf-8"?>
+<p:sld xmlns:a="http://schemas.openxmlformats.org/drawingml/2006/main" xmlns:r="http://schemas.openxmlformats.org/officeDocument/2006/relationships" xmlns:p="http://schemas.openxmlformats.org/presentationml/2006/main">
+  <p:cSld>
+    <p:bg>
+      <p:bgPr>
+        <a:solidFill>
+          <a:schemeClr val="bg1"/>
+        </a:solidFill>
+        <a:effectLst/>
+      </p:bgPr>
+    </p:bg>
+    <p:spTree>
+      <p:nvGrpSpPr>
+        <p:cNvPr id="1" name=""/>
+        <p:cNvGrpSpPr/>
+        <p:nvPr/>
+      </p:nvGrpSpPr>
+      <p:grpSpPr>
+        <a:xfrm>
+          <a:off x="0" y="0"/>
+          <a:ext cx="0" cy="0"/>
+          <a:chOff x="0" y="0"/>
+          <a:chExt cx="0" cy="0"/>
+        </a:xfrm>
+      </p:grpSpPr>
+      <p:sp>
+        <p:nvSpPr>
+          <p:cNvPr id="15" name="Rectangle 8">
+            <a:extLst>
+              <a:ext uri="{FF2B5EF4-FFF2-40B4-BE49-F238E27FC236}">
+                <a16:creationId xmlns:a16="http://schemas.microsoft.com/office/drawing/2014/main" id="{A7AE9375-4664-4DB2-922D-2782A6E439AC}"/>
+              </a:ext>
+              <a:ext uri="{C183D7F6-B498-43B3-948B-1728B52AA6E4}">
+                <adec:decorative xmlns:adec="http://schemas.microsoft.com/office/drawing/2017/decorative" val="1"/>
+              </a:ext>
+            </a:extLst>
+          </p:cNvPr>
+          <p:cNvSpPr>
+            <a:spLocks noGrp="1" noRot="1" noChangeAspect="1" noMove="1" noResize="1" noEditPoints="1" noAdjustHandles="1" noChangeArrowheads="1" noChangeShapeType="1" noTextEdit="1"/>
+          </p:cNvSpPr>
+          <p:nvPr>
+            <p:extLst>
+              <p:ext uri="{386F3935-93C4-4BCD-93E2-E3B085C9AB24}">
+                <p16:designElem xmlns:p16="http://schemas.microsoft.com/office/powerpoint/2015/main" val="1"/>
+              </p:ext>
+            </p:extLst>
+          </p:nvPr>
+        </p:nvSpPr>
+        <p:spPr>
+          <a:xfrm>
+            <a:off x="0" y="0"/>
+            <a:ext cx="12192000" cy="6858000"/>
+          </a:xfrm>
+          <a:prstGeom prst="rect">
+            <a:avLst/>
+          </a:prstGeom>
+          <a:solidFill>
+            <a:schemeClr val="tx1">
+              <a:lumMod val="95000"/>
+              <a:lumOff val="5000"/>
+            </a:schemeClr>
+          </a:solidFill>
+          <a:ln>
+            <a:noFill/>
+          </a:ln>
+        </p:spPr>
+        <p:style>
+          <a:lnRef idx="2">
+            <a:schemeClr val="accent1">
+              <a:shade val="50000"/>
+            </a:schemeClr>
+          </a:lnRef>
+          <a:fillRef idx="1">
+            <a:schemeClr val="accent1"/>
+          </a:fillRef>
+          <a:effectRef idx="0">
+            <a:schemeClr val="accent1"/>
+          </a:effectRef>
+          <a:fontRef idx="minor">
+            <a:schemeClr val="lt1"/>
+          </a:fontRef>
+        </p:style>
+        <p:txBody>
+          <a:bodyPr rtlCol="0" anchor="ctr"/>
+          <a:lstStyle/>
+          <a:p>
+            <a:pPr algn="ctr"/>
+            <a:endParaRPr lang="en-US" dirty="0">
+              <a:solidFill>
+                <a:schemeClr val="tx1"/>
+              </a:solidFill>
+            </a:endParaRPr>
+          </a:p>
+        </p:txBody>
+      </p:sp>
+      <p:cxnSp>
+        <p:nvCxnSpPr>
+          <p:cNvPr id="16" name="Straight Connector 10">
+            <a:extLst>
+              <a:ext uri="{FF2B5EF4-FFF2-40B4-BE49-F238E27FC236}">
+                <a16:creationId xmlns:a16="http://schemas.microsoft.com/office/drawing/2014/main" id="{EE504C98-6397-41C1-A8D8-2D9C4ED307E0}"/>
+              </a:ext>
+              <a:ext uri="{C183D7F6-B498-43B3-948B-1728B52AA6E4}">
+                <adec:decorative xmlns:adec="http://schemas.microsoft.com/office/drawing/2017/decorative" val="1"/>
+              </a:ext>
+            </a:extLst>
+          </p:cNvPr>
+          <p:cNvCxnSpPr>
+            <a:cxnSpLocks noGrp="1" noRot="1" noChangeAspect="1" noMove="1" noResize="1" noEditPoints="1" noAdjustHandles="1" noChangeArrowheads="1" noChangeShapeType="1"/>
+          </p:cNvCxnSpPr>
+          <p:nvPr>
+            <p:extLst>
+              <p:ext uri="{386F3935-93C4-4BCD-93E2-E3B085C9AB24}">
+                <p16:designElem xmlns:p16="http://schemas.microsoft.com/office/powerpoint/2015/main" val="1"/>
+              </p:ext>
+            </p:extLst>
+          </p:nvPr>
+        </p:nvCxnSpPr>
+        <p:spPr>
+          <a:xfrm flipH="1">
+            <a:off x="0" y="1440584"/>
+            <a:ext cx="8027189" cy="0"/>
+          </a:xfrm>
+          <a:prstGeom prst="line">
+            <a:avLst/>
+          </a:prstGeom>
+          <a:ln w="12700">
+            <a:solidFill>
+              <a:schemeClr val="accent2"/>
+            </a:solidFill>
+          </a:ln>
+        </p:spPr>
+        <p:style>
+          <a:lnRef idx="1">
+            <a:schemeClr val="accent1"/>
+          </a:lnRef>
+          <a:fillRef idx="0">
+            <a:schemeClr val="accent1"/>
+          </a:fillRef>
+          <a:effectRef idx="0">
+            <a:schemeClr val="accent1"/>
+          </a:effectRef>
+          <a:fontRef idx="minor">
+            <a:schemeClr val="tx1"/>
+          </a:fontRef>
+        </p:style>
+      </p:cxnSp>
+      <p:cxnSp>
+        <p:nvCxnSpPr>
+          <p:cNvPr id="17" name="Straight Connector 12">
+            <a:extLst>
+              <a:ext uri="{FF2B5EF4-FFF2-40B4-BE49-F238E27FC236}">
+                <a16:creationId xmlns:a16="http://schemas.microsoft.com/office/drawing/2014/main" id="{17C2F6CE-0CF2-4DDD-85F5-96799A328F15}"/>
+              </a:ext>
+              <a:ext uri="{C183D7F6-B498-43B3-948B-1728B52AA6E4}">
+                <adec:decorative xmlns:adec="http://schemas.microsoft.com/office/drawing/2017/decorative" val="1"/>
+              </a:ext>
+            </a:extLst>
+          </p:cNvPr>
+          <p:cNvCxnSpPr>
+            <a:cxnSpLocks noGrp="1" noRot="1" noChangeAspect="1" noMove="1" noResize="1" noEditPoints="1" noAdjustHandles="1" noChangeArrowheads="1" noChangeShapeType="1"/>
+          </p:cNvCxnSpPr>
+          <p:nvPr>
+            <p:extLst>
+              <p:ext uri="{386F3935-93C4-4BCD-93E2-E3B085C9AB24}">
+                <p16:designElem xmlns:p16="http://schemas.microsoft.com/office/powerpoint/2015/main" val="1"/>
+              </p:ext>
+            </p:extLst>
+          </p:nvPr>
+        </p:nvCxnSpPr>
+        <p:spPr>
+          <a:xfrm flipH="1">
+            <a:off x="4164811" y="6267491"/>
+            <a:ext cx="8027189" cy="0"/>
+          </a:xfrm>
+          <a:prstGeom prst="line">
+            <a:avLst/>
+          </a:prstGeom>
+          <a:ln w="12700">
+            <a:solidFill>
+              <a:schemeClr val="accent2"/>
+            </a:solidFill>
+          </a:ln>
+        </p:spPr>
+        <p:style>
+          <a:lnRef idx="1">
+            <a:schemeClr val="accent1"/>
+          </a:lnRef>
+          <a:fillRef idx="0">
+            <a:schemeClr val="accent1"/>
+          </a:fillRef>
+          <a:effectRef idx="0">
+            <a:schemeClr val="accent1"/>
+          </a:effectRef>
+          <a:fontRef idx="minor">
+            <a:schemeClr val="tx1"/>
+          </a:fontRef>
+        </p:style>
+      </p:cxnSp>
+      <p:sp>
+        <p:nvSpPr>
+          <p:cNvPr id="11" name="CaixaDeTexto 10">
+            <a:extLst>
+              <a:ext uri="{FF2B5EF4-FFF2-40B4-BE49-F238E27FC236}">
+                <a16:creationId xmlns:a16="http://schemas.microsoft.com/office/drawing/2014/main" id="{A07CD95E-2F7C-4D51-94A5-1A5EF5CA0A0A}"/>
+              </a:ext>
+            </a:extLst>
+          </p:cNvPr>
+          <p:cNvSpPr txBox="1"/>
+          <p:nvPr/>
+        </p:nvSpPr>
+        <p:spPr>
+          <a:xfrm>
+            <a:off x="657225" y="328898"/>
+            <a:ext cx="11534775" cy="523220"/>
+          </a:xfrm>
+          <a:prstGeom prst="rect">
+            <a:avLst/>
+          </a:prstGeom>
+          <a:noFill/>
+        </p:spPr>
+        <p:txBody>
+          <a:bodyPr wrap="square" rtlCol="0">
+            <a:spAutoFit/>
+          </a:bodyPr>
+          <a:lstStyle/>
+          <a:p>
+            <a:pPr algn="ctr"/>
+            <a:r>
+              <a:rPr lang="pt-BR" sz="2800" dirty="0">
+                <a:solidFill>
+                  <a:schemeClr val="bg1"/>
+                </a:solidFill>
+                <a:latin typeface="Lucida Calligraphy" panose="03010101010101010101" pitchFamily="66" charset="0"/>
+              </a:rPr>
+              <a:t>Etapas de desenvolvimento:</a:t>
+            </a:r>
+          </a:p>
+        </p:txBody>
+      </p:sp>
+      <p:sp>
+        <p:nvSpPr>
+          <p:cNvPr id="12" name="CaixaDeTexto 11">
+            <a:extLst>
+              <a:ext uri="{FF2B5EF4-FFF2-40B4-BE49-F238E27FC236}">
+                <a16:creationId xmlns:a16="http://schemas.microsoft.com/office/drawing/2014/main" id="{D75D0F2D-7086-40C5-AC18-4F29E48EB74C}"/>
+              </a:ext>
+            </a:extLst>
+          </p:cNvPr>
+          <p:cNvSpPr txBox="1"/>
+          <p:nvPr/>
+        </p:nvSpPr>
+        <p:spPr>
+          <a:xfrm>
+            <a:off x="4662488" y="1662398"/>
+            <a:ext cx="800100" cy="338554"/>
+          </a:xfrm>
+          <a:prstGeom prst="rect">
+            <a:avLst/>
+          </a:prstGeom>
+          <a:noFill/>
+        </p:spPr>
+        <p:txBody>
+          <a:bodyPr wrap="square" rtlCol="0">
+            <a:spAutoFit/>
+          </a:bodyPr>
+          <a:lstStyle/>
+          <a:p>
+            <a:r>
+              <a:rPr lang="pt-BR" sz="1600" dirty="0">
+                <a:solidFill>
+                  <a:schemeClr val="bg1"/>
+                </a:solidFill>
+                <a:latin typeface="Century Gothic" panose="020B0502020202020204" pitchFamily="34" charset="0"/>
+              </a:rPr>
+              <a:t>HTML</a:t>
+            </a:r>
+            <a:endParaRPr lang="en-US" sz="1600" dirty="0">
+              <a:solidFill>
+                <a:schemeClr val="bg1"/>
+              </a:solidFill>
+              <a:latin typeface="Century Gothic" panose="020B0502020202020204" pitchFamily="34" charset="0"/>
+            </a:endParaRPr>
+          </a:p>
+        </p:txBody>
+      </p:sp>
+      <p:sp>
+        <p:nvSpPr>
+          <p:cNvPr id="13" name="CaixaDeTexto 12">
+            <a:extLst>
+              <a:ext uri="{FF2B5EF4-FFF2-40B4-BE49-F238E27FC236}">
+                <a16:creationId xmlns:a16="http://schemas.microsoft.com/office/drawing/2014/main" id="{0F72ADA4-BDD9-44DB-84A1-63BFA1D6CD42}"/>
+              </a:ext>
+            </a:extLst>
+          </p:cNvPr>
+          <p:cNvSpPr txBox="1"/>
+          <p:nvPr/>
+        </p:nvSpPr>
+        <p:spPr>
+          <a:xfrm>
+            <a:off x="6578048" y="1662398"/>
+            <a:ext cx="1238249" cy="338554"/>
+          </a:xfrm>
+          <a:prstGeom prst="rect">
+            <a:avLst/>
+          </a:prstGeom>
+          <a:noFill/>
+        </p:spPr>
+        <p:txBody>
+          <a:bodyPr wrap="square" rtlCol="0">
+            <a:spAutoFit/>
+          </a:bodyPr>
+          <a:lstStyle/>
+          <a:p>
+            <a:r>
+              <a:rPr lang="pt-BR" sz="1600" dirty="0" err="1">
+                <a:solidFill>
+                  <a:schemeClr val="bg1"/>
+                </a:solidFill>
+                <a:latin typeface="Century Gothic" panose="020B0502020202020204" pitchFamily="34" charset="0"/>
+              </a:rPr>
+              <a:t>JavaScript</a:t>
+            </a:r>
+            <a:endParaRPr lang="en-US" sz="1600" dirty="0">
+              <a:solidFill>
+                <a:schemeClr val="bg1"/>
+              </a:solidFill>
+              <a:latin typeface="Century Gothic" panose="020B0502020202020204" pitchFamily="34" charset="0"/>
+            </a:endParaRPr>
+          </a:p>
+        </p:txBody>
+      </p:sp>
+      <p:sp>
+        <p:nvSpPr>
+          <p:cNvPr id="14" name="CaixaDeTexto 13">
+            <a:extLst>
+              <a:ext uri="{FF2B5EF4-FFF2-40B4-BE49-F238E27FC236}">
+                <a16:creationId xmlns:a16="http://schemas.microsoft.com/office/drawing/2014/main" id="{7930F06C-C607-4930-BAA4-7750482B801D}"/>
+              </a:ext>
+            </a:extLst>
+          </p:cNvPr>
+          <p:cNvSpPr txBox="1"/>
+          <p:nvPr/>
+        </p:nvSpPr>
+        <p:spPr>
+          <a:xfrm>
+            <a:off x="2797969" y="1662398"/>
+            <a:ext cx="1238249" cy="338554"/>
+          </a:xfrm>
+          <a:prstGeom prst="rect">
+            <a:avLst/>
+          </a:prstGeom>
+          <a:noFill/>
+        </p:spPr>
+        <p:txBody>
+          <a:bodyPr wrap="square" rtlCol="0">
+            <a:spAutoFit/>
+          </a:bodyPr>
+          <a:lstStyle/>
+          <a:p>
+            <a:r>
+              <a:rPr lang="pt-BR" sz="1600" dirty="0">
+                <a:solidFill>
+                  <a:schemeClr val="bg1"/>
+                </a:solidFill>
+                <a:latin typeface="Century Gothic" panose="020B0502020202020204" pitchFamily="34" charset="0"/>
+              </a:rPr>
+              <a:t>Roteiro</a:t>
+            </a:r>
+            <a:endParaRPr lang="en-US" sz="1600" dirty="0">
+              <a:solidFill>
+                <a:schemeClr val="bg1"/>
+              </a:solidFill>
+              <a:latin typeface="Century Gothic" panose="020B0502020202020204" pitchFamily="34" charset="0"/>
+            </a:endParaRPr>
+          </a:p>
+        </p:txBody>
+      </p:sp>
+      <p:sp>
+        <p:nvSpPr>
+          <p:cNvPr id="18" name="CaixaDeTexto 17">
+            <a:extLst>
+              <a:ext uri="{FF2B5EF4-FFF2-40B4-BE49-F238E27FC236}">
+                <a16:creationId xmlns:a16="http://schemas.microsoft.com/office/drawing/2014/main" id="{FEF42ED0-D1C5-47E6-8399-E3FB6FA05196}"/>
+              </a:ext>
+            </a:extLst>
+          </p:cNvPr>
+          <p:cNvSpPr txBox="1"/>
+          <p:nvPr/>
+        </p:nvSpPr>
+        <p:spPr>
+          <a:xfrm>
+            <a:off x="8574880" y="1662398"/>
+            <a:ext cx="800100" cy="338554"/>
+          </a:xfrm>
+          <a:prstGeom prst="rect">
+            <a:avLst/>
+          </a:prstGeom>
+          <a:noFill/>
+        </p:spPr>
+        <p:txBody>
+          <a:bodyPr wrap="square" rtlCol="0">
+            <a:spAutoFit/>
+          </a:bodyPr>
+          <a:lstStyle/>
+          <a:p>
+            <a:r>
+              <a:rPr lang="pt-BR" sz="1600" dirty="0">
+                <a:solidFill>
+                  <a:schemeClr val="bg1"/>
+                </a:solidFill>
+                <a:latin typeface="Century Gothic" panose="020B0502020202020204" pitchFamily="34" charset="0"/>
+              </a:rPr>
+              <a:t>CSS</a:t>
+            </a:r>
+            <a:endParaRPr lang="en-US" sz="1600" dirty="0">
+              <a:solidFill>
+                <a:schemeClr val="bg1"/>
+              </a:solidFill>
+              <a:latin typeface="Century Gothic" panose="020B0502020202020204" pitchFamily="34" charset="0"/>
+            </a:endParaRPr>
+          </a:p>
+        </p:txBody>
+      </p:sp>
+      <p:sp>
+        <p:nvSpPr>
+          <p:cNvPr id="19" name="CaixaDeTexto 18">
+            <a:extLst>
+              <a:ext uri="{FF2B5EF4-FFF2-40B4-BE49-F238E27FC236}">
+                <a16:creationId xmlns:a16="http://schemas.microsoft.com/office/drawing/2014/main" id="{60D2544D-8E75-41DE-A9F0-685CB4F04550}"/>
+              </a:ext>
+            </a:extLst>
+          </p:cNvPr>
+          <p:cNvSpPr txBox="1"/>
+          <p:nvPr/>
+        </p:nvSpPr>
+        <p:spPr>
+          <a:xfrm>
+            <a:off x="590550" y="1662398"/>
+            <a:ext cx="1581149" cy="338554"/>
+          </a:xfrm>
+          <a:prstGeom prst="rect">
+            <a:avLst/>
+          </a:prstGeom>
+          <a:noFill/>
+        </p:spPr>
+        <p:txBody>
+          <a:bodyPr wrap="square" rtlCol="0">
+            <a:spAutoFit/>
+          </a:bodyPr>
+          <a:lstStyle/>
+          <a:p>
+            <a:r>
+              <a:rPr lang="pt-BR" sz="1600" dirty="0">
+                <a:solidFill>
+                  <a:schemeClr val="bg1"/>
+                </a:solidFill>
+                <a:latin typeface="Century Gothic" panose="020B0502020202020204" pitchFamily="34" charset="0"/>
+              </a:rPr>
+              <a:t>Planejamento</a:t>
+            </a:r>
+            <a:endParaRPr lang="en-US" sz="1600" dirty="0">
+              <a:solidFill>
+                <a:schemeClr val="bg1"/>
+              </a:solidFill>
+              <a:latin typeface="Century Gothic" panose="020B0502020202020204" pitchFamily="34" charset="0"/>
+            </a:endParaRPr>
+          </a:p>
+        </p:txBody>
+      </p:sp>
+      <p:sp>
+        <p:nvSpPr>
+          <p:cNvPr id="20" name="CaixaDeTexto 19">
+            <a:extLst>
+              <a:ext uri="{FF2B5EF4-FFF2-40B4-BE49-F238E27FC236}">
+                <a16:creationId xmlns:a16="http://schemas.microsoft.com/office/drawing/2014/main" id="{FB718286-C437-4892-B8CA-7C45925B2FAA}"/>
+              </a:ext>
+            </a:extLst>
+          </p:cNvPr>
+          <p:cNvSpPr txBox="1"/>
+          <p:nvPr/>
+        </p:nvSpPr>
+        <p:spPr>
+          <a:xfrm>
+            <a:off x="10353674" y="1662398"/>
+            <a:ext cx="1238248" cy="338554"/>
+          </a:xfrm>
+          <a:prstGeom prst="rect">
+            <a:avLst/>
+          </a:prstGeom>
+          <a:noFill/>
+        </p:spPr>
+        <p:txBody>
+          <a:bodyPr wrap="square" rtlCol="0">
+            <a:spAutoFit/>
+          </a:bodyPr>
+          <a:lstStyle/>
+          <a:p>
+            <a:r>
+              <a:rPr lang="pt-BR" sz="1600" dirty="0" err="1">
+                <a:solidFill>
+                  <a:schemeClr val="bg1"/>
+                </a:solidFill>
+                <a:latin typeface="Century Gothic" panose="020B0502020202020204" pitchFamily="34" charset="0"/>
+              </a:rPr>
+              <a:t>Linkedin</a:t>
+            </a:r>
+            <a:endParaRPr lang="en-US" sz="1600" dirty="0">
+              <a:solidFill>
+                <a:schemeClr val="bg1"/>
+              </a:solidFill>
+              <a:latin typeface="Century Gothic" panose="020B0502020202020204" pitchFamily="34" charset="0"/>
+            </a:endParaRPr>
+          </a:p>
+        </p:txBody>
+      </p:sp>
+      <p:sp>
+        <p:nvSpPr>
+          <p:cNvPr id="21" name="CaixaDeTexto 20">
+            <a:extLst>
+              <a:ext uri="{FF2B5EF4-FFF2-40B4-BE49-F238E27FC236}">
+                <a16:creationId xmlns:a16="http://schemas.microsoft.com/office/drawing/2014/main" id="{C6E1EE7E-6F9E-4F24-847B-1A8C83115D23}"/>
+              </a:ext>
+            </a:extLst>
+          </p:cNvPr>
+          <p:cNvSpPr txBox="1"/>
+          <p:nvPr/>
+        </p:nvSpPr>
+        <p:spPr>
+          <a:xfrm>
+            <a:off x="10353674" y="2067687"/>
+            <a:ext cx="933449" cy="338554"/>
+          </a:xfrm>
+          <a:prstGeom prst="rect">
+            <a:avLst/>
+          </a:prstGeom>
+          <a:noFill/>
+        </p:spPr>
+        <p:txBody>
+          <a:bodyPr wrap="square" rtlCol="0">
+            <a:spAutoFit/>
+          </a:bodyPr>
+          <a:lstStyle/>
+          <a:p>
+            <a:r>
+              <a:rPr lang="pt-BR" sz="1600" dirty="0" err="1">
+                <a:solidFill>
+                  <a:schemeClr val="bg1"/>
+                </a:solidFill>
+                <a:latin typeface="Century Gothic" panose="020B0502020202020204" pitchFamily="34" charset="0"/>
+              </a:rPr>
+              <a:t>Github</a:t>
+            </a:r>
+            <a:endParaRPr lang="en-US" sz="1600" dirty="0">
+              <a:solidFill>
+                <a:schemeClr val="bg1"/>
+              </a:solidFill>
+              <a:latin typeface="Century Gothic" panose="020B0502020202020204" pitchFamily="34" charset="0"/>
+            </a:endParaRPr>
+          </a:p>
+        </p:txBody>
+      </p:sp>
+      <p:pic>
+        <p:nvPicPr>
+          <p:cNvPr id="22" name="Imagem 21">
+            <a:extLst>
+              <a:ext uri="{FF2B5EF4-FFF2-40B4-BE49-F238E27FC236}">
+                <a16:creationId xmlns:a16="http://schemas.microsoft.com/office/drawing/2014/main" id="{1E096C79-D92B-4BC2-9F0C-DB983C0D29F1}"/>
+              </a:ext>
+            </a:extLst>
+          </p:cNvPr>
+          <p:cNvPicPr>
+            <a:picLocks noChangeAspect="1"/>
+          </p:cNvPicPr>
+          <p:nvPr/>
+        </p:nvPicPr>
+        <p:blipFill>
+          <a:blip r:embed="rId2"/>
+          <a:stretch>
+            <a:fillRect/>
+          </a:stretch>
+        </p:blipFill>
+        <p:spPr>
+          <a:xfrm>
+            <a:off x="2752042" y="2364319"/>
+            <a:ext cx="1486354" cy="1933575"/>
+          </a:xfrm>
+          <a:prstGeom prst="rect">
+            <a:avLst/>
+          </a:prstGeom>
+        </p:spPr>
+      </p:pic>
+      <p:pic>
+        <p:nvPicPr>
+          <p:cNvPr id="23" name="Imagem 22">
+            <a:extLst>
+              <a:ext uri="{FF2B5EF4-FFF2-40B4-BE49-F238E27FC236}">
+                <a16:creationId xmlns:a16="http://schemas.microsoft.com/office/drawing/2014/main" id="{FC41FEAE-3E51-4397-9788-1183CBCC7587}"/>
+              </a:ext>
+            </a:extLst>
+          </p:cNvPr>
+          <p:cNvPicPr>
+            <a:picLocks noChangeAspect="1"/>
+          </p:cNvPicPr>
+          <p:nvPr/>
+        </p:nvPicPr>
+        <p:blipFill>
+          <a:blip r:embed="rId3"/>
+          <a:stretch>
+            <a:fillRect/>
+          </a:stretch>
+        </p:blipFill>
+        <p:spPr>
+          <a:xfrm>
+            <a:off x="861669" y="3702512"/>
+            <a:ext cx="1400175" cy="1933575"/>
+          </a:xfrm>
+          <a:prstGeom prst="rect">
+            <a:avLst/>
+          </a:prstGeom>
+        </p:spPr>
+      </p:pic>
+      <p:pic>
+        <p:nvPicPr>
+          <p:cNvPr id="24" name="Imagem 23">
+            <a:extLst>
+              <a:ext uri="{FF2B5EF4-FFF2-40B4-BE49-F238E27FC236}">
+                <a16:creationId xmlns:a16="http://schemas.microsoft.com/office/drawing/2014/main" id="{6337247C-81C8-45AC-B7E9-39CEF6539740}"/>
+              </a:ext>
+            </a:extLst>
+          </p:cNvPr>
+          <p:cNvPicPr>
+            <a:picLocks noChangeAspect="1"/>
+          </p:cNvPicPr>
+          <p:nvPr/>
+        </p:nvPicPr>
+        <p:blipFill>
+          <a:blip r:embed="rId4"/>
+          <a:stretch>
+            <a:fillRect/>
+          </a:stretch>
+        </p:blipFill>
+        <p:spPr>
+          <a:xfrm>
+            <a:off x="537819" y="2477261"/>
+            <a:ext cx="2047876" cy="874614"/>
+          </a:xfrm>
+          <a:prstGeom prst="rect">
+            <a:avLst/>
+          </a:prstGeom>
+        </p:spPr>
+      </p:pic>
+      <p:pic>
+        <p:nvPicPr>
+          <p:cNvPr id="25" name="Imagem 24">
+            <a:extLst>
+              <a:ext uri="{FF2B5EF4-FFF2-40B4-BE49-F238E27FC236}">
+                <a16:creationId xmlns:a16="http://schemas.microsoft.com/office/drawing/2014/main" id="{4898DDEB-46D2-4DA6-9E27-BA4CF1814948}"/>
+              </a:ext>
+            </a:extLst>
+          </p:cNvPr>
+          <p:cNvPicPr>
+            <a:picLocks noChangeAspect="1"/>
+          </p:cNvPicPr>
+          <p:nvPr/>
+        </p:nvPicPr>
+        <p:blipFill>
+          <a:blip r:embed="rId5"/>
+          <a:stretch>
+            <a:fillRect/>
+          </a:stretch>
+        </p:blipFill>
+        <p:spPr>
+          <a:xfrm>
+            <a:off x="5062538" y="2392925"/>
+            <a:ext cx="1757361" cy="938182"/>
+          </a:xfrm>
+          <a:prstGeom prst="rect">
+            <a:avLst/>
+          </a:prstGeom>
+        </p:spPr>
+      </p:pic>
+      <p:pic>
+        <p:nvPicPr>
+          <p:cNvPr id="26" name="Imagem 25">
+            <a:extLst>
+              <a:ext uri="{FF2B5EF4-FFF2-40B4-BE49-F238E27FC236}">
+                <a16:creationId xmlns:a16="http://schemas.microsoft.com/office/drawing/2014/main" id="{2DC2E081-F66F-4651-9704-5E89FA2F5620}"/>
+              </a:ext>
+            </a:extLst>
+          </p:cNvPr>
+          <p:cNvPicPr>
+            <a:picLocks noChangeAspect="1"/>
+          </p:cNvPicPr>
+          <p:nvPr/>
+        </p:nvPicPr>
+        <p:blipFill>
+          <a:blip r:embed="rId6"/>
+          <a:stretch>
+            <a:fillRect/>
+          </a:stretch>
+        </p:blipFill>
+        <p:spPr>
+          <a:xfrm>
+            <a:off x="6578048" y="3562616"/>
+            <a:ext cx="1746803" cy="938183"/>
+          </a:xfrm>
+          <a:prstGeom prst="rect">
+            <a:avLst/>
+          </a:prstGeom>
+        </p:spPr>
+      </p:pic>
+      <p:pic>
+        <p:nvPicPr>
+          <p:cNvPr id="27" name="Imagem 26">
+            <a:extLst>
+              <a:ext uri="{FF2B5EF4-FFF2-40B4-BE49-F238E27FC236}">
+                <a16:creationId xmlns:a16="http://schemas.microsoft.com/office/drawing/2014/main" id="{E4A05538-20AA-4E25-90EE-6929C781E843}"/>
+              </a:ext>
+            </a:extLst>
+          </p:cNvPr>
+          <p:cNvPicPr>
+            <a:picLocks noChangeAspect="1"/>
+          </p:cNvPicPr>
+          <p:nvPr/>
+        </p:nvPicPr>
+        <p:blipFill>
+          <a:blip r:embed="rId7"/>
+          <a:stretch>
+            <a:fillRect/>
+          </a:stretch>
+        </p:blipFill>
+        <p:spPr>
+          <a:xfrm>
+            <a:off x="8096250" y="4732308"/>
+            <a:ext cx="1757361" cy="935000"/>
+          </a:xfrm>
+          <a:prstGeom prst="rect">
+            <a:avLst/>
+          </a:prstGeom>
+        </p:spPr>
+      </p:pic>
+      <p:pic>
+        <p:nvPicPr>
+          <p:cNvPr id="28" name="Imagem 27" descr="Logotipo, Ícone&#10;&#10;Descrição gerada automaticamente">
+            <a:extLst>
+              <a:ext uri="{FF2B5EF4-FFF2-40B4-BE49-F238E27FC236}">
+                <a16:creationId xmlns:a16="http://schemas.microsoft.com/office/drawing/2014/main" id="{A3B089B4-FA87-4125-8AF0-8FF9522F22F1}"/>
+              </a:ext>
+            </a:extLst>
+          </p:cNvPr>
+          <p:cNvPicPr>
+            <a:picLocks noChangeAspect="1"/>
+          </p:cNvPicPr>
+          <p:nvPr/>
+        </p:nvPicPr>
+        <p:blipFill>
+          <a:blip r:embed="rId8">
+            <a:extLst>
+              <a:ext uri="{28A0092B-C50C-407E-A947-70E740481C1C}">
+                <a14:useLocalDpi xmlns:a14="http://schemas.microsoft.com/office/drawing/2010/main" val="0"/>
+              </a:ext>
+            </a:extLst>
+          </a:blip>
+          <a:stretch>
+            <a:fillRect/>
+          </a:stretch>
+        </p:blipFill>
+        <p:spPr>
+          <a:xfrm>
+            <a:off x="10353674" y="2633485"/>
+            <a:ext cx="638403" cy="638403"/>
+          </a:xfrm>
+          <a:prstGeom prst="rect">
+            <a:avLst/>
+          </a:prstGeom>
+        </p:spPr>
+      </p:pic>
+      <p:pic>
+        <p:nvPicPr>
+          <p:cNvPr id="29" name="Imagem 28" descr="Ícone&#10;&#10;Descrição gerada automaticamente">
+            <a:extLst>
+              <a:ext uri="{FF2B5EF4-FFF2-40B4-BE49-F238E27FC236}">
+                <a16:creationId xmlns:a16="http://schemas.microsoft.com/office/drawing/2014/main" id="{DB934B2C-810D-4FAA-B88B-0CF1DECA9CC4}"/>
+              </a:ext>
+            </a:extLst>
+          </p:cNvPr>
+          <p:cNvPicPr>
+            <a:picLocks noChangeAspect="1"/>
+          </p:cNvPicPr>
+          <p:nvPr/>
+        </p:nvPicPr>
+        <p:blipFill>
+          <a:blip r:embed="rId9">
+            <a:extLst>
+              <a:ext uri="{28A0092B-C50C-407E-A947-70E740481C1C}">
+                <a14:useLocalDpi xmlns:a14="http://schemas.microsoft.com/office/drawing/2010/main" val="0"/>
+              </a:ext>
+            </a:extLst>
+          </a:blip>
+          <a:stretch>
+            <a:fillRect/>
+          </a:stretch>
+        </p:blipFill>
+        <p:spPr>
+          <a:xfrm>
+            <a:off x="10353674" y="3429000"/>
+            <a:ext cx="638403" cy="638403"/>
+          </a:xfrm>
+          <a:prstGeom prst="rect">
+            <a:avLst/>
+          </a:prstGeom>
+        </p:spPr>
+      </p:pic>
+      <p:pic>
+        <p:nvPicPr>
+          <p:cNvPr id="3" name="Imagem 2">
+            <a:extLst>
+              <a:ext uri="{FF2B5EF4-FFF2-40B4-BE49-F238E27FC236}">
+                <a16:creationId xmlns:a16="http://schemas.microsoft.com/office/drawing/2014/main" id="{2447B67A-B495-4F8A-93F9-07C25D6F8B4F}"/>
+              </a:ext>
+            </a:extLst>
+          </p:cNvPr>
+          <p:cNvPicPr>
+            <a:picLocks noChangeAspect="1"/>
+          </p:cNvPicPr>
+          <p:nvPr/>
+        </p:nvPicPr>
+        <p:blipFill>
+          <a:blip r:embed="rId10"/>
+          <a:stretch>
+            <a:fillRect/>
+          </a:stretch>
+        </p:blipFill>
+        <p:spPr>
+          <a:xfrm>
+            <a:off x="4057818" y="4582890"/>
+            <a:ext cx="2261505" cy="1089442"/>
+          </a:xfrm>
+          <a:prstGeom prst="rect">
+            <a:avLst/>
+          </a:prstGeom>
+        </p:spPr>
+      </p:pic>
+    </p:spTree>
+    <p:extLst>
+      <p:ext uri="{BB962C8B-B14F-4D97-AF65-F5344CB8AC3E}">
+        <p14:creationId xmlns:p14="http://schemas.microsoft.com/office/powerpoint/2010/main" val="2331715668"/>
+      </p:ext>
+    </p:extLst>
+  </p:cSld>
+  <p:clrMapOvr>
+    <a:masterClrMapping/>
+  </p:clrMapOvr>
+</p:sld>
+</file>
+
+<file path=ppt/slides/slide6.xml><?xml version="1.0" encoding="utf-8"?>
+<p:sld xmlns:a="http://schemas.openxmlformats.org/drawingml/2006/main" xmlns:r="http://schemas.openxmlformats.org/officeDocument/2006/relationships" xmlns:p="http://schemas.openxmlformats.org/presentationml/2006/main">
+  <p:cSld>
+    <p:bg>
+      <p:bgPr>
+        <a:solidFill>
+          <a:schemeClr val="bg1"/>
+        </a:solidFill>
+        <a:effectLst/>
+      </p:bgPr>
+    </p:bg>
+    <p:spTree>
+      <p:nvGrpSpPr>
+        <p:cNvPr id="1" name=""/>
+        <p:cNvGrpSpPr/>
+        <p:nvPr/>
+      </p:nvGrpSpPr>
+      <p:grpSpPr>
+        <a:xfrm>
+          <a:off x="0" y="0"/>
+          <a:ext cx="0" cy="0"/>
+          <a:chOff x="0" y="0"/>
+          <a:chExt cx="0" cy="0"/>
+        </a:xfrm>
+      </p:grpSpPr>
+      <p:sp>
+        <p:nvSpPr>
+          <p:cNvPr id="2" name="Título 1">
+            <a:extLst>
+              <a:ext uri="{FF2B5EF4-FFF2-40B4-BE49-F238E27FC236}">
+                <a16:creationId xmlns:a16="http://schemas.microsoft.com/office/drawing/2014/main" id="{6E4E916F-2A8A-4338-AF18-51B7A0344AB3}"/>
+              </a:ext>
+            </a:extLst>
+          </p:cNvPr>
+          <p:cNvSpPr>
+            <a:spLocks noGrp="1"/>
+          </p:cNvSpPr>
+          <p:nvPr>
+            <p:ph type="title"/>
+          </p:nvPr>
+        </p:nvSpPr>
+        <p:spPr>
+          <a:xfrm>
+            <a:off x="640080" y="5576887"/>
+            <a:ext cx="10911840" cy="640081"/>
+          </a:xfrm>
+        </p:spPr>
+        <p:txBody>
+          <a:bodyPr>
+            <a:normAutofit/>
+          </a:bodyPr>
+          <a:lstStyle/>
+          <a:p>
+            <a:pPr algn="ctr"/>
+            <a:r>
+              <a:rPr lang="pt-BR" sz="3200">
+                <a:latin typeface="Lucida Calligraphy" panose="03010101010101010101" pitchFamily="66" charset="0"/>
+              </a:rPr>
+              <a:t>Jogo</a:t>
+            </a:r>
+            <a:endParaRPr lang="en-US" sz="3200">
+              <a:latin typeface="Lucida Calligraphy" panose="03010101010101010101" pitchFamily="66" charset="0"/>
+            </a:endParaRPr>
+          </a:p>
+        </p:txBody>
+      </p:sp>
+      <p:pic>
+        <p:nvPicPr>
+          <p:cNvPr id="6" name="Imagem 5" descr="Texto&#10;&#10;Descrição gerada automaticamente">
+            <a:extLst>
+              <a:ext uri="{FF2B5EF4-FFF2-40B4-BE49-F238E27FC236}">
+                <a16:creationId xmlns:a16="http://schemas.microsoft.com/office/drawing/2014/main" id="{39DA9BDE-279C-4BEA-B1E4-554410EF3C69}"/>
+              </a:ext>
+            </a:extLst>
+          </p:cNvPr>
+          <p:cNvPicPr>
+            <a:picLocks noChangeAspect="1"/>
+          </p:cNvPicPr>
+          <p:nvPr/>
+        </p:nvPicPr>
+        <p:blipFill rotWithShape="1">
+          <a:blip r:embed="rId2"/>
+          <a:srcRect r="1" b="3640"/>
+          <a:stretch/>
+        </p:blipFill>
+        <p:spPr>
+          <a:xfrm>
+            <a:off x="640080" y="640080"/>
+            <a:ext cx="10911840" cy="4836795"/>
+          </a:xfrm>
+          <a:prstGeom prst="rect">
+            <a:avLst/>
+          </a:prstGeom>
+          <a:ln w="19050">
+            <a:solidFill>
+              <a:schemeClr val="tx1"/>
+            </a:solidFill>
+            <a:miter lim="800000"/>
+          </a:ln>
+        </p:spPr>
+      </p:pic>
+    </p:spTree>
+    <p:extLst>
+      <p:ext uri="{BB962C8B-B14F-4D97-AF65-F5344CB8AC3E}">
+        <p14:creationId xmlns:p14="http://schemas.microsoft.com/office/powerpoint/2010/main" val="1616428028"/>
+      </p:ext>
+    </p:extLst>
+  </p:cSld>
+  <p:clrMapOvr>
+    <a:overrideClrMapping bg1="dk1" tx1="lt1" bg2="dk2" tx2="lt2" accent1="accent1" accent2="accent2" accent3="accent3" accent4="accent4" accent5="accent5" accent6="accent6" hlink="hlink" folHlink="folHlink"/>
+  </p:clrMapOvr>
+  <p:timing>
+    <p:tnLst>
+      <p:par>
+        <p:cTn id="1" dur="indefinite" restart="never" nodeType="tmRoot">
+          <p:childTnLst>
+            <p:seq concurrent="1" nextAc="seek">
+              <p:cTn id="2" dur="indefinite" nodeType="mainSeq">
+                <p:childTnLst>
+                  <p:par>
+                    <p:cTn id="3" fill="hold">
+                      <p:stCondLst>
+                        <p:cond delay="indefinite"/>
+                        <p:cond evt="onBegin" delay="0">
+                          <p:tn val="2"/>
+                        </p:cond>
+                      </p:stCondLst>
+                      <p:childTnLst>
+                        <p:par>
+                          <p:cTn id="4" fill="hold">
+                            <p:stCondLst>
+                              <p:cond delay="0"/>
+                            </p:stCondLst>
+                            <p:childTnLst>
+                              <p:par>
+                                <p:cTn id="5" presetID="10" presetClass="entr" presetSubtype="0" fill="hold" grpId="0" nodeType="withEffect">
+                                  <p:stCondLst>
+                                    <p:cond delay="1000"/>
+                                  </p:stCondLst>
+                                  <p:iterate>
+                                    <p:tmPct val="10000"/>
+                                  </p:iterate>
+                                  <p:childTnLst>
+                                    <p:set>
+                                      <p:cBhvr>
+                                        <p:cTn id="6" dur="1" fill="hold">
+                                          <p:stCondLst>
+                                            <p:cond delay="0"/>
+                                          </p:stCondLst>
+                                        </p:cTn>
+                                        <p:tgtEl>
+                                          <p:spTgt spid="2"/>
+                                        </p:tgtEl>
+                                        <p:attrNameLst>
+                                          <p:attrName>style.visibility</p:attrName>
+                                        </p:attrNameLst>
+                                      </p:cBhvr>
+                                      <p:to>
+                                        <p:strVal val="visible"/>
+                                      </p:to>
+                                    </p:set>
+                                    <p:animEffect transition="in" filter="fade">
+                                      <p:cBhvr>
+                                        <p:cTn id="7" dur="700"/>
+                                        <p:tgtEl>
+                                          <p:spTgt spid="2"/>
+                                        </p:tgtEl>
+                                      </p:cBhvr>
+                                    </p:animEffect>
+                                  </p:childTnLst>
+                                </p:cTn>
+                              </p:par>
+                            </p:childTnLst>
+                          </p:cTn>
+                        </p:par>
+                      </p:childTnLst>
+                    </p:cTn>
+                  </p:par>
+                </p:childTnLst>
+              </p:cTn>
+              <p:prevCondLst>
+                <p:cond evt="onPrev" delay="0">
+                  <p:tgtEl>
+                    <p:sldTgt/>
+                  </p:tgtEl>
+                </p:cond>
+              </p:prevCondLst>
+              <p:nextCondLst>
+                <p:cond evt="onNext" delay="0">
+                  <p:tgtEl>
+                    <p:sldTgt/>
+                  </p:tgtEl>
+                </p:cond>
+              </p:nextCondLst>
+            </p:seq>
+          </p:childTnLst>
+        </p:cTn>
+      </p:par>
+    </p:tnLst>
+    <p:bldLst>
+      <p:bldP spid="2" grpId="0"/>
+    </p:bldLst>
+  </p:timing>
 </p:sld>
 </file>
 

--- a/materiais-complementares/fluxograma projeto.pptx
+++ b/materiais-complementares/fluxograma projeto.pptx
@@ -130,7 +130,7 @@
   <pc:docChgLst>
     <pc:chgData name="Jessica dos Santos Paiva" userId="7fb23bec-a373-4816-84ee-47119a63df95" providerId="ADAL" clId="{30FA8068-CB00-4672-A466-5E69C074B526}"/>
     <pc:docChg chg="undo custSel addSld delSld modSld sldOrd">
-      <pc:chgData name="Jessica dos Santos Paiva" userId="7fb23bec-a373-4816-84ee-47119a63df95" providerId="ADAL" clId="{30FA8068-CB00-4672-A466-5E69C074B526}" dt="2022-03-20T23:27:56.313" v="980" actId="1076"/>
+      <pc:chgData name="Jessica dos Santos Paiva" userId="7fb23bec-a373-4816-84ee-47119a63df95" providerId="ADAL" clId="{30FA8068-CB00-4672-A466-5E69C074B526}" dt="2022-03-23T13:34:21.751" v="983" actId="208"/>
       <pc:docMkLst>
         <pc:docMk/>
       </pc:docMkLst>
@@ -1401,13 +1401,13 @@
         </pc:picChg>
       </pc:sldChg>
       <pc:sldChg chg="addSp delSp modSp add mod">
-        <pc:chgData name="Jessica dos Santos Paiva" userId="7fb23bec-a373-4816-84ee-47119a63df95" providerId="ADAL" clId="{30FA8068-CB00-4672-A466-5E69C074B526}" dt="2022-03-20T22:45:20.346" v="957" actId="208"/>
+        <pc:chgData name="Jessica dos Santos Paiva" userId="7fb23bec-a373-4816-84ee-47119a63df95" providerId="ADAL" clId="{30FA8068-CB00-4672-A466-5E69C074B526}" dt="2022-03-23T13:34:21.751" v="983" actId="208"/>
         <pc:sldMkLst>
           <pc:docMk/>
           <pc:sldMk cId="369776320" sldId="262"/>
         </pc:sldMkLst>
         <pc:spChg chg="mod">
-          <ac:chgData name="Jessica dos Santos Paiva" userId="7fb23bec-a373-4816-84ee-47119a63df95" providerId="ADAL" clId="{30FA8068-CB00-4672-A466-5E69C074B526}" dt="2022-03-20T22:44:03.671" v="955" actId="2085"/>
+          <ac:chgData name="Jessica dos Santos Paiva" userId="7fb23bec-a373-4816-84ee-47119a63df95" providerId="ADAL" clId="{30FA8068-CB00-4672-A466-5E69C074B526}" dt="2022-03-23T13:34:21.751" v="983" actId="208"/>
           <ac:spMkLst>
             <pc:docMk/>
             <pc:sldMk cId="369776320" sldId="262"/>
@@ -1431,7 +1431,7 @@
           </ac:spMkLst>
         </pc:spChg>
         <pc:spChg chg="add mod">
-          <ac:chgData name="Jessica dos Santos Paiva" userId="7fb23bec-a373-4816-84ee-47119a63df95" providerId="ADAL" clId="{30FA8068-CB00-4672-A466-5E69C074B526}" dt="2022-03-20T22:45:20.346" v="957" actId="208"/>
+          <ac:chgData name="Jessica dos Santos Paiva" userId="7fb23bec-a373-4816-84ee-47119a63df95" providerId="ADAL" clId="{30FA8068-CB00-4672-A466-5E69C074B526}" dt="2022-03-23T13:34:21.751" v="983" actId="208"/>
           <ac:spMkLst>
             <pc:docMk/>
             <pc:sldMk cId="369776320" sldId="262"/>
@@ -1439,7 +1439,7 @@
           </ac:spMkLst>
         </pc:spChg>
         <pc:spChg chg="add mod">
-          <ac:chgData name="Jessica dos Santos Paiva" userId="7fb23bec-a373-4816-84ee-47119a63df95" providerId="ADAL" clId="{30FA8068-CB00-4672-A466-5E69C074B526}" dt="2022-03-20T22:45:20.346" v="957" actId="208"/>
+          <ac:chgData name="Jessica dos Santos Paiva" userId="7fb23bec-a373-4816-84ee-47119a63df95" providerId="ADAL" clId="{30FA8068-CB00-4672-A466-5E69C074B526}" dt="2022-03-23T13:34:21.751" v="983" actId="208"/>
           <ac:spMkLst>
             <pc:docMk/>
             <pc:sldMk cId="369776320" sldId="262"/>
@@ -1447,7 +1447,7 @@
           </ac:spMkLst>
         </pc:spChg>
         <pc:spChg chg="add mod">
-          <ac:chgData name="Jessica dos Santos Paiva" userId="7fb23bec-a373-4816-84ee-47119a63df95" providerId="ADAL" clId="{30FA8068-CB00-4672-A466-5E69C074B526}" dt="2022-03-20T22:45:20.346" v="957" actId="208"/>
+          <ac:chgData name="Jessica dos Santos Paiva" userId="7fb23bec-a373-4816-84ee-47119a63df95" providerId="ADAL" clId="{30FA8068-CB00-4672-A466-5E69C074B526}" dt="2022-03-23T13:34:21.751" v="983" actId="208"/>
           <ac:spMkLst>
             <pc:docMk/>
             <pc:sldMk cId="369776320" sldId="262"/>
@@ -1455,7 +1455,7 @@
           </ac:spMkLst>
         </pc:spChg>
         <pc:spChg chg="add mod">
-          <ac:chgData name="Jessica dos Santos Paiva" userId="7fb23bec-a373-4816-84ee-47119a63df95" providerId="ADAL" clId="{30FA8068-CB00-4672-A466-5E69C074B526}" dt="2022-03-20T22:45:20.346" v="957" actId="208"/>
+          <ac:chgData name="Jessica dos Santos Paiva" userId="7fb23bec-a373-4816-84ee-47119a63df95" providerId="ADAL" clId="{30FA8068-CB00-4672-A466-5E69C074B526}" dt="2022-03-23T13:34:21.751" v="983" actId="208"/>
           <ac:spMkLst>
             <pc:docMk/>
             <pc:sldMk cId="369776320" sldId="262"/>
@@ -1463,7 +1463,7 @@
           </ac:spMkLst>
         </pc:spChg>
         <pc:spChg chg="add mod">
-          <ac:chgData name="Jessica dos Santos Paiva" userId="7fb23bec-a373-4816-84ee-47119a63df95" providerId="ADAL" clId="{30FA8068-CB00-4672-A466-5E69C074B526}" dt="2022-03-20T22:45:20.346" v="957" actId="208"/>
+          <ac:chgData name="Jessica dos Santos Paiva" userId="7fb23bec-a373-4816-84ee-47119a63df95" providerId="ADAL" clId="{30FA8068-CB00-4672-A466-5E69C074B526}" dt="2022-03-23T13:34:21.751" v="983" actId="208"/>
           <ac:spMkLst>
             <pc:docMk/>
             <pc:sldMk cId="369776320" sldId="262"/>
@@ -1471,7 +1471,7 @@
           </ac:spMkLst>
         </pc:spChg>
         <pc:spChg chg="add mod">
-          <ac:chgData name="Jessica dos Santos Paiva" userId="7fb23bec-a373-4816-84ee-47119a63df95" providerId="ADAL" clId="{30FA8068-CB00-4672-A466-5E69C074B526}" dt="2022-03-20T22:45:20.346" v="957" actId="208"/>
+          <ac:chgData name="Jessica dos Santos Paiva" userId="7fb23bec-a373-4816-84ee-47119a63df95" providerId="ADAL" clId="{30FA8068-CB00-4672-A466-5E69C074B526}" dt="2022-03-23T13:34:21.751" v="983" actId="208"/>
           <ac:spMkLst>
             <pc:docMk/>
             <pc:sldMk cId="369776320" sldId="262"/>
@@ -1479,7 +1479,7 @@
           </ac:spMkLst>
         </pc:spChg>
         <pc:spChg chg="add mod">
-          <ac:chgData name="Jessica dos Santos Paiva" userId="7fb23bec-a373-4816-84ee-47119a63df95" providerId="ADAL" clId="{30FA8068-CB00-4672-A466-5E69C074B526}" dt="2022-03-20T22:45:20.346" v="957" actId="208"/>
+          <ac:chgData name="Jessica dos Santos Paiva" userId="7fb23bec-a373-4816-84ee-47119a63df95" providerId="ADAL" clId="{30FA8068-CB00-4672-A466-5E69C074B526}" dt="2022-03-23T13:34:21.751" v="983" actId="208"/>
           <ac:spMkLst>
             <pc:docMk/>
             <pc:sldMk cId="369776320" sldId="262"/>
@@ -1487,7 +1487,7 @@
           </ac:spMkLst>
         </pc:spChg>
         <pc:spChg chg="add mod">
-          <ac:chgData name="Jessica dos Santos Paiva" userId="7fb23bec-a373-4816-84ee-47119a63df95" providerId="ADAL" clId="{30FA8068-CB00-4672-A466-5E69C074B526}" dt="2022-03-20T22:45:20.346" v="957" actId="208"/>
+          <ac:chgData name="Jessica dos Santos Paiva" userId="7fb23bec-a373-4816-84ee-47119a63df95" providerId="ADAL" clId="{30FA8068-CB00-4672-A466-5E69C074B526}" dt="2022-03-23T13:34:21.751" v="983" actId="208"/>
           <ac:spMkLst>
             <pc:docMk/>
             <pc:sldMk cId="369776320" sldId="262"/>
@@ -1503,7 +1503,7 @@
           </ac:spMkLst>
         </pc:spChg>
         <pc:spChg chg="add mod">
-          <ac:chgData name="Jessica dos Santos Paiva" userId="7fb23bec-a373-4816-84ee-47119a63df95" providerId="ADAL" clId="{30FA8068-CB00-4672-A466-5E69C074B526}" dt="2022-03-20T22:45:20.346" v="957" actId="208"/>
+          <ac:chgData name="Jessica dos Santos Paiva" userId="7fb23bec-a373-4816-84ee-47119a63df95" providerId="ADAL" clId="{30FA8068-CB00-4672-A466-5E69C074B526}" dt="2022-03-23T13:34:21.751" v="983" actId="208"/>
           <ac:spMkLst>
             <pc:docMk/>
             <pc:sldMk cId="369776320" sldId="262"/>
@@ -1511,7 +1511,7 @@
           </ac:spMkLst>
         </pc:spChg>
         <pc:spChg chg="add mod">
-          <ac:chgData name="Jessica dos Santos Paiva" userId="7fb23bec-a373-4816-84ee-47119a63df95" providerId="ADAL" clId="{30FA8068-CB00-4672-A466-5E69C074B526}" dt="2022-03-20T22:45:20.346" v="957" actId="208"/>
+          <ac:chgData name="Jessica dos Santos Paiva" userId="7fb23bec-a373-4816-84ee-47119a63df95" providerId="ADAL" clId="{30FA8068-CB00-4672-A466-5E69C074B526}" dt="2022-03-23T13:34:21.751" v="983" actId="208"/>
           <ac:spMkLst>
             <pc:docMk/>
             <pc:sldMk cId="369776320" sldId="262"/>
@@ -1519,7 +1519,7 @@
           </ac:spMkLst>
         </pc:spChg>
         <pc:spChg chg="add mod">
-          <ac:chgData name="Jessica dos Santos Paiva" userId="7fb23bec-a373-4816-84ee-47119a63df95" providerId="ADAL" clId="{30FA8068-CB00-4672-A466-5E69C074B526}" dt="2022-03-20T22:45:20.346" v="957" actId="208"/>
+          <ac:chgData name="Jessica dos Santos Paiva" userId="7fb23bec-a373-4816-84ee-47119a63df95" providerId="ADAL" clId="{30FA8068-CB00-4672-A466-5E69C074B526}" dt="2022-03-23T13:34:21.751" v="983" actId="208"/>
           <ac:spMkLst>
             <pc:docMk/>
             <pc:sldMk cId="369776320" sldId="262"/>
@@ -1527,7 +1527,7 @@
           </ac:spMkLst>
         </pc:spChg>
         <pc:spChg chg="add mod">
-          <ac:chgData name="Jessica dos Santos Paiva" userId="7fb23bec-a373-4816-84ee-47119a63df95" providerId="ADAL" clId="{30FA8068-CB00-4672-A466-5E69C074B526}" dt="2022-03-20T22:45:20.346" v="957" actId="208"/>
+          <ac:chgData name="Jessica dos Santos Paiva" userId="7fb23bec-a373-4816-84ee-47119a63df95" providerId="ADAL" clId="{30FA8068-CB00-4672-A466-5E69C074B526}" dt="2022-03-23T13:34:21.751" v="983" actId="208"/>
           <ac:spMkLst>
             <pc:docMk/>
             <pc:sldMk cId="369776320" sldId="262"/>
@@ -1535,7 +1535,7 @@
           </ac:spMkLst>
         </pc:spChg>
         <pc:spChg chg="add mod">
-          <ac:chgData name="Jessica dos Santos Paiva" userId="7fb23bec-a373-4816-84ee-47119a63df95" providerId="ADAL" clId="{30FA8068-CB00-4672-A466-5E69C074B526}" dt="2022-03-20T22:45:20.346" v="957" actId="208"/>
+          <ac:chgData name="Jessica dos Santos Paiva" userId="7fb23bec-a373-4816-84ee-47119a63df95" providerId="ADAL" clId="{30FA8068-CB00-4672-A466-5E69C074B526}" dt="2022-03-23T13:34:21.751" v="983" actId="208"/>
           <ac:spMkLst>
             <pc:docMk/>
             <pc:sldMk cId="369776320" sldId="262"/>
@@ -1543,7 +1543,7 @@
           </ac:spMkLst>
         </pc:spChg>
         <pc:spChg chg="add mod">
-          <ac:chgData name="Jessica dos Santos Paiva" userId="7fb23bec-a373-4816-84ee-47119a63df95" providerId="ADAL" clId="{30FA8068-CB00-4672-A466-5E69C074B526}" dt="2022-03-20T22:45:20.346" v="957" actId="208"/>
+          <ac:chgData name="Jessica dos Santos Paiva" userId="7fb23bec-a373-4816-84ee-47119a63df95" providerId="ADAL" clId="{30FA8068-CB00-4672-A466-5E69C074B526}" dt="2022-03-23T13:34:21.751" v="983" actId="208"/>
           <ac:spMkLst>
             <pc:docMk/>
             <pc:sldMk cId="369776320" sldId="262"/>
@@ -1551,7 +1551,7 @@
           </ac:spMkLst>
         </pc:spChg>
         <pc:spChg chg="add mod">
-          <ac:chgData name="Jessica dos Santos Paiva" userId="7fb23bec-a373-4816-84ee-47119a63df95" providerId="ADAL" clId="{30FA8068-CB00-4672-A466-5E69C074B526}" dt="2022-03-20T22:45:20.346" v="957" actId="208"/>
+          <ac:chgData name="Jessica dos Santos Paiva" userId="7fb23bec-a373-4816-84ee-47119a63df95" providerId="ADAL" clId="{30FA8068-CB00-4672-A466-5E69C074B526}" dt="2022-03-23T13:34:21.751" v="983" actId="208"/>
           <ac:spMkLst>
             <pc:docMk/>
             <pc:sldMk cId="369776320" sldId="262"/>
@@ -1559,7 +1559,7 @@
           </ac:spMkLst>
         </pc:spChg>
         <pc:spChg chg="add mod">
-          <ac:chgData name="Jessica dos Santos Paiva" userId="7fb23bec-a373-4816-84ee-47119a63df95" providerId="ADAL" clId="{30FA8068-CB00-4672-A466-5E69C074B526}" dt="2022-03-20T22:45:20.346" v="957" actId="208"/>
+          <ac:chgData name="Jessica dos Santos Paiva" userId="7fb23bec-a373-4816-84ee-47119a63df95" providerId="ADAL" clId="{30FA8068-CB00-4672-A466-5E69C074B526}" dt="2022-03-23T13:34:21.751" v="983" actId="208"/>
           <ac:spMkLst>
             <pc:docMk/>
             <pc:sldMk cId="369776320" sldId="262"/>
@@ -1567,7 +1567,7 @@
           </ac:spMkLst>
         </pc:spChg>
         <pc:spChg chg="add mod">
-          <ac:chgData name="Jessica dos Santos Paiva" userId="7fb23bec-a373-4816-84ee-47119a63df95" providerId="ADAL" clId="{30FA8068-CB00-4672-A466-5E69C074B526}" dt="2022-03-20T22:45:20.346" v="957" actId="208"/>
+          <ac:chgData name="Jessica dos Santos Paiva" userId="7fb23bec-a373-4816-84ee-47119a63df95" providerId="ADAL" clId="{30FA8068-CB00-4672-A466-5E69C074B526}" dt="2022-03-23T13:34:21.751" v="983" actId="208"/>
           <ac:spMkLst>
             <pc:docMk/>
             <pc:sldMk cId="369776320" sldId="262"/>
@@ -1575,7 +1575,7 @@
           </ac:spMkLst>
         </pc:spChg>
         <pc:spChg chg="add mod">
-          <ac:chgData name="Jessica dos Santos Paiva" userId="7fb23bec-a373-4816-84ee-47119a63df95" providerId="ADAL" clId="{30FA8068-CB00-4672-A466-5E69C074B526}" dt="2022-03-20T22:45:20.346" v="957" actId="208"/>
+          <ac:chgData name="Jessica dos Santos Paiva" userId="7fb23bec-a373-4816-84ee-47119a63df95" providerId="ADAL" clId="{30FA8068-CB00-4672-A466-5E69C074B526}" dt="2022-03-23T13:34:21.751" v="983" actId="208"/>
           <ac:spMkLst>
             <pc:docMk/>
             <pc:sldMk cId="369776320" sldId="262"/>
@@ -1583,7 +1583,7 @@
           </ac:spMkLst>
         </pc:spChg>
         <pc:spChg chg="add mod">
-          <ac:chgData name="Jessica dos Santos Paiva" userId="7fb23bec-a373-4816-84ee-47119a63df95" providerId="ADAL" clId="{30FA8068-CB00-4672-A466-5E69C074B526}" dt="2022-03-20T22:45:20.346" v="957" actId="208"/>
+          <ac:chgData name="Jessica dos Santos Paiva" userId="7fb23bec-a373-4816-84ee-47119a63df95" providerId="ADAL" clId="{30FA8068-CB00-4672-A466-5E69C074B526}" dt="2022-03-23T13:34:21.751" v="983" actId="208"/>
           <ac:spMkLst>
             <pc:docMk/>
             <pc:sldMk cId="369776320" sldId="262"/>
@@ -1599,7 +1599,7 @@
           </ac:graphicFrameMkLst>
         </pc:graphicFrameChg>
         <pc:cxnChg chg="add mod">
-          <ac:chgData name="Jessica dos Santos Paiva" userId="7fb23bec-a373-4816-84ee-47119a63df95" providerId="ADAL" clId="{30FA8068-CB00-4672-A466-5E69C074B526}" dt="2022-03-20T22:45:20.346" v="957" actId="208"/>
+          <ac:chgData name="Jessica dos Santos Paiva" userId="7fb23bec-a373-4816-84ee-47119a63df95" providerId="ADAL" clId="{30FA8068-CB00-4672-A466-5E69C074B526}" dt="2022-03-23T13:34:21.751" v="983" actId="208"/>
           <ac:cxnSpMkLst>
             <pc:docMk/>
             <pc:sldMk cId="369776320" sldId="262"/>
@@ -1607,7 +1607,7 @@
           </ac:cxnSpMkLst>
         </pc:cxnChg>
         <pc:cxnChg chg="add mod">
-          <ac:chgData name="Jessica dos Santos Paiva" userId="7fb23bec-a373-4816-84ee-47119a63df95" providerId="ADAL" clId="{30FA8068-CB00-4672-A466-5E69C074B526}" dt="2022-03-20T22:45:20.346" v="957" actId="208"/>
+          <ac:chgData name="Jessica dos Santos Paiva" userId="7fb23bec-a373-4816-84ee-47119a63df95" providerId="ADAL" clId="{30FA8068-CB00-4672-A466-5E69C074B526}" dt="2022-03-23T13:34:21.751" v="983" actId="208"/>
           <ac:cxnSpMkLst>
             <pc:docMk/>
             <pc:sldMk cId="369776320" sldId="262"/>
@@ -1615,7 +1615,7 @@
           </ac:cxnSpMkLst>
         </pc:cxnChg>
         <pc:cxnChg chg="add mod">
-          <ac:chgData name="Jessica dos Santos Paiva" userId="7fb23bec-a373-4816-84ee-47119a63df95" providerId="ADAL" clId="{30FA8068-CB00-4672-A466-5E69C074B526}" dt="2022-03-20T22:45:20.346" v="957" actId="208"/>
+          <ac:chgData name="Jessica dos Santos Paiva" userId="7fb23bec-a373-4816-84ee-47119a63df95" providerId="ADAL" clId="{30FA8068-CB00-4672-A466-5E69C074B526}" dt="2022-03-23T13:34:21.751" v="983" actId="208"/>
           <ac:cxnSpMkLst>
             <pc:docMk/>
             <pc:sldMk cId="369776320" sldId="262"/>
@@ -1623,7 +1623,7 @@
           </ac:cxnSpMkLst>
         </pc:cxnChg>
         <pc:cxnChg chg="add mod">
-          <ac:chgData name="Jessica dos Santos Paiva" userId="7fb23bec-a373-4816-84ee-47119a63df95" providerId="ADAL" clId="{30FA8068-CB00-4672-A466-5E69C074B526}" dt="2022-03-20T22:45:20.346" v="957" actId="208"/>
+          <ac:chgData name="Jessica dos Santos Paiva" userId="7fb23bec-a373-4816-84ee-47119a63df95" providerId="ADAL" clId="{30FA8068-CB00-4672-A466-5E69C074B526}" dt="2022-03-23T13:34:21.751" v="983" actId="208"/>
           <ac:cxnSpMkLst>
             <pc:docMk/>
             <pc:sldMk cId="369776320" sldId="262"/>
@@ -1631,7 +1631,7 @@
           </ac:cxnSpMkLst>
         </pc:cxnChg>
         <pc:cxnChg chg="add mod">
-          <ac:chgData name="Jessica dos Santos Paiva" userId="7fb23bec-a373-4816-84ee-47119a63df95" providerId="ADAL" clId="{30FA8068-CB00-4672-A466-5E69C074B526}" dt="2022-03-20T22:45:20.346" v="957" actId="208"/>
+          <ac:chgData name="Jessica dos Santos Paiva" userId="7fb23bec-a373-4816-84ee-47119a63df95" providerId="ADAL" clId="{30FA8068-CB00-4672-A466-5E69C074B526}" dt="2022-03-23T13:34:21.751" v="983" actId="208"/>
           <ac:cxnSpMkLst>
             <pc:docMk/>
             <pc:sldMk cId="369776320" sldId="262"/>
@@ -1639,7 +1639,7 @@
           </ac:cxnSpMkLst>
         </pc:cxnChg>
         <pc:cxnChg chg="add mod">
-          <ac:chgData name="Jessica dos Santos Paiva" userId="7fb23bec-a373-4816-84ee-47119a63df95" providerId="ADAL" clId="{30FA8068-CB00-4672-A466-5E69C074B526}" dt="2022-03-20T22:45:20.346" v="957" actId="208"/>
+          <ac:chgData name="Jessica dos Santos Paiva" userId="7fb23bec-a373-4816-84ee-47119a63df95" providerId="ADAL" clId="{30FA8068-CB00-4672-A466-5E69C074B526}" dt="2022-03-23T13:34:21.751" v="983" actId="208"/>
           <ac:cxnSpMkLst>
             <pc:docMk/>
             <pc:sldMk cId="369776320" sldId="262"/>
@@ -1647,7 +1647,7 @@
           </ac:cxnSpMkLst>
         </pc:cxnChg>
         <pc:cxnChg chg="add mod">
-          <ac:chgData name="Jessica dos Santos Paiva" userId="7fb23bec-a373-4816-84ee-47119a63df95" providerId="ADAL" clId="{30FA8068-CB00-4672-A466-5E69C074B526}" dt="2022-03-20T22:45:20.346" v="957" actId="208"/>
+          <ac:chgData name="Jessica dos Santos Paiva" userId="7fb23bec-a373-4816-84ee-47119a63df95" providerId="ADAL" clId="{30FA8068-CB00-4672-A466-5E69C074B526}" dt="2022-03-23T13:34:21.751" v="983" actId="208"/>
           <ac:cxnSpMkLst>
             <pc:docMk/>
             <pc:sldMk cId="369776320" sldId="262"/>
@@ -1655,7 +1655,7 @@
           </ac:cxnSpMkLst>
         </pc:cxnChg>
         <pc:cxnChg chg="add mod">
-          <ac:chgData name="Jessica dos Santos Paiva" userId="7fb23bec-a373-4816-84ee-47119a63df95" providerId="ADAL" clId="{30FA8068-CB00-4672-A466-5E69C074B526}" dt="2022-03-20T22:45:20.346" v="957" actId="208"/>
+          <ac:chgData name="Jessica dos Santos Paiva" userId="7fb23bec-a373-4816-84ee-47119a63df95" providerId="ADAL" clId="{30FA8068-CB00-4672-A466-5E69C074B526}" dt="2022-03-23T13:34:21.751" v="983" actId="208"/>
           <ac:cxnSpMkLst>
             <pc:docMk/>
             <pc:sldMk cId="369776320" sldId="262"/>
@@ -1663,7 +1663,7 @@
           </ac:cxnSpMkLst>
         </pc:cxnChg>
         <pc:cxnChg chg="add mod">
-          <ac:chgData name="Jessica dos Santos Paiva" userId="7fb23bec-a373-4816-84ee-47119a63df95" providerId="ADAL" clId="{30FA8068-CB00-4672-A466-5E69C074B526}" dt="2022-03-20T22:45:20.346" v="957" actId="208"/>
+          <ac:chgData name="Jessica dos Santos Paiva" userId="7fb23bec-a373-4816-84ee-47119a63df95" providerId="ADAL" clId="{30FA8068-CB00-4672-A466-5E69C074B526}" dt="2022-03-23T13:34:21.751" v="983" actId="208"/>
           <ac:cxnSpMkLst>
             <pc:docMk/>
             <pc:sldMk cId="369776320" sldId="262"/>
@@ -1671,7 +1671,7 @@
           </ac:cxnSpMkLst>
         </pc:cxnChg>
         <pc:cxnChg chg="add mod">
-          <ac:chgData name="Jessica dos Santos Paiva" userId="7fb23bec-a373-4816-84ee-47119a63df95" providerId="ADAL" clId="{30FA8068-CB00-4672-A466-5E69C074B526}" dt="2022-03-20T22:45:20.346" v="957" actId="208"/>
+          <ac:chgData name="Jessica dos Santos Paiva" userId="7fb23bec-a373-4816-84ee-47119a63df95" providerId="ADAL" clId="{30FA8068-CB00-4672-A466-5E69C074B526}" dt="2022-03-23T13:34:21.751" v="983" actId="208"/>
           <ac:cxnSpMkLst>
             <pc:docMk/>
             <pc:sldMk cId="369776320" sldId="262"/>
@@ -1679,7 +1679,7 @@
           </ac:cxnSpMkLst>
         </pc:cxnChg>
         <pc:cxnChg chg="add mod">
-          <ac:chgData name="Jessica dos Santos Paiva" userId="7fb23bec-a373-4816-84ee-47119a63df95" providerId="ADAL" clId="{30FA8068-CB00-4672-A466-5E69C074B526}" dt="2022-03-20T22:45:20.346" v="957" actId="208"/>
+          <ac:chgData name="Jessica dos Santos Paiva" userId="7fb23bec-a373-4816-84ee-47119a63df95" providerId="ADAL" clId="{30FA8068-CB00-4672-A466-5E69C074B526}" dt="2022-03-23T13:34:21.751" v="983" actId="208"/>
           <ac:cxnSpMkLst>
             <pc:docMk/>
             <pc:sldMk cId="369776320" sldId="262"/>
@@ -1687,7 +1687,7 @@
           </ac:cxnSpMkLst>
         </pc:cxnChg>
         <pc:cxnChg chg="add mod">
-          <ac:chgData name="Jessica dos Santos Paiva" userId="7fb23bec-a373-4816-84ee-47119a63df95" providerId="ADAL" clId="{30FA8068-CB00-4672-A466-5E69C074B526}" dt="2022-03-20T22:45:20.346" v="957" actId="208"/>
+          <ac:chgData name="Jessica dos Santos Paiva" userId="7fb23bec-a373-4816-84ee-47119a63df95" providerId="ADAL" clId="{30FA8068-CB00-4672-A466-5E69C074B526}" dt="2022-03-23T13:34:21.751" v="983" actId="208"/>
           <ac:cxnSpMkLst>
             <pc:docMk/>
             <pc:sldMk cId="369776320" sldId="262"/>
@@ -1695,7 +1695,7 @@
           </ac:cxnSpMkLst>
         </pc:cxnChg>
         <pc:cxnChg chg="add mod">
-          <ac:chgData name="Jessica dos Santos Paiva" userId="7fb23bec-a373-4816-84ee-47119a63df95" providerId="ADAL" clId="{30FA8068-CB00-4672-A466-5E69C074B526}" dt="2022-03-20T22:45:20.346" v="957" actId="208"/>
+          <ac:chgData name="Jessica dos Santos Paiva" userId="7fb23bec-a373-4816-84ee-47119a63df95" providerId="ADAL" clId="{30FA8068-CB00-4672-A466-5E69C074B526}" dt="2022-03-23T13:34:21.751" v="983" actId="208"/>
           <ac:cxnSpMkLst>
             <pc:docMk/>
             <pc:sldMk cId="369776320" sldId="262"/>
@@ -1703,7 +1703,7 @@
           </ac:cxnSpMkLst>
         </pc:cxnChg>
         <pc:cxnChg chg="add mod">
-          <ac:chgData name="Jessica dos Santos Paiva" userId="7fb23bec-a373-4816-84ee-47119a63df95" providerId="ADAL" clId="{30FA8068-CB00-4672-A466-5E69C074B526}" dt="2022-03-20T22:45:20.346" v="957" actId="208"/>
+          <ac:chgData name="Jessica dos Santos Paiva" userId="7fb23bec-a373-4816-84ee-47119a63df95" providerId="ADAL" clId="{30FA8068-CB00-4672-A466-5E69C074B526}" dt="2022-03-23T13:34:21.751" v="983" actId="208"/>
           <ac:cxnSpMkLst>
             <pc:docMk/>
             <pc:sldMk cId="369776320" sldId="262"/>
@@ -1711,7 +1711,7 @@
           </ac:cxnSpMkLst>
         </pc:cxnChg>
         <pc:cxnChg chg="add mod">
-          <ac:chgData name="Jessica dos Santos Paiva" userId="7fb23bec-a373-4816-84ee-47119a63df95" providerId="ADAL" clId="{30FA8068-CB00-4672-A466-5E69C074B526}" dt="2022-03-20T22:45:20.346" v="957" actId="208"/>
+          <ac:chgData name="Jessica dos Santos Paiva" userId="7fb23bec-a373-4816-84ee-47119a63df95" providerId="ADAL" clId="{30FA8068-CB00-4672-A466-5E69C074B526}" dt="2022-03-23T13:34:21.751" v="983" actId="208"/>
           <ac:cxnSpMkLst>
             <pc:docMk/>
             <pc:sldMk cId="369776320" sldId="262"/>
@@ -1719,7 +1719,7 @@
           </ac:cxnSpMkLst>
         </pc:cxnChg>
         <pc:cxnChg chg="add mod">
-          <ac:chgData name="Jessica dos Santos Paiva" userId="7fb23bec-a373-4816-84ee-47119a63df95" providerId="ADAL" clId="{30FA8068-CB00-4672-A466-5E69C074B526}" dt="2022-03-20T22:45:20.346" v="957" actId="208"/>
+          <ac:chgData name="Jessica dos Santos Paiva" userId="7fb23bec-a373-4816-84ee-47119a63df95" providerId="ADAL" clId="{30FA8068-CB00-4672-A466-5E69C074B526}" dt="2022-03-23T13:34:21.751" v="983" actId="208"/>
           <ac:cxnSpMkLst>
             <pc:docMk/>
             <pc:sldMk cId="369776320" sldId="262"/>
@@ -1727,7 +1727,7 @@
           </ac:cxnSpMkLst>
         </pc:cxnChg>
         <pc:cxnChg chg="add mod">
-          <ac:chgData name="Jessica dos Santos Paiva" userId="7fb23bec-a373-4816-84ee-47119a63df95" providerId="ADAL" clId="{30FA8068-CB00-4672-A466-5E69C074B526}" dt="2022-03-20T22:45:20.346" v="957" actId="208"/>
+          <ac:chgData name="Jessica dos Santos Paiva" userId="7fb23bec-a373-4816-84ee-47119a63df95" providerId="ADAL" clId="{30FA8068-CB00-4672-A466-5E69C074B526}" dt="2022-03-23T13:34:21.751" v="983" actId="208"/>
           <ac:cxnSpMkLst>
             <pc:docMk/>
             <pc:sldMk cId="369776320" sldId="262"/>
@@ -1735,7 +1735,7 @@
           </ac:cxnSpMkLst>
         </pc:cxnChg>
         <pc:cxnChg chg="add mod">
-          <ac:chgData name="Jessica dos Santos Paiva" userId="7fb23bec-a373-4816-84ee-47119a63df95" providerId="ADAL" clId="{30FA8068-CB00-4672-A466-5E69C074B526}" dt="2022-03-20T22:45:20.346" v="957" actId="208"/>
+          <ac:chgData name="Jessica dos Santos Paiva" userId="7fb23bec-a373-4816-84ee-47119a63df95" providerId="ADAL" clId="{30FA8068-CB00-4672-A466-5E69C074B526}" dt="2022-03-23T13:34:21.751" v="983" actId="208"/>
           <ac:cxnSpMkLst>
             <pc:docMk/>
             <pc:sldMk cId="369776320" sldId="262"/>
@@ -1743,7 +1743,7 @@
           </ac:cxnSpMkLst>
         </pc:cxnChg>
         <pc:cxnChg chg="add mod">
-          <ac:chgData name="Jessica dos Santos Paiva" userId="7fb23bec-a373-4816-84ee-47119a63df95" providerId="ADAL" clId="{30FA8068-CB00-4672-A466-5E69C074B526}" dt="2022-03-20T22:45:20.346" v="957" actId="208"/>
+          <ac:chgData name="Jessica dos Santos Paiva" userId="7fb23bec-a373-4816-84ee-47119a63df95" providerId="ADAL" clId="{30FA8068-CB00-4672-A466-5E69C074B526}" dt="2022-03-23T13:34:21.751" v="983" actId="208"/>
           <ac:cxnSpMkLst>
             <pc:docMk/>
             <pc:sldMk cId="369776320" sldId="262"/>
@@ -1751,7 +1751,7 @@
           </ac:cxnSpMkLst>
         </pc:cxnChg>
         <pc:cxnChg chg="add mod">
-          <ac:chgData name="Jessica dos Santos Paiva" userId="7fb23bec-a373-4816-84ee-47119a63df95" providerId="ADAL" clId="{30FA8068-CB00-4672-A466-5E69C074B526}" dt="2022-03-20T22:45:20.346" v="957" actId="208"/>
+          <ac:chgData name="Jessica dos Santos Paiva" userId="7fb23bec-a373-4816-84ee-47119a63df95" providerId="ADAL" clId="{30FA8068-CB00-4672-A466-5E69C074B526}" dt="2022-03-23T13:34:21.751" v="983" actId="208"/>
           <ac:cxnSpMkLst>
             <pc:docMk/>
             <pc:sldMk cId="369776320" sldId="262"/>
@@ -1759,7 +1759,7 @@
           </ac:cxnSpMkLst>
         </pc:cxnChg>
         <pc:cxnChg chg="add mod">
-          <ac:chgData name="Jessica dos Santos Paiva" userId="7fb23bec-a373-4816-84ee-47119a63df95" providerId="ADAL" clId="{30FA8068-CB00-4672-A466-5E69C074B526}" dt="2022-03-20T22:45:20.346" v="957" actId="208"/>
+          <ac:chgData name="Jessica dos Santos Paiva" userId="7fb23bec-a373-4816-84ee-47119a63df95" providerId="ADAL" clId="{30FA8068-CB00-4672-A466-5E69C074B526}" dt="2022-03-23T13:34:21.751" v="983" actId="208"/>
           <ac:cxnSpMkLst>
             <pc:docMk/>
             <pc:sldMk cId="369776320" sldId="262"/>
@@ -1767,7 +1767,7 @@
           </ac:cxnSpMkLst>
         </pc:cxnChg>
         <pc:cxnChg chg="add mod">
-          <ac:chgData name="Jessica dos Santos Paiva" userId="7fb23bec-a373-4816-84ee-47119a63df95" providerId="ADAL" clId="{30FA8068-CB00-4672-A466-5E69C074B526}" dt="2022-03-20T22:45:20.346" v="957" actId="208"/>
+          <ac:chgData name="Jessica dos Santos Paiva" userId="7fb23bec-a373-4816-84ee-47119a63df95" providerId="ADAL" clId="{30FA8068-CB00-4672-A466-5E69C074B526}" dt="2022-03-23T13:34:21.751" v="983" actId="208"/>
           <ac:cxnSpMkLst>
             <pc:docMk/>
             <pc:sldMk cId="369776320" sldId="262"/>
@@ -1775,7 +1775,7 @@
           </ac:cxnSpMkLst>
         </pc:cxnChg>
         <pc:cxnChg chg="add mod">
-          <ac:chgData name="Jessica dos Santos Paiva" userId="7fb23bec-a373-4816-84ee-47119a63df95" providerId="ADAL" clId="{30FA8068-CB00-4672-A466-5E69C074B526}" dt="2022-03-20T22:45:20.346" v="957" actId="208"/>
+          <ac:chgData name="Jessica dos Santos Paiva" userId="7fb23bec-a373-4816-84ee-47119a63df95" providerId="ADAL" clId="{30FA8068-CB00-4672-A466-5E69C074B526}" dt="2022-03-23T13:34:21.751" v="983" actId="208"/>
           <ac:cxnSpMkLst>
             <pc:docMk/>
             <pc:sldMk cId="369776320" sldId="262"/>
@@ -1783,7 +1783,7 @@
           </ac:cxnSpMkLst>
         </pc:cxnChg>
         <pc:cxnChg chg="add mod">
-          <ac:chgData name="Jessica dos Santos Paiva" userId="7fb23bec-a373-4816-84ee-47119a63df95" providerId="ADAL" clId="{30FA8068-CB00-4672-A466-5E69C074B526}" dt="2022-03-20T22:45:20.346" v="957" actId="208"/>
+          <ac:chgData name="Jessica dos Santos Paiva" userId="7fb23bec-a373-4816-84ee-47119a63df95" providerId="ADAL" clId="{30FA8068-CB00-4672-A466-5E69C074B526}" dt="2022-03-23T13:34:21.751" v="983" actId="208"/>
           <ac:cxnSpMkLst>
             <pc:docMk/>
             <pc:sldMk cId="369776320" sldId="262"/>
@@ -1791,7 +1791,7 @@
           </ac:cxnSpMkLst>
         </pc:cxnChg>
         <pc:cxnChg chg="add mod">
-          <ac:chgData name="Jessica dos Santos Paiva" userId="7fb23bec-a373-4816-84ee-47119a63df95" providerId="ADAL" clId="{30FA8068-CB00-4672-A466-5E69C074B526}" dt="2022-03-20T22:45:20.346" v="957" actId="208"/>
+          <ac:chgData name="Jessica dos Santos Paiva" userId="7fb23bec-a373-4816-84ee-47119a63df95" providerId="ADAL" clId="{30FA8068-CB00-4672-A466-5E69C074B526}" dt="2022-03-23T13:34:21.751" v="983" actId="208"/>
           <ac:cxnSpMkLst>
             <pc:docMk/>
             <pc:sldMk cId="369776320" sldId="262"/>
@@ -1799,7 +1799,7 @@
           </ac:cxnSpMkLst>
         </pc:cxnChg>
         <pc:cxnChg chg="add mod">
-          <ac:chgData name="Jessica dos Santos Paiva" userId="7fb23bec-a373-4816-84ee-47119a63df95" providerId="ADAL" clId="{30FA8068-CB00-4672-A466-5E69C074B526}" dt="2022-03-20T22:45:20.346" v="957" actId="208"/>
+          <ac:chgData name="Jessica dos Santos Paiva" userId="7fb23bec-a373-4816-84ee-47119a63df95" providerId="ADAL" clId="{30FA8068-CB00-4672-A466-5E69C074B526}" dt="2022-03-23T13:34:21.751" v="983" actId="208"/>
           <ac:cxnSpMkLst>
             <pc:docMk/>
             <pc:sldMk cId="369776320" sldId="262"/>
@@ -1807,7 +1807,7 @@
           </ac:cxnSpMkLst>
         </pc:cxnChg>
         <pc:cxnChg chg="add mod">
-          <ac:chgData name="Jessica dos Santos Paiva" userId="7fb23bec-a373-4816-84ee-47119a63df95" providerId="ADAL" clId="{30FA8068-CB00-4672-A466-5E69C074B526}" dt="2022-03-20T22:45:20.346" v="957" actId="208"/>
+          <ac:chgData name="Jessica dos Santos Paiva" userId="7fb23bec-a373-4816-84ee-47119a63df95" providerId="ADAL" clId="{30FA8068-CB00-4672-A466-5E69C074B526}" dt="2022-03-23T13:34:21.751" v="983" actId="208"/>
           <ac:cxnSpMkLst>
             <pc:docMk/>
             <pc:sldMk cId="369776320" sldId="262"/>
@@ -1816,7 +1816,7 @@
         </pc:cxnChg>
       </pc:sldChg>
       <pc:sldChg chg="addSp delSp modSp add mod ord">
-        <pc:chgData name="Jessica dos Santos Paiva" userId="7fb23bec-a373-4816-84ee-47119a63df95" providerId="ADAL" clId="{30FA8068-CB00-4672-A466-5E69C074B526}" dt="2022-03-20T23:27:56.313" v="980" actId="1076"/>
+        <pc:chgData name="Jessica dos Santos Paiva" userId="7fb23bec-a373-4816-84ee-47119a63df95" providerId="ADAL" clId="{30FA8068-CB00-4672-A466-5E69C074B526}" dt="2022-03-23T11:42:50.063" v="982" actId="1076"/>
         <pc:sldMkLst>
           <pc:docMk/>
           <pc:sldMk cId="2331715668" sldId="263"/>
@@ -1918,7 +1918,7 @@
           </ac:graphicFrameMkLst>
         </pc:graphicFrameChg>
         <pc:picChg chg="add mod">
-          <ac:chgData name="Jessica dos Santos Paiva" userId="7fb23bec-a373-4816-84ee-47119a63df95" providerId="ADAL" clId="{30FA8068-CB00-4672-A466-5E69C074B526}" dt="2022-03-20T23:27:56.313" v="980" actId="1076"/>
+          <ac:chgData name="Jessica dos Santos Paiva" userId="7fb23bec-a373-4816-84ee-47119a63df95" providerId="ADAL" clId="{30FA8068-CB00-4672-A466-5E69C074B526}" dt="2022-03-23T11:42:17.197" v="981" actId="1076"/>
           <ac:picMkLst>
             <pc:docMk/>
             <pc:sldMk cId="2331715668" sldId="263"/>
@@ -1950,7 +1950,7 @@
           </ac:picMkLst>
         </pc:picChg>
         <pc:picChg chg="add mod">
-          <ac:chgData name="Jessica dos Santos Paiva" userId="7fb23bec-a373-4816-84ee-47119a63df95" providerId="ADAL" clId="{30FA8068-CB00-4672-A466-5E69C074B526}" dt="2022-03-20T22:46:40.669" v="965" actId="1076"/>
+          <ac:chgData name="Jessica dos Santos Paiva" userId="7fb23bec-a373-4816-84ee-47119a63df95" providerId="ADAL" clId="{30FA8068-CB00-4672-A466-5E69C074B526}" dt="2022-03-23T11:42:50.063" v="982" actId="1076"/>
           <ac:picMkLst>
             <pc:docMk/>
             <pc:sldMk cId="2331715668" sldId="263"/>
@@ -2144,7 +2144,7 @@
           <a:p>
             <a:fld id="{B1D53C1D-A57C-4A8A-8A30-043BEBA7B76F}" type="datetimeFigureOut">
               <a:rPr lang="en-US" smtClean="0"/>
-              <a:t>3/20/2022</a:t>
+              <a:t>3/23/2022</a:t>
             </a:fld>
             <a:endParaRPr lang="en-US"/>
           </a:p>
@@ -2344,7 +2344,7 @@
           <a:p>
             <a:fld id="{B1D53C1D-A57C-4A8A-8A30-043BEBA7B76F}" type="datetimeFigureOut">
               <a:rPr lang="en-US" smtClean="0"/>
-              <a:t>3/20/2022</a:t>
+              <a:t>3/23/2022</a:t>
             </a:fld>
             <a:endParaRPr lang="en-US"/>
           </a:p>
@@ -2554,7 +2554,7 @@
           <a:p>
             <a:fld id="{B1D53C1D-A57C-4A8A-8A30-043BEBA7B76F}" type="datetimeFigureOut">
               <a:rPr lang="en-US" smtClean="0"/>
-              <a:t>3/20/2022</a:t>
+              <a:t>3/23/2022</a:t>
             </a:fld>
             <a:endParaRPr lang="en-US"/>
           </a:p>
@@ -2754,7 +2754,7 @@
           <a:p>
             <a:fld id="{B1D53C1D-A57C-4A8A-8A30-043BEBA7B76F}" type="datetimeFigureOut">
               <a:rPr lang="en-US" smtClean="0"/>
-              <a:t>3/20/2022</a:t>
+              <a:t>3/23/2022</a:t>
             </a:fld>
             <a:endParaRPr lang="en-US"/>
           </a:p>
@@ -3030,7 +3030,7 @@
           <a:p>
             <a:fld id="{B1D53C1D-A57C-4A8A-8A30-043BEBA7B76F}" type="datetimeFigureOut">
               <a:rPr lang="en-US" smtClean="0"/>
-              <a:t>3/20/2022</a:t>
+              <a:t>3/23/2022</a:t>
             </a:fld>
             <a:endParaRPr lang="en-US"/>
           </a:p>
@@ -3298,7 +3298,7 @@
           <a:p>
             <a:fld id="{B1D53C1D-A57C-4A8A-8A30-043BEBA7B76F}" type="datetimeFigureOut">
               <a:rPr lang="en-US" smtClean="0"/>
-              <a:t>3/20/2022</a:t>
+              <a:t>3/23/2022</a:t>
             </a:fld>
             <a:endParaRPr lang="en-US"/>
           </a:p>
@@ -3713,7 +3713,7 @@
           <a:p>
             <a:fld id="{B1D53C1D-A57C-4A8A-8A30-043BEBA7B76F}" type="datetimeFigureOut">
               <a:rPr lang="en-US" smtClean="0"/>
-              <a:t>3/20/2022</a:t>
+              <a:t>3/23/2022</a:t>
             </a:fld>
             <a:endParaRPr lang="en-US"/>
           </a:p>
@@ -3855,7 +3855,7 @@
           <a:p>
             <a:fld id="{B1D53C1D-A57C-4A8A-8A30-043BEBA7B76F}" type="datetimeFigureOut">
               <a:rPr lang="en-US" smtClean="0"/>
-              <a:t>3/20/2022</a:t>
+              <a:t>3/23/2022</a:t>
             </a:fld>
             <a:endParaRPr lang="en-US"/>
           </a:p>
@@ -3968,7 +3968,7 @@
           <a:p>
             <a:fld id="{B1D53C1D-A57C-4A8A-8A30-043BEBA7B76F}" type="datetimeFigureOut">
               <a:rPr lang="en-US" smtClean="0"/>
-              <a:t>3/20/2022</a:t>
+              <a:t>3/23/2022</a:t>
             </a:fld>
             <a:endParaRPr lang="en-US"/>
           </a:p>
@@ -4281,7 +4281,7 @@
           <a:p>
             <a:fld id="{B1D53C1D-A57C-4A8A-8A30-043BEBA7B76F}" type="datetimeFigureOut">
               <a:rPr lang="en-US" smtClean="0"/>
-              <a:t>3/20/2022</a:t>
+              <a:t>3/23/2022</a:t>
             </a:fld>
             <a:endParaRPr lang="en-US"/>
           </a:p>
@@ -4570,7 +4570,7 @@
           <a:p>
             <a:fld id="{B1D53C1D-A57C-4A8A-8A30-043BEBA7B76F}" type="datetimeFigureOut">
               <a:rPr lang="en-US" smtClean="0"/>
-              <a:t>3/20/2022</a:t>
+              <a:t>3/23/2022</a:t>
             </a:fld>
             <a:endParaRPr lang="en-US"/>
           </a:p>
@@ -4813,7 +4813,7 @@
           <a:p>
             <a:fld id="{B1D53C1D-A57C-4A8A-8A30-043BEBA7B76F}" type="datetimeFigureOut">
               <a:rPr lang="en-US" smtClean="0"/>
-              <a:t>3/20/2022</a:t>
+              <a:t>3/23/2022</a:t>
             </a:fld>
             <a:endParaRPr lang="en-US"/>
           </a:p>
@@ -7449,7 +7449,11 @@
           </a:xfrm>
           <a:noFill/>
           <a:ln>
-            <a:noFill/>
+            <a:solidFill>
+              <a:schemeClr val="accent2">
+                <a:lumMod val="50000"/>
+              </a:schemeClr>
+            </a:solidFill>
           </a:ln>
         </p:spPr>
         <p:txBody>
@@ -7666,7 +7670,9 @@
           </a:prstGeom>
           <a:ln>
             <a:solidFill>
-              <a:schemeClr val="bg1"/>
+              <a:schemeClr val="accent2">
+                <a:lumMod val="50000"/>
+              </a:schemeClr>
             </a:solidFill>
             <a:tailEnd type="triangle"/>
           </a:ln>
@@ -7713,7 +7719,9 @@
           </a:solidFill>
           <a:ln>
             <a:solidFill>
-              <a:schemeClr val="bg1"/>
+              <a:schemeClr val="accent2">
+                <a:lumMod val="50000"/>
+              </a:schemeClr>
             </a:solidFill>
           </a:ln>
         </p:spPr>
@@ -7772,7 +7780,9 @@
           </a:prstGeom>
           <a:ln>
             <a:solidFill>
-              <a:schemeClr val="bg1"/>
+              <a:schemeClr val="accent2">
+                <a:lumMod val="50000"/>
+              </a:schemeClr>
             </a:solidFill>
             <a:tailEnd type="triangle"/>
           </a:ln>
@@ -7819,7 +7829,9 @@
           </a:solidFill>
           <a:ln>
             <a:solidFill>
-              <a:schemeClr val="bg1"/>
+              <a:schemeClr val="accent2">
+                <a:lumMod val="50000"/>
+              </a:schemeClr>
             </a:solidFill>
           </a:ln>
         </p:spPr>
@@ -7878,7 +7890,9 @@
           </a:prstGeom>
           <a:ln>
             <a:solidFill>
-              <a:schemeClr val="bg1"/>
+              <a:schemeClr val="accent2">
+                <a:lumMod val="50000"/>
+              </a:schemeClr>
             </a:solidFill>
             <a:tailEnd type="triangle"/>
           </a:ln>
@@ -7924,7 +7938,9 @@
           </a:prstGeom>
           <a:ln>
             <a:solidFill>
-              <a:schemeClr val="bg1"/>
+              <a:schemeClr val="accent2">
+                <a:lumMod val="50000"/>
+              </a:schemeClr>
             </a:solidFill>
             <a:tailEnd type="triangle"/>
           </a:ln>
@@ -7970,7 +7986,9 @@
           </a:prstGeom>
           <a:ln>
             <a:solidFill>
-              <a:schemeClr val="bg1"/>
+              <a:schemeClr val="accent2">
+                <a:lumMod val="50000"/>
+              </a:schemeClr>
             </a:solidFill>
             <a:tailEnd type="triangle"/>
           </a:ln>
@@ -8017,7 +8035,9 @@
           </a:solidFill>
           <a:ln>
             <a:solidFill>
-              <a:schemeClr val="bg1"/>
+              <a:schemeClr val="accent2">
+                <a:lumMod val="50000"/>
+              </a:schemeClr>
             </a:solidFill>
           </a:ln>
         </p:spPr>
@@ -8077,7 +8097,9 @@
           </a:solidFill>
           <a:ln>
             <a:solidFill>
-              <a:schemeClr val="bg1"/>
+              <a:schemeClr val="accent2">
+                <a:lumMod val="50000"/>
+              </a:schemeClr>
             </a:solidFill>
           </a:ln>
         </p:spPr>
@@ -8137,7 +8159,9 @@
           </a:solidFill>
           <a:ln>
             <a:solidFill>
-              <a:schemeClr val="bg1"/>
+              <a:schemeClr val="accent2">
+                <a:lumMod val="50000"/>
+              </a:schemeClr>
             </a:solidFill>
           </a:ln>
         </p:spPr>
@@ -8197,7 +8221,9 @@
           </a:solidFill>
           <a:ln>
             <a:solidFill>
-              <a:schemeClr val="bg1"/>
+              <a:schemeClr val="accent2">
+                <a:lumMod val="50000"/>
+              </a:schemeClr>
             </a:solidFill>
           </a:ln>
         </p:spPr>
@@ -8257,7 +8283,9 @@
           </a:solidFill>
           <a:ln>
             <a:solidFill>
-              <a:schemeClr val="bg1"/>
+              <a:schemeClr val="accent2">
+                <a:lumMod val="50000"/>
+              </a:schemeClr>
             </a:solidFill>
           </a:ln>
         </p:spPr>
@@ -8317,7 +8345,9 @@
           </a:solidFill>
           <a:ln>
             <a:solidFill>
-              <a:schemeClr val="bg1"/>
+              <a:schemeClr val="accent2">
+                <a:lumMod val="50000"/>
+              </a:schemeClr>
             </a:solidFill>
           </a:ln>
         </p:spPr>
@@ -8437,7 +8467,9 @@
           </a:solidFill>
           <a:ln>
             <a:solidFill>
-              <a:schemeClr val="bg1"/>
+              <a:schemeClr val="accent2">
+                <a:lumMod val="50000"/>
+              </a:schemeClr>
             </a:solidFill>
           </a:ln>
         </p:spPr>
@@ -8497,7 +8529,9 @@
           </a:solidFill>
           <a:ln>
             <a:solidFill>
-              <a:schemeClr val="bg1"/>
+              <a:schemeClr val="accent2">
+                <a:lumMod val="50000"/>
+              </a:schemeClr>
             </a:solidFill>
           </a:ln>
         </p:spPr>
@@ -8557,7 +8591,9 @@
           </a:solidFill>
           <a:ln>
             <a:solidFill>
-              <a:schemeClr val="bg1"/>
+              <a:schemeClr val="accent2">
+                <a:lumMod val="50000"/>
+              </a:schemeClr>
             </a:solidFill>
           </a:ln>
         </p:spPr>
@@ -8615,7 +8651,9 @@
           </a:prstGeom>
           <a:ln>
             <a:solidFill>
-              <a:schemeClr val="bg1"/>
+              <a:schemeClr val="accent2">
+                <a:lumMod val="50000"/>
+              </a:schemeClr>
             </a:solidFill>
             <a:tailEnd type="triangle"/>
           </a:ln>
@@ -8660,7 +8698,9 @@
           </a:prstGeom>
           <a:ln>
             <a:solidFill>
-              <a:schemeClr val="bg1"/>
+              <a:schemeClr val="accent2">
+                <a:lumMod val="50000"/>
+              </a:schemeClr>
             </a:solidFill>
             <a:tailEnd type="triangle"/>
           </a:ln>
@@ -8705,7 +8745,9 @@
           </a:prstGeom>
           <a:ln>
             <a:solidFill>
-              <a:schemeClr val="bg1"/>
+              <a:schemeClr val="accent2">
+                <a:lumMod val="50000"/>
+              </a:schemeClr>
             </a:solidFill>
             <a:tailEnd type="triangle"/>
           </a:ln>
@@ -8750,7 +8792,9 @@
           </a:prstGeom>
           <a:ln>
             <a:solidFill>
-              <a:schemeClr val="bg1"/>
+              <a:schemeClr val="accent2">
+                <a:lumMod val="50000"/>
+              </a:schemeClr>
             </a:solidFill>
             <a:tailEnd type="triangle"/>
           </a:ln>
@@ -8795,7 +8839,9 @@
           </a:prstGeom>
           <a:ln>
             <a:solidFill>
-              <a:schemeClr val="bg1"/>
+              <a:schemeClr val="accent2">
+                <a:lumMod val="50000"/>
+              </a:schemeClr>
             </a:solidFill>
             <a:tailEnd type="triangle"/>
           </a:ln>
@@ -8841,7 +8887,9 @@
           </a:prstGeom>
           <a:ln>
             <a:solidFill>
-              <a:schemeClr val="bg1"/>
+              <a:schemeClr val="accent2">
+                <a:lumMod val="50000"/>
+              </a:schemeClr>
             </a:solidFill>
             <a:tailEnd type="triangle"/>
           </a:ln>
@@ -8886,7 +8934,9 @@
           </a:prstGeom>
           <a:ln>
             <a:solidFill>
-              <a:schemeClr val="bg1"/>
+              <a:schemeClr val="accent2">
+                <a:lumMod val="50000"/>
+              </a:schemeClr>
             </a:solidFill>
             <a:tailEnd type="triangle"/>
           </a:ln>
@@ -8934,7 +8984,9 @@
           </a:prstGeom>
           <a:ln>
             <a:solidFill>
-              <a:schemeClr val="bg1"/>
+              <a:schemeClr val="accent2">
+                <a:lumMod val="50000"/>
+              </a:schemeClr>
             </a:solidFill>
             <a:tailEnd type="triangle"/>
           </a:ln>
@@ -8980,7 +9032,9 @@
           </a:prstGeom>
           <a:ln>
             <a:solidFill>
-              <a:schemeClr val="bg1"/>
+              <a:schemeClr val="accent2">
+                <a:lumMod val="50000"/>
+              </a:schemeClr>
             </a:solidFill>
             <a:tailEnd type="triangle"/>
           </a:ln>
@@ -9026,7 +9080,9 @@
           </a:prstGeom>
           <a:ln>
             <a:solidFill>
-              <a:schemeClr val="bg1"/>
+              <a:schemeClr val="accent2">
+                <a:lumMod val="50000"/>
+              </a:schemeClr>
             </a:solidFill>
             <a:tailEnd type="triangle"/>
           </a:ln>
@@ -9073,7 +9129,9 @@
           </a:solidFill>
           <a:ln>
             <a:solidFill>
-              <a:schemeClr val="bg1"/>
+              <a:schemeClr val="accent2">
+                <a:lumMod val="50000"/>
+              </a:schemeClr>
             </a:solidFill>
           </a:ln>
         </p:spPr>
@@ -9133,7 +9191,9 @@
           </a:solidFill>
           <a:ln>
             <a:solidFill>
-              <a:schemeClr val="bg1"/>
+              <a:schemeClr val="accent2">
+                <a:lumMod val="50000"/>
+              </a:schemeClr>
             </a:solidFill>
           </a:ln>
         </p:spPr>
@@ -9193,7 +9253,9 @@
           </a:solidFill>
           <a:ln>
             <a:solidFill>
-              <a:schemeClr val="bg1"/>
+              <a:schemeClr val="accent2">
+                <a:lumMod val="50000"/>
+              </a:schemeClr>
             </a:solidFill>
           </a:ln>
         </p:spPr>
@@ -9253,7 +9315,9 @@
           </a:solidFill>
           <a:ln>
             <a:solidFill>
-              <a:schemeClr val="bg1"/>
+              <a:schemeClr val="accent2">
+                <a:lumMod val="50000"/>
+              </a:schemeClr>
             </a:solidFill>
           </a:ln>
         </p:spPr>
@@ -9313,7 +9377,9 @@
           </a:solidFill>
           <a:ln>
             <a:solidFill>
-              <a:schemeClr val="bg1"/>
+              <a:schemeClr val="accent2">
+                <a:lumMod val="50000"/>
+              </a:schemeClr>
             </a:solidFill>
           </a:ln>
         </p:spPr>
@@ -9372,7 +9438,9 @@
           </a:prstGeom>
           <a:ln>
             <a:solidFill>
-              <a:schemeClr val="bg1"/>
+              <a:schemeClr val="accent2">
+                <a:lumMod val="50000"/>
+              </a:schemeClr>
             </a:solidFill>
             <a:tailEnd type="triangle"/>
           </a:ln>
@@ -9418,7 +9486,9 @@
           </a:prstGeom>
           <a:ln>
             <a:solidFill>
-              <a:schemeClr val="bg1"/>
+              <a:schemeClr val="accent2">
+                <a:lumMod val="50000"/>
+              </a:schemeClr>
             </a:solidFill>
             <a:tailEnd type="triangle"/>
           </a:ln>
@@ -9465,7 +9535,9 @@
           </a:solidFill>
           <a:ln>
             <a:solidFill>
-              <a:schemeClr val="bg1"/>
+              <a:schemeClr val="accent2">
+                <a:lumMod val="50000"/>
+              </a:schemeClr>
             </a:solidFill>
           </a:ln>
         </p:spPr>
@@ -9524,7 +9596,9 @@
           </a:prstGeom>
           <a:ln>
             <a:solidFill>
-              <a:schemeClr val="bg1"/>
+              <a:schemeClr val="accent2">
+                <a:lumMod val="50000"/>
+              </a:schemeClr>
             </a:solidFill>
             <a:tailEnd type="triangle"/>
           </a:ln>
@@ -9570,7 +9644,9 @@
           </a:prstGeom>
           <a:ln>
             <a:solidFill>
-              <a:schemeClr val="bg1"/>
+              <a:schemeClr val="accent2">
+                <a:lumMod val="50000"/>
+              </a:schemeClr>
             </a:solidFill>
             <a:tailEnd type="triangle"/>
           </a:ln>
@@ -9617,7 +9693,9 @@
           </a:solidFill>
           <a:ln>
             <a:solidFill>
-              <a:schemeClr val="bg1"/>
+              <a:schemeClr val="accent2">
+                <a:lumMod val="50000"/>
+              </a:schemeClr>
             </a:solidFill>
           </a:ln>
         </p:spPr>
@@ -9676,7 +9754,9 @@
           </a:prstGeom>
           <a:ln>
             <a:solidFill>
-              <a:schemeClr val="bg1"/>
+              <a:schemeClr val="accent2">
+                <a:lumMod val="50000"/>
+              </a:schemeClr>
             </a:solidFill>
             <a:tailEnd type="triangle"/>
           </a:ln>
@@ -9723,7 +9803,9 @@
           </a:solidFill>
           <a:ln>
             <a:solidFill>
-              <a:schemeClr val="bg1"/>
+              <a:schemeClr val="accent2">
+                <a:lumMod val="50000"/>
+              </a:schemeClr>
             </a:solidFill>
           </a:ln>
         </p:spPr>
@@ -9782,7 +9864,9 @@
           </a:prstGeom>
           <a:ln>
             <a:solidFill>
-              <a:schemeClr val="bg1"/>
+              <a:schemeClr val="accent2">
+                <a:lumMod val="50000"/>
+              </a:schemeClr>
             </a:solidFill>
             <a:tailEnd type="triangle"/>
           </a:ln>
@@ -9828,7 +9912,9 @@
           </a:prstGeom>
           <a:ln>
             <a:solidFill>
-              <a:schemeClr val="bg1"/>
+              <a:schemeClr val="accent2">
+                <a:lumMod val="50000"/>
+              </a:schemeClr>
             </a:solidFill>
             <a:tailEnd type="triangle"/>
           </a:ln>
@@ -9876,7 +9962,9 @@
           </a:prstGeom>
           <a:ln>
             <a:solidFill>
-              <a:schemeClr val="bg1"/>
+              <a:schemeClr val="accent2">
+                <a:lumMod val="50000"/>
+              </a:schemeClr>
             </a:solidFill>
             <a:tailEnd type="triangle"/>
           </a:ln>
@@ -9922,7 +10010,9 @@
           </a:prstGeom>
           <a:ln>
             <a:solidFill>
-              <a:schemeClr val="bg1"/>
+              <a:schemeClr val="accent2">
+                <a:lumMod val="50000"/>
+              </a:schemeClr>
             </a:solidFill>
             <a:tailEnd type="triangle"/>
           </a:ln>
@@ -9968,7 +10058,9 @@
           </a:prstGeom>
           <a:ln>
             <a:solidFill>
-              <a:schemeClr val="bg1"/>
+              <a:schemeClr val="accent2">
+                <a:lumMod val="50000"/>
+              </a:schemeClr>
             </a:solidFill>
             <a:tailEnd type="triangle"/>
           </a:ln>
@@ -10014,7 +10106,9 @@
           </a:prstGeom>
           <a:ln>
             <a:solidFill>
-              <a:schemeClr val="bg1"/>
+              <a:schemeClr val="accent2">
+                <a:lumMod val="50000"/>
+              </a:schemeClr>
             </a:solidFill>
             <a:tailEnd type="triangle"/>
           </a:ln>
@@ -10060,7 +10154,9 @@
           </a:prstGeom>
           <a:ln>
             <a:solidFill>
-              <a:schemeClr val="bg1"/>
+              <a:schemeClr val="accent2">
+                <a:lumMod val="50000"/>
+              </a:schemeClr>
             </a:solidFill>
             <a:tailEnd type="triangle"/>
           </a:ln>
@@ -10767,7 +10863,7 @@
         </p:blipFill>
         <p:spPr>
           <a:xfrm>
-            <a:off x="5062538" y="2392925"/>
+            <a:off x="5062538" y="2392924"/>
             <a:ext cx="1757361" cy="938182"/>
           </a:xfrm>
           <a:prstGeom prst="rect">
@@ -10929,7 +11025,7 @@
         </p:blipFill>
         <p:spPr>
           <a:xfrm>
-            <a:off x="4057818" y="4582890"/>
+            <a:off x="4036218" y="4577866"/>
             <a:ext cx="2261505" cy="1089442"/>
           </a:xfrm>
           <a:prstGeom prst="rect">
